--- a/Documents/Basic Scholarship Awarding Graphs.pptx
+++ b/Documents/Basic Scholarship Awarding Graphs.pptx
@@ -6,26 +6,27 @@
   </p:sldMasterIdLst>
   <p:sldIdLst>
     <p:sldId id="256" r:id="rId2"/>
-    <p:sldId id="278" r:id="rId3"/>
-    <p:sldId id="257" r:id="rId4"/>
-    <p:sldId id="258" r:id="rId5"/>
-    <p:sldId id="259" r:id="rId6"/>
-    <p:sldId id="260" r:id="rId7"/>
-    <p:sldId id="261" r:id="rId8"/>
-    <p:sldId id="262" r:id="rId9"/>
-    <p:sldId id="263" r:id="rId10"/>
-    <p:sldId id="264" r:id="rId11"/>
-    <p:sldId id="265" r:id="rId12"/>
-    <p:sldId id="266" r:id="rId13"/>
-    <p:sldId id="267" r:id="rId14"/>
-    <p:sldId id="268" r:id="rId15"/>
-    <p:sldId id="269" r:id="rId16"/>
-    <p:sldId id="270" r:id="rId17"/>
-    <p:sldId id="271" r:id="rId18"/>
-    <p:sldId id="272" r:id="rId19"/>
-    <p:sldId id="274" r:id="rId20"/>
-    <p:sldId id="276" r:id="rId21"/>
-    <p:sldId id="277" r:id="rId22"/>
+    <p:sldId id="279" r:id="rId3"/>
+    <p:sldId id="280" r:id="rId4"/>
+    <p:sldId id="257" r:id="rId5"/>
+    <p:sldId id="258" r:id="rId6"/>
+    <p:sldId id="259" r:id="rId7"/>
+    <p:sldId id="260" r:id="rId8"/>
+    <p:sldId id="261" r:id="rId9"/>
+    <p:sldId id="262" r:id="rId10"/>
+    <p:sldId id="263" r:id="rId11"/>
+    <p:sldId id="264" r:id="rId12"/>
+    <p:sldId id="265" r:id="rId13"/>
+    <p:sldId id="266" r:id="rId14"/>
+    <p:sldId id="267" r:id="rId15"/>
+    <p:sldId id="268" r:id="rId16"/>
+    <p:sldId id="269" r:id="rId17"/>
+    <p:sldId id="270" r:id="rId18"/>
+    <p:sldId id="271" r:id="rId19"/>
+    <p:sldId id="272" r:id="rId20"/>
+    <p:sldId id="274" r:id="rId21"/>
+    <p:sldId id="276" r:id="rId22"/>
+    <p:sldId id="277" r:id="rId23"/>
   </p:sldIdLst>
   <p:sldSz cx="12192000" cy="6858000"/>
   <p:notesSz cx="6858000" cy="9144000"/>
@@ -5838,7 +5839,11 @@
           <a:bodyPr/>
           <a:lstStyle/>
           <a:p>
-            <a:endParaRPr lang="en-US"/>
+            <a:r>
+              <a:rPr lang="en-US" dirty="0" smtClean="0"/>
+              <a:t>Creating a way to allow scholarship awarding committee give scholarships in a fairer way</a:t>
+            </a:r>
+            <a:endParaRPr lang="en-US" dirty="0"/>
           </a:p>
         </p:txBody>
       </p:sp>
@@ -5881,989 +5886,85 @@
       </p:grpSpPr>
       <p:sp>
         <p:nvSpPr>
-          <p:cNvPr id="4" name="Oval 3"/>
-          <p:cNvSpPr/>
-          <p:nvPr/>
-        </p:nvSpPr>
-        <p:spPr>
-          <a:xfrm>
-            <a:off x="831273" y="609600"/>
-            <a:ext cx="914400" cy="914400"/>
-          </a:xfrm>
-          <a:prstGeom prst="ellipse">
-            <a:avLst/>
-          </a:prstGeom>
-        </p:spPr>
-        <p:style>
-          <a:lnRef idx="2">
-            <a:schemeClr val="accent1">
-              <a:shade val="50000"/>
-            </a:schemeClr>
-          </a:lnRef>
-          <a:fillRef idx="1">
-            <a:schemeClr val="accent1"/>
-          </a:fillRef>
-          <a:effectRef idx="0">
-            <a:schemeClr val="accent1"/>
-          </a:effectRef>
-          <a:fontRef idx="minor">
-            <a:schemeClr val="lt1"/>
-          </a:fontRef>
-        </p:style>
-        <p:txBody>
-          <a:bodyPr rtlCol="0" anchor="ctr"/>
-          <a:lstStyle/>
-          <a:p>
-            <a:pPr algn="ctr"/>
-            <a:r>
-              <a:rPr lang="en-US" dirty="0" smtClean="0"/>
-              <a:t>S1</a:t>
-            </a:r>
-            <a:endParaRPr lang="en-US" dirty="0"/>
-          </a:p>
-        </p:txBody>
-      </p:sp>
-      <p:sp>
-        <p:nvSpPr>
-          <p:cNvPr id="5" name="Oval 4"/>
-          <p:cNvSpPr/>
-          <p:nvPr/>
-        </p:nvSpPr>
-        <p:spPr>
-          <a:xfrm>
-            <a:off x="831273" y="2154382"/>
-            <a:ext cx="914400" cy="914400"/>
-          </a:xfrm>
-          <a:prstGeom prst="ellipse">
-            <a:avLst/>
-          </a:prstGeom>
-        </p:spPr>
-        <p:style>
-          <a:lnRef idx="2">
-            <a:schemeClr val="accent1">
-              <a:shade val="50000"/>
-            </a:schemeClr>
-          </a:lnRef>
-          <a:fillRef idx="1">
-            <a:schemeClr val="accent1"/>
-          </a:fillRef>
-          <a:effectRef idx="0">
-            <a:schemeClr val="accent1"/>
-          </a:effectRef>
-          <a:fontRef idx="minor">
-            <a:schemeClr val="lt1"/>
-          </a:fontRef>
-        </p:style>
-        <p:txBody>
-          <a:bodyPr rtlCol="0" anchor="ctr"/>
-          <a:lstStyle/>
-          <a:p>
-            <a:pPr algn="ctr"/>
-            <a:r>
-              <a:rPr lang="en-US" dirty="0" smtClean="0"/>
-              <a:t>S2</a:t>
-            </a:r>
-            <a:endParaRPr lang="en-US" dirty="0"/>
-          </a:p>
-        </p:txBody>
-      </p:sp>
-      <p:sp>
-        <p:nvSpPr>
-          <p:cNvPr id="6" name="Oval 5"/>
-          <p:cNvSpPr/>
-          <p:nvPr/>
-        </p:nvSpPr>
-        <p:spPr>
-          <a:xfrm>
-            <a:off x="831273" y="3699164"/>
-            <a:ext cx="914400" cy="914400"/>
-          </a:xfrm>
-          <a:prstGeom prst="ellipse">
-            <a:avLst/>
-          </a:prstGeom>
-        </p:spPr>
-        <p:style>
-          <a:lnRef idx="2">
-            <a:schemeClr val="accent1">
-              <a:shade val="50000"/>
-            </a:schemeClr>
-          </a:lnRef>
-          <a:fillRef idx="1">
-            <a:schemeClr val="accent1"/>
-          </a:fillRef>
-          <a:effectRef idx="0">
-            <a:schemeClr val="accent1"/>
-          </a:effectRef>
-          <a:fontRef idx="minor">
-            <a:schemeClr val="lt1"/>
-          </a:fontRef>
-        </p:style>
-        <p:txBody>
-          <a:bodyPr rtlCol="0" anchor="ctr"/>
-          <a:lstStyle/>
-          <a:p>
-            <a:pPr algn="ctr"/>
-            <a:r>
-              <a:rPr lang="en-US" dirty="0" smtClean="0"/>
-              <a:t>S3</a:t>
-            </a:r>
-            <a:endParaRPr lang="en-US" dirty="0"/>
-          </a:p>
-        </p:txBody>
-      </p:sp>
-      <p:sp>
-        <p:nvSpPr>
-          <p:cNvPr id="8" name="Oval 7"/>
-          <p:cNvSpPr/>
-          <p:nvPr/>
-        </p:nvSpPr>
-        <p:spPr>
-          <a:xfrm>
-            <a:off x="4405745" y="609600"/>
-            <a:ext cx="914400" cy="914400"/>
-          </a:xfrm>
-          <a:prstGeom prst="ellipse">
-            <a:avLst/>
-          </a:prstGeom>
-        </p:spPr>
-        <p:style>
-          <a:lnRef idx="2">
-            <a:schemeClr val="accent6"/>
-          </a:lnRef>
-          <a:fillRef idx="1">
-            <a:schemeClr val="lt1"/>
-          </a:fillRef>
-          <a:effectRef idx="0">
-            <a:schemeClr val="accent6"/>
-          </a:effectRef>
-          <a:fontRef idx="minor">
-            <a:schemeClr val="dk1"/>
-          </a:fontRef>
-        </p:style>
-        <p:txBody>
-          <a:bodyPr rtlCol="0" anchor="ctr"/>
-          <a:lstStyle/>
-          <a:p>
-            <a:pPr algn="ctr"/>
-            <a:r>
-              <a:rPr lang="en-US" dirty="0" smtClean="0"/>
-              <a:t>A1</a:t>
-            </a:r>
-            <a:endParaRPr lang="en-US" dirty="0"/>
-          </a:p>
-        </p:txBody>
-      </p:sp>
-      <p:sp>
-        <p:nvSpPr>
-          <p:cNvPr id="9" name="Oval 8"/>
-          <p:cNvSpPr/>
-          <p:nvPr/>
-        </p:nvSpPr>
-        <p:spPr>
-          <a:xfrm>
-            <a:off x="4461163" y="1849582"/>
-            <a:ext cx="914400" cy="914400"/>
-          </a:xfrm>
-          <a:prstGeom prst="ellipse">
-            <a:avLst/>
-          </a:prstGeom>
-        </p:spPr>
-        <p:style>
-          <a:lnRef idx="2">
-            <a:schemeClr val="accent6"/>
-          </a:lnRef>
-          <a:fillRef idx="1">
-            <a:schemeClr val="lt1"/>
-          </a:fillRef>
-          <a:effectRef idx="0">
-            <a:schemeClr val="accent6"/>
-          </a:effectRef>
-          <a:fontRef idx="minor">
-            <a:schemeClr val="dk1"/>
-          </a:fontRef>
-        </p:style>
-        <p:txBody>
-          <a:bodyPr rtlCol="0" anchor="ctr"/>
-          <a:lstStyle/>
-          <a:p>
-            <a:pPr algn="ctr"/>
-            <a:r>
-              <a:rPr lang="en-US" dirty="0" smtClean="0"/>
-              <a:t>A2</a:t>
-            </a:r>
-            <a:endParaRPr lang="en-US" dirty="0"/>
-          </a:p>
-        </p:txBody>
-      </p:sp>
-      <p:sp>
-        <p:nvSpPr>
-          <p:cNvPr id="10" name="Oval 9"/>
-          <p:cNvSpPr/>
-          <p:nvPr/>
-        </p:nvSpPr>
-        <p:spPr>
-          <a:xfrm>
-            <a:off x="4461163" y="3328555"/>
-            <a:ext cx="914400" cy="914400"/>
-          </a:xfrm>
-          <a:prstGeom prst="ellipse">
-            <a:avLst/>
-          </a:prstGeom>
-        </p:spPr>
-        <p:style>
-          <a:lnRef idx="2">
-            <a:schemeClr val="accent6"/>
-          </a:lnRef>
-          <a:fillRef idx="1">
-            <a:schemeClr val="lt1"/>
-          </a:fillRef>
-          <a:effectRef idx="0">
-            <a:schemeClr val="accent6"/>
-          </a:effectRef>
-          <a:fontRef idx="minor">
-            <a:schemeClr val="dk1"/>
-          </a:fontRef>
-        </p:style>
-        <p:txBody>
-          <a:bodyPr rtlCol="0" anchor="ctr"/>
-          <a:lstStyle/>
-          <a:p>
-            <a:pPr algn="ctr"/>
-            <a:r>
-              <a:rPr lang="en-US" dirty="0" smtClean="0"/>
-              <a:t>A3</a:t>
-            </a:r>
-            <a:endParaRPr lang="en-US" dirty="0"/>
-          </a:p>
-        </p:txBody>
-      </p:sp>
-      <p:sp>
-        <p:nvSpPr>
-          <p:cNvPr id="11" name="Oval 10"/>
-          <p:cNvSpPr/>
-          <p:nvPr/>
-        </p:nvSpPr>
-        <p:spPr>
-          <a:xfrm>
-            <a:off x="4461163" y="4807528"/>
-            <a:ext cx="914400" cy="914400"/>
-          </a:xfrm>
-          <a:prstGeom prst="ellipse">
-            <a:avLst/>
-          </a:prstGeom>
-        </p:spPr>
-        <p:style>
-          <a:lnRef idx="2">
-            <a:schemeClr val="accent6"/>
-          </a:lnRef>
-          <a:fillRef idx="1">
-            <a:schemeClr val="lt1"/>
-          </a:fillRef>
-          <a:effectRef idx="0">
-            <a:schemeClr val="accent6"/>
-          </a:effectRef>
-          <a:fontRef idx="minor">
-            <a:schemeClr val="dk1"/>
-          </a:fontRef>
-        </p:style>
-        <p:txBody>
-          <a:bodyPr rtlCol="0" anchor="ctr"/>
-          <a:lstStyle/>
-          <a:p>
-            <a:pPr algn="ctr"/>
-            <a:r>
-              <a:rPr lang="en-US" dirty="0" smtClean="0"/>
-              <a:t>A4</a:t>
-            </a:r>
-            <a:endParaRPr lang="en-US" dirty="0"/>
-          </a:p>
-        </p:txBody>
-      </p:sp>
-      <p:sp>
-        <p:nvSpPr>
-          <p:cNvPr id="12" name="TextBox 11"/>
-          <p:cNvSpPr txBox="1"/>
-          <p:nvPr/>
-        </p:nvSpPr>
-        <p:spPr>
-          <a:xfrm>
-            <a:off x="678873" y="240268"/>
-            <a:ext cx="2493818" cy="369332"/>
-          </a:xfrm>
-          <a:prstGeom prst="rect">
-            <a:avLst/>
-          </a:prstGeom>
-          <a:noFill/>
-        </p:spPr>
-        <p:txBody>
-          <a:bodyPr wrap="square" rtlCol="0">
-            <a:spAutoFit/>
-          </a:bodyPr>
-          <a:lstStyle/>
-          <a:p>
-            <a:r>
-              <a:rPr lang="en-US" dirty="0" smtClean="0"/>
-              <a:t>Scholarships</a:t>
-            </a:r>
-            <a:endParaRPr lang="en-US" dirty="0"/>
-          </a:p>
-        </p:txBody>
-      </p:sp>
-      <p:sp>
-        <p:nvSpPr>
-          <p:cNvPr id="13" name="TextBox 12"/>
-          <p:cNvSpPr txBox="1"/>
-          <p:nvPr/>
-        </p:nvSpPr>
-        <p:spPr>
-          <a:xfrm>
-            <a:off x="4239491" y="240268"/>
-            <a:ext cx="1551709" cy="369332"/>
-          </a:xfrm>
-          <a:prstGeom prst="rect">
-            <a:avLst/>
-          </a:prstGeom>
-          <a:noFill/>
-        </p:spPr>
-        <p:txBody>
-          <a:bodyPr wrap="square" rtlCol="0">
-            <a:spAutoFit/>
-          </a:bodyPr>
-          <a:lstStyle/>
-          <a:p>
-            <a:r>
-              <a:rPr lang="en-US" dirty="0" smtClean="0"/>
-              <a:t>Applicants</a:t>
-            </a:r>
-          </a:p>
-        </p:txBody>
-      </p:sp>
-      <p:sp>
-        <p:nvSpPr>
-          <p:cNvPr id="14" name="TextBox 13"/>
-          <p:cNvSpPr txBox="1"/>
-          <p:nvPr/>
-        </p:nvSpPr>
-        <p:spPr>
-          <a:xfrm>
-            <a:off x="6525491" y="1066800"/>
-            <a:ext cx="2535382" cy="646331"/>
-          </a:xfrm>
-          <a:prstGeom prst="rect">
-            <a:avLst/>
-          </a:prstGeom>
-          <a:noFill/>
-        </p:spPr>
-        <p:txBody>
-          <a:bodyPr wrap="square" rtlCol="0">
-            <a:spAutoFit/>
-          </a:bodyPr>
-          <a:lstStyle/>
-          <a:p>
-            <a:r>
-              <a:rPr lang="en-US" dirty="0" smtClean="0"/>
-              <a:t>Maximum One Award Per Applicant</a:t>
-            </a:r>
-            <a:endParaRPr lang="en-US" dirty="0"/>
-          </a:p>
-        </p:txBody>
-      </p:sp>
-      <p:cxnSp>
-        <p:nvCxnSpPr>
-          <p:cNvPr id="3" name="Straight Connector 2"/>
-          <p:cNvCxnSpPr>
-            <a:stCxn id="4" idx="6"/>
-            <a:endCxn id="8" idx="2"/>
-          </p:cNvCxnSpPr>
-          <p:nvPr/>
-        </p:nvCxnSpPr>
-        <p:spPr>
-          <a:xfrm>
-            <a:off x="1745673" y="1066800"/>
-            <a:ext cx="2660072" cy="0"/>
-          </a:xfrm>
-          <a:prstGeom prst="line">
-            <a:avLst/>
-          </a:prstGeom>
-          <a:ln w="9525" cap="flat" cmpd="sng" algn="ctr">
-            <a:solidFill>
-              <a:schemeClr val="dk1"/>
-            </a:solidFill>
-            <a:prstDash val="solid"/>
-            <a:round/>
-            <a:headEnd type="arrow" w="med" len="med"/>
-            <a:tailEnd type="arrow" w="med" len="med"/>
-          </a:ln>
-        </p:spPr>
-        <p:style>
-          <a:lnRef idx="0">
-            <a:scrgbClr r="0" g="0" b="0"/>
-          </a:lnRef>
-          <a:fillRef idx="0">
-            <a:scrgbClr r="0" g="0" b="0"/>
-          </a:fillRef>
-          <a:effectRef idx="0">
-            <a:scrgbClr r="0" g="0" b="0"/>
-          </a:effectRef>
-          <a:fontRef idx="minor">
-            <a:schemeClr val="tx1"/>
-          </a:fontRef>
-        </p:style>
-      </p:cxnSp>
-      <p:cxnSp>
-        <p:nvCxnSpPr>
-          <p:cNvPr id="17" name="Straight Connector 16"/>
-          <p:cNvCxnSpPr>
-            <a:stCxn id="4" idx="5"/>
-            <a:endCxn id="9" idx="2"/>
-          </p:cNvCxnSpPr>
-          <p:nvPr/>
-        </p:nvCxnSpPr>
-        <p:spPr>
-          <a:xfrm>
-            <a:off x="1611762" y="1390089"/>
-            <a:ext cx="2849401" cy="916693"/>
-          </a:xfrm>
-          <a:prstGeom prst="line">
-            <a:avLst/>
-          </a:prstGeom>
-        </p:spPr>
-        <p:style>
-          <a:lnRef idx="1">
-            <a:schemeClr val="accent1"/>
-          </a:lnRef>
-          <a:fillRef idx="0">
-            <a:schemeClr val="accent1"/>
-          </a:fillRef>
-          <a:effectRef idx="0">
-            <a:schemeClr val="accent1"/>
-          </a:effectRef>
-          <a:fontRef idx="minor">
-            <a:schemeClr val="tx1"/>
-          </a:fontRef>
-        </p:style>
-      </p:cxnSp>
-      <p:cxnSp>
-        <p:nvCxnSpPr>
-          <p:cNvPr id="20" name="Straight Connector 19"/>
-          <p:cNvCxnSpPr>
-            <a:endCxn id="11" idx="1"/>
-          </p:cNvCxnSpPr>
-          <p:nvPr/>
-        </p:nvCxnSpPr>
-        <p:spPr>
-          <a:xfrm>
-            <a:off x="1353137" y="1446654"/>
-            <a:ext cx="3241937" cy="3494785"/>
-          </a:xfrm>
-          <a:prstGeom prst="line">
-            <a:avLst/>
-          </a:prstGeom>
-        </p:spPr>
-        <p:style>
-          <a:lnRef idx="1">
-            <a:schemeClr val="accent1"/>
-          </a:lnRef>
-          <a:fillRef idx="0">
-            <a:schemeClr val="accent1"/>
-          </a:fillRef>
-          <a:effectRef idx="0">
-            <a:schemeClr val="accent1"/>
-          </a:effectRef>
-          <a:fontRef idx="minor">
-            <a:schemeClr val="tx1"/>
-          </a:fontRef>
-        </p:style>
-      </p:cxnSp>
-      <p:cxnSp>
-        <p:nvCxnSpPr>
-          <p:cNvPr id="21" name="Straight Connector 20"/>
-          <p:cNvCxnSpPr>
-            <a:endCxn id="10" idx="1"/>
-          </p:cNvCxnSpPr>
-          <p:nvPr/>
-        </p:nvCxnSpPr>
-        <p:spPr>
-          <a:xfrm>
-            <a:off x="1678718" y="2478817"/>
-            <a:ext cx="2916356" cy="983649"/>
-          </a:xfrm>
-          <a:prstGeom prst="line">
-            <a:avLst/>
-          </a:prstGeom>
-          <a:ln w="9525" cap="flat" cmpd="sng" algn="ctr">
-            <a:solidFill>
-              <a:schemeClr val="dk1"/>
-            </a:solidFill>
-            <a:prstDash val="solid"/>
-            <a:round/>
-            <a:headEnd type="arrow" w="med" len="med"/>
-            <a:tailEnd type="arrow" w="med" len="med"/>
-          </a:ln>
-        </p:spPr>
-        <p:style>
-          <a:lnRef idx="0">
-            <a:scrgbClr r="0" g="0" b="0"/>
-          </a:lnRef>
-          <a:fillRef idx="0">
-            <a:scrgbClr r="0" g="0" b="0"/>
-          </a:fillRef>
-          <a:effectRef idx="0">
-            <a:scrgbClr r="0" g="0" b="0"/>
-          </a:effectRef>
-          <a:fontRef idx="minor">
-            <a:schemeClr val="tx1"/>
-          </a:fontRef>
-        </p:style>
-      </p:cxnSp>
-      <p:cxnSp>
-        <p:nvCxnSpPr>
-          <p:cNvPr id="26" name="Straight Connector 25"/>
-          <p:cNvCxnSpPr>
-            <a:stCxn id="6" idx="6"/>
-            <a:endCxn id="9" idx="2"/>
-          </p:cNvCxnSpPr>
-          <p:nvPr/>
-        </p:nvCxnSpPr>
-        <p:spPr>
-          <a:xfrm flipV="1">
-            <a:off x="1745673" y="2306782"/>
-            <a:ext cx="2715490" cy="1849582"/>
-          </a:xfrm>
-          <a:prstGeom prst="line">
-            <a:avLst/>
-          </a:prstGeom>
-          <a:ln w="9525" cap="flat" cmpd="sng" algn="ctr">
-            <a:solidFill>
-              <a:schemeClr val="dk1"/>
-            </a:solidFill>
-            <a:prstDash val="solid"/>
-            <a:round/>
-            <a:headEnd type="arrow" w="med" len="med"/>
-            <a:tailEnd type="arrow" w="med" len="med"/>
-          </a:ln>
-        </p:spPr>
-        <p:style>
-          <a:lnRef idx="0">
-            <a:scrgbClr r="0" g="0" b="0"/>
-          </a:lnRef>
-          <a:fillRef idx="0">
-            <a:scrgbClr r="0" g="0" b="0"/>
-          </a:fillRef>
-          <a:effectRef idx="0">
-            <a:scrgbClr r="0" g="0" b="0"/>
-          </a:effectRef>
-          <a:fontRef idx="minor">
-            <a:schemeClr val="tx1"/>
-          </a:fontRef>
-        </p:style>
-      </p:cxnSp>
-      <p:cxnSp>
-        <p:nvCxnSpPr>
-          <p:cNvPr id="30" name="Straight Connector 29"/>
-          <p:cNvCxnSpPr>
-            <a:stCxn id="10" idx="2"/>
-            <a:endCxn id="6" idx="6"/>
-          </p:cNvCxnSpPr>
-          <p:nvPr/>
-        </p:nvCxnSpPr>
-        <p:spPr>
-          <a:xfrm flipH="1">
-            <a:off x="1745673" y="3785755"/>
-            <a:ext cx="2715490" cy="370609"/>
-          </a:xfrm>
-          <a:prstGeom prst="line">
-            <a:avLst/>
-          </a:prstGeom>
-        </p:spPr>
-        <p:style>
-          <a:lnRef idx="1">
-            <a:schemeClr val="accent1"/>
-          </a:lnRef>
-          <a:fillRef idx="0">
-            <a:schemeClr val="accent1"/>
-          </a:fillRef>
-          <a:effectRef idx="0">
-            <a:schemeClr val="accent1"/>
-          </a:effectRef>
-          <a:fontRef idx="minor">
-            <a:schemeClr val="tx1"/>
-          </a:fontRef>
-        </p:style>
-      </p:cxnSp>
-      <p:cxnSp>
-        <p:nvCxnSpPr>
-          <p:cNvPr id="32" name="Straight Connector 31"/>
-          <p:cNvCxnSpPr>
-            <a:stCxn id="8" idx="3"/>
-            <a:endCxn id="6" idx="7"/>
-          </p:cNvCxnSpPr>
-          <p:nvPr/>
-        </p:nvCxnSpPr>
-        <p:spPr>
-          <a:xfrm flipH="1">
-            <a:off x="1611762" y="1390089"/>
-            <a:ext cx="2927894" cy="2442986"/>
-          </a:xfrm>
-          <a:prstGeom prst="line">
-            <a:avLst/>
-          </a:prstGeom>
-        </p:spPr>
-        <p:style>
-          <a:lnRef idx="1">
-            <a:schemeClr val="accent1"/>
-          </a:lnRef>
-          <a:fillRef idx="0">
-            <a:schemeClr val="accent1"/>
-          </a:fillRef>
-          <a:effectRef idx="0">
-            <a:schemeClr val="accent1"/>
-          </a:effectRef>
-          <a:fontRef idx="minor">
-            <a:schemeClr val="tx1"/>
-          </a:fontRef>
-        </p:style>
-      </p:cxnSp>
-      <p:cxnSp>
-        <p:nvCxnSpPr>
-          <p:cNvPr id="34" name="Straight Connector 33"/>
-          <p:cNvCxnSpPr>
-            <a:stCxn id="11" idx="2"/>
-            <a:endCxn id="6" idx="5"/>
-          </p:cNvCxnSpPr>
-          <p:nvPr/>
-        </p:nvCxnSpPr>
-        <p:spPr>
-          <a:xfrm flipH="1" flipV="1">
-            <a:off x="1611762" y="4479653"/>
-            <a:ext cx="2849401" cy="785075"/>
-          </a:xfrm>
-          <a:prstGeom prst="line">
-            <a:avLst/>
-          </a:prstGeom>
-        </p:spPr>
-        <p:style>
-          <a:lnRef idx="1">
-            <a:schemeClr val="accent1"/>
-          </a:lnRef>
-          <a:fillRef idx="0">
-            <a:schemeClr val="accent1"/>
-          </a:fillRef>
-          <a:effectRef idx="0">
-            <a:schemeClr val="accent1"/>
-          </a:effectRef>
-          <a:fontRef idx="minor">
-            <a:schemeClr val="tx1"/>
-          </a:fontRef>
-        </p:style>
-      </p:cxnSp>
-      <p:cxnSp>
-        <p:nvCxnSpPr>
-          <p:cNvPr id="37" name="Straight Connector 36"/>
-          <p:cNvCxnSpPr/>
-          <p:nvPr/>
-        </p:nvCxnSpPr>
-        <p:spPr>
-          <a:xfrm flipV="1">
-            <a:off x="1767613" y="1163782"/>
-            <a:ext cx="2660072" cy="1544782"/>
-          </a:xfrm>
-          <a:prstGeom prst="line">
-            <a:avLst/>
-          </a:prstGeom>
-        </p:spPr>
-        <p:style>
-          <a:lnRef idx="1">
-            <a:schemeClr val="accent1"/>
-          </a:lnRef>
-          <a:fillRef idx="0">
-            <a:schemeClr val="accent1"/>
-          </a:fillRef>
-          <a:effectRef idx="0">
-            <a:schemeClr val="accent1"/>
-          </a:effectRef>
-          <a:fontRef idx="minor">
-            <a:schemeClr val="tx1"/>
-          </a:fontRef>
-        </p:style>
-      </p:cxnSp>
-      <p:sp>
-        <p:nvSpPr>
-          <p:cNvPr id="2" name="TextBox 1"/>
-          <p:cNvSpPr txBox="1"/>
-          <p:nvPr/>
-        </p:nvSpPr>
-        <p:spPr>
-          <a:xfrm>
-            <a:off x="27710" y="872838"/>
-            <a:ext cx="831273" cy="369332"/>
-          </a:xfrm>
-          <a:prstGeom prst="rect">
-            <a:avLst/>
-          </a:prstGeom>
-          <a:noFill/>
-        </p:spPr>
-        <p:txBody>
-          <a:bodyPr wrap="square" rtlCol="0">
-            <a:spAutoFit/>
-          </a:bodyPr>
-          <a:lstStyle/>
-          <a:p>
-            <a:r>
-              <a:rPr lang="en-US" dirty="0" smtClean="0"/>
-              <a:t>1000</a:t>
-            </a:r>
-            <a:endParaRPr lang="en-US" dirty="0"/>
-          </a:p>
-        </p:txBody>
-      </p:sp>
-      <p:sp>
-        <p:nvSpPr>
-          <p:cNvPr id="7" name="TextBox 6"/>
-          <p:cNvSpPr txBox="1"/>
-          <p:nvPr/>
-        </p:nvSpPr>
-        <p:spPr>
-          <a:xfrm>
-            <a:off x="166254" y="2478817"/>
-            <a:ext cx="637309" cy="369332"/>
-          </a:xfrm>
-          <a:prstGeom prst="rect">
-            <a:avLst/>
-          </a:prstGeom>
-          <a:noFill/>
-        </p:spPr>
-        <p:txBody>
-          <a:bodyPr wrap="square" rtlCol="0">
-            <a:spAutoFit/>
-          </a:bodyPr>
-          <a:lstStyle/>
-          <a:p>
-            <a:r>
-              <a:rPr lang="en-US" dirty="0" smtClean="0"/>
-              <a:t>750</a:t>
-            </a:r>
-            <a:endParaRPr lang="en-US" dirty="0"/>
-          </a:p>
-        </p:txBody>
-      </p:sp>
-      <p:sp>
-        <p:nvSpPr>
-          <p:cNvPr id="15" name="TextBox 14"/>
-          <p:cNvSpPr txBox="1"/>
-          <p:nvPr/>
-        </p:nvSpPr>
-        <p:spPr>
-          <a:xfrm>
-            <a:off x="207818" y="4059382"/>
-            <a:ext cx="568037" cy="369332"/>
-          </a:xfrm>
-          <a:prstGeom prst="rect">
-            <a:avLst/>
-          </a:prstGeom>
-          <a:noFill/>
-        </p:spPr>
-        <p:txBody>
-          <a:bodyPr wrap="square" rtlCol="0">
-            <a:spAutoFit/>
-          </a:bodyPr>
-          <a:lstStyle/>
-          <a:p>
-            <a:r>
-              <a:rPr lang="en-US" dirty="0" smtClean="0"/>
-              <a:t>500</a:t>
-            </a:r>
-            <a:endParaRPr lang="en-US" dirty="0"/>
-          </a:p>
-        </p:txBody>
-      </p:sp>
-      <p:sp>
-        <p:nvSpPr>
-          <p:cNvPr id="16" name="TextBox 15"/>
-          <p:cNvSpPr txBox="1"/>
-          <p:nvPr/>
-        </p:nvSpPr>
-        <p:spPr>
-          <a:xfrm>
-            <a:off x="6534710" y="1848435"/>
-            <a:ext cx="2867891" cy="3970318"/>
-          </a:xfrm>
-          <a:prstGeom prst="rect">
-            <a:avLst/>
-          </a:prstGeom>
-          <a:noFill/>
-        </p:spPr>
-        <p:txBody>
-          <a:bodyPr wrap="square" rtlCol="0">
-            <a:spAutoFit/>
-          </a:bodyPr>
-          <a:lstStyle/>
-          <a:p>
-            <a:r>
-              <a:rPr lang="en-US" dirty="0" smtClean="0"/>
-              <a:t>In this graph, an applicant is removed from qualification after winning this award.</a:t>
-            </a:r>
-          </a:p>
-          <a:p>
-            <a:r>
-              <a:rPr lang="en-US" dirty="0" smtClean="0"/>
-              <a:t>Note that the higher ranked A2 only is awarded 500 while A3 is awarded 750. This means the first rational assumptions doesn’t hold but the second assumption, all higher ranked applicants will have scholarship, does hold. </a:t>
-            </a:r>
-            <a:endParaRPr lang="en-US" dirty="0"/>
-          </a:p>
-        </p:txBody>
-      </p:sp>
-      <p:sp>
-        <p:nvSpPr>
-          <p:cNvPr id="18" name="TextBox 17"/>
-          <p:cNvSpPr txBox="1"/>
-          <p:nvPr/>
-        </p:nvSpPr>
-        <p:spPr>
-          <a:xfrm>
-            <a:off x="2382982" y="124691"/>
-            <a:ext cx="1496291" cy="646331"/>
-          </a:xfrm>
-          <a:prstGeom prst="rect">
-            <a:avLst/>
-          </a:prstGeom>
-          <a:noFill/>
-        </p:spPr>
-        <p:txBody>
-          <a:bodyPr wrap="square" rtlCol="0">
-            <a:spAutoFit/>
-          </a:bodyPr>
-          <a:lstStyle/>
-          <a:p>
-            <a:r>
-              <a:rPr lang="en-US" dirty="0" smtClean="0"/>
-              <a:t>Only Allow 1 Award</a:t>
-            </a:r>
-            <a:endParaRPr lang="en-US" dirty="0"/>
-          </a:p>
-        </p:txBody>
-      </p:sp>
-      <p:sp>
-        <p:nvSpPr>
-          <p:cNvPr id="19" name="TextBox 18"/>
-          <p:cNvSpPr txBox="1"/>
-          <p:nvPr/>
-        </p:nvSpPr>
-        <p:spPr>
-          <a:xfrm>
-            <a:off x="5375563" y="872838"/>
-            <a:ext cx="1011382" cy="369332"/>
-          </a:xfrm>
-          <a:prstGeom prst="rect">
-            <a:avLst/>
-          </a:prstGeom>
-          <a:noFill/>
-        </p:spPr>
-        <p:txBody>
-          <a:bodyPr wrap="square" rtlCol="0">
-            <a:spAutoFit/>
-          </a:bodyPr>
-          <a:lstStyle/>
-          <a:p>
-            <a:r>
-              <a:rPr lang="en-US" dirty="0" smtClean="0"/>
-              <a:t>1500</a:t>
-            </a:r>
-            <a:endParaRPr lang="en-US" dirty="0"/>
-          </a:p>
-        </p:txBody>
-      </p:sp>
-      <p:sp>
-        <p:nvSpPr>
-          <p:cNvPr id="22" name="TextBox 21"/>
-          <p:cNvSpPr txBox="1"/>
-          <p:nvPr/>
-        </p:nvSpPr>
-        <p:spPr>
-          <a:xfrm>
-            <a:off x="5479473" y="3539943"/>
-            <a:ext cx="623454" cy="369332"/>
-          </a:xfrm>
-          <a:prstGeom prst="rect">
-            <a:avLst/>
-          </a:prstGeom>
-          <a:noFill/>
-        </p:spPr>
-        <p:txBody>
-          <a:bodyPr wrap="square" rtlCol="0">
-            <a:spAutoFit/>
-          </a:bodyPr>
-          <a:lstStyle/>
-          <a:p>
-            <a:r>
-              <a:rPr lang="en-US" dirty="0" smtClean="0"/>
-              <a:t>750</a:t>
-            </a:r>
-            <a:endParaRPr lang="en-US" dirty="0"/>
-          </a:p>
-        </p:txBody>
-      </p:sp>
-      <p:sp>
-        <p:nvSpPr>
-          <p:cNvPr id="23" name="TextBox 22"/>
-          <p:cNvSpPr txBox="1"/>
-          <p:nvPr/>
-        </p:nvSpPr>
-        <p:spPr>
-          <a:xfrm>
-            <a:off x="5479473" y="2130149"/>
-            <a:ext cx="623454" cy="369332"/>
-          </a:xfrm>
-          <a:prstGeom prst="rect">
-            <a:avLst/>
-          </a:prstGeom>
-          <a:noFill/>
-        </p:spPr>
-        <p:txBody>
-          <a:bodyPr wrap="square" rtlCol="0">
-            <a:spAutoFit/>
-          </a:bodyPr>
-          <a:lstStyle/>
-          <a:p>
-            <a:r>
-              <a:rPr lang="en-US" dirty="0" smtClean="0"/>
-              <a:t>500</a:t>
-            </a:r>
-            <a:endParaRPr lang="en-US" dirty="0"/>
-          </a:p>
-        </p:txBody>
-      </p:sp>
-      <p:sp>
-        <p:nvSpPr>
-          <p:cNvPr id="24" name="TextBox 23"/>
-          <p:cNvSpPr txBox="1"/>
-          <p:nvPr/>
-        </p:nvSpPr>
-        <p:spPr>
-          <a:xfrm>
-            <a:off x="2286000" y="5721928"/>
-            <a:ext cx="1399309" cy="646331"/>
-          </a:xfrm>
-          <a:prstGeom prst="rect">
-            <a:avLst/>
-          </a:prstGeom>
-          <a:noFill/>
-        </p:spPr>
-        <p:txBody>
-          <a:bodyPr wrap="square" rtlCol="0">
-            <a:spAutoFit/>
-          </a:bodyPr>
-          <a:lstStyle/>
-          <a:p>
-            <a:r>
-              <a:rPr lang="en-US" dirty="0" smtClean="0"/>
-              <a:t>RA1- False</a:t>
-            </a:r>
-          </a:p>
-          <a:p>
-            <a:r>
-              <a:rPr lang="en-US" dirty="0" smtClean="0"/>
-              <a:t>RA2- True</a:t>
+          <p:cNvPr id="2" name="Title 1"/>
+          <p:cNvSpPr>
+            <a:spLocks noGrp="1"/>
+          </p:cNvSpPr>
+          <p:nvPr>
+            <p:ph type="title"/>
+          </p:nvPr>
+        </p:nvSpPr>
+        <p:spPr/>
+        <p:txBody>
+          <a:bodyPr/>
+          <a:lstStyle/>
+          <a:p>
+            <a:r>
+              <a:rPr lang="en-US" dirty="0" smtClean="0"/>
+              <a:t>The rational assumptions</a:t>
+            </a:r>
+            <a:endParaRPr lang="en-US" dirty="0"/>
+          </a:p>
+        </p:txBody>
+      </p:sp>
+      <p:sp>
+        <p:nvSpPr>
+          <p:cNvPr id="3" name="Content Placeholder 2"/>
+          <p:cNvSpPr>
+            <a:spLocks noGrp="1"/>
+          </p:cNvSpPr>
+          <p:nvPr>
+            <p:ph idx="1"/>
+          </p:nvPr>
+        </p:nvSpPr>
+        <p:spPr/>
+        <p:txBody>
+          <a:bodyPr/>
+          <a:lstStyle/>
+          <a:p>
+            <a:r>
+              <a:rPr lang="en-US" dirty="0" smtClean="0"/>
+              <a:t>RA1-The higher ranked applicant will be awarded more than the next highest ranked applicant</a:t>
+            </a:r>
+          </a:p>
+          <a:p>
+            <a:r>
+              <a:rPr lang="en-US" dirty="0" smtClean="0"/>
+              <a:t>RA2-That if a lower ranked applicant would have a award that every higher ranked applicant would have an award</a:t>
+            </a:r>
+          </a:p>
+          <a:p>
+            <a:r>
+              <a:rPr lang="en-US" dirty="0" smtClean="0"/>
+              <a:t>Since not everyone is qualified for every scholarship, these assumptions do not always hold true</a:t>
+            </a:r>
+          </a:p>
+          <a:p>
+            <a:r>
+              <a:rPr lang="en-US" dirty="0" smtClean="0"/>
+              <a:t>However, if RA1 holds true, then RA2 must be </a:t>
+            </a:r>
+            <a:r>
+              <a:rPr lang="en-US" dirty="0" smtClean="0"/>
+              <a:t>true</a:t>
+            </a:r>
+          </a:p>
+          <a:p>
+            <a:r>
+              <a:rPr lang="en-US" dirty="0" smtClean="0"/>
+              <a:t>Not all algorithms for a given graph will hold both true</a:t>
+            </a:r>
+          </a:p>
+          <a:p>
+            <a:r>
+              <a:rPr lang="en-US" dirty="0" smtClean="0"/>
+              <a:t>Committees will prefer the results that hold these true</a:t>
+            </a:r>
+          </a:p>
+          <a:p>
+            <a:r>
+              <a:rPr lang="en-US" dirty="0" smtClean="0"/>
+              <a:t>Some committees will prefer giving more applicants than fewer</a:t>
             </a:r>
             <a:endParaRPr lang="en-US" dirty="0"/>
           </a:p>
@@ -6872,7 +5973,7 @@
     </p:spTree>
     <p:extLst>
       <p:ext uri="{BB962C8B-B14F-4D97-AF65-F5344CB8AC3E}">
-        <p14:creationId xmlns:p14="http://schemas.microsoft.com/office/powerpoint/2010/main" val="488998005"/>
+        <p14:creationId xmlns:p14="http://schemas.microsoft.com/office/powerpoint/2010/main" val="3210139513"/>
       </p:ext>
     </p:extLst>
   </p:cSld>
@@ -7289,7 +6390,7 @@
           <a:p>
             <a:r>
               <a:rPr lang="en-US" dirty="0" smtClean="0"/>
-              <a:t>Split with all qualified applicants</a:t>
+              <a:t>Maximum One Award Per Applicant</a:t>
             </a:r>
             <a:endParaRPr lang="en-US" dirty="0"/>
           </a:p>
@@ -7312,16 +6413,25 @@
           <a:prstGeom prst="line">
             <a:avLst/>
           </a:prstGeom>
+          <a:ln w="9525" cap="flat" cmpd="sng" algn="ctr">
+            <a:solidFill>
+              <a:schemeClr val="dk1"/>
+            </a:solidFill>
+            <a:prstDash val="solid"/>
+            <a:round/>
+            <a:headEnd type="arrow" w="med" len="med"/>
+            <a:tailEnd type="arrow" w="med" len="med"/>
+          </a:ln>
         </p:spPr>
         <p:style>
-          <a:lnRef idx="1">
-            <a:schemeClr val="accent1"/>
+          <a:lnRef idx="0">
+            <a:scrgbClr r="0" g="0" b="0"/>
           </a:lnRef>
           <a:fillRef idx="0">
-            <a:schemeClr val="accent1"/>
+            <a:scrgbClr r="0" g="0" b="0"/>
           </a:fillRef>
           <a:effectRef idx="0">
-            <a:schemeClr val="accent1"/>
+            <a:scrgbClr r="0" g="0" b="0"/>
           </a:effectRef>
           <a:fontRef idx="minor">
             <a:schemeClr val="tx1"/>
@@ -7409,16 +6519,25 @@
           <a:prstGeom prst="line">
             <a:avLst/>
           </a:prstGeom>
+          <a:ln w="9525" cap="flat" cmpd="sng" algn="ctr">
+            <a:solidFill>
+              <a:schemeClr val="dk1"/>
+            </a:solidFill>
+            <a:prstDash val="solid"/>
+            <a:round/>
+            <a:headEnd type="arrow" w="med" len="med"/>
+            <a:tailEnd type="arrow" w="med" len="med"/>
+          </a:ln>
         </p:spPr>
         <p:style>
-          <a:lnRef idx="1">
-            <a:schemeClr val="accent1"/>
+          <a:lnRef idx="0">
+            <a:scrgbClr r="0" g="0" b="0"/>
           </a:lnRef>
           <a:fillRef idx="0">
-            <a:schemeClr val="accent1"/>
+            <a:scrgbClr r="0" g="0" b="0"/>
           </a:fillRef>
           <a:effectRef idx="0">
-            <a:schemeClr val="accent1"/>
+            <a:scrgbClr r="0" g="0" b="0"/>
           </a:effectRef>
           <a:fontRef idx="minor">
             <a:schemeClr val="tx1"/>
@@ -7442,16 +6561,25 @@
           <a:prstGeom prst="line">
             <a:avLst/>
           </a:prstGeom>
+          <a:ln w="9525" cap="flat" cmpd="sng" algn="ctr">
+            <a:solidFill>
+              <a:schemeClr val="dk1"/>
+            </a:solidFill>
+            <a:prstDash val="solid"/>
+            <a:round/>
+            <a:headEnd type="arrow" w="med" len="med"/>
+            <a:tailEnd type="arrow" w="med" len="med"/>
+          </a:ln>
         </p:spPr>
         <p:style>
-          <a:lnRef idx="1">
-            <a:schemeClr val="accent1"/>
+          <a:lnRef idx="0">
+            <a:scrgbClr r="0" g="0" b="0"/>
           </a:lnRef>
           <a:fillRef idx="0">
-            <a:schemeClr val="accent1"/>
+            <a:scrgbClr r="0" g="0" b="0"/>
           </a:fillRef>
           <a:effectRef idx="0">
-            <a:schemeClr val="accent1"/>
+            <a:scrgbClr r="0" g="0" b="0"/>
           </a:effectRef>
           <a:fontRef idx="minor">
             <a:schemeClr val="tx1"/>
@@ -7560,15 +6688,12 @@
       <p:cxnSp>
         <p:nvCxnSpPr>
           <p:cNvPr id="37" name="Straight Connector 36"/>
-          <p:cNvCxnSpPr>
-            <a:stCxn id="5" idx="6"/>
-            <a:endCxn id="8" idx="2"/>
-          </p:cNvCxnSpPr>
+          <p:cNvCxnSpPr/>
           <p:nvPr/>
         </p:nvCxnSpPr>
         <p:spPr>
           <a:xfrm flipV="1">
-            <a:off x="1745673" y="1066800"/>
+            <a:off x="1767613" y="1163782"/>
             <a:ext cx="2660072" cy="1544782"/>
           </a:xfrm>
           <a:prstGeom prst="line">
@@ -7688,8 +6813,8 @@
         </p:nvSpPr>
         <p:spPr>
           <a:xfrm>
-            <a:off x="6525491" y="2306782"/>
-            <a:ext cx="2909454" cy="1477328"/>
+            <a:off x="6534710" y="1848435"/>
+            <a:ext cx="2867891" cy="3970318"/>
           </a:xfrm>
           <a:prstGeom prst="rect">
             <a:avLst/>
@@ -7704,7 +6829,13 @@
           <a:p>
             <a:r>
               <a:rPr lang="en-US" dirty="0" smtClean="0"/>
-              <a:t>If we split the award amount among all the applicants, the amount given for each scholarship can be distorted.</a:t>
+              <a:t>In this graph, an applicant is removed from qualification after winning this award.</a:t>
+            </a:r>
+          </a:p>
+          <a:p>
+            <a:r>
+              <a:rPr lang="en-US" dirty="0" smtClean="0"/>
+              <a:t>Note that the higher ranked A2 only is awarded 500 while A3 is awarded 750. This means the first rational assumptions doesn’t hold but the second assumption, all higher ranked applicants will have scholarship, does hold. </a:t>
             </a:r>
             <a:endParaRPr lang="en-US" dirty="0"/>
           </a:p>
@@ -7718,8 +6849,8 @@
         </p:nvSpPr>
         <p:spPr>
           <a:xfrm>
-            <a:off x="1011383" y="586579"/>
-            <a:ext cx="1717964" cy="369332"/>
+            <a:off x="2382982" y="124691"/>
+            <a:ext cx="1496291" cy="646331"/>
           </a:xfrm>
           <a:prstGeom prst="rect">
             <a:avLst/>
@@ -7734,22 +6865,22 @@
           <a:p>
             <a:r>
               <a:rPr lang="en-US" dirty="0" smtClean="0"/>
-              <a:t>333.33 Each</a:t>
-            </a:r>
-            <a:endParaRPr lang="en-US" dirty="0"/>
-          </a:p>
-        </p:txBody>
-      </p:sp>
-      <p:sp>
-        <p:nvSpPr>
-          <p:cNvPr id="27" name="TextBox 26"/>
+              <a:t>Only Allow 1 Award</a:t>
+            </a:r>
+            <a:endParaRPr lang="en-US" dirty="0"/>
+          </a:p>
+        </p:txBody>
+      </p:sp>
+      <p:sp>
+        <p:nvSpPr>
+          <p:cNvPr id="19" name="TextBox 18"/>
           <p:cNvSpPr txBox="1"/>
           <p:nvPr/>
         </p:nvSpPr>
         <p:spPr>
           <a:xfrm>
-            <a:off x="1066800" y="2001474"/>
-            <a:ext cx="1717964" cy="369332"/>
+            <a:off x="5375563" y="872838"/>
+            <a:ext cx="1011382" cy="369332"/>
           </a:xfrm>
           <a:prstGeom prst="rect">
             <a:avLst/>
@@ -7764,22 +6895,22 @@
           <a:p>
             <a:r>
               <a:rPr lang="en-US" dirty="0" smtClean="0"/>
-              <a:t>375 Each</a:t>
-            </a:r>
-            <a:endParaRPr lang="en-US" dirty="0"/>
-          </a:p>
-        </p:txBody>
-      </p:sp>
-      <p:sp>
-        <p:nvSpPr>
-          <p:cNvPr id="28" name="TextBox 27"/>
+              <a:t>1500</a:t>
+            </a:r>
+            <a:endParaRPr lang="en-US" dirty="0"/>
+          </a:p>
+        </p:txBody>
+      </p:sp>
+      <p:sp>
+        <p:nvSpPr>
+          <p:cNvPr id="22" name="TextBox 21"/>
           <p:cNvSpPr txBox="1"/>
           <p:nvPr/>
         </p:nvSpPr>
         <p:spPr>
           <a:xfrm>
-            <a:off x="1173028" y="3541167"/>
-            <a:ext cx="1717964" cy="369332"/>
+            <a:off x="5479473" y="3539943"/>
+            <a:ext cx="623454" cy="369332"/>
           </a:xfrm>
           <a:prstGeom prst="rect">
             <a:avLst/>
@@ -7794,22 +6925,22 @@
           <a:p>
             <a:r>
               <a:rPr lang="en-US" dirty="0" smtClean="0"/>
-              <a:t>125 Each</a:t>
-            </a:r>
-            <a:endParaRPr lang="en-US" dirty="0"/>
-          </a:p>
-        </p:txBody>
-      </p:sp>
-      <p:sp>
-        <p:nvSpPr>
-          <p:cNvPr id="19" name="TextBox 18"/>
+              <a:t>750</a:t>
+            </a:r>
+            <a:endParaRPr lang="en-US" dirty="0"/>
+          </a:p>
+        </p:txBody>
+      </p:sp>
+      <p:sp>
+        <p:nvSpPr>
+          <p:cNvPr id="23" name="TextBox 22"/>
           <p:cNvSpPr txBox="1"/>
           <p:nvPr/>
         </p:nvSpPr>
         <p:spPr>
           <a:xfrm>
-            <a:off x="5375562" y="872838"/>
-            <a:ext cx="960599" cy="369332"/>
+            <a:off x="5479473" y="2130149"/>
+            <a:ext cx="623454" cy="369332"/>
           </a:xfrm>
           <a:prstGeom prst="rect">
             <a:avLst/>
@@ -7824,22 +6955,22 @@
           <a:p>
             <a:r>
               <a:rPr lang="en-US" dirty="0" smtClean="0"/>
-              <a:t>833.33</a:t>
-            </a:r>
-            <a:endParaRPr lang="en-US" dirty="0"/>
-          </a:p>
-        </p:txBody>
-      </p:sp>
-      <p:sp>
-        <p:nvSpPr>
-          <p:cNvPr id="22" name="TextBox 21"/>
+              <a:t>500</a:t>
+            </a:r>
+            <a:endParaRPr lang="en-US" dirty="0"/>
+          </a:p>
+        </p:txBody>
+      </p:sp>
+      <p:sp>
+        <p:nvSpPr>
+          <p:cNvPr id="24" name="TextBox 23"/>
           <p:cNvSpPr txBox="1"/>
           <p:nvPr/>
         </p:nvSpPr>
         <p:spPr>
           <a:xfrm>
-            <a:off x="5426346" y="2001474"/>
-            <a:ext cx="891325" cy="369332"/>
+            <a:off x="2286000" y="5721928"/>
+            <a:ext cx="1399309" cy="646331"/>
           </a:xfrm>
           <a:prstGeom prst="rect">
             <a:avLst/>
@@ -7854,96 +6985,6 @@
           <a:p>
             <a:r>
               <a:rPr lang="en-US" dirty="0" smtClean="0"/>
-              <a:t>458.33</a:t>
-            </a:r>
-            <a:endParaRPr lang="en-US" dirty="0"/>
-          </a:p>
-        </p:txBody>
-      </p:sp>
-      <p:sp>
-        <p:nvSpPr>
-          <p:cNvPr id="23" name="TextBox 22"/>
-          <p:cNvSpPr txBox="1"/>
-          <p:nvPr/>
-        </p:nvSpPr>
-        <p:spPr>
-          <a:xfrm>
-            <a:off x="5426346" y="3462466"/>
-            <a:ext cx="891325" cy="370609"/>
-          </a:xfrm>
-          <a:prstGeom prst="rect">
-            <a:avLst/>
-          </a:prstGeom>
-          <a:noFill/>
-        </p:spPr>
-        <p:txBody>
-          <a:bodyPr wrap="square" rtlCol="0">
-            <a:spAutoFit/>
-          </a:bodyPr>
-          <a:lstStyle/>
-          <a:p>
-            <a:r>
-              <a:rPr lang="en-US" dirty="0" smtClean="0"/>
-              <a:t>500</a:t>
-            </a:r>
-            <a:endParaRPr lang="en-US" dirty="0"/>
-          </a:p>
-        </p:txBody>
-      </p:sp>
-      <p:sp>
-        <p:nvSpPr>
-          <p:cNvPr id="31" name="TextBox 30"/>
-          <p:cNvSpPr txBox="1"/>
-          <p:nvPr/>
-        </p:nvSpPr>
-        <p:spPr>
-          <a:xfrm>
-            <a:off x="5444836" y="4941439"/>
-            <a:ext cx="891325" cy="369332"/>
-          </a:xfrm>
-          <a:prstGeom prst="rect">
-            <a:avLst/>
-          </a:prstGeom>
-          <a:noFill/>
-        </p:spPr>
-        <p:txBody>
-          <a:bodyPr wrap="square" rtlCol="0">
-            <a:spAutoFit/>
-          </a:bodyPr>
-          <a:lstStyle/>
-          <a:p>
-            <a:r>
-              <a:rPr lang="en-US" dirty="0" smtClean="0"/>
-              <a:t>458.33</a:t>
-            </a:r>
-            <a:endParaRPr lang="en-US" dirty="0"/>
-          </a:p>
-        </p:txBody>
-      </p:sp>
-      <p:sp>
-        <p:nvSpPr>
-          <p:cNvPr id="33" name="TextBox 32"/>
-          <p:cNvSpPr txBox="1"/>
-          <p:nvPr/>
-        </p:nvSpPr>
-        <p:spPr>
-          <a:xfrm>
-            <a:off x="2286000" y="5721928"/>
-            <a:ext cx="1399309" cy="646331"/>
-          </a:xfrm>
-          <a:prstGeom prst="rect">
-            <a:avLst/>
-          </a:prstGeom>
-          <a:noFill/>
-        </p:spPr>
-        <p:txBody>
-          <a:bodyPr wrap="square" rtlCol="0">
-            <a:spAutoFit/>
-          </a:bodyPr>
-          <a:lstStyle/>
-          <a:p>
-            <a:r>
-              <a:rPr lang="en-US" dirty="0" smtClean="0"/>
               <a:t>RA1- False</a:t>
             </a:r>
           </a:p>
@@ -7959,7 +7000,7 @@
     </p:spTree>
     <p:extLst>
       <p:ext uri="{BB962C8B-B14F-4D97-AF65-F5344CB8AC3E}">
-        <p14:creationId xmlns:p14="http://schemas.microsoft.com/office/powerpoint/2010/main" val="390298605"/>
+        <p14:creationId xmlns:p14="http://schemas.microsoft.com/office/powerpoint/2010/main" val="488998005"/>
       </p:ext>
     </p:extLst>
   </p:cSld>
@@ -8376,7 +7417,7 @@
           <a:p>
             <a:r>
               <a:rPr lang="en-US" dirty="0" smtClean="0"/>
-              <a:t>Split with minimum qualified applicants</a:t>
+              <a:t>Split with all qualified applicants</a:t>
             </a:r>
             <a:endParaRPr lang="en-US" dirty="0"/>
           </a:p>
@@ -8399,25 +7440,16 @@
           <a:prstGeom prst="line">
             <a:avLst/>
           </a:prstGeom>
-          <a:ln w="9525" cap="flat" cmpd="sng" algn="ctr">
-            <a:solidFill>
-              <a:schemeClr val="dk1"/>
-            </a:solidFill>
-            <a:prstDash val="solid"/>
-            <a:round/>
-            <a:headEnd type="arrow" w="med" len="med"/>
-            <a:tailEnd type="arrow" w="med" len="med"/>
-          </a:ln>
         </p:spPr>
         <p:style>
-          <a:lnRef idx="0">
-            <a:scrgbClr r="0" g="0" b="0"/>
+          <a:lnRef idx="1">
+            <a:schemeClr val="accent1"/>
           </a:lnRef>
           <a:fillRef idx="0">
-            <a:scrgbClr r="0" g="0" b="0"/>
+            <a:schemeClr val="accent1"/>
           </a:fillRef>
           <a:effectRef idx="0">
-            <a:scrgbClr r="0" g="0" b="0"/>
+            <a:schemeClr val="accent1"/>
           </a:effectRef>
           <a:fontRef idx="minor">
             <a:schemeClr val="tx1"/>
@@ -8441,25 +7473,16 @@
           <a:prstGeom prst="line">
             <a:avLst/>
           </a:prstGeom>
-          <a:ln w="9525" cap="flat" cmpd="sng" algn="ctr">
-            <a:solidFill>
-              <a:schemeClr val="dk1"/>
-            </a:solidFill>
-            <a:prstDash val="solid"/>
-            <a:round/>
-            <a:headEnd type="arrow" w="med" len="med"/>
-            <a:tailEnd type="arrow" w="med" len="med"/>
-          </a:ln>
         </p:spPr>
         <p:style>
-          <a:lnRef idx="0">
-            <a:scrgbClr r="0" g="0" b="0"/>
+          <a:lnRef idx="1">
+            <a:schemeClr val="accent1"/>
           </a:lnRef>
           <a:fillRef idx="0">
-            <a:scrgbClr r="0" g="0" b="0"/>
+            <a:schemeClr val="accent1"/>
           </a:fillRef>
           <a:effectRef idx="0">
-            <a:scrgbClr r="0" g="0" b="0"/>
+            <a:schemeClr val="accent1"/>
           </a:effectRef>
           <a:fontRef idx="minor">
             <a:schemeClr val="tx1"/>
@@ -8514,25 +7537,16 @@
           <a:prstGeom prst="line">
             <a:avLst/>
           </a:prstGeom>
-          <a:ln w="9525" cap="flat" cmpd="sng" algn="ctr">
-            <a:solidFill>
-              <a:schemeClr val="dk1"/>
-            </a:solidFill>
-            <a:prstDash val="solid"/>
-            <a:round/>
-            <a:headEnd type="arrow" w="med" len="med"/>
-            <a:tailEnd type="arrow" w="med" len="med"/>
-          </a:ln>
         </p:spPr>
         <p:style>
-          <a:lnRef idx="0">
-            <a:scrgbClr r="0" g="0" b="0"/>
+          <a:lnRef idx="1">
+            <a:schemeClr val="accent1"/>
           </a:lnRef>
           <a:fillRef idx="0">
-            <a:scrgbClr r="0" g="0" b="0"/>
+            <a:schemeClr val="accent1"/>
           </a:fillRef>
           <a:effectRef idx="0">
-            <a:scrgbClr r="0" g="0" b="0"/>
+            <a:schemeClr val="accent1"/>
           </a:effectRef>
           <a:fontRef idx="minor">
             <a:schemeClr val="tx1"/>
@@ -8556,25 +7570,16 @@
           <a:prstGeom prst="line">
             <a:avLst/>
           </a:prstGeom>
-          <a:ln w="9525" cap="flat" cmpd="sng" algn="ctr">
-            <a:solidFill>
-              <a:schemeClr val="dk1"/>
-            </a:solidFill>
-            <a:prstDash val="solid"/>
-            <a:round/>
-            <a:headEnd type="arrow" w="med" len="med"/>
-            <a:tailEnd type="arrow" w="med" len="med"/>
-          </a:ln>
         </p:spPr>
         <p:style>
-          <a:lnRef idx="0">
-            <a:scrgbClr r="0" g="0" b="0"/>
+          <a:lnRef idx="1">
+            <a:schemeClr val="accent1"/>
           </a:lnRef>
           <a:fillRef idx="0">
-            <a:scrgbClr r="0" g="0" b="0"/>
+            <a:schemeClr val="accent1"/>
           </a:fillRef>
           <a:effectRef idx="0">
-            <a:scrgbClr r="0" g="0" b="0"/>
+            <a:schemeClr val="accent1"/>
           </a:effectRef>
           <a:fontRef idx="minor">
             <a:schemeClr val="tx1"/>
@@ -8631,25 +7636,16 @@
           <a:prstGeom prst="line">
             <a:avLst/>
           </a:prstGeom>
-          <a:ln w="9525" cap="flat" cmpd="sng" algn="ctr">
-            <a:solidFill>
-              <a:schemeClr val="dk1"/>
-            </a:solidFill>
-            <a:prstDash val="solid"/>
-            <a:round/>
-            <a:headEnd type="arrow" w="med" len="med"/>
-            <a:tailEnd type="arrow" w="med" len="med"/>
-          </a:ln>
         </p:spPr>
         <p:style>
-          <a:lnRef idx="0">
-            <a:scrgbClr r="0" g="0" b="0"/>
+          <a:lnRef idx="1">
+            <a:schemeClr val="accent1"/>
           </a:lnRef>
           <a:fillRef idx="0">
-            <a:scrgbClr r="0" g="0" b="0"/>
+            <a:schemeClr val="accent1"/>
           </a:fillRef>
           <a:effectRef idx="0">
-            <a:scrgbClr r="0" g="0" b="0"/>
+            <a:schemeClr val="accent1"/>
           </a:effectRef>
           <a:fontRef idx="minor">
             <a:schemeClr val="tx1"/>
@@ -8706,25 +7702,16 @@
           <a:prstGeom prst="line">
             <a:avLst/>
           </a:prstGeom>
-          <a:ln w="9525" cap="flat" cmpd="sng" algn="ctr">
-            <a:solidFill>
-              <a:schemeClr val="dk1"/>
-            </a:solidFill>
-            <a:prstDash val="solid"/>
-            <a:round/>
-            <a:headEnd type="arrow" w="med" len="med"/>
-            <a:tailEnd type="arrow" w="med" len="med"/>
-          </a:ln>
         </p:spPr>
         <p:style>
-          <a:lnRef idx="0">
-            <a:scrgbClr r="0" g="0" b="0"/>
+          <a:lnRef idx="1">
+            <a:schemeClr val="accent1"/>
           </a:lnRef>
           <a:fillRef idx="0">
-            <a:scrgbClr r="0" g="0" b="0"/>
+            <a:schemeClr val="accent1"/>
           </a:fillRef>
           <a:effectRef idx="0">
-            <a:scrgbClr r="0" g="0" b="0"/>
+            <a:schemeClr val="accent1"/>
           </a:effectRef>
           <a:fontRef idx="minor">
             <a:schemeClr val="tx1"/>
@@ -8845,15 +7832,7 @@
           <a:p>
             <a:r>
               <a:rPr lang="en-US" dirty="0" smtClean="0"/>
-              <a:t>If we split the award amount among all the two applicants, the amount given for </a:t>
-            </a:r>
-            <a:r>
-              <a:rPr lang="en-US" smtClean="0"/>
-              <a:t>each applicant </a:t>
-            </a:r>
-            <a:r>
-              <a:rPr lang="en-US" dirty="0" smtClean="0"/>
-              <a:t>can still be distorted.</a:t>
+              <a:t>If we split the award amount among all the applicants, the amount given for each scholarship can be distorted.</a:t>
             </a:r>
             <a:endParaRPr lang="en-US" dirty="0"/>
           </a:p>
@@ -8873,30 +7852,8 @@
           <a:prstGeom prst="rect">
             <a:avLst/>
           </a:prstGeom>
-          <a:ln w="9525" cap="flat" cmpd="sng" algn="ctr">
-            <a:solidFill>
-              <a:schemeClr val="dk1"/>
-            </a:solidFill>
-            <a:prstDash val="solid"/>
-            <a:round/>
-            <a:headEnd type="arrow" w="med" len="med"/>
-            <a:tailEnd type="arrow" w="med" len="med"/>
-          </a:ln>
-        </p:spPr>
-        <p:style>
-          <a:lnRef idx="0">
-            <a:scrgbClr r="0" g="0" b="0"/>
-          </a:lnRef>
-          <a:fillRef idx="0">
-            <a:scrgbClr r="0" g="0" b="0"/>
-          </a:fillRef>
-          <a:effectRef idx="0">
-            <a:scrgbClr r="0" g="0" b="0"/>
-          </a:effectRef>
-          <a:fontRef idx="minor">
-            <a:schemeClr val="tx1"/>
-          </a:fontRef>
-        </p:style>
+          <a:noFill/>
+        </p:spPr>
         <p:txBody>
           <a:bodyPr wrap="square" rtlCol="0">
             <a:spAutoFit/>
@@ -8905,7 +7862,7 @@
           <a:p>
             <a:r>
               <a:rPr lang="en-US" dirty="0" smtClean="0"/>
-              <a:t>500 Each</a:t>
+              <a:t>333.33 Each</a:t>
             </a:r>
             <a:endParaRPr lang="en-US" dirty="0"/>
           </a:p>
@@ -8925,30 +7882,8 @@
           <a:prstGeom prst="rect">
             <a:avLst/>
           </a:prstGeom>
-          <a:ln w="9525" cap="flat" cmpd="sng" algn="ctr">
-            <a:solidFill>
-              <a:schemeClr val="dk1"/>
-            </a:solidFill>
-            <a:prstDash val="solid"/>
-            <a:round/>
-            <a:headEnd type="arrow" w="med" len="med"/>
-            <a:tailEnd type="arrow" w="med" len="med"/>
-          </a:ln>
-        </p:spPr>
-        <p:style>
-          <a:lnRef idx="0">
-            <a:scrgbClr r="0" g="0" b="0"/>
-          </a:lnRef>
-          <a:fillRef idx="0">
-            <a:scrgbClr r="0" g="0" b="0"/>
-          </a:fillRef>
-          <a:effectRef idx="0">
-            <a:scrgbClr r="0" g="0" b="0"/>
-          </a:effectRef>
-          <a:fontRef idx="minor">
-            <a:schemeClr val="tx1"/>
-          </a:fontRef>
-        </p:style>
+          <a:noFill/>
+        </p:spPr>
         <p:txBody>
           <a:bodyPr wrap="square" rtlCol="0">
             <a:spAutoFit/>
@@ -8977,30 +7912,8 @@
           <a:prstGeom prst="rect">
             <a:avLst/>
           </a:prstGeom>
-          <a:ln w="9525" cap="flat" cmpd="sng" algn="ctr">
-            <a:solidFill>
-              <a:schemeClr val="dk1"/>
-            </a:solidFill>
-            <a:prstDash val="solid"/>
-            <a:round/>
-            <a:headEnd type="arrow" w="med" len="med"/>
-            <a:tailEnd type="arrow" w="med" len="med"/>
-          </a:ln>
-        </p:spPr>
-        <p:style>
-          <a:lnRef idx="0">
-            <a:scrgbClr r="0" g="0" b="0"/>
-          </a:lnRef>
-          <a:fillRef idx="0">
-            <a:scrgbClr r="0" g="0" b="0"/>
-          </a:fillRef>
-          <a:effectRef idx="0">
-            <a:scrgbClr r="0" g="0" b="0"/>
-          </a:effectRef>
-          <a:fontRef idx="minor">
-            <a:schemeClr val="tx1"/>
-          </a:fontRef>
-        </p:style>
+          <a:noFill/>
+        </p:spPr>
         <p:txBody>
           <a:bodyPr wrap="square" rtlCol="0">
             <a:spAutoFit/>
@@ -9009,7 +7922,7 @@
           <a:p>
             <a:r>
               <a:rPr lang="en-US" dirty="0" smtClean="0"/>
-              <a:t>250 Each</a:t>
+              <a:t>125 Each</a:t>
             </a:r>
             <a:endParaRPr lang="en-US" dirty="0"/>
           </a:p>
@@ -9039,7 +7952,7 @@
           <a:p>
             <a:r>
               <a:rPr lang="en-US" dirty="0" smtClean="0"/>
-              <a:t>1125</a:t>
+              <a:t>833.33</a:t>
             </a:r>
             <a:endParaRPr lang="en-US" dirty="0"/>
           </a:p>
@@ -9069,7 +7982,7 @@
           <a:p>
             <a:r>
               <a:rPr lang="en-US" dirty="0" smtClean="0"/>
-              <a:t>750</a:t>
+              <a:t>458.33</a:t>
             </a:r>
             <a:endParaRPr lang="en-US" dirty="0"/>
           </a:p>
@@ -9099,22 +8012,22 @@
           <a:p>
             <a:r>
               <a:rPr lang="en-US" dirty="0" smtClean="0"/>
-              <a:t>375</a:t>
-            </a:r>
-            <a:endParaRPr lang="en-US" dirty="0"/>
-          </a:p>
-        </p:txBody>
-      </p:sp>
-      <p:sp>
-        <p:nvSpPr>
-          <p:cNvPr id="33" name="TextBox 32"/>
+              <a:t>500</a:t>
+            </a:r>
+            <a:endParaRPr lang="en-US" dirty="0"/>
+          </a:p>
+        </p:txBody>
+      </p:sp>
+      <p:sp>
+        <p:nvSpPr>
+          <p:cNvPr id="31" name="TextBox 30"/>
           <p:cNvSpPr txBox="1"/>
           <p:nvPr/>
         </p:nvSpPr>
         <p:spPr>
           <a:xfrm>
-            <a:off x="2286000" y="5721928"/>
-            <a:ext cx="1399309" cy="646331"/>
+            <a:off x="5444836" y="4941439"/>
+            <a:ext cx="891325" cy="369332"/>
           </a:xfrm>
           <a:prstGeom prst="rect">
             <a:avLst/>
@@ -9129,28 +8042,22 @@
           <a:p>
             <a:r>
               <a:rPr lang="en-US" dirty="0" smtClean="0"/>
-              <a:t>RA1- True</a:t>
-            </a:r>
-          </a:p>
-          <a:p>
-            <a:r>
-              <a:rPr lang="en-US" dirty="0" smtClean="0"/>
-              <a:t>RA2- True</a:t>
-            </a:r>
-            <a:endParaRPr lang="en-US" dirty="0"/>
-          </a:p>
-        </p:txBody>
-      </p:sp>
-      <p:sp>
-        <p:nvSpPr>
-          <p:cNvPr id="24" name="TextBox 23"/>
+              <a:t>458.33</a:t>
+            </a:r>
+            <a:endParaRPr lang="en-US" dirty="0"/>
+          </a:p>
+        </p:txBody>
+      </p:sp>
+      <p:sp>
+        <p:nvSpPr>
+          <p:cNvPr id="33" name="TextBox 32"/>
           <p:cNvSpPr txBox="1"/>
           <p:nvPr/>
         </p:nvSpPr>
         <p:spPr>
           <a:xfrm>
-            <a:off x="1847266" y="-22970"/>
-            <a:ext cx="3856198" cy="369332"/>
+            <a:off x="2286000" y="5721928"/>
+            <a:ext cx="1399309" cy="646331"/>
           </a:xfrm>
           <a:prstGeom prst="rect">
             <a:avLst/>
@@ -9165,7 +8072,13 @@
           <a:p>
             <a:r>
               <a:rPr lang="en-US" dirty="0" smtClean="0"/>
-              <a:t>Split with top 2 Applicants</a:t>
+              <a:t>RA1- False</a:t>
+            </a:r>
+          </a:p>
+          <a:p>
+            <a:r>
+              <a:rPr lang="en-US" dirty="0" smtClean="0"/>
+              <a:t>RA2- True</a:t>
             </a:r>
             <a:endParaRPr lang="en-US" dirty="0"/>
           </a:p>
@@ -9174,7 +8087,7 @@
     </p:spTree>
     <p:extLst>
       <p:ext uri="{BB962C8B-B14F-4D97-AF65-F5344CB8AC3E}">
-        <p14:creationId xmlns:p14="http://schemas.microsoft.com/office/powerpoint/2010/main" val="3423954500"/>
+        <p14:creationId xmlns:p14="http://schemas.microsoft.com/office/powerpoint/2010/main" val="390298605"/>
       </p:ext>
     </p:extLst>
   </p:cSld>
@@ -9576,7 +8489,7 @@
         <p:spPr>
           <a:xfrm>
             <a:off x="6525491" y="1066800"/>
-            <a:ext cx="2909454" cy="923330"/>
+            <a:ext cx="2535382" cy="646331"/>
           </a:xfrm>
           <a:prstGeom prst="rect">
             <a:avLst/>
@@ -9591,7 +8504,7 @@
           <a:p>
             <a:r>
               <a:rPr lang="en-US" dirty="0" smtClean="0"/>
-              <a:t>Split with all qualified applicants with minimum amount given</a:t>
+              <a:t>Split with minimum qualified applicants</a:t>
             </a:r>
             <a:endParaRPr lang="en-US" dirty="0"/>
           </a:p>
@@ -9697,25 +8610,16 @@
           <a:prstGeom prst="line">
             <a:avLst/>
           </a:prstGeom>
-          <a:ln w="9525" cap="flat" cmpd="sng" algn="ctr">
-            <a:solidFill>
-              <a:schemeClr val="dk1"/>
-            </a:solidFill>
-            <a:prstDash val="solid"/>
-            <a:round/>
-            <a:headEnd type="arrow" w="med" len="med"/>
-            <a:tailEnd type="arrow" w="med" len="med"/>
-          </a:ln>
         </p:spPr>
         <p:style>
-          <a:lnRef idx="0">
-            <a:scrgbClr r="0" g="0" b="0"/>
+          <a:lnRef idx="1">
+            <a:schemeClr val="accent1"/>
           </a:lnRef>
           <a:fillRef idx="0">
-            <a:scrgbClr r="0" g="0" b="0"/>
+            <a:schemeClr val="accent1"/>
           </a:fillRef>
           <a:effectRef idx="0">
-            <a:scrgbClr r="0" g="0" b="0"/>
+            <a:schemeClr val="accent1"/>
           </a:effectRef>
           <a:fontRef idx="minor">
             <a:schemeClr val="tx1"/>
@@ -10054,7 +8958,7 @@
         <p:spPr>
           <a:xfrm>
             <a:off x="6525491" y="2306782"/>
-            <a:ext cx="2909454" cy="3970318"/>
+            <a:ext cx="2909454" cy="1477328"/>
           </a:xfrm>
           <a:prstGeom prst="rect">
             <a:avLst/>
@@ -10069,7 +8973,15 @@
           <a:p>
             <a:r>
               <a:rPr lang="en-US" dirty="0" smtClean="0"/>
-              <a:t>If we split the award amount among all the two applicants but limit the amount to 250, we actually end up with both rational assumptions being met in this particular case. Note some awards are greater than 250, it just cannot be split below 250. If the minimum was 500, S3 would only award 1 scholarship for 500.</a:t>
+              <a:t>If we split the award amount among all the two applicants, the amount given for </a:t>
+            </a:r>
+            <a:r>
+              <a:rPr lang="en-US" smtClean="0"/>
+              <a:t>each applicant </a:t>
+            </a:r>
+            <a:r>
+              <a:rPr lang="en-US" dirty="0" smtClean="0"/>
+              <a:t>can still be distorted.</a:t>
             </a:r>
             <a:endParaRPr lang="en-US" dirty="0"/>
           </a:p>
@@ -10121,7 +9033,7 @@
           <a:p>
             <a:r>
               <a:rPr lang="en-US" dirty="0" smtClean="0"/>
-              <a:t>333.33 Each</a:t>
+              <a:t>500 Each</a:t>
             </a:r>
             <a:endParaRPr lang="en-US" dirty="0"/>
           </a:p>
@@ -10240,7 +9152,7 @@
         <p:spPr>
           <a:xfrm>
             <a:off x="5375562" y="872838"/>
-            <a:ext cx="1016018" cy="369332"/>
+            <a:ext cx="960599" cy="369332"/>
           </a:xfrm>
           <a:prstGeom prst="rect">
             <a:avLst/>
@@ -10255,7 +9167,7 @@
           <a:p>
             <a:r>
               <a:rPr lang="en-US" dirty="0" smtClean="0"/>
-              <a:t>1125.33</a:t>
+              <a:t>1125</a:t>
             </a:r>
             <a:endParaRPr lang="en-US" dirty="0"/>
           </a:p>
@@ -10285,7 +9197,7 @@
           <a:p>
             <a:r>
               <a:rPr lang="en-US" dirty="0" smtClean="0"/>
-              <a:t>538.33</a:t>
+              <a:t>750</a:t>
             </a:r>
             <a:endParaRPr lang="en-US" dirty="0"/>
           </a:p>
@@ -10365,8 +9277,8 @@
         </p:nvSpPr>
         <p:spPr>
           <a:xfrm>
-            <a:off x="1366979" y="-52540"/>
-            <a:ext cx="4678225" cy="369332"/>
+            <a:off x="1847266" y="-22970"/>
+            <a:ext cx="3856198" cy="369332"/>
           </a:xfrm>
           <a:prstGeom prst="rect">
             <a:avLst/>
@@ -10381,37 +9293,7 @@
           <a:p>
             <a:r>
               <a:rPr lang="en-US" dirty="0" smtClean="0"/>
-              <a:t>Split with all -250 Minimum</a:t>
-            </a:r>
-            <a:endParaRPr lang="en-US" dirty="0"/>
-          </a:p>
-        </p:txBody>
-      </p:sp>
-      <p:sp>
-        <p:nvSpPr>
-          <p:cNvPr id="35" name="TextBox 34"/>
-          <p:cNvSpPr txBox="1"/>
-          <p:nvPr/>
-        </p:nvSpPr>
-        <p:spPr>
-          <a:xfrm>
-            <a:off x="5527936" y="4941439"/>
-            <a:ext cx="891325" cy="370609"/>
-          </a:xfrm>
-          <a:prstGeom prst="rect">
-            <a:avLst/>
-          </a:prstGeom>
-          <a:noFill/>
-        </p:spPr>
-        <p:txBody>
-          <a:bodyPr wrap="square" rtlCol="0">
-            <a:spAutoFit/>
-          </a:bodyPr>
-          <a:lstStyle/>
-          <a:p>
-            <a:r>
-              <a:rPr lang="en-US" dirty="0" smtClean="0"/>
-              <a:t>333.33</a:t>
+              <a:t>Split with top 2 Applicants</a:t>
             </a:r>
             <a:endParaRPr lang="en-US" dirty="0"/>
           </a:p>
@@ -10420,7 +9302,7 @@
     </p:spTree>
     <p:extLst>
       <p:ext uri="{BB962C8B-B14F-4D97-AF65-F5344CB8AC3E}">
-        <p14:creationId xmlns:p14="http://schemas.microsoft.com/office/powerpoint/2010/main" val="1199791160"/>
+        <p14:creationId xmlns:p14="http://schemas.microsoft.com/office/powerpoint/2010/main" val="3423954500"/>
       </p:ext>
     </p:extLst>
   </p:cSld>
@@ -10456,63 +9338,1208 @@
       </p:grpSpPr>
       <p:sp>
         <p:nvSpPr>
-          <p:cNvPr id="2" name="Title 1"/>
-          <p:cNvSpPr>
-            <a:spLocks noGrp="1"/>
-          </p:cNvSpPr>
-          <p:nvPr>
-            <p:ph type="title"/>
-          </p:nvPr>
-        </p:nvSpPr>
-        <p:spPr/>
-        <p:txBody>
-          <a:bodyPr/>
-          <a:lstStyle/>
-          <a:p>
-            <a:r>
-              <a:rPr lang="en-US" dirty="0" smtClean="0"/>
-              <a:t>Which method should we use?</a:t>
-            </a:r>
-            <a:endParaRPr lang="en-US" dirty="0"/>
-          </a:p>
-        </p:txBody>
-      </p:sp>
-      <p:sp>
-        <p:nvSpPr>
-          <p:cNvPr id="3" name="Content Placeholder 2"/>
-          <p:cNvSpPr>
-            <a:spLocks noGrp="1"/>
-          </p:cNvSpPr>
-          <p:nvPr>
-            <p:ph idx="1"/>
-          </p:nvPr>
-        </p:nvSpPr>
-        <p:spPr/>
-        <p:txBody>
-          <a:bodyPr/>
-          <a:lstStyle/>
-          <a:p>
-            <a:r>
-              <a:rPr lang="en-US" dirty="0" smtClean="0"/>
-              <a:t>Each of the previous seven algorithms has legitimate claim to be fairing way to award the scholarships</a:t>
-            </a:r>
-          </a:p>
-          <a:p>
-            <a:r>
-              <a:rPr lang="en-US" dirty="0" smtClean="0"/>
-              <a:t>However, methods which support RA1 or RA2 have a greater claim to logical fairness than methods that don’t with RA1 support the most fair</a:t>
-            </a:r>
-          </a:p>
-          <a:p>
-            <a:r>
-              <a:rPr lang="en-US" dirty="0" smtClean="0"/>
-              <a:t>It is not obvious until after calculation which of these algorithms will yield these results</a:t>
-            </a:r>
-          </a:p>
-          <a:p>
-            <a:r>
-              <a:rPr lang="en-US" dirty="0" smtClean="0"/>
-              <a:t>What I propose to create is a system which will calculate each algorithm and yield results to the user with their compliance with RA1 and RA2</a:t>
+          <p:cNvPr id="4" name="Oval 3"/>
+          <p:cNvSpPr/>
+          <p:nvPr/>
+        </p:nvSpPr>
+        <p:spPr>
+          <a:xfrm>
+            <a:off x="831273" y="609600"/>
+            <a:ext cx="914400" cy="914400"/>
+          </a:xfrm>
+          <a:prstGeom prst="ellipse">
+            <a:avLst/>
+          </a:prstGeom>
+        </p:spPr>
+        <p:style>
+          <a:lnRef idx="2">
+            <a:schemeClr val="accent1">
+              <a:shade val="50000"/>
+            </a:schemeClr>
+          </a:lnRef>
+          <a:fillRef idx="1">
+            <a:schemeClr val="accent1"/>
+          </a:fillRef>
+          <a:effectRef idx="0">
+            <a:schemeClr val="accent1"/>
+          </a:effectRef>
+          <a:fontRef idx="minor">
+            <a:schemeClr val="lt1"/>
+          </a:fontRef>
+        </p:style>
+        <p:txBody>
+          <a:bodyPr rtlCol="0" anchor="ctr"/>
+          <a:lstStyle/>
+          <a:p>
+            <a:pPr algn="ctr"/>
+            <a:r>
+              <a:rPr lang="en-US" dirty="0" smtClean="0"/>
+              <a:t>S1</a:t>
+            </a:r>
+            <a:endParaRPr lang="en-US" dirty="0"/>
+          </a:p>
+        </p:txBody>
+      </p:sp>
+      <p:sp>
+        <p:nvSpPr>
+          <p:cNvPr id="5" name="Oval 4"/>
+          <p:cNvSpPr/>
+          <p:nvPr/>
+        </p:nvSpPr>
+        <p:spPr>
+          <a:xfrm>
+            <a:off x="831273" y="2154382"/>
+            <a:ext cx="914400" cy="914400"/>
+          </a:xfrm>
+          <a:prstGeom prst="ellipse">
+            <a:avLst/>
+          </a:prstGeom>
+        </p:spPr>
+        <p:style>
+          <a:lnRef idx="2">
+            <a:schemeClr val="accent1">
+              <a:shade val="50000"/>
+            </a:schemeClr>
+          </a:lnRef>
+          <a:fillRef idx="1">
+            <a:schemeClr val="accent1"/>
+          </a:fillRef>
+          <a:effectRef idx="0">
+            <a:schemeClr val="accent1"/>
+          </a:effectRef>
+          <a:fontRef idx="minor">
+            <a:schemeClr val="lt1"/>
+          </a:fontRef>
+        </p:style>
+        <p:txBody>
+          <a:bodyPr rtlCol="0" anchor="ctr"/>
+          <a:lstStyle/>
+          <a:p>
+            <a:pPr algn="ctr"/>
+            <a:r>
+              <a:rPr lang="en-US" dirty="0" smtClean="0"/>
+              <a:t>S2</a:t>
+            </a:r>
+            <a:endParaRPr lang="en-US" dirty="0"/>
+          </a:p>
+        </p:txBody>
+      </p:sp>
+      <p:sp>
+        <p:nvSpPr>
+          <p:cNvPr id="6" name="Oval 5"/>
+          <p:cNvSpPr/>
+          <p:nvPr/>
+        </p:nvSpPr>
+        <p:spPr>
+          <a:xfrm>
+            <a:off x="831273" y="3699164"/>
+            <a:ext cx="914400" cy="914400"/>
+          </a:xfrm>
+          <a:prstGeom prst="ellipse">
+            <a:avLst/>
+          </a:prstGeom>
+        </p:spPr>
+        <p:style>
+          <a:lnRef idx="2">
+            <a:schemeClr val="accent1">
+              <a:shade val="50000"/>
+            </a:schemeClr>
+          </a:lnRef>
+          <a:fillRef idx="1">
+            <a:schemeClr val="accent1"/>
+          </a:fillRef>
+          <a:effectRef idx="0">
+            <a:schemeClr val="accent1"/>
+          </a:effectRef>
+          <a:fontRef idx="minor">
+            <a:schemeClr val="lt1"/>
+          </a:fontRef>
+        </p:style>
+        <p:txBody>
+          <a:bodyPr rtlCol="0" anchor="ctr"/>
+          <a:lstStyle/>
+          <a:p>
+            <a:pPr algn="ctr"/>
+            <a:r>
+              <a:rPr lang="en-US" dirty="0" smtClean="0"/>
+              <a:t>S3</a:t>
+            </a:r>
+            <a:endParaRPr lang="en-US" dirty="0"/>
+          </a:p>
+        </p:txBody>
+      </p:sp>
+      <p:sp>
+        <p:nvSpPr>
+          <p:cNvPr id="8" name="Oval 7"/>
+          <p:cNvSpPr/>
+          <p:nvPr/>
+        </p:nvSpPr>
+        <p:spPr>
+          <a:xfrm>
+            <a:off x="4405745" y="609600"/>
+            <a:ext cx="914400" cy="914400"/>
+          </a:xfrm>
+          <a:prstGeom prst="ellipse">
+            <a:avLst/>
+          </a:prstGeom>
+        </p:spPr>
+        <p:style>
+          <a:lnRef idx="2">
+            <a:schemeClr val="accent6"/>
+          </a:lnRef>
+          <a:fillRef idx="1">
+            <a:schemeClr val="lt1"/>
+          </a:fillRef>
+          <a:effectRef idx="0">
+            <a:schemeClr val="accent6"/>
+          </a:effectRef>
+          <a:fontRef idx="minor">
+            <a:schemeClr val="dk1"/>
+          </a:fontRef>
+        </p:style>
+        <p:txBody>
+          <a:bodyPr rtlCol="0" anchor="ctr"/>
+          <a:lstStyle/>
+          <a:p>
+            <a:pPr algn="ctr"/>
+            <a:r>
+              <a:rPr lang="en-US" dirty="0" smtClean="0"/>
+              <a:t>A1</a:t>
+            </a:r>
+            <a:endParaRPr lang="en-US" dirty="0"/>
+          </a:p>
+        </p:txBody>
+      </p:sp>
+      <p:sp>
+        <p:nvSpPr>
+          <p:cNvPr id="9" name="Oval 8"/>
+          <p:cNvSpPr/>
+          <p:nvPr/>
+        </p:nvSpPr>
+        <p:spPr>
+          <a:xfrm>
+            <a:off x="4461163" y="1849582"/>
+            <a:ext cx="914400" cy="914400"/>
+          </a:xfrm>
+          <a:prstGeom prst="ellipse">
+            <a:avLst/>
+          </a:prstGeom>
+        </p:spPr>
+        <p:style>
+          <a:lnRef idx="2">
+            <a:schemeClr val="accent6"/>
+          </a:lnRef>
+          <a:fillRef idx="1">
+            <a:schemeClr val="lt1"/>
+          </a:fillRef>
+          <a:effectRef idx="0">
+            <a:schemeClr val="accent6"/>
+          </a:effectRef>
+          <a:fontRef idx="minor">
+            <a:schemeClr val="dk1"/>
+          </a:fontRef>
+        </p:style>
+        <p:txBody>
+          <a:bodyPr rtlCol="0" anchor="ctr"/>
+          <a:lstStyle/>
+          <a:p>
+            <a:pPr algn="ctr"/>
+            <a:r>
+              <a:rPr lang="en-US" dirty="0" smtClean="0"/>
+              <a:t>A2</a:t>
+            </a:r>
+            <a:endParaRPr lang="en-US" dirty="0"/>
+          </a:p>
+        </p:txBody>
+      </p:sp>
+      <p:sp>
+        <p:nvSpPr>
+          <p:cNvPr id="10" name="Oval 9"/>
+          <p:cNvSpPr/>
+          <p:nvPr/>
+        </p:nvSpPr>
+        <p:spPr>
+          <a:xfrm>
+            <a:off x="4461163" y="3328555"/>
+            <a:ext cx="914400" cy="914400"/>
+          </a:xfrm>
+          <a:prstGeom prst="ellipse">
+            <a:avLst/>
+          </a:prstGeom>
+        </p:spPr>
+        <p:style>
+          <a:lnRef idx="2">
+            <a:schemeClr val="accent6"/>
+          </a:lnRef>
+          <a:fillRef idx="1">
+            <a:schemeClr val="lt1"/>
+          </a:fillRef>
+          <a:effectRef idx="0">
+            <a:schemeClr val="accent6"/>
+          </a:effectRef>
+          <a:fontRef idx="minor">
+            <a:schemeClr val="dk1"/>
+          </a:fontRef>
+        </p:style>
+        <p:txBody>
+          <a:bodyPr rtlCol="0" anchor="ctr"/>
+          <a:lstStyle/>
+          <a:p>
+            <a:pPr algn="ctr"/>
+            <a:r>
+              <a:rPr lang="en-US" dirty="0" smtClean="0"/>
+              <a:t>A3</a:t>
+            </a:r>
+            <a:endParaRPr lang="en-US" dirty="0"/>
+          </a:p>
+        </p:txBody>
+      </p:sp>
+      <p:sp>
+        <p:nvSpPr>
+          <p:cNvPr id="11" name="Oval 10"/>
+          <p:cNvSpPr/>
+          <p:nvPr/>
+        </p:nvSpPr>
+        <p:spPr>
+          <a:xfrm>
+            <a:off x="4461163" y="4807528"/>
+            <a:ext cx="914400" cy="914400"/>
+          </a:xfrm>
+          <a:prstGeom prst="ellipse">
+            <a:avLst/>
+          </a:prstGeom>
+        </p:spPr>
+        <p:style>
+          <a:lnRef idx="2">
+            <a:schemeClr val="accent6"/>
+          </a:lnRef>
+          <a:fillRef idx="1">
+            <a:schemeClr val="lt1"/>
+          </a:fillRef>
+          <a:effectRef idx="0">
+            <a:schemeClr val="accent6"/>
+          </a:effectRef>
+          <a:fontRef idx="minor">
+            <a:schemeClr val="dk1"/>
+          </a:fontRef>
+        </p:style>
+        <p:txBody>
+          <a:bodyPr rtlCol="0" anchor="ctr"/>
+          <a:lstStyle/>
+          <a:p>
+            <a:pPr algn="ctr"/>
+            <a:r>
+              <a:rPr lang="en-US" dirty="0" smtClean="0"/>
+              <a:t>A4</a:t>
+            </a:r>
+            <a:endParaRPr lang="en-US" dirty="0"/>
+          </a:p>
+        </p:txBody>
+      </p:sp>
+      <p:sp>
+        <p:nvSpPr>
+          <p:cNvPr id="12" name="TextBox 11"/>
+          <p:cNvSpPr txBox="1"/>
+          <p:nvPr/>
+        </p:nvSpPr>
+        <p:spPr>
+          <a:xfrm>
+            <a:off x="678873" y="240268"/>
+            <a:ext cx="2493818" cy="369332"/>
+          </a:xfrm>
+          <a:prstGeom prst="rect">
+            <a:avLst/>
+          </a:prstGeom>
+          <a:noFill/>
+        </p:spPr>
+        <p:txBody>
+          <a:bodyPr wrap="square" rtlCol="0">
+            <a:spAutoFit/>
+          </a:bodyPr>
+          <a:lstStyle/>
+          <a:p>
+            <a:r>
+              <a:rPr lang="en-US" dirty="0" smtClean="0"/>
+              <a:t>Scholarships</a:t>
+            </a:r>
+            <a:endParaRPr lang="en-US" dirty="0"/>
+          </a:p>
+        </p:txBody>
+      </p:sp>
+      <p:sp>
+        <p:nvSpPr>
+          <p:cNvPr id="13" name="TextBox 12"/>
+          <p:cNvSpPr txBox="1"/>
+          <p:nvPr/>
+        </p:nvSpPr>
+        <p:spPr>
+          <a:xfrm>
+            <a:off x="4239491" y="240268"/>
+            <a:ext cx="1551709" cy="369332"/>
+          </a:xfrm>
+          <a:prstGeom prst="rect">
+            <a:avLst/>
+          </a:prstGeom>
+          <a:noFill/>
+        </p:spPr>
+        <p:txBody>
+          <a:bodyPr wrap="square" rtlCol="0">
+            <a:spAutoFit/>
+          </a:bodyPr>
+          <a:lstStyle/>
+          <a:p>
+            <a:r>
+              <a:rPr lang="en-US" dirty="0" smtClean="0"/>
+              <a:t>Applicants</a:t>
+            </a:r>
+          </a:p>
+        </p:txBody>
+      </p:sp>
+      <p:sp>
+        <p:nvSpPr>
+          <p:cNvPr id="14" name="TextBox 13"/>
+          <p:cNvSpPr txBox="1"/>
+          <p:nvPr/>
+        </p:nvSpPr>
+        <p:spPr>
+          <a:xfrm>
+            <a:off x="6525491" y="1066800"/>
+            <a:ext cx="2909454" cy="923330"/>
+          </a:xfrm>
+          <a:prstGeom prst="rect">
+            <a:avLst/>
+          </a:prstGeom>
+          <a:noFill/>
+        </p:spPr>
+        <p:txBody>
+          <a:bodyPr wrap="square" rtlCol="0">
+            <a:spAutoFit/>
+          </a:bodyPr>
+          <a:lstStyle/>
+          <a:p>
+            <a:r>
+              <a:rPr lang="en-US" dirty="0" smtClean="0"/>
+              <a:t>Split with all qualified applicants with minimum amount given</a:t>
+            </a:r>
+            <a:endParaRPr lang="en-US" dirty="0"/>
+          </a:p>
+        </p:txBody>
+      </p:sp>
+      <p:cxnSp>
+        <p:nvCxnSpPr>
+          <p:cNvPr id="3" name="Straight Connector 2"/>
+          <p:cNvCxnSpPr>
+            <a:stCxn id="4" idx="6"/>
+            <a:endCxn id="8" idx="2"/>
+          </p:cNvCxnSpPr>
+          <p:nvPr/>
+        </p:nvCxnSpPr>
+        <p:spPr>
+          <a:xfrm>
+            <a:off x="1745673" y="1066800"/>
+            <a:ext cx="2660072" cy="0"/>
+          </a:xfrm>
+          <a:prstGeom prst="line">
+            <a:avLst/>
+          </a:prstGeom>
+          <a:ln w="9525" cap="flat" cmpd="sng" algn="ctr">
+            <a:solidFill>
+              <a:schemeClr val="dk1"/>
+            </a:solidFill>
+            <a:prstDash val="solid"/>
+            <a:round/>
+            <a:headEnd type="arrow" w="med" len="med"/>
+            <a:tailEnd type="arrow" w="med" len="med"/>
+          </a:ln>
+        </p:spPr>
+        <p:style>
+          <a:lnRef idx="0">
+            <a:scrgbClr r="0" g="0" b="0"/>
+          </a:lnRef>
+          <a:fillRef idx="0">
+            <a:scrgbClr r="0" g="0" b="0"/>
+          </a:fillRef>
+          <a:effectRef idx="0">
+            <a:scrgbClr r="0" g="0" b="0"/>
+          </a:effectRef>
+          <a:fontRef idx="minor">
+            <a:schemeClr val="tx1"/>
+          </a:fontRef>
+        </p:style>
+      </p:cxnSp>
+      <p:cxnSp>
+        <p:nvCxnSpPr>
+          <p:cNvPr id="17" name="Straight Connector 16"/>
+          <p:cNvCxnSpPr>
+            <a:stCxn id="4" idx="5"/>
+            <a:endCxn id="9" idx="2"/>
+          </p:cNvCxnSpPr>
+          <p:nvPr/>
+        </p:nvCxnSpPr>
+        <p:spPr>
+          <a:xfrm>
+            <a:off x="1611762" y="1390089"/>
+            <a:ext cx="2849401" cy="916693"/>
+          </a:xfrm>
+          <a:prstGeom prst="line">
+            <a:avLst/>
+          </a:prstGeom>
+          <a:ln w="9525" cap="flat" cmpd="sng" algn="ctr">
+            <a:solidFill>
+              <a:schemeClr val="dk1"/>
+            </a:solidFill>
+            <a:prstDash val="solid"/>
+            <a:round/>
+            <a:headEnd type="arrow" w="med" len="med"/>
+            <a:tailEnd type="arrow" w="med" len="med"/>
+          </a:ln>
+        </p:spPr>
+        <p:style>
+          <a:lnRef idx="0">
+            <a:scrgbClr r="0" g="0" b="0"/>
+          </a:lnRef>
+          <a:fillRef idx="0">
+            <a:scrgbClr r="0" g="0" b="0"/>
+          </a:fillRef>
+          <a:effectRef idx="0">
+            <a:scrgbClr r="0" g="0" b="0"/>
+          </a:effectRef>
+          <a:fontRef idx="minor">
+            <a:schemeClr val="tx1"/>
+          </a:fontRef>
+        </p:style>
+      </p:cxnSp>
+      <p:cxnSp>
+        <p:nvCxnSpPr>
+          <p:cNvPr id="20" name="Straight Connector 19"/>
+          <p:cNvCxnSpPr>
+            <a:endCxn id="11" idx="1"/>
+          </p:cNvCxnSpPr>
+          <p:nvPr/>
+        </p:nvCxnSpPr>
+        <p:spPr>
+          <a:xfrm>
+            <a:off x="1353137" y="1446654"/>
+            <a:ext cx="3241937" cy="3494785"/>
+          </a:xfrm>
+          <a:prstGeom prst="line">
+            <a:avLst/>
+          </a:prstGeom>
+          <a:ln w="9525" cap="flat" cmpd="sng" algn="ctr">
+            <a:solidFill>
+              <a:schemeClr val="dk1"/>
+            </a:solidFill>
+            <a:prstDash val="solid"/>
+            <a:round/>
+            <a:headEnd type="arrow" w="med" len="med"/>
+            <a:tailEnd type="arrow" w="med" len="med"/>
+          </a:ln>
+        </p:spPr>
+        <p:style>
+          <a:lnRef idx="0">
+            <a:scrgbClr r="0" g="0" b="0"/>
+          </a:lnRef>
+          <a:fillRef idx="0">
+            <a:scrgbClr r="0" g="0" b="0"/>
+          </a:fillRef>
+          <a:effectRef idx="0">
+            <a:scrgbClr r="0" g="0" b="0"/>
+          </a:effectRef>
+          <a:fontRef idx="minor">
+            <a:schemeClr val="tx1"/>
+          </a:fontRef>
+        </p:style>
+      </p:cxnSp>
+      <p:cxnSp>
+        <p:nvCxnSpPr>
+          <p:cNvPr id="21" name="Straight Connector 20"/>
+          <p:cNvCxnSpPr>
+            <a:endCxn id="10" idx="1"/>
+          </p:cNvCxnSpPr>
+          <p:nvPr/>
+        </p:nvCxnSpPr>
+        <p:spPr>
+          <a:xfrm>
+            <a:off x="1678718" y="2478817"/>
+            <a:ext cx="2916356" cy="983649"/>
+          </a:xfrm>
+          <a:prstGeom prst="line">
+            <a:avLst/>
+          </a:prstGeom>
+          <a:ln w="9525" cap="flat" cmpd="sng" algn="ctr">
+            <a:solidFill>
+              <a:schemeClr val="dk1"/>
+            </a:solidFill>
+            <a:prstDash val="solid"/>
+            <a:round/>
+            <a:headEnd type="arrow" w="med" len="med"/>
+            <a:tailEnd type="arrow" w="med" len="med"/>
+          </a:ln>
+        </p:spPr>
+        <p:style>
+          <a:lnRef idx="0">
+            <a:scrgbClr r="0" g="0" b="0"/>
+          </a:lnRef>
+          <a:fillRef idx="0">
+            <a:scrgbClr r="0" g="0" b="0"/>
+          </a:fillRef>
+          <a:effectRef idx="0">
+            <a:scrgbClr r="0" g="0" b="0"/>
+          </a:effectRef>
+          <a:fontRef idx="minor">
+            <a:schemeClr val="tx1"/>
+          </a:fontRef>
+        </p:style>
+      </p:cxnSp>
+      <p:cxnSp>
+        <p:nvCxnSpPr>
+          <p:cNvPr id="26" name="Straight Connector 25"/>
+          <p:cNvCxnSpPr>
+            <a:stCxn id="6" idx="6"/>
+            <a:endCxn id="9" idx="2"/>
+          </p:cNvCxnSpPr>
+          <p:nvPr/>
+        </p:nvCxnSpPr>
+        <p:spPr>
+          <a:xfrm flipV="1">
+            <a:off x="1745673" y="2306782"/>
+            <a:ext cx="2715490" cy="1849582"/>
+          </a:xfrm>
+          <a:prstGeom prst="line">
+            <a:avLst/>
+          </a:prstGeom>
+          <a:ln w="9525" cap="flat" cmpd="sng" algn="ctr">
+            <a:solidFill>
+              <a:schemeClr val="dk1"/>
+            </a:solidFill>
+            <a:prstDash val="solid"/>
+            <a:round/>
+            <a:headEnd type="arrow" w="med" len="med"/>
+            <a:tailEnd type="arrow" w="med" len="med"/>
+          </a:ln>
+        </p:spPr>
+        <p:style>
+          <a:lnRef idx="0">
+            <a:scrgbClr r="0" g="0" b="0"/>
+          </a:lnRef>
+          <a:fillRef idx="0">
+            <a:scrgbClr r="0" g="0" b="0"/>
+          </a:fillRef>
+          <a:effectRef idx="0">
+            <a:scrgbClr r="0" g="0" b="0"/>
+          </a:effectRef>
+          <a:fontRef idx="minor">
+            <a:schemeClr val="tx1"/>
+          </a:fontRef>
+        </p:style>
+      </p:cxnSp>
+      <p:cxnSp>
+        <p:nvCxnSpPr>
+          <p:cNvPr id="30" name="Straight Connector 29"/>
+          <p:cNvCxnSpPr>
+            <a:stCxn id="10" idx="2"/>
+            <a:endCxn id="6" idx="6"/>
+          </p:cNvCxnSpPr>
+          <p:nvPr/>
+        </p:nvCxnSpPr>
+        <p:spPr>
+          <a:xfrm flipH="1">
+            <a:off x="1745673" y="3785755"/>
+            <a:ext cx="2715490" cy="370609"/>
+          </a:xfrm>
+          <a:prstGeom prst="line">
+            <a:avLst/>
+          </a:prstGeom>
+        </p:spPr>
+        <p:style>
+          <a:lnRef idx="1">
+            <a:schemeClr val="accent1"/>
+          </a:lnRef>
+          <a:fillRef idx="0">
+            <a:schemeClr val="accent1"/>
+          </a:fillRef>
+          <a:effectRef idx="0">
+            <a:schemeClr val="accent1"/>
+          </a:effectRef>
+          <a:fontRef idx="minor">
+            <a:schemeClr val="tx1"/>
+          </a:fontRef>
+        </p:style>
+      </p:cxnSp>
+      <p:cxnSp>
+        <p:nvCxnSpPr>
+          <p:cNvPr id="32" name="Straight Connector 31"/>
+          <p:cNvCxnSpPr>
+            <a:stCxn id="8" idx="3"/>
+            <a:endCxn id="6" idx="7"/>
+          </p:cNvCxnSpPr>
+          <p:nvPr/>
+        </p:nvCxnSpPr>
+        <p:spPr>
+          <a:xfrm flipH="1">
+            <a:off x="1611762" y="1390089"/>
+            <a:ext cx="2927894" cy="2442986"/>
+          </a:xfrm>
+          <a:prstGeom prst="line">
+            <a:avLst/>
+          </a:prstGeom>
+          <a:ln w="9525" cap="flat" cmpd="sng" algn="ctr">
+            <a:solidFill>
+              <a:schemeClr val="dk1"/>
+            </a:solidFill>
+            <a:prstDash val="solid"/>
+            <a:round/>
+            <a:headEnd type="arrow" w="med" len="med"/>
+            <a:tailEnd type="arrow" w="med" len="med"/>
+          </a:ln>
+        </p:spPr>
+        <p:style>
+          <a:lnRef idx="0">
+            <a:scrgbClr r="0" g="0" b="0"/>
+          </a:lnRef>
+          <a:fillRef idx="0">
+            <a:scrgbClr r="0" g="0" b="0"/>
+          </a:fillRef>
+          <a:effectRef idx="0">
+            <a:scrgbClr r="0" g="0" b="0"/>
+          </a:effectRef>
+          <a:fontRef idx="minor">
+            <a:schemeClr val="tx1"/>
+          </a:fontRef>
+        </p:style>
+      </p:cxnSp>
+      <p:cxnSp>
+        <p:nvCxnSpPr>
+          <p:cNvPr id="34" name="Straight Connector 33"/>
+          <p:cNvCxnSpPr>
+            <a:stCxn id="11" idx="2"/>
+            <a:endCxn id="6" idx="5"/>
+          </p:cNvCxnSpPr>
+          <p:nvPr/>
+        </p:nvCxnSpPr>
+        <p:spPr>
+          <a:xfrm flipH="1" flipV="1">
+            <a:off x="1611762" y="4479653"/>
+            <a:ext cx="2849401" cy="785075"/>
+          </a:xfrm>
+          <a:prstGeom prst="line">
+            <a:avLst/>
+          </a:prstGeom>
+        </p:spPr>
+        <p:style>
+          <a:lnRef idx="1">
+            <a:schemeClr val="accent1"/>
+          </a:lnRef>
+          <a:fillRef idx="0">
+            <a:schemeClr val="accent1"/>
+          </a:fillRef>
+          <a:effectRef idx="0">
+            <a:schemeClr val="accent1"/>
+          </a:effectRef>
+          <a:fontRef idx="minor">
+            <a:schemeClr val="tx1"/>
+          </a:fontRef>
+        </p:style>
+      </p:cxnSp>
+      <p:cxnSp>
+        <p:nvCxnSpPr>
+          <p:cNvPr id="37" name="Straight Connector 36"/>
+          <p:cNvCxnSpPr>
+            <a:stCxn id="5" idx="6"/>
+            <a:endCxn id="8" idx="2"/>
+          </p:cNvCxnSpPr>
+          <p:nvPr/>
+        </p:nvCxnSpPr>
+        <p:spPr>
+          <a:xfrm flipV="1">
+            <a:off x="1745673" y="1066800"/>
+            <a:ext cx="2660072" cy="1544782"/>
+          </a:xfrm>
+          <a:prstGeom prst="line">
+            <a:avLst/>
+          </a:prstGeom>
+          <a:ln w="9525" cap="flat" cmpd="sng" algn="ctr">
+            <a:solidFill>
+              <a:schemeClr val="dk1"/>
+            </a:solidFill>
+            <a:prstDash val="solid"/>
+            <a:round/>
+            <a:headEnd type="arrow" w="med" len="med"/>
+            <a:tailEnd type="arrow" w="med" len="med"/>
+          </a:ln>
+        </p:spPr>
+        <p:style>
+          <a:lnRef idx="0">
+            <a:scrgbClr r="0" g="0" b="0"/>
+          </a:lnRef>
+          <a:fillRef idx="0">
+            <a:scrgbClr r="0" g="0" b="0"/>
+          </a:fillRef>
+          <a:effectRef idx="0">
+            <a:scrgbClr r="0" g="0" b="0"/>
+          </a:effectRef>
+          <a:fontRef idx="minor">
+            <a:schemeClr val="tx1"/>
+          </a:fontRef>
+        </p:style>
+      </p:cxnSp>
+      <p:sp>
+        <p:nvSpPr>
+          <p:cNvPr id="2" name="TextBox 1"/>
+          <p:cNvSpPr txBox="1"/>
+          <p:nvPr/>
+        </p:nvSpPr>
+        <p:spPr>
+          <a:xfrm>
+            <a:off x="27710" y="872838"/>
+            <a:ext cx="831273" cy="369332"/>
+          </a:xfrm>
+          <a:prstGeom prst="rect">
+            <a:avLst/>
+          </a:prstGeom>
+          <a:noFill/>
+        </p:spPr>
+        <p:txBody>
+          <a:bodyPr wrap="square" rtlCol="0">
+            <a:spAutoFit/>
+          </a:bodyPr>
+          <a:lstStyle/>
+          <a:p>
+            <a:r>
+              <a:rPr lang="en-US" dirty="0" smtClean="0"/>
+              <a:t>1000</a:t>
+            </a:r>
+            <a:endParaRPr lang="en-US" dirty="0"/>
+          </a:p>
+        </p:txBody>
+      </p:sp>
+      <p:sp>
+        <p:nvSpPr>
+          <p:cNvPr id="7" name="TextBox 6"/>
+          <p:cNvSpPr txBox="1"/>
+          <p:nvPr/>
+        </p:nvSpPr>
+        <p:spPr>
+          <a:xfrm>
+            <a:off x="166254" y="2478817"/>
+            <a:ext cx="637309" cy="369332"/>
+          </a:xfrm>
+          <a:prstGeom prst="rect">
+            <a:avLst/>
+          </a:prstGeom>
+          <a:noFill/>
+        </p:spPr>
+        <p:txBody>
+          <a:bodyPr wrap="square" rtlCol="0">
+            <a:spAutoFit/>
+          </a:bodyPr>
+          <a:lstStyle/>
+          <a:p>
+            <a:r>
+              <a:rPr lang="en-US" dirty="0" smtClean="0"/>
+              <a:t>750</a:t>
+            </a:r>
+            <a:endParaRPr lang="en-US" dirty="0"/>
+          </a:p>
+        </p:txBody>
+      </p:sp>
+      <p:sp>
+        <p:nvSpPr>
+          <p:cNvPr id="15" name="TextBox 14"/>
+          <p:cNvSpPr txBox="1"/>
+          <p:nvPr/>
+        </p:nvSpPr>
+        <p:spPr>
+          <a:xfrm>
+            <a:off x="207818" y="4059382"/>
+            <a:ext cx="568037" cy="369332"/>
+          </a:xfrm>
+          <a:prstGeom prst="rect">
+            <a:avLst/>
+          </a:prstGeom>
+          <a:noFill/>
+        </p:spPr>
+        <p:txBody>
+          <a:bodyPr wrap="square" rtlCol="0">
+            <a:spAutoFit/>
+          </a:bodyPr>
+          <a:lstStyle/>
+          <a:p>
+            <a:r>
+              <a:rPr lang="en-US" dirty="0" smtClean="0"/>
+              <a:t>500</a:t>
+            </a:r>
+            <a:endParaRPr lang="en-US" dirty="0"/>
+          </a:p>
+        </p:txBody>
+      </p:sp>
+      <p:sp>
+        <p:nvSpPr>
+          <p:cNvPr id="16" name="TextBox 15"/>
+          <p:cNvSpPr txBox="1"/>
+          <p:nvPr/>
+        </p:nvSpPr>
+        <p:spPr>
+          <a:xfrm>
+            <a:off x="6525491" y="2306782"/>
+            <a:ext cx="2909454" cy="3970318"/>
+          </a:xfrm>
+          <a:prstGeom prst="rect">
+            <a:avLst/>
+          </a:prstGeom>
+          <a:noFill/>
+        </p:spPr>
+        <p:txBody>
+          <a:bodyPr wrap="square" rtlCol="0">
+            <a:spAutoFit/>
+          </a:bodyPr>
+          <a:lstStyle/>
+          <a:p>
+            <a:r>
+              <a:rPr lang="en-US" dirty="0" smtClean="0"/>
+              <a:t>If we split the award amount among all the two applicants but limit the amount to 250, we actually end up with both rational assumptions being met in this particular case. Note some awards are greater than 250, it just cannot be split below 250. If the minimum was 500, S3 would only award 1 scholarship for 500.</a:t>
+            </a:r>
+            <a:endParaRPr lang="en-US" dirty="0"/>
+          </a:p>
+        </p:txBody>
+      </p:sp>
+      <p:sp>
+        <p:nvSpPr>
+          <p:cNvPr id="18" name="TextBox 17"/>
+          <p:cNvSpPr txBox="1"/>
+          <p:nvPr/>
+        </p:nvSpPr>
+        <p:spPr>
+          <a:xfrm>
+            <a:off x="1011383" y="586579"/>
+            <a:ext cx="1717964" cy="369332"/>
+          </a:xfrm>
+          <a:prstGeom prst="rect">
+            <a:avLst/>
+          </a:prstGeom>
+          <a:ln w="9525" cap="flat" cmpd="sng" algn="ctr">
+            <a:solidFill>
+              <a:schemeClr val="dk1"/>
+            </a:solidFill>
+            <a:prstDash val="solid"/>
+            <a:round/>
+            <a:headEnd type="arrow" w="med" len="med"/>
+            <a:tailEnd type="arrow" w="med" len="med"/>
+          </a:ln>
+        </p:spPr>
+        <p:style>
+          <a:lnRef idx="0">
+            <a:scrgbClr r="0" g="0" b="0"/>
+          </a:lnRef>
+          <a:fillRef idx="0">
+            <a:scrgbClr r="0" g="0" b="0"/>
+          </a:fillRef>
+          <a:effectRef idx="0">
+            <a:scrgbClr r="0" g="0" b="0"/>
+          </a:effectRef>
+          <a:fontRef idx="minor">
+            <a:schemeClr val="tx1"/>
+          </a:fontRef>
+        </p:style>
+        <p:txBody>
+          <a:bodyPr wrap="square" rtlCol="0">
+            <a:spAutoFit/>
+          </a:bodyPr>
+          <a:lstStyle/>
+          <a:p>
+            <a:r>
+              <a:rPr lang="en-US" dirty="0" smtClean="0"/>
+              <a:t>333.33 Each</a:t>
+            </a:r>
+            <a:endParaRPr lang="en-US" dirty="0"/>
+          </a:p>
+        </p:txBody>
+      </p:sp>
+      <p:sp>
+        <p:nvSpPr>
+          <p:cNvPr id="27" name="TextBox 26"/>
+          <p:cNvSpPr txBox="1"/>
+          <p:nvPr/>
+        </p:nvSpPr>
+        <p:spPr>
+          <a:xfrm>
+            <a:off x="1066800" y="2001474"/>
+            <a:ext cx="1717964" cy="369332"/>
+          </a:xfrm>
+          <a:prstGeom prst="rect">
+            <a:avLst/>
+          </a:prstGeom>
+          <a:ln w="9525" cap="flat" cmpd="sng" algn="ctr">
+            <a:solidFill>
+              <a:schemeClr val="dk1"/>
+            </a:solidFill>
+            <a:prstDash val="solid"/>
+            <a:round/>
+            <a:headEnd type="arrow" w="med" len="med"/>
+            <a:tailEnd type="arrow" w="med" len="med"/>
+          </a:ln>
+        </p:spPr>
+        <p:style>
+          <a:lnRef idx="0">
+            <a:scrgbClr r="0" g="0" b="0"/>
+          </a:lnRef>
+          <a:fillRef idx="0">
+            <a:scrgbClr r="0" g="0" b="0"/>
+          </a:fillRef>
+          <a:effectRef idx="0">
+            <a:scrgbClr r="0" g="0" b="0"/>
+          </a:effectRef>
+          <a:fontRef idx="minor">
+            <a:schemeClr val="tx1"/>
+          </a:fontRef>
+        </p:style>
+        <p:txBody>
+          <a:bodyPr wrap="square" rtlCol="0">
+            <a:spAutoFit/>
+          </a:bodyPr>
+          <a:lstStyle/>
+          <a:p>
+            <a:r>
+              <a:rPr lang="en-US" dirty="0" smtClean="0"/>
+              <a:t>375 Each</a:t>
+            </a:r>
+            <a:endParaRPr lang="en-US" dirty="0"/>
+          </a:p>
+        </p:txBody>
+      </p:sp>
+      <p:sp>
+        <p:nvSpPr>
+          <p:cNvPr id="28" name="TextBox 27"/>
+          <p:cNvSpPr txBox="1"/>
+          <p:nvPr/>
+        </p:nvSpPr>
+        <p:spPr>
+          <a:xfrm>
+            <a:off x="1173028" y="3541167"/>
+            <a:ext cx="1717964" cy="369332"/>
+          </a:xfrm>
+          <a:prstGeom prst="rect">
+            <a:avLst/>
+          </a:prstGeom>
+          <a:ln w="9525" cap="flat" cmpd="sng" algn="ctr">
+            <a:solidFill>
+              <a:schemeClr val="dk1"/>
+            </a:solidFill>
+            <a:prstDash val="solid"/>
+            <a:round/>
+            <a:headEnd type="arrow" w="med" len="med"/>
+            <a:tailEnd type="arrow" w="med" len="med"/>
+          </a:ln>
+        </p:spPr>
+        <p:style>
+          <a:lnRef idx="0">
+            <a:scrgbClr r="0" g="0" b="0"/>
+          </a:lnRef>
+          <a:fillRef idx="0">
+            <a:scrgbClr r="0" g="0" b="0"/>
+          </a:fillRef>
+          <a:effectRef idx="0">
+            <a:scrgbClr r="0" g="0" b="0"/>
+          </a:effectRef>
+          <a:fontRef idx="minor">
+            <a:schemeClr val="tx1"/>
+          </a:fontRef>
+        </p:style>
+        <p:txBody>
+          <a:bodyPr wrap="square" rtlCol="0">
+            <a:spAutoFit/>
+          </a:bodyPr>
+          <a:lstStyle/>
+          <a:p>
+            <a:r>
+              <a:rPr lang="en-US" dirty="0" smtClean="0"/>
+              <a:t>250 Each</a:t>
+            </a:r>
+            <a:endParaRPr lang="en-US" dirty="0"/>
+          </a:p>
+        </p:txBody>
+      </p:sp>
+      <p:sp>
+        <p:nvSpPr>
+          <p:cNvPr id="19" name="TextBox 18"/>
+          <p:cNvSpPr txBox="1"/>
+          <p:nvPr/>
+        </p:nvSpPr>
+        <p:spPr>
+          <a:xfrm>
+            <a:off x="5375562" y="872838"/>
+            <a:ext cx="1016018" cy="369332"/>
+          </a:xfrm>
+          <a:prstGeom prst="rect">
+            <a:avLst/>
+          </a:prstGeom>
+          <a:noFill/>
+        </p:spPr>
+        <p:txBody>
+          <a:bodyPr wrap="square" rtlCol="0">
+            <a:spAutoFit/>
+          </a:bodyPr>
+          <a:lstStyle/>
+          <a:p>
+            <a:r>
+              <a:rPr lang="en-US" dirty="0" smtClean="0"/>
+              <a:t>1125.33</a:t>
+            </a:r>
+            <a:endParaRPr lang="en-US" dirty="0"/>
+          </a:p>
+        </p:txBody>
+      </p:sp>
+      <p:sp>
+        <p:nvSpPr>
+          <p:cNvPr id="22" name="TextBox 21"/>
+          <p:cNvSpPr txBox="1"/>
+          <p:nvPr/>
+        </p:nvSpPr>
+        <p:spPr>
+          <a:xfrm>
+            <a:off x="5426346" y="2001474"/>
+            <a:ext cx="891325" cy="369332"/>
+          </a:xfrm>
+          <a:prstGeom prst="rect">
+            <a:avLst/>
+          </a:prstGeom>
+          <a:noFill/>
+        </p:spPr>
+        <p:txBody>
+          <a:bodyPr wrap="square" rtlCol="0">
+            <a:spAutoFit/>
+          </a:bodyPr>
+          <a:lstStyle/>
+          <a:p>
+            <a:r>
+              <a:rPr lang="en-US" dirty="0" smtClean="0"/>
+              <a:t>538.33</a:t>
+            </a:r>
+            <a:endParaRPr lang="en-US" dirty="0"/>
+          </a:p>
+        </p:txBody>
+      </p:sp>
+      <p:sp>
+        <p:nvSpPr>
+          <p:cNvPr id="23" name="TextBox 22"/>
+          <p:cNvSpPr txBox="1"/>
+          <p:nvPr/>
+        </p:nvSpPr>
+        <p:spPr>
+          <a:xfrm>
+            <a:off x="5426346" y="3462466"/>
+            <a:ext cx="891325" cy="370609"/>
+          </a:xfrm>
+          <a:prstGeom prst="rect">
+            <a:avLst/>
+          </a:prstGeom>
+          <a:noFill/>
+        </p:spPr>
+        <p:txBody>
+          <a:bodyPr wrap="square" rtlCol="0">
+            <a:spAutoFit/>
+          </a:bodyPr>
+          <a:lstStyle/>
+          <a:p>
+            <a:r>
+              <a:rPr lang="en-US" dirty="0" smtClean="0"/>
+              <a:t>375</a:t>
+            </a:r>
+            <a:endParaRPr lang="en-US" dirty="0"/>
+          </a:p>
+        </p:txBody>
+      </p:sp>
+      <p:sp>
+        <p:nvSpPr>
+          <p:cNvPr id="33" name="TextBox 32"/>
+          <p:cNvSpPr txBox="1"/>
+          <p:nvPr/>
+        </p:nvSpPr>
+        <p:spPr>
+          <a:xfrm>
+            <a:off x="2286000" y="5721928"/>
+            <a:ext cx="1399309" cy="646331"/>
+          </a:xfrm>
+          <a:prstGeom prst="rect">
+            <a:avLst/>
+          </a:prstGeom>
+          <a:noFill/>
+        </p:spPr>
+        <p:txBody>
+          <a:bodyPr wrap="square" rtlCol="0">
+            <a:spAutoFit/>
+          </a:bodyPr>
+          <a:lstStyle/>
+          <a:p>
+            <a:r>
+              <a:rPr lang="en-US" dirty="0" smtClean="0"/>
+              <a:t>RA1- True</a:t>
+            </a:r>
+          </a:p>
+          <a:p>
+            <a:r>
+              <a:rPr lang="en-US" dirty="0" smtClean="0"/>
+              <a:t>RA2- True</a:t>
+            </a:r>
+            <a:endParaRPr lang="en-US" dirty="0"/>
+          </a:p>
+        </p:txBody>
+      </p:sp>
+      <p:sp>
+        <p:nvSpPr>
+          <p:cNvPr id="24" name="TextBox 23"/>
+          <p:cNvSpPr txBox="1"/>
+          <p:nvPr/>
+        </p:nvSpPr>
+        <p:spPr>
+          <a:xfrm>
+            <a:off x="1366979" y="-52540"/>
+            <a:ext cx="4678225" cy="369332"/>
+          </a:xfrm>
+          <a:prstGeom prst="rect">
+            <a:avLst/>
+          </a:prstGeom>
+          <a:noFill/>
+        </p:spPr>
+        <p:txBody>
+          <a:bodyPr wrap="square" rtlCol="0">
+            <a:spAutoFit/>
+          </a:bodyPr>
+          <a:lstStyle/>
+          <a:p>
+            <a:r>
+              <a:rPr lang="en-US" dirty="0" smtClean="0"/>
+              <a:t>Split with all -250 Minimum</a:t>
+            </a:r>
+            <a:endParaRPr lang="en-US" dirty="0"/>
+          </a:p>
+        </p:txBody>
+      </p:sp>
+      <p:sp>
+        <p:nvSpPr>
+          <p:cNvPr id="35" name="TextBox 34"/>
+          <p:cNvSpPr txBox="1"/>
+          <p:nvPr/>
+        </p:nvSpPr>
+        <p:spPr>
+          <a:xfrm>
+            <a:off x="5527936" y="4941439"/>
+            <a:ext cx="891325" cy="370609"/>
+          </a:xfrm>
+          <a:prstGeom prst="rect">
+            <a:avLst/>
+          </a:prstGeom>
+          <a:noFill/>
+        </p:spPr>
+        <p:txBody>
+          <a:bodyPr wrap="square" rtlCol="0">
+            <a:spAutoFit/>
+          </a:bodyPr>
+          <a:lstStyle/>
+          <a:p>
+            <a:r>
+              <a:rPr lang="en-US" dirty="0" smtClean="0"/>
+              <a:t>333.33</a:t>
             </a:r>
             <a:endParaRPr lang="en-US" dirty="0"/>
           </a:p>
@@ -10521,7 +10548,7 @@
     </p:spTree>
     <p:extLst>
       <p:ext uri="{BB962C8B-B14F-4D97-AF65-F5344CB8AC3E}">
-        <p14:creationId xmlns:p14="http://schemas.microsoft.com/office/powerpoint/2010/main" val="1429858341"/>
+        <p14:creationId xmlns:p14="http://schemas.microsoft.com/office/powerpoint/2010/main" val="1199791160"/>
       </p:ext>
     </p:extLst>
   </p:cSld>
@@ -10572,7 +10599,7 @@
           <a:p>
             <a:r>
               <a:rPr lang="en-US" dirty="0" smtClean="0"/>
-              <a:t>Minimum Data Model</a:t>
+              <a:t>Which method should we use?</a:t>
             </a:r>
             <a:endParaRPr lang="en-US" dirty="0"/>
           </a:p>
@@ -10590,96 +10617,58 @@
         </p:nvSpPr>
         <p:spPr/>
         <p:txBody>
-          <a:bodyPr>
-            <a:normAutofit lnSpcReduction="10000"/>
-          </a:bodyPr>
-          <a:lstStyle/>
-          <a:p>
-            <a:r>
-              <a:rPr lang="en-US" dirty="0" smtClean="0"/>
-              <a:t>Minimum Scholarship Applicant Model</a:t>
-            </a:r>
-          </a:p>
-          <a:p>
-            <a:pPr lvl="1"/>
-            <a:r>
-              <a:rPr lang="en-US" dirty="0" smtClean="0"/>
-              <a:t>Scholarship Id</a:t>
-            </a:r>
-          </a:p>
-          <a:p>
-            <a:pPr lvl="2"/>
-            <a:r>
-              <a:rPr lang="en-US" dirty="0" smtClean="0"/>
-              <a:t>Cant be a string to allow a real name</a:t>
-            </a:r>
-          </a:p>
-          <a:p>
-            <a:pPr lvl="1"/>
-            <a:r>
-              <a:rPr lang="en-US" dirty="0" smtClean="0"/>
-              <a:t>Scholarship Amount</a:t>
-            </a:r>
-          </a:p>
-          <a:p>
-            <a:pPr lvl="2"/>
-            <a:r>
-              <a:rPr lang="en-US" dirty="0" smtClean="0"/>
-              <a:t>Decimal </a:t>
-            </a:r>
-          </a:p>
-          <a:p>
-            <a:pPr lvl="1"/>
-            <a:r>
-              <a:rPr lang="en-US" dirty="0" smtClean="0"/>
-              <a:t>Applicant Id</a:t>
-            </a:r>
-          </a:p>
-          <a:p>
-            <a:pPr lvl="2"/>
-            <a:r>
-              <a:rPr lang="en-US" dirty="0" smtClean="0"/>
-              <a:t>Can be a string to allow full name</a:t>
-            </a:r>
-          </a:p>
-          <a:p>
-            <a:pPr lvl="1"/>
-            <a:r>
-              <a:rPr lang="en-US" dirty="0" smtClean="0"/>
-              <a:t>Applicant Ranking</a:t>
-            </a:r>
-          </a:p>
-          <a:p>
-            <a:pPr lvl="2"/>
-            <a:r>
-              <a:rPr lang="en-US" dirty="0" smtClean="0"/>
-              <a:t>Integer</a:t>
-            </a:r>
-          </a:p>
-          <a:p>
-            <a:r>
-              <a:rPr lang="en-US" dirty="0" smtClean="0"/>
-              <a:t>Application ranking must not have skips</a:t>
-            </a:r>
-          </a:p>
-          <a:p>
-            <a:pPr lvl="1"/>
-            <a:r>
-              <a:rPr lang="en-US" dirty="0" smtClean="0"/>
-              <a:t>1,2,3 is allowable for a given </a:t>
-            </a:r>
-            <a:r>
-              <a:rPr lang="en-US" smtClean="0"/>
-              <a:t>scholarship but not 1,3,4</a:t>
+          <a:bodyPr/>
+          <a:lstStyle/>
+          <a:p>
+            <a:r>
+              <a:rPr lang="en-US" dirty="0" smtClean="0"/>
+              <a:t>Each of the previous seven algorithms has legitimate claim to be </a:t>
+            </a:r>
+            <a:r>
+              <a:rPr lang="en-US" dirty="0" smtClean="0"/>
+              <a:t>fair </a:t>
+            </a:r>
+            <a:r>
+              <a:rPr lang="en-US" dirty="0" smtClean="0"/>
+              <a:t>way to award the scholarships</a:t>
+            </a:r>
+          </a:p>
+          <a:p>
+            <a:r>
+              <a:rPr lang="en-US" dirty="0" smtClean="0"/>
+              <a:t>However, methods which support RA1 or RA2 have a greater claim to logical fairness than methods that don’t with RA1 support the most </a:t>
+            </a:r>
+            <a:r>
+              <a:rPr lang="en-US" dirty="0" smtClean="0"/>
+              <a:t>fair</a:t>
+            </a:r>
+          </a:p>
+          <a:p>
+            <a:r>
+              <a:rPr lang="en-US" dirty="0" smtClean="0"/>
+              <a:t>It could also be that the committee would favor an algorithm that gave to more applicants for various reasons</a:t>
             </a:r>
             <a:endParaRPr lang="en-US" dirty="0" smtClean="0"/>
+          </a:p>
+          <a:p>
+            <a:r>
+              <a:rPr lang="en-US" dirty="0" smtClean="0"/>
+              <a:t>It is not obvious until after calculation which of these algorithms will yield these results</a:t>
+            </a:r>
+          </a:p>
+          <a:p>
+            <a:r>
+              <a:rPr lang="en-US" dirty="0" smtClean="0"/>
+              <a:t>What I propose to create is a system which will calculate each algorithm and yield results to the user with their compliance with RA1 and RA2</a:t>
+            </a:r>
+            <a:endParaRPr lang="en-US" dirty="0"/>
           </a:p>
         </p:txBody>
       </p:sp>
     </p:spTree>
     <p:extLst>
       <p:ext uri="{BB962C8B-B14F-4D97-AF65-F5344CB8AC3E}">
-        <p14:creationId xmlns:p14="http://schemas.microsoft.com/office/powerpoint/2010/main" val="3236645812"/>
+        <p14:creationId xmlns:p14="http://schemas.microsoft.com/office/powerpoint/2010/main" val="1429858341"/>
       </p:ext>
     </p:extLst>
   </p:cSld>
@@ -10730,7 +10719,7 @@
           <a:p>
             <a:r>
               <a:rPr lang="en-US" dirty="0" smtClean="0"/>
-              <a:t>Other required parameters</a:t>
+              <a:t>Minimum Data Model</a:t>
             </a:r>
             <a:endParaRPr lang="en-US" dirty="0"/>
           </a:p>
@@ -10748,58 +10737,109 @@
         </p:nvSpPr>
         <p:spPr/>
         <p:txBody>
-          <a:bodyPr/>
-          <a:lstStyle/>
-          <a:p>
-            <a:r>
-              <a:rPr lang="en-US" dirty="0" smtClean="0"/>
-              <a:t>Maximum Award Amount</a:t>
+          <a:bodyPr>
+            <a:normAutofit fontScale="85000" lnSpcReduction="20000"/>
+          </a:bodyPr>
+          <a:lstStyle/>
+          <a:p>
+            <a:r>
+              <a:rPr lang="en-US" dirty="0" smtClean="0"/>
+              <a:t>Minimum Scholarship Applicant Model</a:t>
             </a:r>
           </a:p>
           <a:p>
             <a:pPr lvl="1"/>
             <a:r>
               <a:rPr lang="en-US" dirty="0" smtClean="0"/>
-              <a:t>For Merit with Maximum Award Amount Algorithm</a:t>
-            </a:r>
-          </a:p>
-          <a:p>
-            <a:r>
-              <a:rPr lang="en-US" dirty="0" smtClean="0"/>
-              <a:t>Minimum Award Amount</a:t>
+              <a:t>Scholarship Id</a:t>
+            </a:r>
+          </a:p>
+          <a:p>
+            <a:pPr lvl="2"/>
+            <a:r>
+              <a:rPr lang="en-US" dirty="0" smtClean="0"/>
+              <a:t>Cant be a string to allow a real name</a:t>
             </a:r>
           </a:p>
           <a:p>
             <a:pPr lvl="1"/>
             <a:r>
               <a:rPr lang="en-US" dirty="0" smtClean="0"/>
-              <a:t>For Split with Minimum Award Amount</a:t>
-            </a:r>
-          </a:p>
-          <a:p>
-            <a:r>
-              <a:rPr lang="en-US" dirty="0" smtClean="0"/>
-              <a:t>Maximum Number of Winners</a:t>
+              <a:t>Scholarship Amount</a:t>
+            </a:r>
+          </a:p>
+          <a:p>
+            <a:pPr lvl="2"/>
+            <a:r>
+              <a:rPr lang="en-US" dirty="0" smtClean="0"/>
+              <a:t>Decimal </a:t>
             </a:r>
           </a:p>
           <a:p>
             <a:pPr lvl="1"/>
             <a:r>
               <a:rPr lang="en-US" dirty="0" smtClean="0"/>
-              <a:t>For Split with </a:t>
-            </a:r>
-            <a:r>
-              <a:rPr lang="en-US" smtClean="0"/>
-              <a:t>Maximum Amount of Winners</a:t>
-            </a:r>
-            <a:endParaRPr lang="en-US"/>
+              <a:t>Applicant Id</a:t>
+            </a:r>
+          </a:p>
+          <a:p>
+            <a:pPr lvl="2"/>
+            <a:r>
+              <a:rPr lang="en-US" dirty="0" smtClean="0"/>
+              <a:t>Can be a string to allow full name</a:t>
+            </a:r>
+          </a:p>
+          <a:p>
+            <a:pPr lvl="1"/>
+            <a:r>
+              <a:rPr lang="en-US" dirty="0" smtClean="0"/>
+              <a:t>Applicant Ranking</a:t>
+            </a:r>
+          </a:p>
+          <a:p>
+            <a:pPr lvl="2"/>
+            <a:r>
+              <a:rPr lang="en-US" dirty="0" smtClean="0"/>
+              <a:t>Integer</a:t>
+            </a:r>
+          </a:p>
+          <a:p>
+            <a:r>
+              <a:rPr lang="en-US" dirty="0" smtClean="0"/>
+              <a:t>Application ranking must not have skips</a:t>
+            </a:r>
+          </a:p>
+          <a:p>
+            <a:pPr lvl="1"/>
+            <a:r>
+              <a:rPr lang="en-US" dirty="0" smtClean="0"/>
+              <a:t>1,2,3 is allowable for a given scholarship but not </a:t>
+            </a:r>
+            <a:r>
+              <a:rPr lang="en-US" dirty="0" smtClean="0"/>
+              <a:t>1,3,4</a:t>
+            </a:r>
+          </a:p>
+          <a:p>
+            <a:r>
+              <a:rPr lang="en-US" dirty="0" smtClean="0"/>
+              <a:t>Application ranking must not have duplicates</a:t>
+            </a:r>
+          </a:p>
+          <a:p>
+            <a:pPr lvl="1"/>
+            <a:r>
+              <a:rPr lang="en-US" dirty="0" smtClean="0"/>
+              <a:t>Cannot have multiple with same rank</a:t>
+            </a:r>
+            <a:endParaRPr lang="en-US" dirty="0" smtClean="0"/>
           </a:p>
         </p:txBody>
       </p:sp>
     </p:spTree>
     <p:extLst>
       <p:ext uri="{BB962C8B-B14F-4D97-AF65-F5344CB8AC3E}">
-        <p14:creationId xmlns:p14="http://schemas.microsoft.com/office/powerpoint/2010/main" val="1424572580"/>
+        <p14:creationId xmlns:p14="http://schemas.microsoft.com/office/powerpoint/2010/main" val="3236645812"/>
       </p:ext>
     </p:extLst>
   </p:cSld>
@@ -10850,7 +10890,7 @@
           <a:p>
             <a:r>
               <a:rPr lang="en-US" dirty="0" smtClean="0"/>
-              <a:t>Required Outputs</a:t>
+              <a:t>Other required parameters</a:t>
             </a:r>
             <a:endParaRPr lang="en-US" dirty="0"/>
           </a:p>
@@ -10868,112 +10908,58 @@
         </p:nvSpPr>
         <p:spPr/>
         <p:txBody>
-          <a:bodyPr>
-            <a:normAutofit fontScale="77500" lnSpcReduction="20000"/>
-          </a:bodyPr>
-          <a:lstStyle/>
-          <a:p>
-            <a:r>
-              <a:rPr lang="en-US" dirty="0" smtClean="0"/>
-              <a:t>Algorithm Rationality</a:t>
+          <a:bodyPr/>
+          <a:lstStyle/>
+          <a:p>
+            <a:r>
+              <a:rPr lang="en-US" dirty="0" smtClean="0"/>
+              <a:t>Maximum Award Amount</a:t>
             </a:r>
           </a:p>
           <a:p>
             <a:pPr lvl="1"/>
             <a:r>
               <a:rPr lang="en-US" dirty="0" smtClean="0"/>
-              <a:t>Algorithm</a:t>
+              <a:t>For Merit with Maximum Award Amount Algorithm</a:t>
+            </a:r>
+          </a:p>
+          <a:p>
+            <a:r>
+              <a:rPr lang="en-US" dirty="0" smtClean="0"/>
+              <a:t>Minimum Award Amount</a:t>
             </a:r>
           </a:p>
           <a:p>
             <a:pPr lvl="1"/>
             <a:r>
               <a:rPr lang="en-US" dirty="0" smtClean="0"/>
-              <a:t>RA1</a:t>
+              <a:t>For Split with Minimum Award Amount</a:t>
+            </a:r>
+          </a:p>
+          <a:p>
+            <a:r>
+              <a:rPr lang="en-US" dirty="0" smtClean="0"/>
+              <a:t>Maximum Number of Winners</a:t>
             </a:r>
           </a:p>
           <a:p>
             <a:pPr lvl="1"/>
             <a:r>
               <a:rPr lang="en-US" dirty="0" smtClean="0"/>
-              <a:t>RA2</a:t>
-            </a:r>
-          </a:p>
-          <a:p>
-            <a:r>
-              <a:rPr lang="en-US" dirty="0" smtClean="0"/>
-              <a:t>Scholarship Awarding</a:t>
-            </a:r>
-          </a:p>
-          <a:p>
-            <a:pPr lvl="1"/>
-            <a:r>
-              <a:rPr lang="en-US" dirty="0" smtClean="0"/>
-              <a:t>Algorithm</a:t>
-            </a:r>
-          </a:p>
-          <a:p>
-            <a:pPr lvl="1"/>
-            <a:r>
-              <a:rPr lang="en-US" dirty="0" smtClean="0"/>
-              <a:t>Scholarship Id</a:t>
-            </a:r>
-          </a:p>
-          <a:p>
-            <a:pPr lvl="1"/>
-            <a:r>
-              <a:rPr lang="en-US" dirty="0" smtClean="0"/>
-              <a:t>Student Id</a:t>
-            </a:r>
-          </a:p>
-          <a:p>
-            <a:pPr lvl="1"/>
-            <a:r>
-              <a:rPr lang="en-US" dirty="0" smtClean="0"/>
-              <a:t>Awarded Amount</a:t>
-            </a:r>
-          </a:p>
-          <a:p>
-            <a:r>
-              <a:rPr lang="en-US" dirty="0" smtClean="0"/>
-              <a:t>Student Statistics</a:t>
-            </a:r>
-          </a:p>
-          <a:p>
-            <a:pPr lvl="1"/>
+              <a:t>For Split with </a:t>
+            </a:r>
             <a:r>
               <a:rPr lang="en-US" smtClean="0"/>
-              <a:t>Algorithm</a:t>
-            </a:r>
-          </a:p>
-          <a:p>
-            <a:pPr lvl="1"/>
-            <a:r>
-              <a:rPr lang="en-US" dirty="0" smtClean="0"/>
-              <a:t>Student Id</a:t>
-            </a:r>
-          </a:p>
-          <a:p>
-            <a:pPr lvl="1"/>
-            <a:r>
-              <a:rPr lang="en-US" dirty="0" smtClean="0"/>
-              <a:t>Student Ranking</a:t>
-            </a:r>
-          </a:p>
-          <a:p>
-            <a:pPr lvl="1"/>
-            <a:r>
-              <a:rPr lang="en-US" dirty="0" smtClean="0"/>
-              <a:t>Total Awarded</a:t>
-            </a:r>
-            <a:endParaRPr lang="en-US" dirty="0"/>
+              <a:t>Maximum Amount of Winners</a:t>
+            </a:r>
+            <a:endParaRPr lang="en-US"/>
           </a:p>
         </p:txBody>
       </p:sp>
     </p:spTree>
     <p:extLst>
       <p:ext uri="{BB962C8B-B14F-4D97-AF65-F5344CB8AC3E}">
-        <p14:creationId xmlns:p14="http://schemas.microsoft.com/office/powerpoint/2010/main" val="3299129518"/>
+        <p14:creationId xmlns:p14="http://schemas.microsoft.com/office/powerpoint/2010/main" val="1424572580"/>
       </p:ext>
     </p:extLst>
   </p:cSld>
@@ -11024,7 +11010,7 @@
           <a:p>
             <a:r>
               <a:rPr lang="en-US" dirty="0" smtClean="0"/>
-              <a:t>Languages to implement </a:t>
+              <a:t>Required Outputs</a:t>
             </a:r>
             <a:endParaRPr lang="en-US" dirty="0"/>
           </a:p>
@@ -11042,50 +11028,20 @@
         </p:nvSpPr>
         <p:spPr/>
         <p:txBody>
-          <a:bodyPr/>
-          <a:lstStyle/>
-          <a:p>
-            <a:r>
-              <a:rPr lang="en-US" dirty="0" smtClean="0"/>
-              <a:t>SQL (MS-SQL Server)</a:t>
-            </a:r>
-          </a:p>
-          <a:p>
-            <a:pPr lvl="1"/>
-            <a:r>
-              <a:rPr lang="en-US" dirty="0" smtClean="0"/>
-              <a:t>Which would allow any language with ODBC compliance to access it</a:t>
-            </a:r>
-          </a:p>
-          <a:p>
-            <a:pPr lvl="1"/>
-            <a:r>
-              <a:rPr lang="en-US" dirty="0" smtClean="0"/>
-              <a:t>Will be full model</a:t>
-            </a:r>
-          </a:p>
-          <a:p>
-            <a:r>
-              <a:rPr lang="en-US" dirty="0" smtClean="0"/>
-              <a:t>C#</a:t>
-            </a:r>
-          </a:p>
-          <a:p>
-            <a:r>
-              <a:rPr lang="en-US" dirty="0" smtClean="0"/>
-              <a:t>R</a:t>
-            </a:r>
-          </a:p>
-          <a:p>
-            <a:r>
-              <a:rPr lang="en-US" dirty="0" smtClean="0"/>
-              <a:t>Python</a:t>
-            </a:r>
-          </a:p>
-          <a:p>
-            <a:r>
-              <a:rPr lang="en-US" dirty="0" smtClean="0"/>
-              <a:t>JavaScript</a:t>
+          <a:bodyPr>
+            <a:normAutofit/>
+          </a:bodyPr>
+          <a:lstStyle/>
+          <a:p>
+            <a:r>
+              <a:rPr lang="en-US" dirty="0" smtClean="0"/>
+              <a:t>List of awards for each algorithm</a:t>
+            </a:r>
+          </a:p>
+          <a:p>
+            <a:r>
+              <a:rPr lang="en-US" dirty="0" smtClean="0"/>
+              <a:t>List of how algorithm did on RA1 and RA2</a:t>
             </a:r>
             <a:endParaRPr lang="en-US" dirty="0"/>
           </a:p>
@@ -11094,7 +11050,7 @@
     </p:spTree>
     <p:extLst>
       <p:ext uri="{BB962C8B-B14F-4D97-AF65-F5344CB8AC3E}">
-        <p14:creationId xmlns:p14="http://schemas.microsoft.com/office/powerpoint/2010/main" val="2047708670"/>
+        <p14:creationId xmlns:p14="http://schemas.microsoft.com/office/powerpoint/2010/main" val="3299129518"/>
       </p:ext>
     </p:extLst>
   </p:cSld>
@@ -11145,40 +11101,77 @@
           <a:p>
             <a:r>
               <a:rPr lang="en-US" dirty="0" smtClean="0"/>
-              <a:t>Normalized SQL Model</a:t>
-            </a:r>
-            <a:endParaRPr lang="en-US" dirty="0"/>
-          </a:p>
-        </p:txBody>
-      </p:sp>
-      <p:pic>
-        <p:nvPicPr>
-          <p:cNvPr id="4" name="Picture 3"/>
-          <p:cNvPicPr>
-            <a:picLocks noChangeAspect="1"/>
-          </p:cNvPicPr>
-          <p:nvPr/>
-        </p:nvPicPr>
-        <p:blipFill>
-          <a:blip r:embed="rId2"/>
-          <a:stretch>
-            <a:fillRect/>
-          </a:stretch>
-        </p:blipFill>
-        <p:spPr>
-          <a:xfrm>
-            <a:off x="782636" y="1605737"/>
-            <a:ext cx="7961905" cy="4990476"/>
-          </a:xfrm>
-          <a:prstGeom prst="rect">
-            <a:avLst/>
-          </a:prstGeom>
-        </p:spPr>
-      </p:pic>
+              <a:t>Languages to implement </a:t>
+            </a:r>
+            <a:endParaRPr lang="en-US" dirty="0"/>
+          </a:p>
+        </p:txBody>
+      </p:sp>
+      <p:sp>
+        <p:nvSpPr>
+          <p:cNvPr id="3" name="Content Placeholder 2"/>
+          <p:cNvSpPr>
+            <a:spLocks noGrp="1"/>
+          </p:cNvSpPr>
+          <p:nvPr>
+            <p:ph idx="1"/>
+          </p:nvPr>
+        </p:nvSpPr>
+        <p:spPr/>
+        <p:txBody>
+          <a:bodyPr/>
+          <a:lstStyle/>
+          <a:p>
+            <a:r>
+              <a:rPr lang="en-US" dirty="0" smtClean="0"/>
+              <a:t>SQL (MS-SQL Server)</a:t>
+            </a:r>
+          </a:p>
+          <a:p>
+            <a:pPr lvl="1"/>
+            <a:r>
+              <a:rPr lang="en-US" dirty="0" smtClean="0"/>
+              <a:t>Which would allow any language with ODBC compliance to access it</a:t>
+            </a:r>
+          </a:p>
+          <a:p>
+            <a:pPr lvl="1"/>
+            <a:r>
+              <a:rPr lang="en-US" dirty="0" smtClean="0"/>
+              <a:t>Will be full model</a:t>
+            </a:r>
+          </a:p>
+          <a:p>
+            <a:r>
+              <a:rPr lang="en-US" dirty="0" smtClean="0"/>
+              <a:t>C#</a:t>
+            </a:r>
+          </a:p>
+          <a:p>
+            <a:r>
+              <a:rPr lang="en-US" dirty="0" smtClean="0"/>
+              <a:t>R</a:t>
+            </a:r>
+          </a:p>
+          <a:p>
+            <a:r>
+              <a:rPr lang="en-US" dirty="0" smtClean="0"/>
+              <a:t>Python</a:t>
+            </a:r>
+          </a:p>
+          <a:p>
+            <a:r>
+              <a:rPr lang="en-US" dirty="0" smtClean="0"/>
+              <a:t>JavaScript</a:t>
+            </a:r>
+            <a:endParaRPr lang="en-US" dirty="0"/>
+          </a:p>
+        </p:txBody>
+      </p:sp>
     </p:spTree>
     <p:extLst>
       <p:ext uri="{BB962C8B-B14F-4D97-AF65-F5344CB8AC3E}">
-        <p14:creationId xmlns:p14="http://schemas.microsoft.com/office/powerpoint/2010/main" val="656708700"/>
+        <p14:creationId xmlns:p14="http://schemas.microsoft.com/office/powerpoint/2010/main" val="2047708670"/>
       </p:ext>
     </p:extLst>
   </p:cSld>
@@ -11227,7 +11220,11 @@
           <a:bodyPr/>
           <a:lstStyle/>
           <a:p>
-            <a:endParaRPr lang="en-US"/>
+            <a:r>
+              <a:rPr lang="en-US" dirty="0" smtClean="0"/>
+              <a:t>Introduction</a:t>
+            </a:r>
+            <a:endParaRPr lang="en-US" dirty="0"/>
           </a:p>
         </p:txBody>
       </p:sp>
@@ -11243,17 +11240,81 @@
         </p:nvSpPr>
         <p:spPr/>
         <p:txBody>
-          <a:bodyPr/>
-          <a:lstStyle/>
-          <a:p>
-            <a:endParaRPr lang="en-US"/>
+          <a:bodyPr>
+            <a:normAutofit fontScale="92500" lnSpcReduction="20000"/>
+          </a:bodyPr>
+          <a:lstStyle/>
+          <a:p>
+            <a:r>
+              <a:rPr lang="en-US" dirty="0" smtClean="0"/>
+              <a:t>Scholarship Matching is where a committee of people award scholarships to the most deserving applicants</a:t>
+            </a:r>
+          </a:p>
+          <a:p>
+            <a:r>
+              <a:rPr lang="en-US" dirty="0" smtClean="0"/>
+              <a:t>However, due to the </a:t>
+            </a:r>
+            <a:r>
+              <a:rPr lang="en-US" dirty="0" smtClean="0"/>
+              <a:t>criteria </a:t>
+            </a:r>
+            <a:r>
+              <a:rPr lang="en-US" dirty="0" smtClean="0"/>
+              <a:t>used for awarding scholarships sometimes unexpected results can </a:t>
+            </a:r>
+            <a:r>
+              <a:rPr lang="en-US" dirty="0" smtClean="0"/>
+              <a:t>occur</a:t>
+            </a:r>
+          </a:p>
+          <a:p>
+            <a:pPr lvl="1"/>
+            <a:r>
+              <a:rPr lang="en-US" dirty="0" smtClean="0"/>
+              <a:t>Lower ranked students can get money than higher ranked students</a:t>
+            </a:r>
+          </a:p>
+          <a:p>
+            <a:pPr lvl="1"/>
+            <a:r>
+              <a:rPr lang="en-US" dirty="0" smtClean="0"/>
+              <a:t>Higher ranked students can get no awards</a:t>
+            </a:r>
+          </a:p>
+          <a:p>
+            <a:pPr lvl="1"/>
+            <a:r>
+              <a:rPr lang="en-US" dirty="0" smtClean="0"/>
+              <a:t>A single person can exceed the amount of money required</a:t>
+            </a:r>
+            <a:endParaRPr lang="en-US" dirty="0" smtClean="0"/>
+          </a:p>
+          <a:p>
+            <a:r>
+              <a:rPr lang="en-US" dirty="0" smtClean="0"/>
+              <a:t>This paper examines 7 different algorithms for awarding scholarships to examine how they can be shown to be dysfunctional</a:t>
+            </a:r>
+          </a:p>
+          <a:p>
+            <a:r>
+              <a:rPr lang="en-US" dirty="0" smtClean="0"/>
+              <a:t>This paper will result in the building of a GitHub repository where these algorithms will be built</a:t>
+            </a:r>
+          </a:p>
+          <a:p>
+            <a:r>
+              <a:rPr lang="en-US" dirty="0" smtClean="0"/>
+              <a:t>This will include code to examine which algorithm is most logical with set of scholarships and applicants</a:t>
+            </a:r>
+            <a:endParaRPr lang="en-US" dirty="0"/>
           </a:p>
         </p:txBody>
       </p:sp>
     </p:spTree>
     <p:extLst>
       <p:ext uri="{BB962C8B-B14F-4D97-AF65-F5344CB8AC3E}">
-        <p14:creationId xmlns:p14="http://schemas.microsoft.com/office/powerpoint/2010/main" val="1548654365"/>
+        <p14:creationId xmlns:p14="http://schemas.microsoft.com/office/powerpoint/2010/main" val="3908798961"/>
       </p:ext>
     </p:extLst>
   </p:cSld>
@@ -11304,7 +11365,11 @@
           <a:p>
             <a:r>
               <a:rPr lang="en-US" dirty="0" smtClean="0"/>
-              <a:t>Normalized Results Tables</a:t>
+              <a:t>Full Normalized </a:t>
+            </a:r>
+            <a:r>
+              <a:rPr lang="en-US" dirty="0" smtClean="0"/>
+              <a:t>SQL Model</a:t>
             </a:r>
             <a:endParaRPr lang="en-US" dirty="0"/>
           </a:p>
@@ -11326,8 +11391,8 @@
         </p:blipFill>
         <p:spPr>
           <a:xfrm>
-            <a:off x="845763" y="1930400"/>
-            <a:ext cx="7809524" cy="4885714"/>
+            <a:off x="782636" y="1605737"/>
+            <a:ext cx="7961905" cy="4990476"/>
           </a:xfrm>
           <a:prstGeom prst="rect">
             <a:avLst/>
@@ -11337,7 +11402,7 @@
     </p:spTree>
     <p:extLst>
       <p:ext uri="{BB962C8B-B14F-4D97-AF65-F5344CB8AC3E}">
-        <p14:creationId xmlns:p14="http://schemas.microsoft.com/office/powerpoint/2010/main" val="46036757"/>
+        <p14:creationId xmlns:p14="http://schemas.microsoft.com/office/powerpoint/2010/main" val="656708700"/>
       </p:ext>
     </p:extLst>
   </p:cSld>
@@ -11387,12 +11452,8 @@
           <a:lstStyle/>
           <a:p>
             <a:r>
-              <a:rPr lang="en-US" dirty="0" err="1" smtClean="0"/>
-              <a:t>Denormalized</a:t>
-            </a:r>
-            <a:r>
-              <a:rPr lang="en-US" dirty="0" smtClean="0"/>
-              <a:t> For Easy csv Import</a:t>
+              <a:rPr lang="en-US" dirty="0" smtClean="0"/>
+              <a:t>Normalized Results Tables</a:t>
             </a:r>
             <a:endParaRPr lang="en-US" dirty="0"/>
           </a:p>
@@ -11400,7 +11461,7 @@
       </p:sp>
       <p:pic>
         <p:nvPicPr>
-          <p:cNvPr id="4" name="Picture 3"/>
+          <p:cNvPr id="3" name="Picture 2"/>
           <p:cNvPicPr>
             <a:picLocks noChangeAspect="1"/>
           </p:cNvPicPr>
@@ -11414,8 +11475,96 @@
         </p:blipFill>
         <p:spPr>
           <a:xfrm>
-            <a:off x="827679" y="1388775"/>
-            <a:ext cx="8028571" cy="4838095"/>
+            <a:off x="1494715" y="1552608"/>
+            <a:ext cx="6961905" cy="4876190"/>
+          </a:xfrm>
+          <a:prstGeom prst="rect">
+            <a:avLst/>
+          </a:prstGeom>
+        </p:spPr>
+      </p:pic>
+    </p:spTree>
+    <p:extLst>
+      <p:ext uri="{BB962C8B-B14F-4D97-AF65-F5344CB8AC3E}">
+        <p14:creationId xmlns:p14="http://schemas.microsoft.com/office/powerpoint/2010/main" val="46036757"/>
+      </p:ext>
+    </p:extLst>
+  </p:cSld>
+  <p:clrMapOvr>
+    <a:masterClrMapping/>
+  </p:clrMapOvr>
+  <p:timing>
+    <p:tnLst>
+      <p:par>
+        <p:cTn id="1" dur="indefinite" restart="never" nodeType="tmRoot"/>
+      </p:par>
+    </p:tnLst>
+  </p:timing>
+</p:sld>
+</file>
+
+<file path=ppt/slides/slide22.xml><?xml version="1.0" encoding="utf-8"?>
+<p:sld xmlns:a="http://schemas.openxmlformats.org/drawingml/2006/main" xmlns:r="http://schemas.openxmlformats.org/officeDocument/2006/relationships" xmlns:p="http://schemas.openxmlformats.org/presentationml/2006/main">
+  <p:cSld>
+    <p:spTree>
+      <p:nvGrpSpPr>
+        <p:cNvPr id="1" name=""/>
+        <p:cNvGrpSpPr/>
+        <p:nvPr/>
+      </p:nvGrpSpPr>
+      <p:grpSpPr>
+        <a:xfrm>
+          <a:off x="0" y="0"/>
+          <a:ext cx="0" cy="0"/>
+          <a:chOff x="0" y="0"/>
+          <a:chExt cx="0" cy="0"/>
+        </a:xfrm>
+      </p:grpSpPr>
+      <p:sp>
+        <p:nvSpPr>
+          <p:cNvPr id="2" name="Title 1"/>
+          <p:cNvSpPr>
+            <a:spLocks noGrp="1"/>
+          </p:cNvSpPr>
+          <p:nvPr>
+            <p:ph type="title"/>
+          </p:nvPr>
+        </p:nvSpPr>
+        <p:spPr/>
+        <p:txBody>
+          <a:bodyPr/>
+          <a:lstStyle/>
+          <a:p>
+            <a:r>
+              <a:rPr lang="en-US" dirty="0" err="1" smtClean="0"/>
+              <a:t>Denormalized</a:t>
+            </a:r>
+            <a:r>
+              <a:rPr lang="en-US" dirty="0" smtClean="0"/>
+              <a:t> For Easy csv Import</a:t>
+            </a:r>
+            <a:endParaRPr lang="en-US" dirty="0"/>
+          </a:p>
+        </p:txBody>
+      </p:sp>
+      <p:pic>
+        <p:nvPicPr>
+          <p:cNvPr id="3" name="Picture 2"/>
+          <p:cNvPicPr>
+            <a:picLocks noChangeAspect="1"/>
+          </p:cNvPicPr>
+          <p:nvPr/>
+        </p:nvPicPr>
+        <p:blipFill>
+          <a:blip r:embed="rId2"/>
+          <a:stretch>
+            <a:fillRect/>
+          </a:stretch>
+        </p:blipFill>
+        <p:spPr>
+          <a:xfrm>
+            <a:off x="2146266" y="1418756"/>
+            <a:ext cx="6723809" cy="5561905"/>
           </a:xfrm>
           <a:prstGeom prst="rect">
             <a:avLst/>
@@ -11461,418 +11610,63 @@
       </p:grpSpPr>
       <p:sp>
         <p:nvSpPr>
-          <p:cNvPr id="4" name="Oval 3"/>
-          <p:cNvSpPr/>
-          <p:nvPr/>
-        </p:nvSpPr>
-        <p:spPr>
-          <a:xfrm>
-            <a:off x="831273" y="609600"/>
-            <a:ext cx="914400" cy="914400"/>
-          </a:xfrm>
-          <a:prstGeom prst="ellipse">
-            <a:avLst/>
-          </a:prstGeom>
-        </p:spPr>
-        <p:style>
-          <a:lnRef idx="2">
-            <a:schemeClr val="accent1">
-              <a:shade val="50000"/>
-            </a:schemeClr>
-          </a:lnRef>
-          <a:fillRef idx="1">
-            <a:schemeClr val="accent1"/>
-          </a:fillRef>
-          <a:effectRef idx="0">
-            <a:schemeClr val="accent1"/>
-          </a:effectRef>
-          <a:fontRef idx="minor">
-            <a:schemeClr val="lt1"/>
-          </a:fontRef>
-        </p:style>
-        <p:txBody>
-          <a:bodyPr rtlCol="0" anchor="ctr"/>
-          <a:lstStyle/>
-          <a:p>
-            <a:pPr algn="ctr"/>
-            <a:r>
-              <a:rPr lang="en-US" dirty="0" smtClean="0"/>
-              <a:t>S1</a:t>
-            </a:r>
-            <a:endParaRPr lang="en-US" dirty="0"/>
-          </a:p>
-        </p:txBody>
-      </p:sp>
-      <p:sp>
-        <p:nvSpPr>
-          <p:cNvPr id="5" name="Oval 4"/>
-          <p:cNvSpPr/>
-          <p:nvPr/>
-        </p:nvSpPr>
-        <p:spPr>
-          <a:xfrm>
-            <a:off x="831273" y="2154382"/>
-            <a:ext cx="914400" cy="914400"/>
-          </a:xfrm>
-          <a:prstGeom prst="ellipse">
-            <a:avLst/>
-          </a:prstGeom>
-        </p:spPr>
-        <p:style>
-          <a:lnRef idx="2">
-            <a:schemeClr val="accent1">
-              <a:shade val="50000"/>
-            </a:schemeClr>
-          </a:lnRef>
-          <a:fillRef idx="1">
-            <a:schemeClr val="accent1"/>
-          </a:fillRef>
-          <a:effectRef idx="0">
-            <a:schemeClr val="accent1"/>
-          </a:effectRef>
-          <a:fontRef idx="minor">
-            <a:schemeClr val="lt1"/>
-          </a:fontRef>
-        </p:style>
-        <p:txBody>
-          <a:bodyPr rtlCol="0" anchor="ctr"/>
-          <a:lstStyle/>
-          <a:p>
-            <a:pPr algn="ctr"/>
-            <a:r>
-              <a:rPr lang="en-US" dirty="0" smtClean="0"/>
-              <a:t>S2</a:t>
-            </a:r>
-            <a:endParaRPr lang="en-US" dirty="0"/>
-          </a:p>
-        </p:txBody>
-      </p:sp>
-      <p:sp>
-        <p:nvSpPr>
-          <p:cNvPr id="6" name="Oval 5"/>
-          <p:cNvSpPr/>
-          <p:nvPr/>
-        </p:nvSpPr>
-        <p:spPr>
-          <a:xfrm>
-            <a:off x="831273" y="3699164"/>
-            <a:ext cx="914400" cy="914400"/>
-          </a:xfrm>
-          <a:prstGeom prst="ellipse">
-            <a:avLst/>
-          </a:prstGeom>
-        </p:spPr>
-        <p:style>
-          <a:lnRef idx="2">
-            <a:schemeClr val="accent1">
-              <a:shade val="50000"/>
-            </a:schemeClr>
-          </a:lnRef>
-          <a:fillRef idx="1">
-            <a:schemeClr val="accent1"/>
-          </a:fillRef>
-          <a:effectRef idx="0">
-            <a:schemeClr val="accent1"/>
-          </a:effectRef>
-          <a:fontRef idx="minor">
-            <a:schemeClr val="lt1"/>
-          </a:fontRef>
-        </p:style>
-        <p:txBody>
-          <a:bodyPr rtlCol="0" anchor="ctr"/>
-          <a:lstStyle/>
-          <a:p>
-            <a:pPr algn="ctr"/>
-            <a:r>
-              <a:rPr lang="en-US" dirty="0" smtClean="0"/>
-              <a:t>S3</a:t>
-            </a:r>
-            <a:endParaRPr lang="en-US" dirty="0"/>
-          </a:p>
-        </p:txBody>
-      </p:sp>
-      <p:sp>
-        <p:nvSpPr>
-          <p:cNvPr id="8" name="Oval 7"/>
-          <p:cNvSpPr/>
-          <p:nvPr/>
-        </p:nvSpPr>
-        <p:spPr>
-          <a:xfrm>
-            <a:off x="4405745" y="609600"/>
-            <a:ext cx="914400" cy="914400"/>
-          </a:xfrm>
-          <a:prstGeom prst="ellipse">
-            <a:avLst/>
-          </a:prstGeom>
-        </p:spPr>
-        <p:style>
-          <a:lnRef idx="2">
-            <a:schemeClr val="accent6"/>
-          </a:lnRef>
-          <a:fillRef idx="1">
-            <a:schemeClr val="lt1"/>
-          </a:fillRef>
-          <a:effectRef idx="0">
-            <a:schemeClr val="accent6"/>
-          </a:effectRef>
-          <a:fontRef idx="minor">
-            <a:schemeClr val="dk1"/>
-          </a:fontRef>
-        </p:style>
-        <p:txBody>
-          <a:bodyPr rtlCol="0" anchor="ctr"/>
-          <a:lstStyle/>
-          <a:p>
-            <a:pPr algn="ctr"/>
-            <a:r>
-              <a:rPr lang="en-US" dirty="0" smtClean="0"/>
-              <a:t>A1</a:t>
-            </a:r>
-            <a:endParaRPr lang="en-US" dirty="0"/>
-          </a:p>
-        </p:txBody>
-      </p:sp>
-      <p:sp>
-        <p:nvSpPr>
-          <p:cNvPr id="9" name="Oval 8"/>
-          <p:cNvSpPr/>
-          <p:nvPr/>
-        </p:nvSpPr>
-        <p:spPr>
-          <a:xfrm>
-            <a:off x="4461163" y="1849582"/>
-            <a:ext cx="914400" cy="914400"/>
-          </a:xfrm>
-          <a:prstGeom prst="ellipse">
-            <a:avLst/>
-          </a:prstGeom>
-        </p:spPr>
-        <p:style>
-          <a:lnRef idx="2">
-            <a:schemeClr val="accent6"/>
-          </a:lnRef>
-          <a:fillRef idx="1">
-            <a:schemeClr val="lt1"/>
-          </a:fillRef>
-          <a:effectRef idx="0">
-            <a:schemeClr val="accent6"/>
-          </a:effectRef>
-          <a:fontRef idx="minor">
-            <a:schemeClr val="dk1"/>
-          </a:fontRef>
-        </p:style>
-        <p:txBody>
-          <a:bodyPr rtlCol="0" anchor="ctr"/>
-          <a:lstStyle/>
-          <a:p>
-            <a:pPr algn="ctr"/>
-            <a:r>
-              <a:rPr lang="en-US" dirty="0" smtClean="0"/>
-              <a:t>A2</a:t>
-            </a:r>
-            <a:endParaRPr lang="en-US" dirty="0"/>
-          </a:p>
-        </p:txBody>
-      </p:sp>
-      <p:sp>
-        <p:nvSpPr>
-          <p:cNvPr id="10" name="Oval 9"/>
-          <p:cNvSpPr/>
-          <p:nvPr/>
-        </p:nvSpPr>
-        <p:spPr>
-          <a:xfrm>
-            <a:off x="4461163" y="3328555"/>
-            <a:ext cx="914400" cy="914400"/>
-          </a:xfrm>
-          <a:prstGeom prst="ellipse">
-            <a:avLst/>
-          </a:prstGeom>
-        </p:spPr>
-        <p:style>
-          <a:lnRef idx="2">
-            <a:schemeClr val="accent6"/>
-          </a:lnRef>
-          <a:fillRef idx="1">
-            <a:schemeClr val="lt1"/>
-          </a:fillRef>
-          <a:effectRef idx="0">
-            <a:schemeClr val="accent6"/>
-          </a:effectRef>
-          <a:fontRef idx="minor">
-            <a:schemeClr val="dk1"/>
-          </a:fontRef>
-        </p:style>
-        <p:txBody>
-          <a:bodyPr rtlCol="0" anchor="ctr"/>
-          <a:lstStyle/>
-          <a:p>
-            <a:pPr algn="ctr"/>
-            <a:r>
-              <a:rPr lang="en-US" dirty="0" smtClean="0"/>
-              <a:t>A3</a:t>
-            </a:r>
-            <a:endParaRPr lang="en-US" dirty="0"/>
-          </a:p>
-        </p:txBody>
-      </p:sp>
-      <p:sp>
-        <p:nvSpPr>
-          <p:cNvPr id="11" name="Oval 10"/>
-          <p:cNvSpPr/>
-          <p:nvPr/>
-        </p:nvSpPr>
-        <p:spPr>
-          <a:xfrm>
-            <a:off x="4461163" y="4807528"/>
-            <a:ext cx="914400" cy="914400"/>
-          </a:xfrm>
-          <a:prstGeom prst="ellipse">
-            <a:avLst/>
-          </a:prstGeom>
-        </p:spPr>
-        <p:style>
-          <a:lnRef idx="2">
-            <a:schemeClr val="accent6"/>
-          </a:lnRef>
-          <a:fillRef idx="1">
-            <a:schemeClr val="lt1"/>
-          </a:fillRef>
-          <a:effectRef idx="0">
-            <a:schemeClr val="accent6"/>
-          </a:effectRef>
-          <a:fontRef idx="minor">
-            <a:schemeClr val="dk1"/>
-          </a:fontRef>
-        </p:style>
-        <p:txBody>
-          <a:bodyPr rtlCol="0" anchor="ctr"/>
-          <a:lstStyle/>
-          <a:p>
-            <a:pPr algn="ctr"/>
-            <a:r>
-              <a:rPr lang="en-US" dirty="0" smtClean="0"/>
-              <a:t>A4</a:t>
-            </a:r>
-            <a:endParaRPr lang="en-US" dirty="0"/>
-          </a:p>
-        </p:txBody>
-      </p:sp>
-      <p:sp>
-        <p:nvSpPr>
-          <p:cNvPr id="12" name="TextBox 11"/>
-          <p:cNvSpPr txBox="1"/>
-          <p:nvPr/>
-        </p:nvSpPr>
-        <p:spPr>
-          <a:xfrm>
-            <a:off x="678873" y="240268"/>
-            <a:ext cx="2493818" cy="369332"/>
-          </a:xfrm>
-          <a:prstGeom prst="rect">
-            <a:avLst/>
-          </a:prstGeom>
-          <a:noFill/>
-        </p:spPr>
-        <p:txBody>
-          <a:bodyPr wrap="square" rtlCol="0">
-            <a:spAutoFit/>
-          </a:bodyPr>
-          <a:lstStyle/>
-          <a:p>
-            <a:r>
-              <a:rPr lang="en-US" dirty="0" smtClean="0"/>
-              <a:t>Scholarships</a:t>
-            </a:r>
-            <a:endParaRPr lang="en-US" dirty="0"/>
-          </a:p>
-        </p:txBody>
-      </p:sp>
-      <p:sp>
-        <p:nvSpPr>
-          <p:cNvPr id="13" name="TextBox 12"/>
-          <p:cNvSpPr txBox="1"/>
-          <p:nvPr/>
-        </p:nvSpPr>
-        <p:spPr>
-          <a:xfrm>
-            <a:off x="4239491" y="240268"/>
-            <a:ext cx="1551709" cy="369332"/>
-          </a:xfrm>
-          <a:prstGeom prst="rect">
-            <a:avLst/>
-          </a:prstGeom>
-          <a:noFill/>
-        </p:spPr>
-        <p:txBody>
-          <a:bodyPr wrap="square" rtlCol="0">
-            <a:spAutoFit/>
-          </a:bodyPr>
-          <a:lstStyle/>
-          <a:p>
-            <a:r>
-              <a:rPr lang="en-US" dirty="0" smtClean="0"/>
-              <a:t>Applicants</a:t>
-            </a:r>
-          </a:p>
-        </p:txBody>
-      </p:sp>
-      <p:sp>
-        <p:nvSpPr>
-          <p:cNvPr id="14" name="TextBox 13"/>
-          <p:cNvSpPr txBox="1"/>
-          <p:nvPr/>
-        </p:nvSpPr>
-        <p:spPr>
-          <a:xfrm>
-            <a:off x="6525491" y="1066800"/>
-            <a:ext cx="2535382" cy="2862322"/>
-          </a:xfrm>
-          <a:prstGeom prst="rect">
-            <a:avLst/>
-          </a:prstGeom>
-          <a:noFill/>
-        </p:spPr>
-        <p:txBody>
-          <a:bodyPr wrap="square" rtlCol="0">
-            <a:spAutoFit/>
-          </a:bodyPr>
-          <a:lstStyle/>
-          <a:p>
-            <a:r>
-              <a:rPr lang="en-US" dirty="0" smtClean="0"/>
-              <a:t>Lower Numbers</a:t>
-            </a:r>
-          </a:p>
-          <a:p>
-            <a:r>
-              <a:rPr lang="en-US" dirty="0" smtClean="0"/>
-              <a:t>Show Higher Rankings</a:t>
-            </a:r>
-          </a:p>
-          <a:p>
-            <a:r>
-              <a:rPr lang="en-US" dirty="0" smtClean="0"/>
-              <a:t>i.e.-</a:t>
-            </a:r>
-          </a:p>
-          <a:p>
-            <a:r>
-              <a:rPr lang="en-US" dirty="0" smtClean="0"/>
-              <a:t>A1 is ranked higher than A2 who is ranked higher than A3</a:t>
-            </a:r>
-          </a:p>
-          <a:p>
-            <a:r>
-              <a:rPr lang="en-US" dirty="0" smtClean="0"/>
-              <a:t>And</a:t>
-            </a:r>
-          </a:p>
-          <a:p>
-            <a:r>
-              <a:rPr lang="en-US" dirty="0" smtClean="0"/>
-              <a:t>S1 is ranked higher than S2 who is ranked higher than S3</a:t>
+          <p:cNvPr id="2" name="Title 1"/>
+          <p:cNvSpPr>
+            <a:spLocks noGrp="1"/>
+          </p:cNvSpPr>
+          <p:nvPr>
+            <p:ph type="title"/>
+          </p:nvPr>
+        </p:nvSpPr>
+        <p:spPr/>
+        <p:txBody>
+          <a:bodyPr/>
+          <a:lstStyle/>
+          <a:p>
+            <a:r>
+              <a:rPr lang="en-US" dirty="0" smtClean="0"/>
+              <a:t>The best way to understand this process</a:t>
+            </a:r>
+            <a:endParaRPr lang="en-US" dirty="0"/>
+          </a:p>
+        </p:txBody>
+      </p:sp>
+      <p:sp>
+        <p:nvSpPr>
+          <p:cNvPr id="3" name="Content Placeholder 2"/>
+          <p:cNvSpPr>
+            <a:spLocks noGrp="1"/>
+          </p:cNvSpPr>
+          <p:nvPr>
+            <p:ph idx="1"/>
+          </p:nvPr>
+        </p:nvSpPr>
+        <p:spPr/>
+        <p:txBody>
+          <a:bodyPr/>
+          <a:lstStyle/>
+          <a:p>
+            <a:r>
+              <a:rPr lang="en-US" dirty="0" smtClean="0"/>
+              <a:t>Scholarships and Applicants make up a bipartite graph</a:t>
+            </a:r>
+          </a:p>
+          <a:p>
+            <a:r>
+              <a:rPr lang="en-US" dirty="0" smtClean="0"/>
+              <a:t>Scholarships with more money are more desirable for applicants</a:t>
+            </a:r>
+          </a:p>
+          <a:p>
+            <a:r>
+              <a:rPr lang="en-US" dirty="0" smtClean="0"/>
+              <a:t>Applicants are ranked by most deserving of scholarships</a:t>
+            </a:r>
+          </a:p>
+          <a:p>
+            <a:r>
+              <a:rPr lang="en-US" dirty="0" smtClean="0"/>
+              <a:t>Not all scholarship and applicant nodes will connect</a:t>
             </a:r>
             <a:endParaRPr lang="en-US" dirty="0"/>
           </a:p>
@@ -11881,7 +11675,7 @@
     </p:spTree>
     <p:extLst>
       <p:ext uri="{BB962C8B-B14F-4D97-AF65-F5344CB8AC3E}">
-        <p14:creationId xmlns:p14="http://schemas.microsoft.com/office/powerpoint/2010/main" val="2755560830"/>
+        <p14:creationId xmlns:p14="http://schemas.microsoft.com/office/powerpoint/2010/main" val="3139896869"/>
       </p:ext>
     </p:extLst>
   </p:cSld>
@@ -12283,7 +12077,7 @@
         <p:spPr>
           <a:xfrm>
             <a:off x="6525491" y="1066800"/>
-            <a:ext cx="2535382" cy="923330"/>
+            <a:ext cx="2535382" cy="2862322"/>
           </a:xfrm>
           <a:prstGeom prst="rect">
             <a:avLst/>
@@ -12298,353 +12092,46 @@
           <a:p>
             <a:r>
               <a:rPr lang="en-US" dirty="0" smtClean="0"/>
-              <a:t>Not everyone is matched to every scholarship</a:t>
-            </a:r>
-            <a:endParaRPr lang="en-US" dirty="0"/>
-          </a:p>
-        </p:txBody>
-      </p:sp>
-      <p:cxnSp>
-        <p:nvCxnSpPr>
-          <p:cNvPr id="3" name="Straight Connector 2"/>
-          <p:cNvCxnSpPr>
-            <a:stCxn id="4" idx="6"/>
-            <a:endCxn id="8" idx="2"/>
-          </p:cNvCxnSpPr>
-          <p:nvPr/>
-        </p:nvCxnSpPr>
-        <p:spPr>
-          <a:xfrm>
-            <a:off x="1745673" y="1066800"/>
-            <a:ext cx="2660072" cy="0"/>
-          </a:xfrm>
-          <a:prstGeom prst="line">
-            <a:avLst/>
-          </a:prstGeom>
-        </p:spPr>
-        <p:style>
-          <a:lnRef idx="1">
-            <a:schemeClr val="accent1"/>
-          </a:lnRef>
-          <a:fillRef idx="0">
-            <a:schemeClr val="accent1"/>
-          </a:fillRef>
-          <a:effectRef idx="0">
-            <a:schemeClr val="accent1"/>
-          </a:effectRef>
-          <a:fontRef idx="minor">
-            <a:schemeClr val="tx1"/>
-          </a:fontRef>
-        </p:style>
-      </p:cxnSp>
-      <p:cxnSp>
-        <p:nvCxnSpPr>
-          <p:cNvPr id="17" name="Straight Connector 16"/>
-          <p:cNvCxnSpPr>
-            <a:stCxn id="4" idx="5"/>
-            <a:endCxn id="9" idx="2"/>
-          </p:cNvCxnSpPr>
-          <p:nvPr/>
-        </p:nvCxnSpPr>
-        <p:spPr>
-          <a:xfrm>
-            <a:off x="1611762" y="1390089"/>
-            <a:ext cx="2849401" cy="916693"/>
-          </a:xfrm>
-          <a:prstGeom prst="line">
-            <a:avLst/>
-          </a:prstGeom>
-        </p:spPr>
-        <p:style>
-          <a:lnRef idx="1">
-            <a:schemeClr val="accent1"/>
-          </a:lnRef>
-          <a:fillRef idx="0">
-            <a:schemeClr val="accent1"/>
-          </a:fillRef>
-          <a:effectRef idx="0">
-            <a:schemeClr val="accent1"/>
-          </a:effectRef>
-          <a:fontRef idx="minor">
-            <a:schemeClr val="tx1"/>
-          </a:fontRef>
-        </p:style>
-      </p:cxnSp>
-      <p:cxnSp>
-        <p:nvCxnSpPr>
-          <p:cNvPr id="20" name="Straight Connector 19"/>
-          <p:cNvCxnSpPr>
-            <a:endCxn id="11" idx="1"/>
-          </p:cNvCxnSpPr>
-          <p:nvPr/>
-        </p:nvCxnSpPr>
-        <p:spPr>
-          <a:xfrm>
-            <a:off x="1353137" y="1446654"/>
-            <a:ext cx="3241937" cy="3494785"/>
-          </a:xfrm>
-          <a:prstGeom prst="line">
-            <a:avLst/>
-          </a:prstGeom>
-        </p:spPr>
-        <p:style>
-          <a:lnRef idx="1">
-            <a:schemeClr val="accent1"/>
-          </a:lnRef>
-          <a:fillRef idx="0">
-            <a:schemeClr val="accent1"/>
-          </a:fillRef>
-          <a:effectRef idx="0">
-            <a:schemeClr val="accent1"/>
-          </a:effectRef>
-          <a:fontRef idx="minor">
-            <a:schemeClr val="tx1"/>
-          </a:fontRef>
-        </p:style>
-      </p:cxnSp>
-      <p:cxnSp>
-        <p:nvCxnSpPr>
-          <p:cNvPr id="21" name="Straight Connector 20"/>
-          <p:cNvCxnSpPr>
-            <a:endCxn id="10" idx="1"/>
-          </p:cNvCxnSpPr>
-          <p:nvPr/>
-        </p:nvCxnSpPr>
-        <p:spPr>
-          <a:xfrm>
-            <a:off x="1678718" y="2478817"/>
-            <a:ext cx="2916356" cy="983649"/>
-          </a:xfrm>
-          <a:prstGeom prst="line">
-            <a:avLst/>
-          </a:prstGeom>
-        </p:spPr>
-        <p:style>
-          <a:lnRef idx="1">
-            <a:schemeClr val="accent1"/>
-          </a:lnRef>
-          <a:fillRef idx="0">
-            <a:schemeClr val="accent1"/>
-          </a:fillRef>
-          <a:effectRef idx="0">
-            <a:schemeClr val="accent1"/>
-          </a:effectRef>
-          <a:fontRef idx="minor">
-            <a:schemeClr val="tx1"/>
-          </a:fontRef>
-        </p:style>
-      </p:cxnSp>
-      <p:cxnSp>
-        <p:nvCxnSpPr>
-          <p:cNvPr id="26" name="Straight Connector 25"/>
-          <p:cNvCxnSpPr>
-            <a:stCxn id="6" idx="6"/>
-            <a:endCxn id="9" idx="2"/>
-          </p:cNvCxnSpPr>
-          <p:nvPr/>
-        </p:nvCxnSpPr>
-        <p:spPr>
-          <a:xfrm flipV="1">
-            <a:off x="1745673" y="2306782"/>
-            <a:ext cx="2715490" cy="1849582"/>
-          </a:xfrm>
-          <a:prstGeom prst="line">
-            <a:avLst/>
-          </a:prstGeom>
-        </p:spPr>
-        <p:style>
-          <a:lnRef idx="1">
-            <a:schemeClr val="accent1"/>
-          </a:lnRef>
-          <a:fillRef idx="0">
-            <a:schemeClr val="accent1"/>
-          </a:fillRef>
-          <a:effectRef idx="0">
-            <a:schemeClr val="accent1"/>
-          </a:effectRef>
-          <a:fontRef idx="minor">
-            <a:schemeClr val="tx1"/>
-          </a:fontRef>
-        </p:style>
-      </p:cxnSp>
-      <p:cxnSp>
-        <p:nvCxnSpPr>
-          <p:cNvPr id="30" name="Straight Connector 29"/>
-          <p:cNvCxnSpPr>
-            <a:stCxn id="10" idx="2"/>
-            <a:endCxn id="6" idx="6"/>
-          </p:cNvCxnSpPr>
-          <p:nvPr/>
-        </p:nvCxnSpPr>
-        <p:spPr>
-          <a:xfrm flipH="1">
-            <a:off x="1745673" y="3785755"/>
-            <a:ext cx="2715490" cy="370609"/>
-          </a:xfrm>
-          <a:prstGeom prst="line">
-            <a:avLst/>
-          </a:prstGeom>
-        </p:spPr>
-        <p:style>
-          <a:lnRef idx="1">
-            <a:schemeClr val="accent1"/>
-          </a:lnRef>
-          <a:fillRef idx="0">
-            <a:schemeClr val="accent1"/>
-          </a:fillRef>
-          <a:effectRef idx="0">
-            <a:schemeClr val="accent1"/>
-          </a:effectRef>
-          <a:fontRef idx="minor">
-            <a:schemeClr val="tx1"/>
-          </a:fontRef>
-        </p:style>
-      </p:cxnSp>
-      <p:cxnSp>
-        <p:nvCxnSpPr>
-          <p:cNvPr id="32" name="Straight Connector 31"/>
-          <p:cNvCxnSpPr>
-            <a:stCxn id="8" idx="3"/>
-            <a:endCxn id="6" idx="7"/>
-          </p:cNvCxnSpPr>
-          <p:nvPr/>
-        </p:nvCxnSpPr>
-        <p:spPr>
-          <a:xfrm flipH="1">
-            <a:off x="1611762" y="1390089"/>
-            <a:ext cx="2927894" cy="2442986"/>
-          </a:xfrm>
-          <a:prstGeom prst="line">
-            <a:avLst/>
-          </a:prstGeom>
-        </p:spPr>
-        <p:style>
-          <a:lnRef idx="1">
-            <a:schemeClr val="accent1"/>
-          </a:lnRef>
-          <a:fillRef idx="0">
-            <a:schemeClr val="accent1"/>
-          </a:fillRef>
-          <a:effectRef idx="0">
-            <a:schemeClr val="accent1"/>
-          </a:effectRef>
-          <a:fontRef idx="minor">
-            <a:schemeClr val="tx1"/>
-          </a:fontRef>
-        </p:style>
-      </p:cxnSp>
-      <p:cxnSp>
-        <p:nvCxnSpPr>
-          <p:cNvPr id="34" name="Straight Connector 33"/>
-          <p:cNvCxnSpPr>
-            <a:stCxn id="11" idx="2"/>
-            <a:endCxn id="6" idx="5"/>
-          </p:cNvCxnSpPr>
-          <p:nvPr/>
-        </p:nvCxnSpPr>
-        <p:spPr>
-          <a:xfrm flipH="1" flipV="1">
-            <a:off x="1611762" y="4479653"/>
-            <a:ext cx="2849401" cy="785075"/>
-          </a:xfrm>
-          <a:prstGeom prst="line">
-            <a:avLst/>
-          </a:prstGeom>
-        </p:spPr>
-        <p:style>
-          <a:lnRef idx="1">
-            <a:schemeClr val="accent1"/>
-          </a:lnRef>
-          <a:fillRef idx="0">
-            <a:schemeClr val="accent1"/>
-          </a:fillRef>
-          <a:effectRef idx="0">
-            <a:schemeClr val="accent1"/>
-          </a:effectRef>
-          <a:fontRef idx="minor">
-            <a:schemeClr val="tx1"/>
-          </a:fontRef>
-        </p:style>
-      </p:cxnSp>
-      <p:sp>
-        <p:nvSpPr>
-          <p:cNvPr id="35" name="TextBox 34"/>
-          <p:cNvSpPr txBox="1"/>
-          <p:nvPr/>
-        </p:nvSpPr>
-        <p:spPr>
-          <a:xfrm>
-            <a:off x="6414655" y="2306782"/>
-            <a:ext cx="3103418" cy="923330"/>
-          </a:xfrm>
-          <a:prstGeom prst="rect">
-            <a:avLst/>
-          </a:prstGeom>
-          <a:noFill/>
-        </p:spPr>
-        <p:txBody>
-          <a:bodyPr wrap="square" rtlCol="0">
-            <a:spAutoFit/>
-          </a:bodyPr>
-          <a:lstStyle/>
-          <a:p>
-            <a:r>
-              <a:rPr lang="en-US" dirty="0" smtClean="0"/>
-              <a:t>S1-A1, S1-A2, S1-A4</a:t>
-            </a:r>
-          </a:p>
-          <a:p>
-            <a:r>
-              <a:rPr lang="en-US" dirty="0" smtClean="0"/>
-              <a:t>S2-A1 S2-A3</a:t>
-            </a:r>
-          </a:p>
-          <a:p>
-            <a:r>
-              <a:rPr lang="en-US" dirty="0" smtClean="0"/>
-              <a:t>S3-A1 S3-A2 S3-A3 S3-A4</a:t>
-            </a:r>
-            <a:endParaRPr lang="en-US" dirty="0"/>
-          </a:p>
-        </p:txBody>
-      </p:sp>
-      <p:cxnSp>
-        <p:nvCxnSpPr>
-          <p:cNvPr id="37" name="Straight Connector 36"/>
-          <p:cNvCxnSpPr>
-            <a:stCxn id="5" idx="6"/>
-            <a:endCxn id="8" idx="2"/>
-          </p:cNvCxnSpPr>
-          <p:nvPr/>
-        </p:nvCxnSpPr>
-        <p:spPr>
-          <a:xfrm flipV="1">
-            <a:off x="1745673" y="1066800"/>
-            <a:ext cx="2660072" cy="1544782"/>
-          </a:xfrm>
-          <a:prstGeom prst="line">
-            <a:avLst/>
-          </a:prstGeom>
-        </p:spPr>
-        <p:style>
-          <a:lnRef idx="1">
-            <a:schemeClr val="accent1"/>
-          </a:lnRef>
-          <a:fillRef idx="0">
-            <a:schemeClr val="accent1"/>
-          </a:fillRef>
-          <a:effectRef idx="0">
-            <a:schemeClr val="accent1"/>
-          </a:effectRef>
-          <a:fontRef idx="minor">
-            <a:schemeClr val="tx1"/>
-          </a:fontRef>
-        </p:style>
-      </p:cxnSp>
+              <a:t>Lower Numbers</a:t>
+            </a:r>
+          </a:p>
+          <a:p>
+            <a:r>
+              <a:rPr lang="en-US" dirty="0" smtClean="0"/>
+              <a:t>Show Higher Rankings</a:t>
+            </a:r>
+          </a:p>
+          <a:p>
+            <a:r>
+              <a:rPr lang="en-US" dirty="0" smtClean="0"/>
+              <a:t>i.e.-</a:t>
+            </a:r>
+          </a:p>
+          <a:p>
+            <a:r>
+              <a:rPr lang="en-US" dirty="0" smtClean="0"/>
+              <a:t>A1 is ranked higher than A2 who is ranked higher than A3</a:t>
+            </a:r>
+          </a:p>
+          <a:p>
+            <a:r>
+              <a:rPr lang="en-US" dirty="0" smtClean="0"/>
+              <a:t>And</a:t>
+            </a:r>
+          </a:p>
+          <a:p>
+            <a:r>
+              <a:rPr lang="en-US" dirty="0" smtClean="0"/>
+              <a:t>S1 is ranked higher than S2 who is ranked higher than S3</a:t>
+            </a:r>
+            <a:endParaRPr lang="en-US" dirty="0"/>
+          </a:p>
+        </p:txBody>
+      </p:sp>
     </p:spTree>
     <p:extLst>
       <p:ext uri="{BB962C8B-B14F-4D97-AF65-F5344CB8AC3E}">
-        <p14:creationId xmlns:p14="http://schemas.microsoft.com/office/powerpoint/2010/main" val="2014621997"/>
+        <p14:creationId xmlns:p14="http://schemas.microsoft.com/office/powerpoint/2010/main" val="2755560830"/>
       </p:ext>
     </p:extLst>
   </p:cSld>
@@ -13046,7 +12533,7 @@
         <p:spPr>
           <a:xfrm>
             <a:off x="6525491" y="1066800"/>
-            <a:ext cx="2535382" cy="646331"/>
+            <a:ext cx="2535382" cy="923330"/>
           </a:xfrm>
           <a:prstGeom prst="rect">
             <a:avLst/>
@@ -13061,7 +12548,7 @@
           <a:p>
             <a:r>
               <a:rPr lang="en-US" dirty="0" smtClean="0"/>
-              <a:t>Scholarships have awarding amounts</a:t>
+              <a:t>Not everyone is matched to every scholarship</a:t>
             </a:r>
             <a:endParaRPr lang="en-US" dirty="0"/>
           </a:p>
@@ -13329,6 +12816,48 @@
           </a:fontRef>
         </p:style>
       </p:cxnSp>
+      <p:sp>
+        <p:nvSpPr>
+          <p:cNvPr id="35" name="TextBox 34"/>
+          <p:cNvSpPr txBox="1"/>
+          <p:nvPr/>
+        </p:nvSpPr>
+        <p:spPr>
+          <a:xfrm>
+            <a:off x="6414655" y="2306782"/>
+            <a:ext cx="3103418" cy="923330"/>
+          </a:xfrm>
+          <a:prstGeom prst="rect">
+            <a:avLst/>
+          </a:prstGeom>
+          <a:noFill/>
+        </p:spPr>
+        <p:txBody>
+          <a:bodyPr wrap="square" rtlCol="0">
+            <a:spAutoFit/>
+          </a:bodyPr>
+          <a:lstStyle/>
+          <a:p>
+            <a:r>
+              <a:rPr lang="en-US" dirty="0" smtClean="0"/>
+              <a:t>S1-A1, S1-A2, S1-A4</a:t>
+            </a:r>
+          </a:p>
+          <a:p>
+            <a:r>
+              <a:rPr lang="en-US" dirty="0" smtClean="0"/>
+              <a:t>S2-A1 S2-A3</a:t>
+            </a:r>
+          </a:p>
+          <a:p>
+            <a:r>
+              <a:rPr lang="en-US" dirty="0" smtClean="0"/>
+              <a:t>S3-A1 S3-A2 S3-A3 S3-A4</a:t>
+            </a:r>
+            <a:endParaRPr lang="en-US" dirty="0"/>
+          </a:p>
+        </p:txBody>
+      </p:sp>
       <p:cxnSp>
         <p:nvCxnSpPr>
           <p:cNvPr id="37" name="Straight Connector 36"/>
@@ -13362,130 +12891,10 @@
           </a:fontRef>
         </p:style>
       </p:cxnSp>
-      <p:sp>
-        <p:nvSpPr>
-          <p:cNvPr id="2" name="TextBox 1"/>
-          <p:cNvSpPr txBox="1"/>
-          <p:nvPr/>
-        </p:nvSpPr>
-        <p:spPr>
-          <a:xfrm>
-            <a:off x="27710" y="872838"/>
-            <a:ext cx="831273" cy="369332"/>
-          </a:xfrm>
-          <a:prstGeom prst="rect">
-            <a:avLst/>
-          </a:prstGeom>
-          <a:noFill/>
-        </p:spPr>
-        <p:txBody>
-          <a:bodyPr wrap="square" rtlCol="0">
-            <a:spAutoFit/>
-          </a:bodyPr>
-          <a:lstStyle/>
-          <a:p>
-            <a:r>
-              <a:rPr lang="en-US" dirty="0" smtClean="0"/>
-              <a:t>1000</a:t>
-            </a:r>
-            <a:endParaRPr lang="en-US" dirty="0"/>
-          </a:p>
-        </p:txBody>
-      </p:sp>
-      <p:sp>
-        <p:nvSpPr>
-          <p:cNvPr id="7" name="TextBox 6"/>
-          <p:cNvSpPr txBox="1"/>
-          <p:nvPr/>
-        </p:nvSpPr>
-        <p:spPr>
-          <a:xfrm>
-            <a:off x="166254" y="2478817"/>
-            <a:ext cx="637309" cy="369332"/>
-          </a:xfrm>
-          <a:prstGeom prst="rect">
-            <a:avLst/>
-          </a:prstGeom>
-          <a:noFill/>
-        </p:spPr>
-        <p:txBody>
-          <a:bodyPr wrap="square" rtlCol="0">
-            <a:spAutoFit/>
-          </a:bodyPr>
-          <a:lstStyle/>
-          <a:p>
-            <a:r>
-              <a:rPr lang="en-US" dirty="0" smtClean="0"/>
-              <a:t>750</a:t>
-            </a:r>
-            <a:endParaRPr lang="en-US" dirty="0"/>
-          </a:p>
-        </p:txBody>
-      </p:sp>
-      <p:sp>
-        <p:nvSpPr>
-          <p:cNvPr id="15" name="TextBox 14"/>
-          <p:cNvSpPr txBox="1"/>
-          <p:nvPr/>
-        </p:nvSpPr>
-        <p:spPr>
-          <a:xfrm>
-            <a:off x="207818" y="4059382"/>
-            <a:ext cx="568037" cy="369332"/>
-          </a:xfrm>
-          <a:prstGeom prst="rect">
-            <a:avLst/>
-          </a:prstGeom>
-          <a:noFill/>
-        </p:spPr>
-        <p:txBody>
-          <a:bodyPr wrap="square" rtlCol="0">
-            <a:spAutoFit/>
-          </a:bodyPr>
-          <a:lstStyle/>
-          <a:p>
-            <a:r>
-              <a:rPr lang="en-US" dirty="0" smtClean="0"/>
-              <a:t>500</a:t>
-            </a:r>
-            <a:endParaRPr lang="en-US" dirty="0"/>
-          </a:p>
-        </p:txBody>
-      </p:sp>
-      <p:sp>
-        <p:nvSpPr>
-          <p:cNvPr id="16" name="TextBox 15"/>
-          <p:cNvSpPr txBox="1"/>
-          <p:nvPr/>
-        </p:nvSpPr>
-        <p:spPr>
-          <a:xfrm>
-            <a:off x="6525491" y="2306782"/>
-            <a:ext cx="2022764" cy="2862322"/>
-          </a:xfrm>
-          <a:prstGeom prst="rect">
-            <a:avLst/>
-          </a:prstGeom>
-          <a:noFill/>
-        </p:spPr>
-        <p:txBody>
-          <a:bodyPr wrap="square" rtlCol="0">
-            <a:spAutoFit/>
-          </a:bodyPr>
-          <a:lstStyle/>
-          <a:p>
-            <a:r>
-              <a:rPr lang="en-US" dirty="0" smtClean="0"/>
-              <a:t>This is part of what we use for rankings. A lower ranked scholarship will never have a higher amount than a higher ranked scholarship.</a:t>
-            </a:r>
-            <a:endParaRPr lang="en-US" dirty="0"/>
-          </a:p>
-        </p:txBody>
-      </p:sp>
     </p:spTree>
     <p:extLst>
       <p:ext uri="{BB962C8B-B14F-4D97-AF65-F5344CB8AC3E}">
-        <p14:creationId xmlns:p14="http://schemas.microsoft.com/office/powerpoint/2010/main" val="292684"/>
+        <p14:creationId xmlns:p14="http://schemas.microsoft.com/office/powerpoint/2010/main" val="2014621997"/>
       </p:ext>
     </p:extLst>
   </p:cSld>
@@ -13887,7 +13296,7 @@
         <p:spPr>
           <a:xfrm>
             <a:off x="6525491" y="1066800"/>
-            <a:ext cx="2535382" cy="369332"/>
+            <a:ext cx="2535382" cy="646331"/>
           </a:xfrm>
           <a:prstGeom prst="rect">
             <a:avLst/>
@@ -13902,7 +13311,7 @@
           <a:p>
             <a:r>
               <a:rPr lang="en-US" dirty="0" smtClean="0"/>
-              <a:t>Merit Only Awarding</a:t>
+              <a:t>Scholarships have awarding amounts</a:t>
             </a:r>
             <a:endParaRPr lang="en-US" dirty="0"/>
           </a:p>
@@ -13925,25 +13334,16 @@
           <a:prstGeom prst="line">
             <a:avLst/>
           </a:prstGeom>
-          <a:ln w="9525" cap="flat" cmpd="sng" algn="ctr">
-            <a:solidFill>
-              <a:schemeClr val="dk1"/>
-            </a:solidFill>
-            <a:prstDash val="solid"/>
-            <a:round/>
-            <a:headEnd type="arrow" w="med" len="med"/>
-            <a:tailEnd type="arrow" w="med" len="med"/>
-          </a:ln>
         </p:spPr>
         <p:style>
-          <a:lnRef idx="0">
-            <a:scrgbClr r="0" g="0" b="0"/>
+          <a:lnRef idx="1">
+            <a:schemeClr val="accent1"/>
           </a:lnRef>
           <a:fillRef idx="0">
-            <a:scrgbClr r="0" g="0" b="0"/>
+            <a:schemeClr val="accent1"/>
           </a:fillRef>
           <a:effectRef idx="0">
-            <a:scrgbClr r="0" g="0" b="0"/>
+            <a:schemeClr val="accent1"/>
           </a:effectRef>
           <a:fontRef idx="minor">
             <a:schemeClr val="tx1"/>
@@ -14130,25 +13530,16 @@
           <a:prstGeom prst="line">
             <a:avLst/>
           </a:prstGeom>
-          <a:ln w="9525" cap="flat" cmpd="sng" algn="ctr">
-            <a:solidFill>
-              <a:schemeClr val="dk1"/>
-            </a:solidFill>
-            <a:prstDash val="solid"/>
-            <a:round/>
-            <a:headEnd type="arrow" w="med" len="med"/>
-            <a:tailEnd type="arrow" w="med" len="med"/>
-          </a:ln>
         </p:spPr>
         <p:style>
-          <a:lnRef idx="0">
-            <a:scrgbClr r="0" g="0" b="0"/>
+          <a:lnRef idx="1">
+            <a:schemeClr val="accent1"/>
           </a:lnRef>
           <a:fillRef idx="0">
-            <a:scrgbClr r="0" g="0" b="0"/>
+            <a:schemeClr val="accent1"/>
           </a:fillRef>
           <a:effectRef idx="0">
-            <a:scrgbClr r="0" g="0" b="0"/>
+            <a:schemeClr val="accent1"/>
           </a:effectRef>
           <a:fontRef idx="minor">
             <a:schemeClr val="tx1"/>
@@ -14191,36 +13582,30 @@
       <p:cxnSp>
         <p:nvCxnSpPr>
           <p:cNvPr id="37" name="Straight Connector 36"/>
-          <p:cNvCxnSpPr/>
+          <p:cNvCxnSpPr>
+            <a:stCxn id="5" idx="6"/>
+            <a:endCxn id="8" idx="2"/>
+          </p:cNvCxnSpPr>
           <p:nvPr/>
         </p:nvCxnSpPr>
         <p:spPr>
           <a:xfrm flipV="1">
-            <a:off x="1767613" y="1163782"/>
+            <a:off x="1745673" y="1066800"/>
             <a:ext cx="2660072" cy="1544782"/>
           </a:xfrm>
           <a:prstGeom prst="line">
             <a:avLst/>
           </a:prstGeom>
-          <a:ln w="9525" cap="flat" cmpd="sng" algn="ctr">
-            <a:solidFill>
-              <a:schemeClr val="dk1"/>
-            </a:solidFill>
-            <a:prstDash val="solid"/>
-            <a:round/>
-            <a:headEnd type="arrow" w="med" len="med"/>
-            <a:tailEnd type="arrow" w="med" len="med"/>
-          </a:ln>
         </p:spPr>
         <p:style>
-          <a:lnRef idx="0">
-            <a:scrgbClr r="0" g="0" b="0"/>
+          <a:lnRef idx="1">
+            <a:schemeClr val="accent1"/>
           </a:lnRef>
           <a:fillRef idx="0">
-            <a:scrgbClr r="0" g="0" b="0"/>
+            <a:schemeClr val="accent1"/>
           </a:fillRef>
           <a:effectRef idx="0">
-            <a:scrgbClr r="0" g="0" b="0"/>
+            <a:schemeClr val="accent1"/>
           </a:effectRef>
           <a:fontRef idx="minor">
             <a:schemeClr val="tx1"/>
@@ -14326,7 +13711,7 @@
         <p:spPr>
           <a:xfrm>
             <a:off x="6525491" y="2306782"/>
-            <a:ext cx="2022764" cy="2308324"/>
+            <a:ext cx="2022764" cy="2862322"/>
           </a:xfrm>
           <a:prstGeom prst="rect">
             <a:avLst/>
@@ -14341,45 +13726,7 @@
           <a:p>
             <a:r>
               <a:rPr lang="en-US" dirty="0" smtClean="0"/>
-              <a:t>In this </a:t>
-            </a:r>
-            <a:r>
-              <a:rPr lang="en-US" dirty="0" err="1" smtClean="0"/>
-              <a:t>algortihm</a:t>
-            </a:r>
-            <a:r>
-              <a:rPr lang="en-US" dirty="0" smtClean="0"/>
-              <a:t>, A1 would win every scholarship and would be awarded 2250 while A2-A4 would be awarding 0.</a:t>
-            </a:r>
-            <a:endParaRPr lang="en-US" dirty="0"/>
-          </a:p>
-        </p:txBody>
-      </p:sp>
-      <p:sp>
-        <p:nvSpPr>
-          <p:cNvPr id="18" name="TextBox 17"/>
-          <p:cNvSpPr txBox="1"/>
-          <p:nvPr/>
-        </p:nvSpPr>
-        <p:spPr>
-          <a:xfrm>
-            <a:off x="5375563" y="872838"/>
-            <a:ext cx="1149928" cy="369332"/>
-          </a:xfrm>
-          <a:prstGeom prst="rect">
-            <a:avLst/>
-          </a:prstGeom>
-          <a:noFill/>
-        </p:spPr>
-        <p:txBody>
-          <a:bodyPr wrap="square" rtlCol="0">
-            <a:spAutoFit/>
-          </a:bodyPr>
-          <a:lstStyle/>
-          <a:p>
-            <a:r>
-              <a:rPr lang="en-US" dirty="0" smtClean="0"/>
-              <a:t>2250</a:t>
+              <a:t>This is part of what we use for rankings. A lower ranked scholarship will never have a higher amount than a higher ranked scholarship.</a:t>
             </a:r>
             <a:endParaRPr lang="en-US" dirty="0"/>
           </a:p>
@@ -14388,7 +13735,7 @@
     </p:spTree>
     <p:extLst>
       <p:ext uri="{BB962C8B-B14F-4D97-AF65-F5344CB8AC3E}">
-        <p14:creationId xmlns:p14="http://schemas.microsoft.com/office/powerpoint/2010/main" val="1554374307"/>
+        <p14:creationId xmlns:p14="http://schemas.microsoft.com/office/powerpoint/2010/main" val="292684"/>
       </p:ext>
     </p:extLst>
   </p:cSld>
@@ -14790,7 +14137,7 @@
         <p:spPr>
           <a:xfrm>
             <a:off x="6525491" y="1066800"/>
-            <a:ext cx="2535382" cy="923330"/>
+            <a:ext cx="2535382" cy="369332"/>
           </a:xfrm>
           <a:prstGeom prst="rect">
             <a:avLst/>
@@ -14805,7 +14152,7 @@
           <a:p>
             <a:r>
               <a:rPr lang="en-US" dirty="0" smtClean="0"/>
-              <a:t>Merit Only Awarding Disqualify After Exceeding Maximum</a:t>
+              <a:t>Merit Only Awarding</a:t>
             </a:r>
             <a:endParaRPr lang="en-US" dirty="0"/>
           </a:p>
@@ -14967,6 +14314,72 @@
           <a:prstGeom prst="line">
             <a:avLst/>
           </a:prstGeom>
+        </p:spPr>
+        <p:style>
+          <a:lnRef idx="1">
+            <a:schemeClr val="accent1"/>
+          </a:lnRef>
+          <a:fillRef idx="0">
+            <a:schemeClr val="accent1"/>
+          </a:fillRef>
+          <a:effectRef idx="0">
+            <a:schemeClr val="accent1"/>
+          </a:effectRef>
+          <a:fontRef idx="minor">
+            <a:schemeClr val="tx1"/>
+          </a:fontRef>
+        </p:style>
+      </p:cxnSp>
+      <p:cxnSp>
+        <p:nvCxnSpPr>
+          <p:cNvPr id="30" name="Straight Connector 29"/>
+          <p:cNvCxnSpPr>
+            <a:stCxn id="10" idx="2"/>
+            <a:endCxn id="6" idx="6"/>
+          </p:cNvCxnSpPr>
+          <p:nvPr/>
+        </p:nvCxnSpPr>
+        <p:spPr>
+          <a:xfrm flipH="1">
+            <a:off x="1745673" y="3785755"/>
+            <a:ext cx="2715490" cy="370609"/>
+          </a:xfrm>
+          <a:prstGeom prst="line">
+            <a:avLst/>
+          </a:prstGeom>
+        </p:spPr>
+        <p:style>
+          <a:lnRef idx="1">
+            <a:schemeClr val="accent1"/>
+          </a:lnRef>
+          <a:fillRef idx="0">
+            <a:schemeClr val="accent1"/>
+          </a:fillRef>
+          <a:effectRef idx="0">
+            <a:schemeClr val="accent1"/>
+          </a:effectRef>
+          <a:fontRef idx="minor">
+            <a:schemeClr val="tx1"/>
+          </a:fontRef>
+        </p:style>
+      </p:cxnSp>
+      <p:cxnSp>
+        <p:nvCxnSpPr>
+          <p:cNvPr id="32" name="Straight Connector 31"/>
+          <p:cNvCxnSpPr>
+            <a:stCxn id="8" idx="3"/>
+            <a:endCxn id="6" idx="7"/>
+          </p:cNvCxnSpPr>
+          <p:nvPr/>
+        </p:nvCxnSpPr>
+        <p:spPr>
+          <a:xfrm flipH="1">
+            <a:off x="1611762" y="1390089"/>
+            <a:ext cx="2927894" cy="2442986"/>
+          </a:xfrm>
+          <a:prstGeom prst="line">
+            <a:avLst/>
+          </a:prstGeom>
           <a:ln w="9525" cap="flat" cmpd="sng" algn="ctr">
             <a:solidFill>
               <a:schemeClr val="dk1"/>
@@ -14994,72 +14407,6 @@
       </p:cxnSp>
       <p:cxnSp>
         <p:nvCxnSpPr>
-          <p:cNvPr id="30" name="Straight Connector 29"/>
-          <p:cNvCxnSpPr>
-            <a:stCxn id="10" idx="2"/>
-            <a:endCxn id="6" idx="6"/>
-          </p:cNvCxnSpPr>
-          <p:nvPr/>
-        </p:nvCxnSpPr>
-        <p:spPr>
-          <a:xfrm flipH="1">
-            <a:off x="1745673" y="3785755"/>
-            <a:ext cx="2715490" cy="370609"/>
-          </a:xfrm>
-          <a:prstGeom prst="line">
-            <a:avLst/>
-          </a:prstGeom>
-        </p:spPr>
-        <p:style>
-          <a:lnRef idx="1">
-            <a:schemeClr val="accent1"/>
-          </a:lnRef>
-          <a:fillRef idx="0">
-            <a:schemeClr val="accent1"/>
-          </a:fillRef>
-          <a:effectRef idx="0">
-            <a:schemeClr val="accent1"/>
-          </a:effectRef>
-          <a:fontRef idx="minor">
-            <a:schemeClr val="tx1"/>
-          </a:fontRef>
-        </p:style>
-      </p:cxnSp>
-      <p:cxnSp>
-        <p:nvCxnSpPr>
-          <p:cNvPr id="32" name="Straight Connector 31"/>
-          <p:cNvCxnSpPr>
-            <a:stCxn id="8" idx="3"/>
-            <a:endCxn id="6" idx="7"/>
-          </p:cNvCxnSpPr>
-          <p:nvPr/>
-        </p:nvCxnSpPr>
-        <p:spPr>
-          <a:xfrm flipH="1">
-            <a:off x="1611762" y="1390089"/>
-            <a:ext cx="2927894" cy="2442986"/>
-          </a:xfrm>
-          <a:prstGeom prst="line">
-            <a:avLst/>
-          </a:prstGeom>
-        </p:spPr>
-        <p:style>
-          <a:lnRef idx="1">
-            <a:schemeClr val="accent1"/>
-          </a:lnRef>
-          <a:fillRef idx="0">
-            <a:schemeClr val="accent1"/>
-          </a:fillRef>
-          <a:effectRef idx="0">
-            <a:schemeClr val="accent1"/>
-          </a:effectRef>
-          <a:fontRef idx="minor">
-            <a:schemeClr val="tx1"/>
-          </a:fontRef>
-        </p:style>
-      </p:cxnSp>
-      <p:cxnSp>
-        <p:nvCxnSpPr>
           <p:cNvPr id="34" name="Straight Connector 33"/>
           <p:cNvCxnSpPr>
             <a:stCxn id="11" idx="2"/>
@@ -15229,7 +14576,7 @@
         <p:spPr>
           <a:xfrm>
             <a:off x="6525491" y="2306782"/>
-            <a:ext cx="2022764" cy="2585323"/>
+            <a:ext cx="2022764" cy="2308324"/>
           </a:xfrm>
           <a:prstGeom prst="rect">
             <a:avLst/>
@@ -15244,7 +14591,15 @@
           <a:p>
             <a:r>
               <a:rPr lang="en-US" dirty="0" smtClean="0"/>
-              <a:t>In this graph, A1 would be disqualified after winning S2 because their total would exceed 1500. This allows A2 to win S3.</a:t>
+              <a:t>In this </a:t>
+            </a:r>
+            <a:r>
+              <a:rPr lang="en-US" dirty="0" smtClean="0"/>
+              <a:t>algorithm, </a:t>
+            </a:r>
+            <a:r>
+              <a:rPr lang="en-US" dirty="0" smtClean="0"/>
+              <a:t>A1 would win every scholarship and would be awarded 2250 while A2-A4 would be awarding 0.</a:t>
             </a:r>
             <a:endParaRPr lang="en-US" dirty="0"/>
           </a:p>
@@ -15258,8 +14613,8 @@
         </p:nvSpPr>
         <p:spPr>
           <a:xfrm>
-            <a:off x="2382982" y="124691"/>
-            <a:ext cx="1496291" cy="646331"/>
+            <a:off x="5375563" y="872838"/>
+            <a:ext cx="1149928" cy="369332"/>
           </a:xfrm>
           <a:prstGeom prst="rect">
             <a:avLst/>
@@ -15274,73 +14629,7 @@
           <a:p>
             <a:r>
               <a:rPr lang="en-US" dirty="0" smtClean="0"/>
-              <a:t>Maximum </a:t>
-            </a:r>
-          </a:p>
-          <a:p>
-            <a:r>
-              <a:rPr lang="en-US" dirty="0" smtClean="0"/>
-              <a:t>Award =1500</a:t>
-            </a:r>
-            <a:endParaRPr lang="en-US" dirty="0"/>
-          </a:p>
-        </p:txBody>
-      </p:sp>
-      <p:sp>
-        <p:nvSpPr>
-          <p:cNvPr id="19" name="TextBox 18"/>
-          <p:cNvSpPr txBox="1"/>
-          <p:nvPr/>
-        </p:nvSpPr>
-        <p:spPr>
-          <a:xfrm>
-            <a:off x="5375563" y="872838"/>
-            <a:ext cx="1011382" cy="369332"/>
-          </a:xfrm>
-          <a:prstGeom prst="rect">
-            <a:avLst/>
-          </a:prstGeom>
-          <a:noFill/>
-        </p:spPr>
-        <p:txBody>
-          <a:bodyPr wrap="square" rtlCol="0">
-            <a:spAutoFit/>
-          </a:bodyPr>
-          <a:lstStyle/>
-          <a:p>
-            <a:r>
-              <a:rPr lang="en-US" dirty="0" smtClean="0"/>
-              <a:t>1750</a:t>
-            </a:r>
-            <a:endParaRPr lang="en-US" dirty="0"/>
-          </a:p>
-        </p:txBody>
-      </p:sp>
-      <p:sp>
-        <p:nvSpPr>
-          <p:cNvPr id="22" name="TextBox 21"/>
-          <p:cNvSpPr txBox="1"/>
-          <p:nvPr/>
-        </p:nvSpPr>
-        <p:spPr>
-          <a:xfrm>
-            <a:off x="5479473" y="2100696"/>
-            <a:ext cx="623454" cy="369332"/>
-          </a:xfrm>
-          <a:prstGeom prst="rect">
-            <a:avLst/>
-          </a:prstGeom>
-          <a:noFill/>
-        </p:spPr>
-        <p:txBody>
-          <a:bodyPr wrap="square" rtlCol="0">
-            <a:spAutoFit/>
-          </a:bodyPr>
-          <a:lstStyle/>
-          <a:p>
-            <a:r>
-              <a:rPr lang="en-US" dirty="0" smtClean="0"/>
-              <a:t>500</a:t>
+              <a:t>2250</a:t>
             </a:r>
             <a:endParaRPr lang="en-US" dirty="0"/>
           </a:p>
@@ -15349,7 +14638,7 @@
     </p:spTree>
     <p:extLst>
       <p:ext uri="{BB962C8B-B14F-4D97-AF65-F5344CB8AC3E}">
-        <p14:creationId xmlns:p14="http://schemas.microsoft.com/office/powerpoint/2010/main" val="2045693652"/>
+        <p14:creationId xmlns:p14="http://schemas.microsoft.com/office/powerpoint/2010/main" val="1554374307"/>
       </p:ext>
     </p:extLst>
   </p:cSld>
@@ -15766,7 +15055,7 @@
           <a:p>
             <a:r>
               <a:rPr lang="en-US" dirty="0" smtClean="0"/>
-              <a:t>Merit Only Awarding Can’t Exceed Maximum</a:t>
+              <a:t>Merit Only Awarding Disqualify After Exceeding Maximum</a:t>
             </a:r>
             <a:endParaRPr lang="en-US" dirty="0"/>
           </a:p>
@@ -15895,6 +15184,39 @@
           <a:prstGeom prst="line">
             <a:avLst/>
           </a:prstGeom>
+        </p:spPr>
+        <p:style>
+          <a:lnRef idx="1">
+            <a:schemeClr val="accent1"/>
+          </a:lnRef>
+          <a:fillRef idx="0">
+            <a:schemeClr val="accent1"/>
+          </a:fillRef>
+          <a:effectRef idx="0">
+            <a:schemeClr val="accent1"/>
+          </a:effectRef>
+          <a:fontRef idx="minor">
+            <a:schemeClr val="tx1"/>
+          </a:fontRef>
+        </p:style>
+      </p:cxnSp>
+      <p:cxnSp>
+        <p:nvCxnSpPr>
+          <p:cNvPr id="26" name="Straight Connector 25"/>
+          <p:cNvCxnSpPr>
+            <a:stCxn id="6" idx="6"/>
+            <a:endCxn id="9" idx="2"/>
+          </p:cNvCxnSpPr>
+          <p:nvPr/>
+        </p:nvCxnSpPr>
+        <p:spPr>
+          <a:xfrm flipV="1">
+            <a:off x="1745673" y="2306782"/>
+            <a:ext cx="2715490" cy="1849582"/>
+          </a:xfrm>
+          <a:prstGeom prst="line">
+            <a:avLst/>
+          </a:prstGeom>
           <a:ln w="9525" cap="flat" cmpd="sng" algn="ctr">
             <a:solidFill>
               <a:schemeClr val="dk1"/>
@@ -15922,39 +15244,6 @@
       </p:cxnSp>
       <p:cxnSp>
         <p:nvCxnSpPr>
-          <p:cNvPr id="26" name="Straight Connector 25"/>
-          <p:cNvCxnSpPr>
-            <a:stCxn id="6" idx="6"/>
-            <a:endCxn id="9" idx="2"/>
-          </p:cNvCxnSpPr>
-          <p:nvPr/>
-        </p:nvCxnSpPr>
-        <p:spPr>
-          <a:xfrm flipV="1">
-            <a:off x="1745673" y="2306782"/>
-            <a:ext cx="2715490" cy="1849582"/>
-          </a:xfrm>
-          <a:prstGeom prst="line">
-            <a:avLst/>
-          </a:prstGeom>
-        </p:spPr>
-        <p:style>
-          <a:lnRef idx="1">
-            <a:schemeClr val="accent1"/>
-          </a:lnRef>
-          <a:fillRef idx="0">
-            <a:schemeClr val="accent1"/>
-          </a:fillRef>
-          <a:effectRef idx="0">
-            <a:schemeClr val="accent1"/>
-          </a:effectRef>
-          <a:fontRef idx="minor">
-            <a:schemeClr val="tx1"/>
-          </a:fontRef>
-        </p:style>
-      </p:cxnSp>
-      <p:cxnSp>
-        <p:nvCxnSpPr>
           <p:cNvPr id="30" name="Straight Connector 29"/>
           <p:cNvCxnSpPr>
             <a:stCxn id="10" idx="2"/>
@@ -15999,6 +15288,69 @@
           <a:xfrm flipH="1">
             <a:off x="1611762" y="1390089"/>
             <a:ext cx="2927894" cy="2442986"/>
+          </a:xfrm>
+          <a:prstGeom prst="line">
+            <a:avLst/>
+          </a:prstGeom>
+        </p:spPr>
+        <p:style>
+          <a:lnRef idx="1">
+            <a:schemeClr val="accent1"/>
+          </a:lnRef>
+          <a:fillRef idx="0">
+            <a:schemeClr val="accent1"/>
+          </a:fillRef>
+          <a:effectRef idx="0">
+            <a:schemeClr val="accent1"/>
+          </a:effectRef>
+          <a:fontRef idx="minor">
+            <a:schemeClr val="tx1"/>
+          </a:fontRef>
+        </p:style>
+      </p:cxnSp>
+      <p:cxnSp>
+        <p:nvCxnSpPr>
+          <p:cNvPr id="34" name="Straight Connector 33"/>
+          <p:cNvCxnSpPr>
+            <a:stCxn id="11" idx="2"/>
+            <a:endCxn id="6" idx="5"/>
+          </p:cNvCxnSpPr>
+          <p:nvPr/>
+        </p:nvCxnSpPr>
+        <p:spPr>
+          <a:xfrm flipH="1" flipV="1">
+            <a:off x="1611762" y="4479653"/>
+            <a:ext cx="2849401" cy="785075"/>
+          </a:xfrm>
+          <a:prstGeom prst="line">
+            <a:avLst/>
+          </a:prstGeom>
+        </p:spPr>
+        <p:style>
+          <a:lnRef idx="1">
+            <a:schemeClr val="accent1"/>
+          </a:lnRef>
+          <a:fillRef idx="0">
+            <a:schemeClr val="accent1"/>
+          </a:fillRef>
+          <a:effectRef idx="0">
+            <a:schemeClr val="accent1"/>
+          </a:effectRef>
+          <a:fontRef idx="minor">
+            <a:schemeClr val="tx1"/>
+          </a:fontRef>
+        </p:style>
+      </p:cxnSp>
+      <p:cxnSp>
+        <p:nvCxnSpPr>
+          <p:cNvPr id="37" name="Straight Connector 36"/>
+          <p:cNvCxnSpPr/>
+          <p:nvPr/>
+        </p:nvCxnSpPr>
+        <p:spPr>
+          <a:xfrm flipV="1">
+            <a:off x="1767613" y="1163782"/>
+            <a:ext cx="2660072" cy="1544782"/>
           </a:xfrm>
           <a:prstGeom prst="line">
             <a:avLst/>
@@ -16028,69 +15380,6 @@
           </a:fontRef>
         </p:style>
       </p:cxnSp>
-      <p:cxnSp>
-        <p:nvCxnSpPr>
-          <p:cNvPr id="34" name="Straight Connector 33"/>
-          <p:cNvCxnSpPr>
-            <a:stCxn id="11" idx="2"/>
-            <a:endCxn id="6" idx="5"/>
-          </p:cNvCxnSpPr>
-          <p:nvPr/>
-        </p:nvCxnSpPr>
-        <p:spPr>
-          <a:xfrm flipH="1" flipV="1">
-            <a:off x="1611762" y="4479653"/>
-            <a:ext cx="2849401" cy="785075"/>
-          </a:xfrm>
-          <a:prstGeom prst="line">
-            <a:avLst/>
-          </a:prstGeom>
-        </p:spPr>
-        <p:style>
-          <a:lnRef idx="1">
-            <a:schemeClr val="accent1"/>
-          </a:lnRef>
-          <a:fillRef idx="0">
-            <a:schemeClr val="accent1"/>
-          </a:fillRef>
-          <a:effectRef idx="0">
-            <a:schemeClr val="accent1"/>
-          </a:effectRef>
-          <a:fontRef idx="minor">
-            <a:schemeClr val="tx1"/>
-          </a:fontRef>
-        </p:style>
-      </p:cxnSp>
-      <p:cxnSp>
-        <p:nvCxnSpPr>
-          <p:cNvPr id="37" name="Straight Connector 36"/>
-          <p:cNvCxnSpPr/>
-          <p:nvPr/>
-        </p:nvCxnSpPr>
-        <p:spPr>
-          <a:xfrm flipV="1">
-            <a:off x="1767613" y="1163782"/>
-            <a:ext cx="2660072" cy="1544782"/>
-          </a:xfrm>
-          <a:prstGeom prst="line">
-            <a:avLst/>
-          </a:prstGeom>
-        </p:spPr>
-        <p:style>
-          <a:lnRef idx="1">
-            <a:schemeClr val="accent1"/>
-          </a:lnRef>
-          <a:fillRef idx="0">
-            <a:schemeClr val="accent1"/>
-          </a:fillRef>
-          <a:effectRef idx="0">
-            <a:schemeClr val="accent1"/>
-          </a:effectRef>
-          <a:fontRef idx="minor">
-            <a:schemeClr val="tx1"/>
-          </a:fontRef>
-        </p:style>
-      </p:cxnSp>
       <p:sp>
         <p:nvSpPr>
           <p:cNvPr id="2" name="TextBox 1"/>
@@ -16189,8 +15478,8 @@
         </p:nvSpPr>
         <p:spPr>
           <a:xfrm>
-            <a:off x="6525490" y="2306782"/>
-            <a:ext cx="2867891" cy="2585323"/>
+            <a:off x="6525491" y="2306782"/>
+            <a:ext cx="2022764" cy="2585323"/>
           </a:xfrm>
           <a:prstGeom prst="rect">
             <a:avLst/>
@@ -16205,13 +15494,7 @@
           <a:p>
             <a:r>
               <a:rPr lang="en-US" dirty="0" smtClean="0"/>
-              <a:t>In this graph, A1 would can’t win S2 because it would bring them over the maximum award. However, they are not disqualified and then able to win S3.</a:t>
-            </a:r>
-          </a:p>
-          <a:p>
-            <a:r>
-              <a:rPr lang="en-US" dirty="0" smtClean="0"/>
-              <a:t>Note than A2 wins nothing while A3 wins 750.</a:t>
+              <a:t>In this graph, A1 would be disqualified after winning S2 because their total would exceed 1500. This allows A2 to win S3.</a:t>
             </a:r>
             <a:endParaRPr lang="en-US" dirty="0"/>
           </a:p>
@@ -16277,7 +15560,7 @@
           <a:p>
             <a:r>
               <a:rPr lang="en-US" dirty="0" smtClean="0"/>
-              <a:t>1500</a:t>
+              <a:t>1750</a:t>
             </a:r>
             <a:endParaRPr lang="en-US" dirty="0"/>
           </a:p>
@@ -16291,7 +15574,7 @@
         </p:nvSpPr>
         <p:spPr>
           <a:xfrm>
-            <a:off x="5479473" y="3539943"/>
+            <a:off x="5479473" y="2100696"/>
             <a:ext cx="623454" cy="369332"/>
           </a:xfrm>
           <a:prstGeom prst="rect">
@@ -16307,7 +15590,7 @@
           <a:p>
             <a:r>
               <a:rPr lang="en-US" dirty="0" smtClean="0"/>
-              <a:t>750</a:t>
+              <a:t>500</a:t>
             </a:r>
             <a:endParaRPr lang="en-US" dirty="0"/>
           </a:p>
@@ -16316,7 +15599,7 @@
     </p:spTree>
     <p:extLst>
       <p:ext uri="{BB962C8B-B14F-4D97-AF65-F5344CB8AC3E}">
-        <p14:creationId xmlns:p14="http://schemas.microsoft.com/office/powerpoint/2010/main" val="4291133437"/>
+        <p14:creationId xmlns:p14="http://schemas.microsoft.com/office/powerpoint/2010/main" val="2045693652"/>
       </p:ext>
     </p:extLst>
   </p:cSld>
@@ -16352,63 +15635,929 @@
       </p:grpSpPr>
       <p:sp>
         <p:nvSpPr>
-          <p:cNvPr id="2" name="Title 1"/>
-          <p:cNvSpPr>
-            <a:spLocks noGrp="1"/>
-          </p:cNvSpPr>
-          <p:nvPr>
-            <p:ph type="title"/>
-          </p:nvPr>
-        </p:nvSpPr>
-        <p:spPr/>
-        <p:txBody>
-          <a:bodyPr/>
-          <a:lstStyle/>
-          <a:p>
-            <a:r>
-              <a:rPr lang="en-US" dirty="0" smtClean="0"/>
-              <a:t>The rational assumptions</a:t>
-            </a:r>
-            <a:endParaRPr lang="en-US" dirty="0"/>
-          </a:p>
-        </p:txBody>
-      </p:sp>
-      <p:sp>
-        <p:nvSpPr>
-          <p:cNvPr id="3" name="Content Placeholder 2"/>
-          <p:cNvSpPr>
-            <a:spLocks noGrp="1"/>
-          </p:cNvSpPr>
-          <p:nvPr>
-            <p:ph idx="1"/>
-          </p:nvPr>
-        </p:nvSpPr>
-        <p:spPr/>
-        <p:txBody>
-          <a:bodyPr/>
-          <a:lstStyle/>
-          <a:p>
-            <a:r>
-              <a:rPr lang="en-US" dirty="0" smtClean="0"/>
-              <a:t>RA1-The higher ranked applicant will be awarded more than the next highest ranked applicant</a:t>
-            </a:r>
-          </a:p>
-          <a:p>
-            <a:r>
-              <a:rPr lang="en-US" dirty="0" smtClean="0"/>
-              <a:t>RA2-That if a lower ranked applicant would have a award that every higher ranked applicant would have an award</a:t>
-            </a:r>
-          </a:p>
-          <a:p>
-            <a:r>
-              <a:rPr lang="en-US" dirty="0" smtClean="0"/>
-              <a:t>Since not everyone is qualified for every scholarship, these assumptions do not always hold true</a:t>
-            </a:r>
-          </a:p>
-          <a:p>
-            <a:r>
-              <a:rPr lang="en-US" dirty="0" smtClean="0"/>
-              <a:t>However, if RA1 holds true, then RA2 must be true</a:t>
+          <p:cNvPr id="4" name="Oval 3"/>
+          <p:cNvSpPr/>
+          <p:nvPr/>
+        </p:nvSpPr>
+        <p:spPr>
+          <a:xfrm>
+            <a:off x="831273" y="609600"/>
+            <a:ext cx="914400" cy="914400"/>
+          </a:xfrm>
+          <a:prstGeom prst="ellipse">
+            <a:avLst/>
+          </a:prstGeom>
+        </p:spPr>
+        <p:style>
+          <a:lnRef idx="2">
+            <a:schemeClr val="accent1">
+              <a:shade val="50000"/>
+            </a:schemeClr>
+          </a:lnRef>
+          <a:fillRef idx="1">
+            <a:schemeClr val="accent1"/>
+          </a:fillRef>
+          <a:effectRef idx="0">
+            <a:schemeClr val="accent1"/>
+          </a:effectRef>
+          <a:fontRef idx="minor">
+            <a:schemeClr val="lt1"/>
+          </a:fontRef>
+        </p:style>
+        <p:txBody>
+          <a:bodyPr rtlCol="0" anchor="ctr"/>
+          <a:lstStyle/>
+          <a:p>
+            <a:pPr algn="ctr"/>
+            <a:r>
+              <a:rPr lang="en-US" dirty="0" smtClean="0"/>
+              <a:t>S1</a:t>
+            </a:r>
+            <a:endParaRPr lang="en-US" dirty="0"/>
+          </a:p>
+        </p:txBody>
+      </p:sp>
+      <p:sp>
+        <p:nvSpPr>
+          <p:cNvPr id="5" name="Oval 4"/>
+          <p:cNvSpPr/>
+          <p:nvPr/>
+        </p:nvSpPr>
+        <p:spPr>
+          <a:xfrm>
+            <a:off x="831273" y="2154382"/>
+            <a:ext cx="914400" cy="914400"/>
+          </a:xfrm>
+          <a:prstGeom prst="ellipse">
+            <a:avLst/>
+          </a:prstGeom>
+        </p:spPr>
+        <p:style>
+          <a:lnRef idx="2">
+            <a:schemeClr val="accent1">
+              <a:shade val="50000"/>
+            </a:schemeClr>
+          </a:lnRef>
+          <a:fillRef idx="1">
+            <a:schemeClr val="accent1"/>
+          </a:fillRef>
+          <a:effectRef idx="0">
+            <a:schemeClr val="accent1"/>
+          </a:effectRef>
+          <a:fontRef idx="minor">
+            <a:schemeClr val="lt1"/>
+          </a:fontRef>
+        </p:style>
+        <p:txBody>
+          <a:bodyPr rtlCol="0" anchor="ctr"/>
+          <a:lstStyle/>
+          <a:p>
+            <a:pPr algn="ctr"/>
+            <a:r>
+              <a:rPr lang="en-US" dirty="0" smtClean="0"/>
+              <a:t>S2</a:t>
+            </a:r>
+            <a:endParaRPr lang="en-US" dirty="0"/>
+          </a:p>
+        </p:txBody>
+      </p:sp>
+      <p:sp>
+        <p:nvSpPr>
+          <p:cNvPr id="6" name="Oval 5"/>
+          <p:cNvSpPr/>
+          <p:nvPr/>
+        </p:nvSpPr>
+        <p:spPr>
+          <a:xfrm>
+            <a:off x="831273" y="3699164"/>
+            <a:ext cx="914400" cy="914400"/>
+          </a:xfrm>
+          <a:prstGeom prst="ellipse">
+            <a:avLst/>
+          </a:prstGeom>
+        </p:spPr>
+        <p:style>
+          <a:lnRef idx="2">
+            <a:schemeClr val="accent1">
+              <a:shade val="50000"/>
+            </a:schemeClr>
+          </a:lnRef>
+          <a:fillRef idx="1">
+            <a:schemeClr val="accent1"/>
+          </a:fillRef>
+          <a:effectRef idx="0">
+            <a:schemeClr val="accent1"/>
+          </a:effectRef>
+          <a:fontRef idx="minor">
+            <a:schemeClr val="lt1"/>
+          </a:fontRef>
+        </p:style>
+        <p:txBody>
+          <a:bodyPr rtlCol="0" anchor="ctr"/>
+          <a:lstStyle/>
+          <a:p>
+            <a:pPr algn="ctr"/>
+            <a:r>
+              <a:rPr lang="en-US" dirty="0" smtClean="0"/>
+              <a:t>S3</a:t>
+            </a:r>
+            <a:endParaRPr lang="en-US" dirty="0"/>
+          </a:p>
+        </p:txBody>
+      </p:sp>
+      <p:sp>
+        <p:nvSpPr>
+          <p:cNvPr id="8" name="Oval 7"/>
+          <p:cNvSpPr/>
+          <p:nvPr/>
+        </p:nvSpPr>
+        <p:spPr>
+          <a:xfrm>
+            <a:off x="4405745" y="609600"/>
+            <a:ext cx="914400" cy="914400"/>
+          </a:xfrm>
+          <a:prstGeom prst="ellipse">
+            <a:avLst/>
+          </a:prstGeom>
+        </p:spPr>
+        <p:style>
+          <a:lnRef idx="2">
+            <a:schemeClr val="accent6"/>
+          </a:lnRef>
+          <a:fillRef idx="1">
+            <a:schemeClr val="lt1"/>
+          </a:fillRef>
+          <a:effectRef idx="0">
+            <a:schemeClr val="accent6"/>
+          </a:effectRef>
+          <a:fontRef idx="minor">
+            <a:schemeClr val="dk1"/>
+          </a:fontRef>
+        </p:style>
+        <p:txBody>
+          <a:bodyPr rtlCol="0" anchor="ctr"/>
+          <a:lstStyle/>
+          <a:p>
+            <a:pPr algn="ctr"/>
+            <a:r>
+              <a:rPr lang="en-US" dirty="0" smtClean="0"/>
+              <a:t>A1</a:t>
+            </a:r>
+            <a:endParaRPr lang="en-US" dirty="0"/>
+          </a:p>
+        </p:txBody>
+      </p:sp>
+      <p:sp>
+        <p:nvSpPr>
+          <p:cNvPr id="9" name="Oval 8"/>
+          <p:cNvSpPr/>
+          <p:nvPr/>
+        </p:nvSpPr>
+        <p:spPr>
+          <a:xfrm>
+            <a:off x="4461163" y="1849582"/>
+            <a:ext cx="914400" cy="914400"/>
+          </a:xfrm>
+          <a:prstGeom prst="ellipse">
+            <a:avLst/>
+          </a:prstGeom>
+        </p:spPr>
+        <p:style>
+          <a:lnRef idx="2">
+            <a:schemeClr val="accent6"/>
+          </a:lnRef>
+          <a:fillRef idx="1">
+            <a:schemeClr val="lt1"/>
+          </a:fillRef>
+          <a:effectRef idx="0">
+            <a:schemeClr val="accent6"/>
+          </a:effectRef>
+          <a:fontRef idx="minor">
+            <a:schemeClr val="dk1"/>
+          </a:fontRef>
+        </p:style>
+        <p:txBody>
+          <a:bodyPr rtlCol="0" anchor="ctr"/>
+          <a:lstStyle/>
+          <a:p>
+            <a:pPr algn="ctr"/>
+            <a:r>
+              <a:rPr lang="en-US" dirty="0" smtClean="0"/>
+              <a:t>A2</a:t>
+            </a:r>
+            <a:endParaRPr lang="en-US" dirty="0"/>
+          </a:p>
+        </p:txBody>
+      </p:sp>
+      <p:sp>
+        <p:nvSpPr>
+          <p:cNvPr id="10" name="Oval 9"/>
+          <p:cNvSpPr/>
+          <p:nvPr/>
+        </p:nvSpPr>
+        <p:spPr>
+          <a:xfrm>
+            <a:off x="4461163" y="3328555"/>
+            <a:ext cx="914400" cy="914400"/>
+          </a:xfrm>
+          <a:prstGeom prst="ellipse">
+            <a:avLst/>
+          </a:prstGeom>
+        </p:spPr>
+        <p:style>
+          <a:lnRef idx="2">
+            <a:schemeClr val="accent6"/>
+          </a:lnRef>
+          <a:fillRef idx="1">
+            <a:schemeClr val="lt1"/>
+          </a:fillRef>
+          <a:effectRef idx="0">
+            <a:schemeClr val="accent6"/>
+          </a:effectRef>
+          <a:fontRef idx="minor">
+            <a:schemeClr val="dk1"/>
+          </a:fontRef>
+        </p:style>
+        <p:txBody>
+          <a:bodyPr rtlCol="0" anchor="ctr"/>
+          <a:lstStyle/>
+          <a:p>
+            <a:pPr algn="ctr"/>
+            <a:r>
+              <a:rPr lang="en-US" dirty="0" smtClean="0"/>
+              <a:t>A3</a:t>
+            </a:r>
+            <a:endParaRPr lang="en-US" dirty="0"/>
+          </a:p>
+        </p:txBody>
+      </p:sp>
+      <p:sp>
+        <p:nvSpPr>
+          <p:cNvPr id="11" name="Oval 10"/>
+          <p:cNvSpPr/>
+          <p:nvPr/>
+        </p:nvSpPr>
+        <p:spPr>
+          <a:xfrm>
+            <a:off x="4461163" y="4807528"/>
+            <a:ext cx="914400" cy="914400"/>
+          </a:xfrm>
+          <a:prstGeom prst="ellipse">
+            <a:avLst/>
+          </a:prstGeom>
+        </p:spPr>
+        <p:style>
+          <a:lnRef idx="2">
+            <a:schemeClr val="accent6"/>
+          </a:lnRef>
+          <a:fillRef idx="1">
+            <a:schemeClr val="lt1"/>
+          </a:fillRef>
+          <a:effectRef idx="0">
+            <a:schemeClr val="accent6"/>
+          </a:effectRef>
+          <a:fontRef idx="minor">
+            <a:schemeClr val="dk1"/>
+          </a:fontRef>
+        </p:style>
+        <p:txBody>
+          <a:bodyPr rtlCol="0" anchor="ctr"/>
+          <a:lstStyle/>
+          <a:p>
+            <a:pPr algn="ctr"/>
+            <a:r>
+              <a:rPr lang="en-US" dirty="0" smtClean="0"/>
+              <a:t>A4</a:t>
+            </a:r>
+            <a:endParaRPr lang="en-US" dirty="0"/>
+          </a:p>
+        </p:txBody>
+      </p:sp>
+      <p:sp>
+        <p:nvSpPr>
+          <p:cNvPr id="12" name="TextBox 11"/>
+          <p:cNvSpPr txBox="1"/>
+          <p:nvPr/>
+        </p:nvSpPr>
+        <p:spPr>
+          <a:xfrm>
+            <a:off x="678873" y="240268"/>
+            <a:ext cx="2493818" cy="369332"/>
+          </a:xfrm>
+          <a:prstGeom prst="rect">
+            <a:avLst/>
+          </a:prstGeom>
+          <a:noFill/>
+        </p:spPr>
+        <p:txBody>
+          <a:bodyPr wrap="square" rtlCol="0">
+            <a:spAutoFit/>
+          </a:bodyPr>
+          <a:lstStyle/>
+          <a:p>
+            <a:r>
+              <a:rPr lang="en-US" dirty="0" smtClean="0"/>
+              <a:t>Scholarships</a:t>
+            </a:r>
+            <a:endParaRPr lang="en-US" dirty="0"/>
+          </a:p>
+        </p:txBody>
+      </p:sp>
+      <p:sp>
+        <p:nvSpPr>
+          <p:cNvPr id="13" name="TextBox 12"/>
+          <p:cNvSpPr txBox="1"/>
+          <p:nvPr/>
+        </p:nvSpPr>
+        <p:spPr>
+          <a:xfrm>
+            <a:off x="4239491" y="240268"/>
+            <a:ext cx="1551709" cy="369332"/>
+          </a:xfrm>
+          <a:prstGeom prst="rect">
+            <a:avLst/>
+          </a:prstGeom>
+          <a:noFill/>
+        </p:spPr>
+        <p:txBody>
+          <a:bodyPr wrap="square" rtlCol="0">
+            <a:spAutoFit/>
+          </a:bodyPr>
+          <a:lstStyle/>
+          <a:p>
+            <a:r>
+              <a:rPr lang="en-US" dirty="0" smtClean="0"/>
+              <a:t>Applicants</a:t>
+            </a:r>
+          </a:p>
+        </p:txBody>
+      </p:sp>
+      <p:sp>
+        <p:nvSpPr>
+          <p:cNvPr id="14" name="TextBox 13"/>
+          <p:cNvSpPr txBox="1"/>
+          <p:nvPr/>
+        </p:nvSpPr>
+        <p:spPr>
+          <a:xfrm>
+            <a:off x="6525491" y="1066800"/>
+            <a:ext cx="2535382" cy="923330"/>
+          </a:xfrm>
+          <a:prstGeom prst="rect">
+            <a:avLst/>
+          </a:prstGeom>
+          <a:noFill/>
+        </p:spPr>
+        <p:txBody>
+          <a:bodyPr wrap="square" rtlCol="0">
+            <a:spAutoFit/>
+          </a:bodyPr>
+          <a:lstStyle/>
+          <a:p>
+            <a:r>
+              <a:rPr lang="en-US" dirty="0" smtClean="0"/>
+              <a:t>Merit Only Awarding Can’t Exceed Maximum</a:t>
+            </a:r>
+            <a:endParaRPr lang="en-US" dirty="0"/>
+          </a:p>
+        </p:txBody>
+      </p:sp>
+      <p:cxnSp>
+        <p:nvCxnSpPr>
+          <p:cNvPr id="3" name="Straight Connector 2"/>
+          <p:cNvCxnSpPr>
+            <a:stCxn id="4" idx="6"/>
+            <a:endCxn id="8" idx="2"/>
+          </p:cNvCxnSpPr>
+          <p:nvPr/>
+        </p:nvCxnSpPr>
+        <p:spPr>
+          <a:xfrm>
+            <a:off x="1745673" y="1066800"/>
+            <a:ext cx="2660072" cy="0"/>
+          </a:xfrm>
+          <a:prstGeom prst="line">
+            <a:avLst/>
+          </a:prstGeom>
+          <a:ln w="9525" cap="flat" cmpd="sng" algn="ctr">
+            <a:solidFill>
+              <a:schemeClr val="dk1"/>
+            </a:solidFill>
+            <a:prstDash val="solid"/>
+            <a:round/>
+            <a:headEnd type="arrow" w="med" len="med"/>
+            <a:tailEnd type="arrow" w="med" len="med"/>
+          </a:ln>
+        </p:spPr>
+        <p:style>
+          <a:lnRef idx="0">
+            <a:scrgbClr r="0" g="0" b="0"/>
+          </a:lnRef>
+          <a:fillRef idx="0">
+            <a:scrgbClr r="0" g="0" b="0"/>
+          </a:fillRef>
+          <a:effectRef idx="0">
+            <a:scrgbClr r="0" g="0" b="0"/>
+          </a:effectRef>
+          <a:fontRef idx="minor">
+            <a:schemeClr val="tx1"/>
+          </a:fontRef>
+        </p:style>
+      </p:cxnSp>
+      <p:cxnSp>
+        <p:nvCxnSpPr>
+          <p:cNvPr id="17" name="Straight Connector 16"/>
+          <p:cNvCxnSpPr>
+            <a:stCxn id="4" idx="5"/>
+            <a:endCxn id="9" idx="2"/>
+          </p:cNvCxnSpPr>
+          <p:nvPr/>
+        </p:nvCxnSpPr>
+        <p:spPr>
+          <a:xfrm>
+            <a:off x="1611762" y="1390089"/>
+            <a:ext cx="2849401" cy="916693"/>
+          </a:xfrm>
+          <a:prstGeom prst="line">
+            <a:avLst/>
+          </a:prstGeom>
+        </p:spPr>
+        <p:style>
+          <a:lnRef idx="1">
+            <a:schemeClr val="accent1"/>
+          </a:lnRef>
+          <a:fillRef idx="0">
+            <a:schemeClr val="accent1"/>
+          </a:fillRef>
+          <a:effectRef idx="0">
+            <a:schemeClr val="accent1"/>
+          </a:effectRef>
+          <a:fontRef idx="minor">
+            <a:schemeClr val="tx1"/>
+          </a:fontRef>
+        </p:style>
+      </p:cxnSp>
+      <p:cxnSp>
+        <p:nvCxnSpPr>
+          <p:cNvPr id="20" name="Straight Connector 19"/>
+          <p:cNvCxnSpPr>
+            <a:endCxn id="11" idx="1"/>
+          </p:cNvCxnSpPr>
+          <p:nvPr/>
+        </p:nvCxnSpPr>
+        <p:spPr>
+          <a:xfrm>
+            <a:off x="1353137" y="1446654"/>
+            <a:ext cx="3241937" cy="3494785"/>
+          </a:xfrm>
+          <a:prstGeom prst="line">
+            <a:avLst/>
+          </a:prstGeom>
+        </p:spPr>
+        <p:style>
+          <a:lnRef idx="1">
+            <a:schemeClr val="accent1"/>
+          </a:lnRef>
+          <a:fillRef idx="0">
+            <a:schemeClr val="accent1"/>
+          </a:fillRef>
+          <a:effectRef idx="0">
+            <a:schemeClr val="accent1"/>
+          </a:effectRef>
+          <a:fontRef idx="minor">
+            <a:schemeClr val="tx1"/>
+          </a:fontRef>
+        </p:style>
+      </p:cxnSp>
+      <p:cxnSp>
+        <p:nvCxnSpPr>
+          <p:cNvPr id="21" name="Straight Connector 20"/>
+          <p:cNvCxnSpPr>
+            <a:endCxn id="10" idx="1"/>
+          </p:cNvCxnSpPr>
+          <p:nvPr/>
+        </p:nvCxnSpPr>
+        <p:spPr>
+          <a:xfrm>
+            <a:off x="1678718" y="2478817"/>
+            <a:ext cx="2916356" cy="983649"/>
+          </a:xfrm>
+          <a:prstGeom prst="line">
+            <a:avLst/>
+          </a:prstGeom>
+          <a:ln w="9525" cap="flat" cmpd="sng" algn="ctr">
+            <a:solidFill>
+              <a:schemeClr val="dk1"/>
+            </a:solidFill>
+            <a:prstDash val="solid"/>
+            <a:round/>
+            <a:headEnd type="arrow" w="med" len="med"/>
+            <a:tailEnd type="arrow" w="med" len="med"/>
+          </a:ln>
+        </p:spPr>
+        <p:style>
+          <a:lnRef idx="0">
+            <a:scrgbClr r="0" g="0" b="0"/>
+          </a:lnRef>
+          <a:fillRef idx="0">
+            <a:scrgbClr r="0" g="0" b="0"/>
+          </a:fillRef>
+          <a:effectRef idx="0">
+            <a:scrgbClr r="0" g="0" b="0"/>
+          </a:effectRef>
+          <a:fontRef idx="minor">
+            <a:schemeClr val="tx1"/>
+          </a:fontRef>
+        </p:style>
+      </p:cxnSp>
+      <p:cxnSp>
+        <p:nvCxnSpPr>
+          <p:cNvPr id="26" name="Straight Connector 25"/>
+          <p:cNvCxnSpPr>
+            <a:stCxn id="6" idx="6"/>
+            <a:endCxn id="9" idx="2"/>
+          </p:cNvCxnSpPr>
+          <p:nvPr/>
+        </p:nvCxnSpPr>
+        <p:spPr>
+          <a:xfrm flipV="1">
+            <a:off x="1745673" y="2306782"/>
+            <a:ext cx="2715490" cy="1849582"/>
+          </a:xfrm>
+          <a:prstGeom prst="line">
+            <a:avLst/>
+          </a:prstGeom>
+        </p:spPr>
+        <p:style>
+          <a:lnRef idx="1">
+            <a:schemeClr val="accent1"/>
+          </a:lnRef>
+          <a:fillRef idx="0">
+            <a:schemeClr val="accent1"/>
+          </a:fillRef>
+          <a:effectRef idx="0">
+            <a:schemeClr val="accent1"/>
+          </a:effectRef>
+          <a:fontRef idx="minor">
+            <a:schemeClr val="tx1"/>
+          </a:fontRef>
+        </p:style>
+      </p:cxnSp>
+      <p:cxnSp>
+        <p:nvCxnSpPr>
+          <p:cNvPr id="30" name="Straight Connector 29"/>
+          <p:cNvCxnSpPr>
+            <a:stCxn id="10" idx="2"/>
+            <a:endCxn id="6" idx="6"/>
+          </p:cNvCxnSpPr>
+          <p:nvPr/>
+        </p:nvCxnSpPr>
+        <p:spPr>
+          <a:xfrm flipH="1">
+            <a:off x="1745673" y="3785755"/>
+            <a:ext cx="2715490" cy="370609"/>
+          </a:xfrm>
+          <a:prstGeom prst="line">
+            <a:avLst/>
+          </a:prstGeom>
+        </p:spPr>
+        <p:style>
+          <a:lnRef idx="1">
+            <a:schemeClr val="accent1"/>
+          </a:lnRef>
+          <a:fillRef idx="0">
+            <a:schemeClr val="accent1"/>
+          </a:fillRef>
+          <a:effectRef idx="0">
+            <a:schemeClr val="accent1"/>
+          </a:effectRef>
+          <a:fontRef idx="minor">
+            <a:schemeClr val="tx1"/>
+          </a:fontRef>
+        </p:style>
+      </p:cxnSp>
+      <p:cxnSp>
+        <p:nvCxnSpPr>
+          <p:cNvPr id="32" name="Straight Connector 31"/>
+          <p:cNvCxnSpPr>
+            <a:stCxn id="8" idx="3"/>
+            <a:endCxn id="6" idx="7"/>
+          </p:cNvCxnSpPr>
+          <p:nvPr/>
+        </p:nvCxnSpPr>
+        <p:spPr>
+          <a:xfrm flipH="1">
+            <a:off x="1611762" y="1390089"/>
+            <a:ext cx="2927894" cy="2442986"/>
+          </a:xfrm>
+          <a:prstGeom prst="line">
+            <a:avLst/>
+          </a:prstGeom>
+          <a:ln w="9525" cap="flat" cmpd="sng" algn="ctr">
+            <a:solidFill>
+              <a:schemeClr val="dk1"/>
+            </a:solidFill>
+            <a:prstDash val="solid"/>
+            <a:round/>
+            <a:headEnd type="arrow" w="med" len="med"/>
+            <a:tailEnd type="arrow" w="med" len="med"/>
+          </a:ln>
+        </p:spPr>
+        <p:style>
+          <a:lnRef idx="0">
+            <a:scrgbClr r="0" g="0" b="0"/>
+          </a:lnRef>
+          <a:fillRef idx="0">
+            <a:scrgbClr r="0" g="0" b="0"/>
+          </a:fillRef>
+          <a:effectRef idx="0">
+            <a:scrgbClr r="0" g="0" b="0"/>
+          </a:effectRef>
+          <a:fontRef idx="minor">
+            <a:schemeClr val="tx1"/>
+          </a:fontRef>
+        </p:style>
+      </p:cxnSp>
+      <p:cxnSp>
+        <p:nvCxnSpPr>
+          <p:cNvPr id="34" name="Straight Connector 33"/>
+          <p:cNvCxnSpPr>
+            <a:stCxn id="11" idx="2"/>
+            <a:endCxn id="6" idx="5"/>
+          </p:cNvCxnSpPr>
+          <p:nvPr/>
+        </p:nvCxnSpPr>
+        <p:spPr>
+          <a:xfrm flipH="1" flipV="1">
+            <a:off x="1611762" y="4479653"/>
+            <a:ext cx="2849401" cy="785075"/>
+          </a:xfrm>
+          <a:prstGeom prst="line">
+            <a:avLst/>
+          </a:prstGeom>
+        </p:spPr>
+        <p:style>
+          <a:lnRef idx="1">
+            <a:schemeClr val="accent1"/>
+          </a:lnRef>
+          <a:fillRef idx="0">
+            <a:schemeClr val="accent1"/>
+          </a:fillRef>
+          <a:effectRef idx="0">
+            <a:schemeClr val="accent1"/>
+          </a:effectRef>
+          <a:fontRef idx="minor">
+            <a:schemeClr val="tx1"/>
+          </a:fontRef>
+        </p:style>
+      </p:cxnSp>
+      <p:cxnSp>
+        <p:nvCxnSpPr>
+          <p:cNvPr id="37" name="Straight Connector 36"/>
+          <p:cNvCxnSpPr/>
+          <p:nvPr/>
+        </p:nvCxnSpPr>
+        <p:spPr>
+          <a:xfrm flipV="1">
+            <a:off x="1767613" y="1163782"/>
+            <a:ext cx="2660072" cy="1544782"/>
+          </a:xfrm>
+          <a:prstGeom prst="line">
+            <a:avLst/>
+          </a:prstGeom>
+        </p:spPr>
+        <p:style>
+          <a:lnRef idx="1">
+            <a:schemeClr val="accent1"/>
+          </a:lnRef>
+          <a:fillRef idx="0">
+            <a:schemeClr val="accent1"/>
+          </a:fillRef>
+          <a:effectRef idx="0">
+            <a:schemeClr val="accent1"/>
+          </a:effectRef>
+          <a:fontRef idx="minor">
+            <a:schemeClr val="tx1"/>
+          </a:fontRef>
+        </p:style>
+      </p:cxnSp>
+      <p:sp>
+        <p:nvSpPr>
+          <p:cNvPr id="2" name="TextBox 1"/>
+          <p:cNvSpPr txBox="1"/>
+          <p:nvPr/>
+        </p:nvSpPr>
+        <p:spPr>
+          <a:xfrm>
+            <a:off x="27710" y="872838"/>
+            <a:ext cx="831273" cy="369332"/>
+          </a:xfrm>
+          <a:prstGeom prst="rect">
+            <a:avLst/>
+          </a:prstGeom>
+          <a:noFill/>
+        </p:spPr>
+        <p:txBody>
+          <a:bodyPr wrap="square" rtlCol="0">
+            <a:spAutoFit/>
+          </a:bodyPr>
+          <a:lstStyle/>
+          <a:p>
+            <a:r>
+              <a:rPr lang="en-US" dirty="0" smtClean="0"/>
+              <a:t>1000</a:t>
+            </a:r>
+            <a:endParaRPr lang="en-US" dirty="0"/>
+          </a:p>
+        </p:txBody>
+      </p:sp>
+      <p:sp>
+        <p:nvSpPr>
+          <p:cNvPr id="7" name="TextBox 6"/>
+          <p:cNvSpPr txBox="1"/>
+          <p:nvPr/>
+        </p:nvSpPr>
+        <p:spPr>
+          <a:xfrm>
+            <a:off x="166254" y="2478817"/>
+            <a:ext cx="637309" cy="369332"/>
+          </a:xfrm>
+          <a:prstGeom prst="rect">
+            <a:avLst/>
+          </a:prstGeom>
+          <a:noFill/>
+        </p:spPr>
+        <p:txBody>
+          <a:bodyPr wrap="square" rtlCol="0">
+            <a:spAutoFit/>
+          </a:bodyPr>
+          <a:lstStyle/>
+          <a:p>
+            <a:r>
+              <a:rPr lang="en-US" dirty="0" smtClean="0"/>
+              <a:t>750</a:t>
+            </a:r>
+            <a:endParaRPr lang="en-US" dirty="0"/>
+          </a:p>
+        </p:txBody>
+      </p:sp>
+      <p:sp>
+        <p:nvSpPr>
+          <p:cNvPr id="15" name="TextBox 14"/>
+          <p:cNvSpPr txBox="1"/>
+          <p:nvPr/>
+        </p:nvSpPr>
+        <p:spPr>
+          <a:xfrm>
+            <a:off x="207818" y="4059382"/>
+            <a:ext cx="568037" cy="369332"/>
+          </a:xfrm>
+          <a:prstGeom prst="rect">
+            <a:avLst/>
+          </a:prstGeom>
+          <a:noFill/>
+        </p:spPr>
+        <p:txBody>
+          <a:bodyPr wrap="square" rtlCol="0">
+            <a:spAutoFit/>
+          </a:bodyPr>
+          <a:lstStyle/>
+          <a:p>
+            <a:r>
+              <a:rPr lang="en-US" dirty="0" smtClean="0"/>
+              <a:t>500</a:t>
+            </a:r>
+            <a:endParaRPr lang="en-US" dirty="0"/>
+          </a:p>
+        </p:txBody>
+      </p:sp>
+      <p:sp>
+        <p:nvSpPr>
+          <p:cNvPr id="16" name="TextBox 15"/>
+          <p:cNvSpPr txBox="1"/>
+          <p:nvPr/>
+        </p:nvSpPr>
+        <p:spPr>
+          <a:xfrm>
+            <a:off x="6525490" y="2306782"/>
+            <a:ext cx="2867891" cy="2585323"/>
+          </a:xfrm>
+          <a:prstGeom prst="rect">
+            <a:avLst/>
+          </a:prstGeom>
+          <a:noFill/>
+        </p:spPr>
+        <p:txBody>
+          <a:bodyPr wrap="square" rtlCol="0">
+            <a:spAutoFit/>
+          </a:bodyPr>
+          <a:lstStyle/>
+          <a:p>
+            <a:r>
+              <a:rPr lang="en-US" dirty="0" smtClean="0"/>
+              <a:t>In this graph, A1 would can’t win S2 because it would bring them over the maximum award. However, they are not disqualified and then able to win S3.</a:t>
+            </a:r>
+          </a:p>
+          <a:p>
+            <a:r>
+              <a:rPr lang="en-US" dirty="0" smtClean="0"/>
+              <a:t>Note than A2 wins nothing while A3 wins 750.</a:t>
+            </a:r>
+            <a:endParaRPr lang="en-US" dirty="0"/>
+          </a:p>
+        </p:txBody>
+      </p:sp>
+      <p:sp>
+        <p:nvSpPr>
+          <p:cNvPr id="18" name="TextBox 17"/>
+          <p:cNvSpPr txBox="1"/>
+          <p:nvPr/>
+        </p:nvSpPr>
+        <p:spPr>
+          <a:xfrm>
+            <a:off x="2382982" y="124691"/>
+            <a:ext cx="1496291" cy="646331"/>
+          </a:xfrm>
+          <a:prstGeom prst="rect">
+            <a:avLst/>
+          </a:prstGeom>
+          <a:noFill/>
+        </p:spPr>
+        <p:txBody>
+          <a:bodyPr wrap="square" rtlCol="0">
+            <a:spAutoFit/>
+          </a:bodyPr>
+          <a:lstStyle/>
+          <a:p>
+            <a:r>
+              <a:rPr lang="en-US" dirty="0" smtClean="0"/>
+              <a:t>Maximum </a:t>
+            </a:r>
+          </a:p>
+          <a:p>
+            <a:r>
+              <a:rPr lang="en-US" dirty="0" smtClean="0"/>
+              <a:t>Award =1500</a:t>
+            </a:r>
+            <a:endParaRPr lang="en-US" dirty="0"/>
+          </a:p>
+        </p:txBody>
+      </p:sp>
+      <p:sp>
+        <p:nvSpPr>
+          <p:cNvPr id="19" name="TextBox 18"/>
+          <p:cNvSpPr txBox="1"/>
+          <p:nvPr/>
+        </p:nvSpPr>
+        <p:spPr>
+          <a:xfrm>
+            <a:off x="5375563" y="872838"/>
+            <a:ext cx="1011382" cy="369332"/>
+          </a:xfrm>
+          <a:prstGeom prst="rect">
+            <a:avLst/>
+          </a:prstGeom>
+          <a:noFill/>
+        </p:spPr>
+        <p:txBody>
+          <a:bodyPr wrap="square" rtlCol="0">
+            <a:spAutoFit/>
+          </a:bodyPr>
+          <a:lstStyle/>
+          <a:p>
+            <a:r>
+              <a:rPr lang="en-US" dirty="0" smtClean="0"/>
+              <a:t>1500</a:t>
+            </a:r>
+            <a:endParaRPr lang="en-US" dirty="0"/>
+          </a:p>
+        </p:txBody>
+      </p:sp>
+      <p:sp>
+        <p:nvSpPr>
+          <p:cNvPr id="22" name="TextBox 21"/>
+          <p:cNvSpPr txBox="1"/>
+          <p:nvPr/>
+        </p:nvSpPr>
+        <p:spPr>
+          <a:xfrm>
+            <a:off x="5479473" y="3539943"/>
+            <a:ext cx="623454" cy="369332"/>
+          </a:xfrm>
+          <a:prstGeom prst="rect">
+            <a:avLst/>
+          </a:prstGeom>
+          <a:noFill/>
+        </p:spPr>
+        <p:txBody>
+          <a:bodyPr wrap="square" rtlCol="0">
+            <a:spAutoFit/>
+          </a:bodyPr>
+          <a:lstStyle/>
+          <a:p>
+            <a:r>
+              <a:rPr lang="en-US" dirty="0" smtClean="0"/>
+              <a:t>750</a:t>
             </a:r>
             <a:endParaRPr lang="en-US" dirty="0"/>
           </a:p>
@@ -16417,7 +16566,7 @@
     </p:spTree>
     <p:extLst>
       <p:ext uri="{BB962C8B-B14F-4D97-AF65-F5344CB8AC3E}">
-        <p14:creationId xmlns:p14="http://schemas.microsoft.com/office/powerpoint/2010/main" val="3210139513"/>
+        <p14:creationId xmlns:p14="http://schemas.microsoft.com/office/powerpoint/2010/main" val="4291133437"/>
       </p:ext>
     </p:extLst>
   </p:cSld>

--- a/Documents/Basic Scholarship Awarding Graphs.pptx
+++ b/Documents/Basic Scholarship Awarding Graphs.pptx
@@ -11,22 +11,23 @@
     <p:sldId id="257" r:id="rId5"/>
     <p:sldId id="258" r:id="rId6"/>
     <p:sldId id="259" r:id="rId7"/>
-    <p:sldId id="260" r:id="rId8"/>
-    <p:sldId id="261" r:id="rId9"/>
-    <p:sldId id="262" r:id="rId10"/>
-    <p:sldId id="263" r:id="rId11"/>
-    <p:sldId id="264" r:id="rId12"/>
-    <p:sldId id="265" r:id="rId13"/>
-    <p:sldId id="266" r:id="rId14"/>
-    <p:sldId id="267" r:id="rId15"/>
-    <p:sldId id="268" r:id="rId16"/>
-    <p:sldId id="269" r:id="rId17"/>
-    <p:sldId id="270" r:id="rId18"/>
-    <p:sldId id="271" r:id="rId19"/>
-    <p:sldId id="272" r:id="rId20"/>
-    <p:sldId id="274" r:id="rId21"/>
-    <p:sldId id="276" r:id="rId22"/>
-    <p:sldId id="277" r:id="rId23"/>
+    <p:sldId id="281" r:id="rId8"/>
+    <p:sldId id="260" r:id="rId9"/>
+    <p:sldId id="261" r:id="rId10"/>
+    <p:sldId id="262" r:id="rId11"/>
+    <p:sldId id="263" r:id="rId12"/>
+    <p:sldId id="264" r:id="rId13"/>
+    <p:sldId id="265" r:id="rId14"/>
+    <p:sldId id="266" r:id="rId15"/>
+    <p:sldId id="267" r:id="rId16"/>
+    <p:sldId id="268" r:id="rId17"/>
+    <p:sldId id="269" r:id="rId18"/>
+    <p:sldId id="270" r:id="rId19"/>
+    <p:sldId id="271" r:id="rId20"/>
+    <p:sldId id="272" r:id="rId21"/>
+    <p:sldId id="274" r:id="rId22"/>
+    <p:sldId id="276" r:id="rId23"/>
+    <p:sldId id="277" r:id="rId24"/>
   </p:sldIdLst>
   <p:sldSz cx="12192000" cy="6858000"/>
   <p:notesSz cx="6858000" cy="9144000"/>
@@ -5886,85 +5887,939 @@
       </p:grpSpPr>
       <p:sp>
         <p:nvSpPr>
-          <p:cNvPr id="2" name="Title 1"/>
-          <p:cNvSpPr>
-            <a:spLocks noGrp="1"/>
-          </p:cNvSpPr>
-          <p:nvPr>
-            <p:ph type="title"/>
-          </p:nvPr>
-        </p:nvSpPr>
-        <p:spPr/>
-        <p:txBody>
-          <a:bodyPr/>
-          <a:lstStyle/>
-          <a:p>
-            <a:r>
-              <a:rPr lang="en-US" dirty="0" smtClean="0"/>
-              <a:t>The rational assumptions</a:t>
-            </a:r>
-            <a:endParaRPr lang="en-US" dirty="0"/>
-          </a:p>
-        </p:txBody>
-      </p:sp>
-      <p:sp>
-        <p:nvSpPr>
-          <p:cNvPr id="3" name="Content Placeholder 2"/>
-          <p:cNvSpPr>
-            <a:spLocks noGrp="1"/>
-          </p:cNvSpPr>
-          <p:nvPr>
-            <p:ph idx="1"/>
-          </p:nvPr>
-        </p:nvSpPr>
-        <p:spPr/>
-        <p:txBody>
-          <a:bodyPr/>
-          <a:lstStyle/>
-          <a:p>
-            <a:r>
-              <a:rPr lang="en-US" dirty="0" smtClean="0"/>
-              <a:t>RA1-The higher ranked applicant will be awarded more than the next highest ranked applicant</a:t>
-            </a:r>
-          </a:p>
-          <a:p>
-            <a:r>
-              <a:rPr lang="en-US" dirty="0" smtClean="0"/>
-              <a:t>RA2-That if a lower ranked applicant would have a award that every higher ranked applicant would have an award</a:t>
-            </a:r>
-          </a:p>
-          <a:p>
-            <a:r>
-              <a:rPr lang="en-US" dirty="0" smtClean="0"/>
-              <a:t>Since not everyone is qualified for every scholarship, these assumptions do not always hold true</a:t>
-            </a:r>
-          </a:p>
-          <a:p>
-            <a:r>
-              <a:rPr lang="en-US" dirty="0" smtClean="0"/>
-              <a:t>However, if RA1 holds true, then RA2 must be </a:t>
-            </a:r>
-            <a:r>
-              <a:rPr lang="en-US" dirty="0" smtClean="0"/>
-              <a:t>true</a:t>
-            </a:r>
-          </a:p>
-          <a:p>
-            <a:r>
-              <a:rPr lang="en-US" dirty="0" smtClean="0"/>
-              <a:t>Not all algorithms for a given graph will hold both true</a:t>
-            </a:r>
-          </a:p>
-          <a:p>
-            <a:r>
-              <a:rPr lang="en-US" dirty="0" smtClean="0"/>
-              <a:t>Committees will prefer the results that hold these true</a:t>
-            </a:r>
-          </a:p>
-          <a:p>
-            <a:r>
-              <a:rPr lang="en-US" dirty="0" smtClean="0"/>
-              <a:t>Some committees will prefer giving more applicants than fewer</a:t>
+          <p:cNvPr id="4" name="Oval 3"/>
+          <p:cNvSpPr/>
+          <p:nvPr/>
+        </p:nvSpPr>
+        <p:spPr>
+          <a:xfrm>
+            <a:off x="831273" y="609600"/>
+            <a:ext cx="914400" cy="914400"/>
+          </a:xfrm>
+          <a:prstGeom prst="ellipse">
+            <a:avLst/>
+          </a:prstGeom>
+        </p:spPr>
+        <p:style>
+          <a:lnRef idx="2">
+            <a:schemeClr val="accent1">
+              <a:shade val="50000"/>
+            </a:schemeClr>
+          </a:lnRef>
+          <a:fillRef idx="1">
+            <a:schemeClr val="accent1"/>
+          </a:fillRef>
+          <a:effectRef idx="0">
+            <a:schemeClr val="accent1"/>
+          </a:effectRef>
+          <a:fontRef idx="minor">
+            <a:schemeClr val="lt1"/>
+          </a:fontRef>
+        </p:style>
+        <p:txBody>
+          <a:bodyPr rtlCol="0" anchor="ctr"/>
+          <a:lstStyle/>
+          <a:p>
+            <a:pPr algn="ctr"/>
+            <a:r>
+              <a:rPr lang="en-US" dirty="0" smtClean="0"/>
+              <a:t>S1</a:t>
+            </a:r>
+            <a:endParaRPr lang="en-US" dirty="0"/>
+          </a:p>
+        </p:txBody>
+      </p:sp>
+      <p:sp>
+        <p:nvSpPr>
+          <p:cNvPr id="5" name="Oval 4"/>
+          <p:cNvSpPr/>
+          <p:nvPr/>
+        </p:nvSpPr>
+        <p:spPr>
+          <a:xfrm>
+            <a:off x="831273" y="2154382"/>
+            <a:ext cx="914400" cy="914400"/>
+          </a:xfrm>
+          <a:prstGeom prst="ellipse">
+            <a:avLst/>
+          </a:prstGeom>
+        </p:spPr>
+        <p:style>
+          <a:lnRef idx="2">
+            <a:schemeClr val="accent1">
+              <a:shade val="50000"/>
+            </a:schemeClr>
+          </a:lnRef>
+          <a:fillRef idx="1">
+            <a:schemeClr val="accent1"/>
+          </a:fillRef>
+          <a:effectRef idx="0">
+            <a:schemeClr val="accent1"/>
+          </a:effectRef>
+          <a:fontRef idx="minor">
+            <a:schemeClr val="lt1"/>
+          </a:fontRef>
+        </p:style>
+        <p:txBody>
+          <a:bodyPr rtlCol="0" anchor="ctr"/>
+          <a:lstStyle/>
+          <a:p>
+            <a:pPr algn="ctr"/>
+            <a:r>
+              <a:rPr lang="en-US" dirty="0" smtClean="0"/>
+              <a:t>S2</a:t>
+            </a:r>
+            <a:endParaRPr lang="en-US" dirty="0"/>
+          </a:p>
+        </p:txBody>
+      </p:sp>
+      <p:sp>
+        <p:nvSpPr>
+          <p:cNvPr id="6" name="Oval 5"/>
+          <p:cNvSpPr/>
+          <p:nvPr/>
+        </p:nvSpPr>
+        <p:spPr>
+          <a:xfrm>
+            <a:off x="831273" y="3699164"/>
+            <a:ext cx="914400" cy="914400"/>
+          </a:xfrm>
+          <a:prstGeom prst="ellipse">
+            <a:avLst/>
+          </a:prstGeom>
+        </p:spPr>
+        <p:style>
+          <a:lnRef idx="2">
+            <a:schemeClr val="accent1">
+              <a:shade val="50000"/>
+            </a:schemeClr>
+          </a:lnRef>
+          <a:fillRef idx="1">
+            <a:schemeClr val="accent1"/>
+          </a:fillRef>
+          <a:effectRef idx="0">
+            <a:schemeClr val="accent1"/>
+          </a:effectRef>
+          <a:fontRef idx="minor">
+            <a:schemeClr val="lt1"/>
+          </a:fontRef>
+        </p:style>
+        <p:txBody>
+          <a:bodyPr rtlCol="0" anchor="ctr"/>
+          <a:lstStyle/>
+          <a:p>
+            <a:pPr algn="ctr"/>
+            <a:r>
+              <a:rPr lang="en-US" dirty="0" smtClean="0"/>
+              <a:t>S3</a:t>
+            </a:r>
+            <a:endParaRPr lang="en-US" dirty="0"/>
+          </a:p>
+        </p:txBody>
+      </p:sp>
+      <p:sp>
+        <p:nvSpPr>
+          <p:cNvPr id="8" name="Oval 7"/>
+          <p:cNvSpPr/>
+          <p:nvPr/>
+        </p:nvSpPr>
+        <p:spPr>
+          <a:xfrm>
+            <a:off x="4405745" y="609600"/>
+            <a:ext cx="914400" cy="914400"/>
+          </a:xfrm>
+          <a:prstGeom prst="ellipse">
+            <a:avLst/>
+          </a:prstGeom>
+        </p:spPr>
+        <p:style>
+          <a:lnRef idx="2">
+            <a:schemeClr val="accent6"/>
+          </a:lnRef>
+          <a:fillRef idx="1">
+            <a:schemeClr val="lt1"/>
+          </a:fillRef>
+          <a:effectRef idx="0">
+            <a:schemeClr val="accent6"/>
+          </a:effectRef>
+          <a:fontRef idx="minor">
+            <a:schemeClr val="dk1"/>
+          </a:fontRef>
+        </p:style>
+        <p:txBody>
+          <a:bodyPr rtlCol="0" anchor="ctr"/>
+          <a:lstStyle/>
+          <a:p>
+            <a:pPr algn="ctr"/>
+            <a:r>
+              <a:rPr lang="en-US" dirty="0" smtClean="0"/>
+              <a:t>A1</a:t>
+            </a:r>
+            <a:endParaRPr lang="en-US" dirty="0"/>
+          </a:p>
+        </p:txBody>
+      </p:sp>
+      <p:sp>
+        <p:nvSpPr>
+          <p:cNvPr id="9" name="Oval 8"/>
+          <p:cNvSpPr/>
+          <p:nvPr/>
+        </p:nvSpPr>
+        <p:spPr>
+          <a:xfrm>
+            <a:off x="4461163" y="1849582"/>
+            <a:ext cx="914400" cy="914400"/>
+          </a:xfrm>
+          <a:prstGeom prst="ellipse">
+            <a:avLst/>
+          </a:prstGeom>
+        </p:spPr>
+        <p:style>
+          <a:lnRef idx="2">
+            <a:schemeClr val="accent6"/>
+          </a:lnRef>
+          <a:fillRef idx="1">
+            <a:schemeClr val="lt1"/>
+          </a:fillRef>
+          <a:effectRef idx="0">
+            <a:schemeClr val="accent6"/>
+          </a:effectRef>
+          <a:fontRef idx="minor">
+            <a:schemeClr val="dk1"/>
+          </a:fontRef>
+        </p:style>
+        <p:txBody>
+          <a:bodyPr rtlCol="0" anchor="ctr"/>
+          <a:lstStyle/>
+          <a:p>
+            <a:pPr algn="ctr"/>
+            <a:r>
+              <a:rPr lang="en-US" dirty="0" smtClean="0"/>
+              <a:t>A2</a:t>
+            </a:r>
+            <a:endParaRPr lang="en-US" dirty="0"/>
+          </a:p>
+        </p:txBody>
+      </p:sp>
+      <p:sp>
+        <p:nvSpPr>
+          <p:cNvPr id="10" name="Oval 9"/>
+          <p:cNvSpPr/>
+          <p:nvPr/>
+        </p:nvSpPr>
+        <p:spPr>
+          <a:xfrm>
+            <a:off x="4461163" y="3328555"/>
+            <a:ext cx="914400" cy="914400"/>
+          </a:xfrm>
+          <a:prstGeom prst="ellipse">
+            <a:avLst/>
+          </a:prstGeom>
+        </p:spPr>
+        <p:style>
+          <a:lnRef idx="2">
+            <a:schemeClr val="accent6"/>
+          </a:lnRef>
+          <a:fillRef idx="1">
+            <a:schemeClr val="lt1"/>
+          </a:fillRef>
+          <a:effectRef idx="0">
+            <a:schemeClr val="accent6"/>
+          </a:effectRef>
+          <a:fontRef idx="minor">
+            <a:schemeClr val="dk1"/>
+          </a:fontRef>
+        </p:style>
+        <p:txBody>
+          <a:bodyPr rtlCol="0" anchor="ctr"/>
+          <a:lstStyle/>
+          <a:p>
+            <a:pPr algn="ctr"/>
+            <a:r>
+              <a:rPr lang="en-US" dirty="0" smtClean="0"/>
+              <a:t>A3</a:t>
+            </a:r>
+            <a:endParaRPr lang="en-US" dirty="0"/>
+          </a:p>
+        </p:txBody>
+      </p:sp>
+      <p:sp>
+        <p:nvSpPr>
+          <p:cNvPr id="11" name="Oval 10"/>
+          <p:cNvSpPr/>
+          <p:nvPr/>
+        </p:nvSpPr>
+        <p:spPr>
+          <a:xfrm>
+            <a:off x="4461163" y="4807528"/>
+            <a:ext cx="914400" cy="914400"/>
+          </a:xfrm>
+          <a:prstGeom prst="ellipse">
+            <a:avLst/>
+          </a:prstGeom>
+        </p:spPr>
+        <p:style>
+          <a:lnRef idx="2">
+            <a:schemeClr val="accent6"/>
+          </a:lnRef>
+          <a:fillRef idx="1">
+            <a:schemeClr val="lt1"/>
+          </a:fillRef>
+          <a:effectRef idx="0">
+            <a:schemeClr val="accent6"/>
+          </a:effectRef>
+          <a:fontRef idx="minor">
+            <a:schemeClr val="dk1"/>
+          </a:fontRef>
+        </p:style>
+        <p:txBody>
+          <a:bodyPr rtlCol="0" anchor="ctr"/>
+          <a:lstStyle/>
+          <a:p>
+            <a:pPr algn="ctr"/>
+            <a:r>
+              <a:rPr lang="en-US" dirty="0" smtClean="0"/>
+              <a:t>A4</a:t>
+            </a:r>
+            <a:endParaRPr lang="en-US" dirty="0"/>
+          </a:p>
+        </p:txBody>
+      </p:sp>
+      <p:sp>
+        <p:nvSpPr>
+          <p:cNvPr id="12" name="TextBox 11"/>
+          <p:cNvSpPr txBox="1"/>
+          <p:nvPr/>
+        </p:nvSpPr>
+        <p:spPr>
+          <a:xfrm>
+            <a:off x="678873" y="240268"/>
+            <a:ext cx="2493818" cy="369332"/>
+          </a:xfrm>
+          <a:prstGeom prst="rect">
+            <a:avLst/>
+          </a:prstGeom>
+          <a:noFill/>
+        </p:spPr>
+        <p:txBody>
+          <a:bodyPr wrap="square" rtlCol="0">
+            <a:spAutoFit/>
+          </a:bodyPr>
+          <a:lstStyle/>
+          <a:p>
+            <a:r>
+              <a:rPr lang="en-US" dirty="0" smtClean="0"/>
+              <a:t>Scholarships</a:t>
+            </a:r>
+            <a:endParaRPr lang="en-US" dirty="0"/>
+          </a:p>
+        </p:txBody>
+      </p:sp>
+      <p:sp>
+        <p:nvSpPr>
+          <p:cNvPr id="13" name="TextBox 12"/>
+          <p:cNvSpPr txBox="1"/>
+          <p:nvPr/>
+        </p:nvSpPr>
+        <p:spPr>
+          <a:xfrm>
+            <a:off x="4239491" y="240268"/>
+            <a:ext cx="1551709" cy="369332"/>
+          </a:xfrm>
+          <a:prstGeom prst="rect">
+            <a:avLst/>
+          </a:prstGeom>
+          <a:noFill/>
+        </p:spPr>
+        <p:txBody>
+          <a:bodyPr wrap="square" rtlCol="0">
+            <a:spAutoFit/>
+          </a:bodyPr>
+          <a:lstStyle/>
+          <a:p>
+            <a:r>
+              <a:rPr lang="en-US" dirty="0" smtClean="0"/>
+              <a:t>Applicants</a:t>
+            </a:r>
+          </a:p>
+        </p:txBody>
+      </p:sp>
+      <p:sp>
+        <p:nvSpPr>
+          <p:cNvPr id="14" name="TextBox 13"/>
+          <p:cNvSpPr txBox="1"/>
+          <p:nvPr/>
+        </p:nvSpPr>
+        <p:spPr>
+          <a:xfrm>
+            <a:off x="6525491" y="1066800"/>
+            <a:ext cx="2535382" cy="1200329"/>
+          </a:xfrm>
+          <a:prstGeom prst="rect">
+            <a:avLst/>
+          </a:prstGeom>
+          <a:noFill/>
+        </p:spPr>
+        <p:txBody>
+          <a:bodyPr wrap="square" rtlCol="0">
+            <a:spAutoFit/>
+          </a:bodyPr>
+          <a:lstStyle/>
+          <a:p>
+            <a:r>
+              <a:rPr lang="en-US" dirty="0" smtClean="0"/>
+              <a:t>Algorithm 3:</a:t>
+            </a:r>
+          </a:p>
+          <a:p>
+            <a:r>
+              <a:rPr lang="en-US" dirty="0" smtClean="0"/>
+              <a:t>Merit </a:t>
+            </a:r>
+            <a:r>
+              <a:rPr lang="en-US" dirty="0" smtClean="0"/>
+              <a:t>Only Awarding Can’t Exceed Maximum</a:t>
+            </a:r>
+            <a:endParaRPr lang="en-US" dirty="0"/>
+          </a:p>
+        </p:txBody>
+      </p:sp>
+      <p:cxnSp>
+        <p:nvCxnSpPr>
+          <p:cNvPr id="3" name="Straight Connector 2"/>
+          <p:cNvCxnSpPr>
+            <a:stCxn id="4" idx="6"/>
+            <a:endCxn id="8" idx="2"/>
+          </p:cNvCxnSpPr>
+          <p:nvPr/>
+        </p:nvCxnSpPr>
+        <p:spPr>
+          <a:xfrm>
+            <a:off x="1745673" y="1066800"/>
+            <a:ext cx="2660072" cy="0"/>
+          </a:xfrm>
+          <a:prstGeom prst="line">
+            <a:avLst/>
+          </a:prstGeom>
+          <a:ln w="9525" cap="flat" cmpd="sng" algn="ctr">
+            <a:solidFill>
+              <a:schemeClr val="dk1"/>
+            </a:solidFill>
+            <a:prstDash val="solid"/>
+            <a:round/>
+            <a:headEnd type="arrow" w="med" len="med"/>
+            <a:tailEnd type="arrow" w="med" len="med"/>
+          </a:ln>
+        </p:spPr>
+        <p:style>
+          <a:lnRef idx="0">
+            <a:scrgbClr r="0" g="0" b="0"/>
+          </a:lnRef>
+          <a:fillRef idx="0">
+            <a:scrgbClr r="0" g="0" b="0"/>
+          </a:fillRef>
+          <a:effectRef idx="0">
+            <a:scrgbClr r="0" g="0" b="0"/>
+          </a:effectRef>
+          <a:fontRef idx="minor">
+            <a:schemeClr val="tx1"/>
+          </a:fontRef>
+        </p:style>
+      </p:cxnSp>
+      <p:cxnSp>
+        <p:nvCxnSpPr>
+          <p:cNvPr id="17" name="Straight Connector 16"/>
+          <p:cNvCxnSpPr>
+            <a:stCxn id="4" idx="5"/>
+            <a:endCxn id="9" idx="2"/>
+          </p:cNvCxnSpPr>
+          <p:nvPr/>
+        </p:nvCxnSpPr>
+        <p:spPr>
+          <a:xfrm>
+            <a:off x="1611762" y="1390089"/>
+            <a:ext cx="2849401" cy="916693"/>
+          </a:xfrm>
+          <a:prstGeom prst="line">
+            <a:avLst/>
+          </a:prstGeom>
+        </p:spPr>
+        <p:style>
+          <a:lnRef idx="1">
+            <a:schemeClr val="accent1"/>
+          </a:lnRef>
+          <a:fillRef idx="0">
+            <a:schemeClr val="accent1"/>
+          </a:fillRef>
+          <a:effectRef idx="0">
+            <a:schemeClr val="accent1"/>
+          </a:effectRef>
+          <a:fontRef idx="minor">
+            <a:schemeClr val="tx1"/>
+          </a:fontRef>
+        </p:style>
+      </p:cxnSp>
+      <p:cxnSp>
+        <p:nvCxnSpPr>
+          <p:cNvPr id="20" name="Straight Connector 19"/>
+          <p:cNvCxnSpPr>
+            <a:endCxn id="11" idx="1"/>
+          </p:cNvCxnSpPr>
+          <p:nvPr/>
+        </p:nvCxnSpPr>
+        <p:spPr>
+          <a:xfrm>
+            <a:off x="1353137" y="1446654"/>
+            <a:ext cx="3241937" cy="3494785"/>
+          </a:xfrm>
+          <a:prstGeom prst="line">
+            <a:avLst/>
+          </a:prstGeom>
+        </p:spPr>
+        <p:style>
+          <a:lnRef idx="1">
+            <a:schemeClr val="accent1"/>
+          </a:lnRef>
+          <a:fillRef idx="0">
+            <a:schemeClr val="accent1"/>
+          </a:fillRef>
+          <a:effectRef idx="0">
+            <a:schemeClr val="accent1"/>
+          </a:effectRef>
+          <a:fontRef idx="minor">
+            <a:schemeClr val="tx1"/>
+          </a:fontRef>
+        </p:style>
+      </p:cxnSp>
+      <p:cxnSp>
+        <p:nvCxnSpPr>
+          <p:cNvPr id="21" name="Straight Connector 20"/>
+          <p:cNvCxnSpPr>
+            <a:endCxn id="10" idx="1"/>
+          </p:cNvCxnSpPr>
+          <p:nvPr/>
+        </p:nvCxnSpPr>
+        <p:spPr>
+          <a:xfrm>
+            <a:off x="1678718" y="2478817"/>
+            <a:ext cx="2916356" cy="983649"/>
+          </a:xfrm>
+          <a:prstGeom prst="line">
+            <a:avLst/>
+          </a:prstGeom>
+          <a:ln w="9525" cap="flat" cmpd="sng" algn="ctr">
+            <a:solidFill>
+              <a:schemeClr val="dk1"/>
+            </a:solidFill>
+            <a:prstDash val="solid"/>
+            <a:round/>
+            <a:headEnd type="arrow" w="med" len="med"/>
+            <a:tailEnd type="arrow" w="med" len="med"/>
+          </a:ln>
+        </p:spPr>
+        <p:style>
+          <a:lnRef idx="0">
+            <a:scrgbClr r="0" g="0" b="0"/>
+          </a:lnRef>
+          <a:fillRef idx="0">
+            <a:scrgbClr r="0" g="0" b="0"/>
+          </a:fillRef>
+          <a:effectRef idx="0">
+            <a:scrgbClr r="0" g="0" b="0"/>
+          </a:effectRef>
+          <a:fontRef idx="minor">
+            <a:schemeClr val="tx1"/>
+          </a:fontRef>
+        </p:style>
+      </p:cxnSp>
+      <p:cxnSp>
+        <p:nvCxnSpPr>
+          <p:cNvPr id="26" name="Straight Connector 25"/>
+          <p:cNvCxnSpPr>
+            <a:stCxn id="6" idx="6"/>
+            <a:endCxn id="9" idx="2"/>
+          </p:cNvCxnSpPr>
+          <p:nvPr/>
+        </p:nvCxnSpPr>
+        <p:spPr>
+          <a:xfrm flipV="1">
+            <a:off x="1745673" y="2306782"/>
+            <a:ext cx="2715490" cy="1849582"/>
+          </a:xfrm>
+          <a:prstGeom prst="line">
+            <a:avLst/>
+          </a:prstGeom>
+        </p:spPr>
+        <p:style>
+          <a:lnRef idx="1">
+            <a:schemeClr val="accent1"/>
+          </a:lnRef>
+          <a:fillRef idx="0">
+            <a:schemeClr val="accent1"/>
+          </a:fillRef>
+          <a:effectRef idx="0">
+            <a:schemeClr val="accent1"/>
+          </a:effectRef>
+          <a:fontRef idx="minor">
+            <a:schemeClr val="tx1"/>
+          </a:fontRef>
+        </p:style>
+      </p:cxnSp>
+      <p:cxnSp>
+        <p:nvCxnSpPr>
+          <p:cNvPr id="30" name="Straight Connector 29"/>
+          <p:cNvCxnSpPr>
+            <a:stCxn id="10" idx="2"/>
+            <a:endCxn id="6" idx="6"/>
+          </p:cNvCxnSpPr>
+          <p:nvPr/>
+        </p:nvCxnSpPr>
+        <p:spPr>
+          <a:xfrm flipH="1">
+            <a:off x="1745673" y="3785755"/>
+            <a:ext cx="2715490" cy="370609"/>
+          </a:xfrm>
+          <a:prstGeom prst="line">
+            <a:avLst/>
+          </a:prstGeom>
+        </p:spPr>
+        <p:style>
+          <a:lnRef idx="1">
+            <a:schemeClr val="accent1"/>
+          </a:lnRef>
+          <a:fillRef idx="0">
+            <a:schemeClr val="accent1"/>
+          </a:fillRef>
+          <a:effectRef idx="0">
+            <a:schemeClr val="accent1"/>
+          </a:effectRef>
+          <a:fontRef idx="minor">
+            <a:schemeClr val="tx1"/>
+          </a:fontRef>
+        </p:style>
+      </p:cxnSp>
+      <p:cxnSp>
+        <p:nvCxnSpPr>
+          <p:cNvPr id="32" name="Straight Connector 31"/>
+          <p:cNvCxnSpPr>
+            <a:stCxn id="8" idx="3"/>
+            <a:endCxn id="6" idx="7"/>
+          </p:cNvCxnSpPr>
+          <p:nvPr/>
+        </p:nvCxnSpPr>
+        <p:spPr>
+          <a:xfrm flipH="1">
+            <a:off x="1611762" y="1390089"/>
+            <a:ext cx="2927894" cy="2442986"/>
+          </a:xfrm>
+          <a:prstGeom prst="line">
+            <a:avLst/>
+          </a:prstGeom>
+          <a:ln w="9525" cap="flat" cmpd="sng" algn="ctr">
+            <a:solidFill>
+              <a:schemeClr val="dk1"/>
+            </a:solidFill>
+            <a:prstDash val="solid"/>
+            <a:round/>
+            <a:headEnd type="arrow" w="med" len="med"/>
+            <a:tailEnd type="arrow" w="med" len="med"/>
+          </a:ln>
+        </p:spPr>
+        <p:style>
+          <a:lnRef idx="0">
+            <a:scrgbClr r="0" g="0" b="0"/>
+          </a:lnRef>
+          <a:fillRef idx="0">
+            <a:scrgbClr r="0" g="0" b="0"/>
+          </a:fillRef>
+          <a:effectRef idx="0">
+            <a:scrgbClr r="0" g="0" b="0"/>
+          </a:effectRef>
+          <a:fontRef idx="minor">
+            <a:schemeClr val="tx1"/>
+          </a:fontRef>
+        </p:style>
+      </p:cxnSp>
+      <p:cxnSp>
+        <p:nvCxnSpPr>
+          <p:cNvPr id="34" name="Straight Connector 33"/>
+          <p:cNvCxnSpPr>
+            <a:stCxn id="11" idx="2"/>
+            <a:endCxn id="6" idx="5"/>
+          </p:cNvCxnSpPr>
+          <p:nvPr/>
+        </p:nvCxnSpPr>
+        <p:spPr>
+          <a:xfrm flipH="1" flipV="1">
+            <a:off x="1611762" y="4479653"/>
+            <a:ext cx="2849401" cy="785075"/>
+          </a:xfrm>
+          <a:prstGeom prst="line">
+            <a:avLst/>
+          </a:prstGeom>
+        </p:spPr>
+        <p:style>
+          <a:lnRef idx="1">
+            <a:schemeClr val="accent1"/>
+          </a:lnRef>
+          <a:fillRef idx="0">
+            <a:schemeClr val="accent1"/>
+          </a:fillRef>
+          <a:effectRef idx="0">
+            <a:schemeClr val="accent1"/>
+          </a:effectRef>
+          <a:fontRef idx="minor">
+            <a:schemeClr val="tx1"/>
+          </a:fontRef>
+        </p:style>
+      </p:cxnSp>
+      <p:cxnSp>
+        <p:nvCxnSpPr>
+          <p:cNvPr id="37" name="Straight Connector 36"/>
+          <p:cNvCxnSpPr/>
+          <p:nvPr/>
+        </p:nvCxnSpPr>
+        <p:spPr>
+          <a:xfrm flipV="1">
+            <a:off x="1767613" y="1163782"/>
+            <a:ext cx="2660072" cy="1544782"/>
+          </a:xfrm>
+          <a:prstGeom prst="line">
+            <a:avLst/>
+          </a:prstGeom>
+        </p:spPr>
+        <p:style>
+          <a:lnRef idx="1">
+            <a:schemeClr val="accent1"/>
+          </a:lnRef>
+          <a:fillRef idx="0">
+            <a:schemeClr val="accent1"/>
+          </a:fillRef>
+          <a:effectRef idx="0">
+            <a:schemeClr val="accent1"/>
+          </a:effectRef>
+          <a:fontRef idx="minor">
+            <a:schemeClr val="tx1"/>
+          </a:fontRef>
+        </p:style>
+      </p:cxnSp>
+      <p:sp>
+        <p:nvSpPr>
+          <p:cNvPr id="2" name="TextBox 1"/>
+          <p:cNvSpPr txBox="1"/>
+          <p:nvPr/>
+        </p:nvSpPr>
+        <p:spPr>
+          <a:xfrm>
+            <a:off x="27710" y="872838"/>
+            <a:ext cx="831273" cy="369332"/>
+          </a:xfrm>
+          <a:prstGeom prst="rect">
+            <a:avLst/>
+          </a:prstGeom>
+          <a:noFill/>
+        </p:spPr>
+        <p:txBody>
+          <a:bodyPr wrap="square" rtlCol="0">
+            <a:spAutoFit/>
+          </a:bodyPr>
+          <a:lstStyle/>
+          <a:p>
+            <a:r>
+              <a:rPr lang="en-US" dirty="0" smtClean="0"/>
+              <a:t>1000</a:t>
+            </a:r>
+            <a:endParaRPr lang="en-US" dirty="0"/>
+          </a:p>
+        </p:txBody>
+      </p:sp>
+      <p:sp>
+        <p:nvSpPr>
+          <p:cNvPr id="7" name="TextBox 6"/>
+          <p:cNvSpPr txBox="1"/>
+          <p:nvPr/>
+        </p:nvSpPr>
+        <p:spPr>
+          <a:xfrm>
+            <a:off x="166254" y="2478817"/>
+            <a:ext cx="637309" cy="369332"/>
+          </a:xfrm>
+          <a:prstGeom prst="rect">
+            <a:avLst/>
+          </a:prstGeom>
+          <a:noFill/>
+        </p:spPr>
+        <p:txBody>
+          <a:bodyPr wrap="square" rtlCol="0">
+            <a:spAutoFit/>
+          </a:bodyPr>
+          <a:lstStyle/>
+          <a:p>
+            <a:r>
+              <a:rPr lang="en-US" dirty="0" smtClean="0"/>
+              <a:t>750</a:t>
+            </a:r>
+            <a:endParaRPr lang="en-US" dirty="0"/>
+          </a:p>
+        </p:txBody>
+      </p:sp>
+      <p:sp>
+        <p:nvSpPr>
+          <p:cNvPr id="15" name="TextBox 14"/>
+          <p:cNvSpPr txBox="1"/>
+          <p:nvPr/>
+        </p:nvSpPr>
+        <p:spPr>
+          <a:xfrm>
+            <a:off x="207818" y="4059382"/>
+            <a:ext cx="568037" cy="369332"/>
+          </a:xfrm>
+          <a:prstGeom prst="rect">
+            <a:avLst/>
+          </a:prstGeom>
+          <a:noFill/>
+        </p:spPr>
+        <p:txBody>
+          <a:bodyPr wrap="square" rtlCol="0">
+            <a:spAutoFit/>
+          </a:bodyPr>
+          <a:lstStyle/>
+          <a:p>
+            <a:r>
+              <a:rPr lang="en-US" dirty="0" smtClean="0"/>
+              <a:t>500</a:t>
+            </a:r>
+            <a:endParaRPr lang="en-US" dirty="0"/>
+          </a:p>
+        </p:txBody>
+      </p:sp>
+      <p:sp>
+        <p:nvSpPr>
+          <p:cNvPr id="16" name="TextBox 15"/>
+          <p:cNvSpPr txBox="1"/>
+          <p:nvPr/>
+        </p:nvSpPr>
+        <p:spPr>
+          <a:xfrm>
+            <a:off x="6525490" y="2306782"/>
+            <a:ext cx="2867891" cy="2585323"/>
+          </a:xfrm>
+          <a:prstGeom prst="rect">
+            <a:avLst/>
+          </a:prstGeom>
+          <a:noFill/>
+        </p:spPr>
+        <p:txBody>
+          <a:bodyPr wrap="square" rtlCol="0">
+            <a:spAutoFit/>
+          </a:bodyPr>
+          <a:lstStyle/>
+          <a:p>
+            <a:r>
+              <a:rPr lang="en-US" dirty="0" smtClean="0"/>
+              <a:t>In this graph, A1 would can’t win S2 because it would bring them over the maximum award. However, they are not disqualified and then able to win S3.</a:t>
+            </a:r>
+          </a:p>
+          <a:p>
+            <a:r>
+              <a:rPr lang="en-US" dirty="0" smtClean="0"/>
+              <a:t>Note than A2 wins nothing while A3 wins 750.</a:t>
+            </a:r>
+            <a:endParaRPr lang="en-US" dirty="0"/>
+          </a:p>
+        </p:txBody>
+      </p:sp>
+      <p:sp>
+        <p:nvSpPr>
+          <p:cNvPr id="18" name="TextBox 17"/>
+          <p:cNvSpPr txBox="1"/>
+          <p:nvPr/>
+        </p:nvSpPr>
+        <p:spPr>
+          <a:xfrm>
+            <a:off x="2382982" y="124691"/>
+            <a:ext cx="1496291" cy="646331"/>
+          </a:xfrm>
+          <a:prstGeom prst="rect">
+            <a:avLst/>
+          </a:prstGeom>
+          <a:noFill/>
+        </p:spPr>
+        <p:txBody>
+          <a:bodyPr wrap="square" rtlCol="0">
+            <a:spAutoFit/>
+          </a:bodyPr>
+          <a:lstStyle/>
+          <a:p>
+            <a:r>
+              <a:rPr lang="en-US" dirty="0" smtClean="0"/>
+              <a:t>Maximum </a:t>
+            </a:r>
+          </a:p>
+          <a:p>
+            <a:r>
+              <a:rPr lang="en-US" dirty="0" smtClean="0"/>
+              <a:t>Award =1500</a:t>
+            </a:r>
+            <a:endParaRPr lang="en-US" dirty="0"/>
+          </a:p>
+        </p:txBody>
+      </p:sp>
+      <p:sp>
+        <p:nvSpPr>
+          <p:cNvPr id="19" name="TextBox 18"/>
+          <p:cNvSpPr txBox="1"/>
+          <p:nvPr/>
+        </p:nvSpPr>
+        <p:spPr>
+          <a:xfrm>
+            <a:off x="5375563" y="872838"/>
+            <a:ext cx="1011382" cy="369332"/>
+          </a:xfrm>
+          <a:prstGeom prst="rect">
+            <a:avLst/>
+          </a:prstGeom>
+          <a:noFill/>
+        </p:spPr>
+        <p:txBody>
+          <a:bodyPr wrap="square" rtlCol="0">
+            <a:spAutoFit/>
+          </a:bodyPr>
+          <a:lstStyle/>
+          <a:p>
+            <a:r>
+              <a:rPr lang="en-US" dirty="0" smtClean="0"/>
+              <a:t>1500</a:t>
+            </a:r>
+            <a:endParaRPr lang="en-US" dirty="0"/>
+          </a:p>
+        </p:txBody>
+      </p:sp>
+      <p:sp>
+        <p:nvSpPr>
+          <p:cNvPr id="22" name="TextBox 21"/>
+          <p:cNvSpPr txBox="1"/>
+          <p:nvPr/>
+        </p:nvSpPr>
+        <p:spPr>
+          <a:xfrm>
+            <a:off x="5479473" y="3539943"/>
+            <a:ext cx="623454" cy="369332"/>
+          </a:xfrm>
+          <a:prstGeom prst="rect">
+            <a:avLst/>
+          </a:prstGeom>
+          <a:noFill/>
+        </p:spPr>
+        <p:txBody>
+          <a:bodyPr wrap="square" rtlCol="0">
+            <a:spAutoFit/>
+          </a:bodyPr>
+          <a:lstStyle/>
+          <a:p>
+            <a:r>
+              <a:rPr lang="en-US" dirty="0" smtClean="0"/>
+              <a:t>750</a:t>
             </a:r>
             <a:endParaRPr lang="en-US" dirty="0"/>
           </a:p>
@@ -5973,7 +6828,7 @@
     </p:spTree>
     <p:extLst>
       <p:ext uri="{BB962C8B-B14F-4D97-AF65-F5344CB8AC3E}">
-        <p14:creationId xmlns:p14="http://schemas.microsoft.com/office/powerpoint/2010/main" val="3210139513"/>
+        <p14:creationId xmlns:p14="http://schemas.microsoft.com/office/powerpoint/2010/main" val="4291133437"/>
       </p:ext>
     </p:extLst>
   </p:cSld>
@@ -6009,989 +6864,85 @@
       </p:grpSpPr>
       <p:sp>
         <p:nvSpPr>
-          <p:cNvPr id="4" name="Oval 3"/>
-          <p:cNvSpPr/>
-          <p:nvPr/>
-        </p:nvSpPr>
-        <p:spPr>
-          <a:xfrm>
-            <a:off x="831273" y="609600"/>
-            <a:ext cx="914400" cy="914400"/>
-          </a:xfrm>
-          <a:prstGeom prst="ellipse">
-            <a:avLst/>
-          </a:prstGeom>
-        </p:spPr>
-        <p:style>
-          <a:lnRef idx="2">
-            <a:schemeClr val="accent1">
-              <a:shade val="50000"/>
-            </a:schemeClr>
-          </a:lnRef>
-          <a:fillRef idx="1">
-            <a:schemeClr val="accent1"/>
-          </a:fillRef>
-          <a:effectRef idx="0">
-            <a:schemeClr val="accent1"/>
-          </a:effectRef>
-          <a:fontRef idx="minor">
-            <a:schemeClr val="lt1"/>
-          </a:fontRef>
-        </p:style>
-        <p:txBody>
-          <a:bodyPr rtlCol="0" anchor="ctr"/>
-          <a:lstStyle/>
-          <a:p>
-            <a:pPr algn="ctr"/>
-            <a:r>
-              <a:rPr lang="en-US" dirty="0" smtClean="0"/>
-              <a:t>S1</a:t>
-            </a:r>
-            <a:endParaRPr lang="en-US" dirty="0"/>
-          </a:p>
-        </p:txBody>
-      </p:sp>
-      <p:sp>
-        <p:nvSpPr>
-          <p:cNvPr id="5" name="Oval 4"/>
-          <p:cNvSpPr/>
-          <p:nvPr/>
-        </p:nvSpPr>
-        <p:spPr>
-          <a:xfrm>
-            <a:off x="831273" y="2154382"/>
-            <a:ext cx="914400" cy="914400"/>
-          </a:xfrm>
-          <a:prstGeom prst="ellipse">
-            <a:avLst/>
-          </a:prstGeom>
-        </p:spPr>
-        <p:style>
-          <a:lnRef idx="2">
-            <a:schemeClr val="accent1">
-              <a:shade val="50000"/>
-            </a:schemeClr>
-          </a:lnRef>
-          <a:fillRef idx="1">
-            <a:schemeClr val="accent1"/>
-          </a:fillRef>
-          <a:effectRef idx="0">
-            <a:schemeClr val="accent1"/>
-          </a:effectRef>
-          <a:fontRef idx="minor">
-            <a:schemeClr val="lt1"/>
-          </a:fontRef>
-        </p:style>
-        <p:txBody>
-          <a:bodyPr rtlCol="0" anchor="ctr"/>
-          <a:lstStyle/>
-          <a:p>
-            <a:pPr algn="ctr"/>
-            <a:r>
-              <a:rPr lang="en-US" dirty="0" smtClean="0"/>
-              <a:t>S2</a:t>
-            </a:r>
-            <a:endParaRPr lang="en-US" dirty="0"/>
-          </a:p>
-        </p:txBody>
-      </p:sp>
-      <p:sp>
-        <p:nvSpPr>
-          <p:cNvPr id="6" name="Oval 5"/>
-          <p:cNvSpPr/>
-          <p:nvPr/>
-        </p:nvSpPr>
-        <p:spPr>
-          <a:xfrm>
-            <a:off x="831273" y="3699164"/>
-            <a:ext cx="914400" cy="914400"/>
-          </a:xfrm>
-          <a:prstGeom prst="ellipse">
-            <a:avLst/>
-          </a:prstGeom>
-        </p:spPr>
-        <p:style>
-          <a:lnRef idx="2">
-            <a:schemeClr val="accent1">
-              <a:shade val="50000"/>
-            </a:schemeClr>
-          </a:lnRef>
-          <a:fillRef idx="1">
-            <a:schemeClr val="accent1"/>
-          </a:fillRef>
-          <a:effectRef idx="0">
-            <a:schemeClr val="accent1"/>
-          </a:effectRef>
-          <a:fontRef idx="minor">
-            <a:schemeClr val="lt1"/>
-          </a:fontRef>
-        </p:style>
-        <p:txBody>
-          <a:bodyPr rtlCol="0" anchor="ctr"/>
-          <a:lstStyle/>
-          <a:p>
-            <a:pPr algn="ctr"/>
-            <a:r>
-              <a:rPr lang="en-US" dirty="0" smtClean="0"/>
-              <a:t>S3</a:t>
-            </a:r>
-            <a:endParaRPr lang="en-US" dirty="0"/>
-          </a:p>
-        </p:txBody>
-      </p:sp>
-      <p:sp>
-        <p:nvSpPr>
-          <p:cNvPr id="8" name="Oval 7"/>
-          <p:cNvSpPr/>
-          <p:nvPr/>
-        </p:nvSpPr>
-        <p:spPr>
-          <a:xfrm>
-            <a:off x="4405745" y="609600"/>
-            <a:ext cx="914400" cy="914400"/>
-          </a:xfrm>
-          <a:prstGeom prst="ellipse">
-            <a:avLst/>
-          </a:prstGeom>
-        </p:spPr>
-        <p:style>
-          <a:lnRef idx="2">
-            <a:schemeClr val="accent6"/>
-          </a:lnRef>
-          <a:fillRef idx="1">
-            <a:schemeClr val="lt1"/>
-          </a:fillRef>
-          <a:effectRef idx="0">
-            <a:schemeClr val="accent6"/>
-          </a:effectRef>
-          <a:fontRef idx="minor">
-            <a:schemeClr val="dk1"/>
-          </a:fontRef>
-        </p:style>
-        <p:txBody>
-          <a:bodyPr rtlCol="0" anchor="ctr"/>
-          <a:lstStyle/>
-          <a:p>
-            <a:pPr algn="ctr"/>
-            <a:r>
-              <a:rPr lang="en-US" dirty="0" smtClean="0"/>
-              <a:t>A1</a:t>
-            </a:r>
-            <a:endParaRPr lang="en-US" dirty="0"/>
-          </a:p>
-        </p:txBody>
-      </p:sp>
-      <p:sp>
-        <p:nvSpPr>
-          <p:cNvPr id="9" name="Oval 8"/>
-          <p:cNvSpPr/>
-          <p:nvPr/>
-        </p:nvSpPr>
-        <p:spPr>
-          <a:xfrm>
-            <a:off x="4461163" y="1849582"/>
-            <a:ext cx="914400" cy="914400"/>
-          </a:xfrm>
-          <a:prstGeom prst="ellipse">
-            <a:avLst/>
-          </a:prstGeom>
-        </p:spPr>
-        <p:style>
-          <a:lnRef idx="2">
-            <a:schemeClr val="accent6"/>
-          </a:lnRef>
-          <a:fillRef idx="1">
-            <a:schemeClr val="lt1"/>
-          </a:fillRef>
-          <a:effectRef idx="0">
-            <a:schemeClr val="accent6"/>
-          </a:effectRef>
-          <a:fontRef idx="minor">
-            <a:schemeClr val="dk1"/>
-          </a:fontRef>
-        </p:style>
-        <p:txBody>
-          <a:bodyPr rtlCol="0" anchor="ctr"/>
-          <a:lstStyle/>
-          <a:p>
-            <a:pPr algn="ctr"/>
-            <a:r>
-              <a:rPr lang="en-US" dirty="0" smtClean="0"/>
-              <a:t>A2</a:t>
-            </a:r>
-            <a:endParaRPr lang="en-US" dirty="0"/>
-          </a:p>
-        </p:txBody>
-      </p:sp>
-      <p:sp>
-        <p:nvSpPr>
-          <p:cNvPr id="10" name="Oval 9"/>
-          <p:cNvSpPr/>
-          <p:nvPr/>
-        </p:nvSpPr>
-        <p:spPr>
-          <a:xfrm>
-            <a:off x="4461163" y="3328555"/>
-            <a:ext cx="914400" cy="914400"/>
-          </a:xfrm>
-          <a:prstGeom prst="ellipse">
-            <a:avLst/>
-          </a:prstGeom>
-        </p:spPr>
-        <p:style>
-          <a:lnRef idx="2">
-            <a:schemeClr val="accent6"/>
-          </a:lnRef>
-          <a:fillRef idx="1">
-            <a:schemeClr val="lt1"/>
-          </a:fillRef>
-          <a:effectRef idx="0">
-            <a:schemeClr val="accent6"/>
-          </a:effectRef>
-          <a:fontRef idx="minor">
-            <a:schemeClr val="dk1"/>
-          </a:fontRef>
-        </p:style>
-        <p:txBody>
-          <a:bodyPr rtlCol="0" anchor="ctr"/>
-          <a:lstStyle/>
-          <a:p>
-            <a:pPr algn="ctr"/>
-            <a:r>
-              <a:rPr lang="en-US" dirty="0" smtClean="0"/>
-              <a:t>A3</a:t>
-            </a:r>
-            <a:endParaRPr lang="en-US" dirty="0"/>
-          </a:p>
-        </p:txBody>
-      </p:sp>
-      <p:sp>
-        <p:nvSpPr>
-          <p:cNvPr id="11" name="Oval 10"/>
-          <p:cNvSpPr/>
-          <p:nvPr/>
-        </p:nvSpPr>
-        <p:spPr>
-          <a:xfrm>
-            <a:off x="4461163" y="4807528"/>
-            <a:ext cx="914400" cy="914400"/>
-          </a:xfrm>
-          <a:prstGeom prst="ellipse">
-            <a:avLst/>
-          </a:prstGeom>
-        </p:spPr>
-        <p:style>
-          <a:lnRef idx="2">
-            <a:schemeClr val="accent6"/>
-          </a:lnRef>
-          <a:fillRef idx="1">
-            <a:schemeClr val="lt1"/>
-          </a:fillRef>
-          <a:effectRef idx="0">
-            <a:schemeClr val="accent6"/>
-          </a:effectRef>
-          <a:fontRef idx="minor">
-            <a:schemeClr val="dk1"/>
-          </a:fontRef>
-        </p:style>
-        <p:txBody>
-          <a:bodyPr rtlCol="0" anchor="ctr"/>
-          <a:lstStyle/>
-          <a:p>
-            <a:pPr algn="ctr"/>
-            <a:r>
-              <a:rPr lang="en-US" dirty="0" smtClean="0"/>
-              <a:t>A4</a:t>
-            </a:r>
-            <a:endParaRPr lang="en-US" dirty="0"/>
-          </a:p>
-        </p:txBody>
-      </p:sp>
-      <p:sp>
-        <p:nvSpPr>
-          <p:cNvPr id="12" name="TextBox 11"/>
-          <p:cNvSpPr txBox="1"/>
-          <p:nvPr/>
-        </p:nvSpPr>
-        <p:spPr>
-          <a:xfrm>
-            <a:off x="678873" y="240268"/>
-            <a:ext cx="2493818" cy="369332"/>
-          </a:xfrm>
-          <a:prstGeom prst="rect">
-            <a:avLst/>
-          </a:prstGeom>
-          <a:noFill/>
-        </p:spPr>
-        <p:txBody>
-          <a:bodyPr wrap="square" rtlCol="0">
-            <a:spAutoFit/>
-          </a:bodyPr>
-          <a:lstStyle/>
-          <a:p>
-            <a:r>
-              <a:rPr lang="en-US" dirty="0" smtClean="0"/>
-              <a:t>Scholarships</a:t>
-            </a:r>
-            <a:endParaRPr lang="en-US" dirty="0"/>
-          </a:p>
-        </p:txBody>
-      </p:sp>
-      <p:sp>
-        <p:nvSpPr>
-          <p:cNvPr id="13" name="TextBox 12"/>
-          <p:cNvSpPr txBox="1"/>
-          <p:nvPr/>
-        </p:nvSpPr>
-        <p:spPr>
-          <a:xfrm>
-            <a:off x="4239491" y="240268"/>
-            <a:ext cx="1551709" cy="369332"/>
-          </a:xfrm>
-          <a:prstGeom prst="rect">
-            <a:avLst/>
-          </a:prstGeom>
-          <a:noFill/>
-        </p:spPr>
-        <p:txBody>
-          <a:bodyPr wrap="square" rtlCol="0">
-            <a:spAutoFit/>
-          </a:bodyPr>
-          <a:lstStyle/>
-          <a:p>
-            <a:r>
-              <a:rPr lang="en-US" dirty="0" smtClean="0"/>
-              <a:t>Applicants</a:t>
-            </a:r>
-          </a:p>
-        </p:txBody>
-      </p:sp>
-      <p:sp>
-        <p:nvSpPr>
-          <p:cNvPr id="14" name="TextBox 13"/>
-          <p:cNvSpPr txBox="1"/>
-          <p:nvPr/>
-        </p:nvSpPr>
-        <p:spPr>
-          <a:xfrm>
-            <a:off x="6525491" y="1066800"/>
-            <a:ext cx="2535382" cy="646331"/>
-          </a:xfrm>
-          <a:prstGeom prst="rect">
-            <a:avLst/>
-          </a:prstGeom>
-          <a:noFill/>
-        </p:spPr>
-        <p:txBody>
-          <a:bodyPr wrap="square" rtlCol="0">
-            <a:spAutoFit/>
-          </a:bodyPr>
-          <a:lstStyle/>
-          <a:p>
-            <a:r>
-              <a:rPr lang="en-US" dirty="0" smtClean="0"/>
-              <a:t>Maximum One Award Per Applicant</a:t>
-            </a:r>
-            <a:endParaRPr lang="en-US" dirty="0"/>
-          </a:p>
-        </p:txBody>
-      </p:sp>
-      <p:cxnSp>
-        <p:nvCxnSpPr>
-          <p:cNvPr id="3" name="Straight Connector 2"/>
-          <p:cNvCxnSpPr>
-            <a:stCxn id="4" idx="6"/>
-            <a:endCxn id="8" idx="2"/>
-          </p:cNvCxnSpPr>
-          <p:nvPr/>
-        </p:nvCxnSpPr>
-        <p:spPr>
-          <a:xfrm>
-            <a:off x="1745673" y="1066800"/>
-            <a:ext cx="2660072" cy="0"/>
-          </a:xfrm>
-          <a:prstGeom prst="line">
-            <a:avLst/>
-          </a:prstGeom>
-          <a:ln w="9525" cap="flat" cmpd="sng" algn="ctr">
-            <a:solidFill>
-              <a:schemeClr val="dk1"/>
-            </a:solidFill>
-            <a:prstDash val="solid"/>
-            <a:round/>
-            <a:headEnd type="arrow" w="med" len="med"/>
-            <a:tailEnd type="arrow" w="med" len="med"/>
-          </a:ln>
-        </p:spPr>
-        <p:style>
-          <a:lnRef idx="0">
-            <a:scrgbClr r="0" g="0" b="0"/>
-          </a:lnRef>
-          <a:fillRef idx="0">
-            <a:scrgbClr r="0" g="0" b="0"/>
-          </a:fillRef>
-          <a:effectRef idx="0">
-            <a:scrgbClr r="0" g="0" b="0"/>
-          </a:effectRef>
-          <a:fontRef idx="minor">
-            <a:schemeClr val="tx1"/>
-          </a:fontRef>
-        </p:style>
-      </p:cxnSp>
-      <p:cxnSp>
-        <p:nvCxnSpPr>
-          <p:cNvPr id="17" name="Straight Connector 16"/>
-          <p:cNvCxnSpPr>
-            <a:stCxn id="4" idx="5"/>
-            <a:endCxn id="9" idx="2"/>
-          </p:cNvCxnSpPr>
-          <p:nvPr/>
-        </p:nvCxnSpPr>
-        <p:spPr>
-          <a:xfrm>
-            <a:off x="1611762" y="1390089"/>
-            <a:ext cx="2849401" cy="916693"/>
-          </a:xfrm>
-          <a:prstGeom prst="line">
-            <a:avLst/>
-          </a:prstGeom>
-        </p:spPr>
-        <p:style>
-          <a:lnRef idx="1">
-            <a:schemeClr val="accent1"/>
-          </a:lnRef>
-          <a:fillRef idx="0">
-            <a:schemeClr val="accent1"/>
-          </a:fillRef>
-          <a:effectRef idx="0">
-            <a:schemeClr val="accent1"/>
-          </a:effectRef>
-          <a:fontRef idx="minor">
-            <a:schemeClr val="tx1"/>
-          </a:fontRef>
-        </p:style>
-      </p:cxnSp>
-      <p:cxnSp>
-        <p:nvCxnSpPr>
-          <p:cNvPr id="20" name="Straight Connector 19"/>
-          <p:cNvCxnSpPr>
-            <a:endCxn id="11" idx="1"/>
-          </p:cNvCxnSpPr>
-          <p:nvPr/>
-        </p:nvCxnSpPr>
-        <p:spPr>
-          <a:xfrm>
-            <a:off x="1353137" y="1446654"/>
-            <a:ext cx="3241937" cy="3494785"/>
-          </a:xfrm>
-          <a:prstGeom prst="line">
-            <a:avLst/>
-          </a:prstGeom>
-        </p:spPr>
-        <p:style>
-          <a:lnRef idx="1">
-            <a:schemeClr val="accent1"/>
-          </a:lnRef>
-          <a:fillRef idx="0">
-            <a:schemeClr val="accent1"/>
-          </a:fillRef>
-          <a:effectRef idx="0">
-            <a:schemeClr val="accent1"/>
-          </a:effectRef>
-          <a:fontRef idx="minor">
-            <a:schemeClr val="tx1"/>
-          </a:fontRef>
-        </p:style>
-      </p:cxnSp>
-      <p:cxnSp>
-        <p:nvCxnSpPr>
-          <p:cNvPr id="21" name="Straight Connector 20"/>
-          <p:cNvCxnSpPr>
-            <a:endCxn id="10" idx="1"/>
-          </p:cNvCxnSpPr>
-          <p:nvPr/>
-        </p:nvCxnSpPr>
-        <p:spPr>
-          <a:xfrm>
-            <a:off x="1678718" y="2478817"/>
-            <a:ext cx="2916356" cy="983649"/>
-          </a:xfrm>
-          <a:prstGeom prst="line">
-            <a:avLst/>
-          </a:prstGeom>
-          <a:ln w="9525" cap="flat" cmpd="sng" algn="ctr">
-            <a:solidFill>
-              <a:schemeClr val="dk1"/>
-            </a:solidFill>
-            <a:prstDash val="solid"/>
-            <a:round/>
-            <a:headEnd type="arrow" w="med" len="med"/>
-            <a:tailEnd type="arrow" w="med" len="med"/>
-          </a:ln>
-        </p:spPr>
-        <p:style>
-          <a:lnRef idx="0">
-            <a:scrgbClr r="0" g="0" b="0"/>
-          </a:lnRef>
-          <a:fillRef idx="0">
-            <a:scrgbClr r="0" g="0" b="0"/>
-          </a:fillRef>
-          <a:effectRef idx="0">
-            <a:scrgbClr r="0" g="0" b="0"/>
-          </a:effectRef>
-          <a:fontRef idx="minor">
-            <a:schemeClr val="tx1"/>
-          </a:fontRef>
-        </p:style>
-      </p:cxnSp>
-      <p:cxnSp>
-        <p:nvCxnSpPr>
-          <p:cNvPr id="26" name="Straight Connector 25"/>
-          <p:cNvCxnSpPr>
-            <a:stCxn id="6" idx="6"/>
-            <a:endCxn id="9" idx="2"/>
-          </p:cNvCxnSpPr>
-          <p:nvPr/>
-        </p:nvCxnSpPr>
-        <p:spPr>
-          <a:xfrm flipV="1">
-            <a:off x="1745673" y="2306782"/>
-            <a:ext cx="2715490" cy="1849582"/>
-          </a:xfrm>
-          <a:prstGeom prst="line">
-            <a:avLst/>
-          </a:prstGeom>
-          <a:ln w="9525" cap="flat" cmpd="sng" algn="ctr">
-            <a:solidFill>
-              <a:schemeClr val="dk1"/>
-            </a:solidFill>
-            <a:prstDash val="solid"/>
-            <a:round/>
-            <a:headEnd type="arrow" w="med" len="med"/>
-            <a:tailEnd type="arrow" w="med" len="med"/>
-          </a:ln>
-        </p:spPr>
-        <p:style>
-          <a:lnRef idx="0">
-            <a:scrgbClr r="0" g="0" b="0"/>
-          </a:lnRef>
-          <a:fillRef idx="0">
-            <a:scrgbClr r="0" g="0" b="0"/>
-          </a:fillRef>
-          <a:effectRef idx="0">
-            <a:scrgbClr r="0" g="0" b="0"/>
-          </a:effectRef>
-          <a:fontRef idx="minor">
-            <a:schemeClr val="tx1"/>
-          </a:fontRef>
-        </p:style>
-      </p:cxnSp>
-      <p:cxnSp>
-        <p:nvCxnSpPr>
-          <p:cNvPr id="30" name="Straight Connector 29"/>
-          <p:cNvCxnSpPr>
-            <a:stCxn id="10" idx="2"/>
-            <a:endCxn id="6" idx="6"/>
-          </p:cNvCxnSpPr>
-          <p:nvPr/>
-        </p:nvCxnSpPr>
-        <p:spPr>
-          <a:xfrm flipH="1">
-            <a:off x="1745673" y="3785755"/>
-            <a:ext cx="2715490" cy="370609"/>
-          </a:xfrm>
-          <a:prstGeom prst="line">
-            <a:avLst/>
-          </a:prstGeom>
-        </p:spPr>
-        <p:style>
-          <a:lnRef idx="1">
-            <a:schemeClr val="accent1"/>
-          </a:lnRef>
-          <a:fillRef idx="0">
-            <a:schemeClr val="accent1"/>
-          </a:fillRef>
-          <a:effectRef idx="0">
-            <a:schemeClr val="accent1"/>
-          </a:effectRef>
-          <a:fontRef idx="minor">
-            <a:schemeClr val="tx1"/>
-          </a:fontRef>
-        </p:style>
-      </p:cxnSp>
-      <p:cxnSp>
-        <p:nvCxnSpPr>
-          <p:cNvPr id="32" name="Straight Connector 31"/>
-          <p:cNvCxnSpPr>
-            <a:stCxn id="8" idx="3"/>
-            <a:endCxn id="6" idx="7"/>
-          </p:cNvCxnSpPr>
-          <p:nvPr/>
-        </p:nvCxnSpPr>
-        <p:spPr>
-          <a:xfrm flipH="1">
-            <a:off x="1611762" y="1390089"/>
-            <a:ext cx="2927894" cy="2442986"/>
-          </a:xfrm>
-          <a:prstGeom prst="line">
-            <a:avLst/>
-          </a:prstGeom>
-        </p:spPr>
-        <p:style>
-          <a:lnRef idx="1">
-            <a:schemeClr val="accent1"/>
-          </a:lnRef>
-          <a:fillRef idx="0">
-            <a:schemeClr val="accent1"/>
-          </a:fillRef>
-          <a:effectRef idx="0">
-            <a:schemeClr val="accent1"/>
-          </a:effectRef>
-          <a:fontRef idx="minor">
-            <a:schemeClr val="tx1"/>
-          </a:fontRef>
-        </p:style>
-      </p:cxnSp>
-      <p:cxnSp>
-        <p:nvCxnSpPr>
-          <p:cNvPr id="34" name="Straight Connector 33"/>
-          <p:cNvCxnSpPr>
-            <a:stCxn id="11" idx="2"/>
-            <a:endCxn id="6" idx="5"/>
-          </p:cNvCxnSpPr>
-          <p:nvPr/>
-        </p:nvCxnSpPr>
-        <p:spPr>
-          <a:xfrm flipH="1" flipV="1">
-            <a:off x="1611762" y="4479653"/>
-            <a:ext cx="2849401" cy="785075"/>
-          </a:xfrm>
-          <a:prstGeom prst="line">
-            <a:avLst/>
-          </a:prstGeom>
-        </p:spPr>
-        <p:style>
-          <a:lnRef idx="1">
-            <a:schemeClr val="accent1"/>
-          </a:lnRef>
-          <a:fillRef idx="0">
-            <a:schemeClr val="accent1"/>
-          </a:fillRef>
-          <a:effectRef idx="0">
-            <a:schemeClr val="accent1"/>
-          </a:effectRef>
-          <a:fontRef idx="minor">
-            <a:schemeClr val="tx1"/>
-          </a:fontRef>
-        </p:style>
-      </p:cxnSp>
-      <p:cxnSp>
-        <p:nvCxnSpPr>
-          <p:cNvPr id="37" name="Straight Connector 36"/>
-          <p:cNvCxnSpPr/>
-          <p:nvPr/>
-        </p:nvCxnSpPr>
-        <p:spPr>
-          <a:xfrm flipV="1">
-            <a:off x="1767613" y="1163782"/>
-            <a:ext cx="2660072" cy="1544782"/>
-          </a:xfrm>
-          <a:prstGeom prst="line">
-            <a:avLst/>
-          </a:prstGeom>
-        </p:spPr>
-        <p:style>
-          <a:lnRef idx="1">
-            <a:schemeClr val="accent1"/>
-          </a:lnRef>
-          <a:fillRef idx="0">
-            <a:schemeClr val="accent1"/>
-          </a:fillRef>
-          <a:effectRef idx="0">
-            <a:schemeClr val="accent1"/>
-          </a:effectRef>
-          <a:fontRef idx="minor">
-            <a:schemeClr val="tx1"/>
-          </a:fontRef>
-        </p:style>
-      </p:cxnSp>
-      <p:sp>
-        <p:nvSpPr>
-          <p:cNvPr id="2" name="TextBox 1"/>
-          <p:cNvSpPr txBox="1"/>
-          <p:nvPr/>
-        </p:nvSpPr>
-        <p:spPr>
-          <a:xfrm>
-            <a:off x="27710" y="872838"/>
-            <a:ext cx="831273" cy="369332"/>
-          </a:xfrm>
-          <a:prstGeom prst="rect">
-            <a:avLst/>
-          </a:prstGeom>
-          <a:noFill/>
-        </p:spPr>
-        <p:txBody>
-          <a:bodyPr wrap="square" rtlCol="0">
-            <a:spAutoFit/>
-          </a:bodyPr>
-          <a:lstStyle/>
-          <a:p>
-            <a:r>
-              <a:rPr lang="en-US" dirty="0" smtClean="0"/>
-              <a:t>1000</a:t>
-            </a:r>
-            <a:endParaRPr lang="en-US" dirty="0"/>
-          </a:p>
-        </p:txBody>
-      </p:sp>
-      <p:sp>
-        <p:nvSpPr>
-          <p:cNvPr id="7" name="TextBox 6"/>
-          <p:cNvSpPr txBox="1"/>
-          <p:nvPr/>
-        </p:nvSpPr>
-        <p:spPr>
-          <a:xfrm>
-            <a:off x="166254" y="2478817"/>
-            <a:ext cx="637309" cy="369332"/>
-          </a:xfrm>
-          <a:prstGeom prst="rect">
-            <a:avLst/>
-          </a:prstGeom>
-          <a:noFill/>
-        </p:spPr>
-        <p:txBody>
-          <a:bodyPr wrap="square" rtlCol="0">
-            <a:spAutoFit/>
-          </a:bodyPr>
-          <a:lstStyle/>
-          <a:p>
-            <a:r>
-              <a:rPr lang="en-US" dirty="0" smtClean="0"/>
-              <a:t>750</a:t>
-            </a:r>
-            <a:endParaRPr lang="en-US" dirty="0"/>
-          </a:p>
-        </p:txBody>
-      </p:sp>
-      <p:sp>
-        <p:nvSpPr>
-          <p:cNvPr id="15" name="TextBox 14"/>
-          <p:cNvSpPr txBox="1"/>
-          <p:nvPr/>
-        </p:nvSpPr>
-        <p:spPr>
-          <a:xfrm>
-            <a:off x="207818" y="4059382"/>
-            <a:ext cx="568037" cy="369332"/>
-          </a:xfrm>
-          <a:prstGeom prst="rect">
-            <a:avLst/>
-          </a:prstGeom>
-          <a:noFill/>
-        </p:spPr>
-        <p:txBody>
-          <a:bodyPr wrap="square" rtlCol="0">
-            <a:spAutoFit/>
-          </a:bodyPr>
-          <a:lstStyle/>
-          <a:p>
-            <a:r>
-              <a:rPr lang="en-US" dirty="0" smtClean="0"/>
-              <a:t>500</a:t>
-            </a:r>
-            <a:endParaRPr lang="en-US" dirty="0"/>
-          </a:p>
-        </p:txBody>
-      </p:sp>
-      <p:sp>
-        <p:nvSpPr>
-          <p:cNvPr id="16" name="TextBox 15"/>
-          <p:cNvSpPr txBox="1"/>
-          <p:nvPr/>
-        </p:nvSpPr>
-        <p:spPr>
-          <a:xfrm>
-            <a:off x="6534710" y="1848435"/>
-            <a:ext cx="2867891" cy="3970318"/>
-          </a:xfrm>
-          <a:prstGeom prst="rect">
-            <a:avLst/>
-          </a:prstGeom>
-          <a:noFill/>
-        </p:spPr>
-        <p:txBody>
-          <a:bodyPr wrap="square" rtlCol="0">
-            <a:spAutoFit/>
-          </a:bodyPr>
-          <a:lstStyle/>
-          <a:p>
-            <a:r>
-              <a:rPr lang="en-US" dirty="0" smtClean="0"/>
-              <a:t>In this graph, an applicant is removed from qualification after winning this award.</a:t>
-            </a:r>
-          </a:p>
-          <a:p>
-            <a:r>
-              <a:rPr lang="en-US" dirty="0" smtClean="0"/>
-              <a:t>Note that the higher ranked A2 only is awarded 500 while A3 is awarded 750. This means the first rational assumptions doesn’t hold but the second assumption, all higher ranked applicants will have scholarship, does hold. </a:t>
-            </a:r>
-            <a:endParaRPr lang="en-US" dirty="0"/>
-          </a:p>
-        </p:txBody>
-      </p:sp>
-      <p:sp>
-        <p:nvSpPr>
-          <p:cNvPr id="18" name="TextBox 17"/>
-          <p:cNvSpPr txBox="1"/>
-          <p:nvPr/>
-        </p:nvSpPr>
-        <p:spPr>
-          <a:xfrm>
-            <a:off x="2382982" y="124691"/>
-            <a:ext cx="1496291" cy="646331"/>
-          </a:xfrm>
-          <a:prstGeom prst="rect">
-            <a:avLst/>
-          </a:prstGeom>
-          <a:noFill/>
-        </p:spPr>
-        <p:txBody>
-          <a:bodyPr wrap="square" rtlCol="0">
-            <a:spAutoFit/>
-          </a:bodyPr>
-          <a:lstStyle/>
-          <a:p>
-            <a:r>
-              <a:rPr lang="en-US" dirty="0" smtClean="0"/>
-              <a:t>Only Allow 1 Award</a:t>
-            </a:r>
-            <a:endParaRPr lang="en-US" dirty="0"/>
-          </a:p>
-        </p:txBody>
-      </p:sp>
-      <p:sp>
-        <p:nvSpPr>
-          <p:cNvPr id="19" name="TextBox 18"/>
-          <p:cNvSpPr txBox="1"/>
-          <p:nvPr/>
-        </p:nvSpPr>
-        <p:spPr>
-          <a:xfrm>
-            <a:off x="5375563" y="872838"/>
-            <a:ext cx="1011382" cy="369332"/>
-          </a:xfrm>
-          <a:prstGeom prst="rect">
-            <a:avLst/>
-          </a:prstGeom>
-          <a:noFill/>
-        </p:spPr>
-        <p:txBody>
-          <a:bodyPr wrap="square" rtlCol="0">
-            <a:spAutoFit/>
-          </a:bodyPr>
-          <a:lstStyle/>
-          <a:p>
-            <a:r>
-              <a:rPr lang="en-US" dirty="0" smtClean="0"/>
-              <a:t>1500</a:t>
-            </a:r>
-            <a:endParaRPr lang="en-US" dirty="0"/>
-          </a:p>
-        </p:txBody>
-      </p:sp>
-      <p:sp>
-        <p:nvSpPr>
-          <p:cNvPr id="22" name="TextBox 21"/>
-          <p:cNvSpPr txBox="1"/>
-          <p:nvPr/>
-        </p:nvSpPr>
-        <p:spPr>
-          <a:xfrm>
-            <a:off x="5479473" y="3539943"/>
-            <a:ext cx="623454" cy="369332"/>
-          </a:xfrm>
-          <a:prstGeom prst="rect">
-            <a:avLst/>
-          </a:prstGeom>
-          <a:noFill/>
-        </p:spPr>
-        <p:txBody>
-          <a:bodyPr wrap="square" rtlCol="0">
-            <a:spAutoFit/>
-          </a:bodyPr>
-          <a:lstStyle/>
-          <a:p>
-            <a:r>
-              <a:rPr lang="en-US" dirty="0" smtClean="0"/>
-              <a:t>750</a:t>
-            </a:r>
-            <a:endParaRPr lang="en-US" dirty="0"/>
-          </a:p>
-        </p:txBody>
-      </p:sp>
-      <p:sp>
-        <p:nvSpPr>
-          <p:cNvPr id="23" name="TextBox 22"/>
-          <p:cNvSpPr txBox="1"/>
-          <p:nvPr/>
-        </p:nvSpPr>
-        <p:spPr>
-          <a:xfrm>
-            <a:off x="5479473" y="2130149"/>
-            <a:ext cx="623454" cy="369332"/>
-          </a:xfrm>
-          <a:prstGeom prst="rect">
-            <a:avLst/>
-          </a:prstGeom>
-          <a:noFill/>
-        </p:spPr>
-        <p:txBody>
-          <a:bodyPr wrap="square" rtlCol="0">
-            <a:spAutoFit/>
-          </a:bodyPr>
-          <a:lstStyle/>
-          <a:p>
-            <a:r>
-              <a:rPr lang="en-US" dirty="0" smtClean="0"/>
-              <a:t>500</a:t>
-            </a:r>
-            <a:endParaRPr lang="en-US" dirty="0"/>
-          </a:p>
-        </p:txBody>
-      </p:sp>
-      <p:sp>
-        <p:nvSpPr>
-          <p:cNvPr id="24" name="TextBox 23"/>
-          <p:cNvSpPr txBox="1"/>
-          <p:nvPr/>
-        </p:nvSpPr>
-        <p:spPr>
-          <a:xfrm>
-            <a:off x="2286000" y="5721928"/>
-            <a:ext cx="1399309" cy="646331"/>
-          </a:xfrm>
-          <a:prstGeom prst="rect">
-            <a:avLst/>
-          </a:prstGeom>
-          <a:noFill/>
-        </p:spPr>
-        <p:txBody>
-          <a:bodyPr wrap="square" rtlCol="0">
-            <a:spAutoFit/>
-          </a:bodyPr>
-          <a:lstStyle/>
-          <a:p>
-            <a:r>
-              <a:rPr lang="en-US" dirty="0" smtClean="0"/>
-              <a:t>RA1- False</a:t>
-            </a:r>
-          </a:p>
-          <a:p>
-            <a:r>
-              <a:rPr lang="en-US" dirty="0" smtClean="0"/>
-              <a:t>RA2- True</a:t>
+          <p:cNvPr id="2" name="Title 1"/>
+          <p:cNvSpPr>
+            <a:spLocks noGrp="1"/>
+          </p:cNvSpPr>
+          <p:nvPr>
+            <p:ph type="title"/>
+          </p:nvPr>
+        </p:nvSpPr>
+        <p:spPr/>
+        <p:txBody>
+          <a:bodyPr/>
+          <a:lstStyle/>
+          <a:p>
+            <a:r>
+              <a:rPr lang="en-US" dirty="0" smtClean="0"/>
+              <a:t>The rational assumptions</a:t>
+            </a:r>
+            <a:endParaRPr lang="en-US" dirty="0"/>
+          </a:p>
+        </p:txBody>
+      </p:sp>
+      <p:sp>
+        <p:nvSpPr>
+          <p:cNvPr id="3" name="Content Placeholder 2"/>
+          <p:cNvSpPr>
+            <a:spLocks noGrp="1"/>
+          </p:cNvSpPr>
+          <p:nvPr>
+            <p:ph idx="1"/>
+          </p:nvPr>
+        </p:nvSpPr>
+        <p:spPr/>
+        <p:txBody>
+          <a:bodyPr/>
+          <a:lstStyle/>
+          <a:p>
+            <a:r>
+              <a:rPr lang="en-US" dirty="0" smtClean="0"/>
+              <a:t>RA1-The higher ranked applicant will be awarded more than the next highest ranked applicant</a:t>
+            </a:r>
+          </a:p>
+          <a:p>
+            <a:r>
+              <a:rPr lang="en-US" dirty="0" smtClean="0"/>
+              <a:t>RA2-That if a lower ranked applicant would have a award that every higher ranked applicant would have an award</a:t>
+            </a:r>
+          </a:p>
+          <a:p>
+            <a:r>
+              <a:rPr lang="en-US" dirty="0" smtClean="0"/>
+              <a:t>Since not everyone is qualified for every scholarship, these assumptions do not always hold true</a:t>
+            </a:r>
+          </a:p>
+          <a:p>
+            <a:r>
+              <a:rPr lang="en-US" dirty="0" smtClean="0"/>
+              <a:t>However, if RA1 holds true, then RA2 must be </a:t>
+            </a:r>
+            <a:r>
+              <a:rPr lang="en-US" dirty="0" smtClean="0"/>
+              <a:t>true</a:t>
+            </a:r>
+          </a:p>
+          <a:p>
+            <a:r>
+              <a:rPr lang="en-US" dirty="0" smtClean="0"/>
+              <a:t>Not all algorithms for a given graph will hold both true</a:t>
+            </a:r>
+          </a:p>
+          <a:p>
+            <a:r>
+              <a:rPr lang="en-US" dirty="0" smtClean="0"/>
+              <a:t>Committees will prefer the results that hold these true</a:t>
+            </a:r>
+          </a:p>
+          <a:p>
+            <a:r>
+              <a:rPr lang="en-US" dirty="0" smtClean="0"/>
+              <a:t>Some committees will prefer giving more applicants than fewer</a:t>
             </a:r>
             <a:endParaRPr lang="en-US" dirty="0"/>
           </a:p>
@@ -7000,7 +6951,7 @@
     </p:spTree>
     <p:extLst>
       <p:ext uri="{BB962C8B-B14F-4D97-AF65-F5344CB8AC3E}">
-        <p14:creationId xmlns:p14="http://schemas.microsoft.com/office/powerpoint/2010/main" val="488998005"/>
+        <p14:creationId xmlns:p14="http://schemas.microsoft.com/office/powerpoint/2010/main" val="3210139513"/>
       </p:ext>
     </p:extLst>
   </p:cSld>
@@ -7401,8 +7352,8 @@
         </p:nvSpPr>
         <p:spPr>
           <a:xfrm>
-            <a:off x="6525491" y="1066800"/>
-            <a:ext cx="2535382" cy="646331"/>
+            <a:off x="6534710" y="925105"/>
+            <a:ext cx="2535382" cy="923330"/>
           </a:xfrm>
           <a:prstGeom prst="rect">
             <a:avLst/>
@@ -7417,7 +7368,17 @@
           <a:p>
             <a:r>
               <a:rPr lang="en-US" dirty="0" smtClean="0"/>
-              <a:t>Split with all qualified applicants</a:t>
+              <a:t>Algorithm 4</a:t>
+            </a:r>
+          </a:p>
+          <a:p>
+            <a:r>
+              <a:rPr lang="en-US" dirty="0" smtClean="0"/>
+              <a:t>Maximum </a:t>
+            </a:r>
+            <a:r>
+              <a:rPr lang="en-US" dirty="0" smtClean="0"/>
+              <a:t>One Award Per Applicant</a:t>
             </a:r>
             <a:endParaRPr lang="en-US" dirty="0"/>
           </a:p>
@@ -7440,16 +7401,25 @@
           <a:prstGeom prst="line">
             <a:avLst/>
           </a:prstGeom>
+          <a:ln w="9525" cap="flat" cmpd="sng" algn="ctr">
+            <a:solidFill>
+              <a:schemeClr val="dk1"/>
+            </a:solidFill>
+            <a:prstDash val="solid"/>
+            <a:round/>
+            <a:headEnd type="arrow" w="med" len="med"/>
+            <a:tailEnd type="arrow" w="med" len="med"/>
+          </a:ln>
         </p:spPr>
         <p:style>
-          <a:lnRef idx="1">
-            <a:schemeClr val="accent1"/>
+          <a:lnRef idx="0">
+            <a:scrgbClr r="0" g="0" b="0"/>
           </a:lnRef>
           <a:fillRef idx="0">
-            <a:schemeClr val="accent1"/>
+            <a:scrgbClr r="0" g="0" b="0"/>
           </a:fillRef>
           <a:effectRef idx="0">
-            <a:schemeClr val="accent1"/>
+            <a:scrgbClr r="0" g="0" b="0"/>
           </a:effectRef>
           <a:fontRef idx="minor">
             <a:schemeClr val="tx1"/>
@@ -7537,16 +7507,25 @@
           <a:prstGeom prst="line">
             <a:avLst/>
           </a:prstGeom>
+          <a:ln w="9525" cap="flat" cmpd="sng" algn="ctr">
+            <a:solidFill>
+              <a:schemeClr val="dk1"/>
+            </a:solidFill>
+            <a:prstDash val="solid"/>
+            <a:round/>
+            <a:headEnd type="arrow" w="med" len="med"/>
+            <a:tailEnd type="arrow" w="med" len="med"/>
+          </a:ln>
         </p:spPr>
         <p:style>
-          <a:lnRef idx="1">
-            <a:schemeClr val="accent1"/>
+          <a:lnRef idx="0">
+            <a:scrgbClr r="0" g="0" b="0"/>
           </a:lnRef>
           <a:fillRef idx="0">
-            <a:schemeClr val="accent1"/>
+            <a:scrgbClr r="0" g="0" b="0"/>
           </a:fillRef>
           <a:effectRef idx="0">
-            <a:schemeClr val="accent1"/>
+            <a:scrgbClr r="0" g="0" b="0"/>
           </a:effectRef>
           <a:fontRef idx="minor">
             <a:schemeClr val="tx1"/>
@@ -7570,16 +7549,25 @@
           <a:prstGeom prst="line">
             <a:avLst/>
           </a:prstGeom>
+          <a:ln w="9525" cap="flat" cmpd="sng" algn="ctr">
+            <a:solidFill>
+              <a:schemeClr val="dk1"/>
+            </a:solidFill>
+            <a:prstDash val="solid"/>
+            <a:round/>
+            <a:headEnd type="arrow" w="med" len="med"/>
+            <a:tailEnd type="arrow" w="med" len="med"/>
+          </a:ln>
         </p:spPr>
         <p:style>
-          <a:lnRef idx="1">
-            <a:schemeClr val="accent1"/>
+          <a:lnRef idx="0">
+            <a:scrgbClr r="0" g="0" b="0"/>
           </a:lnRef>
           <a:fillRef idx="0">
-            <a:schemeClr val="accent1"/>
+            <a:scrgbClr r="0" g="0" b="0"/>
           </a:fillRef>
           <a:effectRef idx="0">
-            <a:schemeClr val="accent1"/>
+            <a:scrgbClr r="0" g="0" b="0"/>
           </a:effectRef>
           <a:fontRef idx="minor">
             <a:schemeClr val="tx1"/>
@@ -7688,15 +7676,12 @@
       <p:cxnSp>
         <p:nvCxnSpPr>
           <p:cNvPr id="37" name="Straight Connector 36"/>
-          <p:cNvCxnSpPr>
-            <a:stCxn id="5" idx="6"/>
-            <a:endCxn id="8" idx="2"/>
-          </p:cNvCxnSpPr>
+          <p:cNvCxnSpPr/>
           <p:nvPr/>
         </p:nvCxnSpPr>
         <p:spPr>
           <a:xfrm flipV="1">
-            <a:off x="1745673" y="1066800"/>
+            <a:off x="1767613" y="1163782"/>
             <a:ext cx="2660072" cy="1544782"/>
           </a:xfrm>
           <a:prstGeom prst="line">
@@ -7816,8 +7801,8 @@
         </p:nvSpPr>
         <p:spPr>
           <a:xfrm>
-            <a:off x="6525491" y="2306782"/>
-            <a:ext cx="2909454" cy="1477328"/>
+            <a:off x="6534710" y="1848435"/>
+            <a:ext cx="2867891" cy="3970318"/>
           </a:xfrm>
           <a:prstGeom prst="rect">
             <a:avLst/>
@@ -7832,7 +7817,13 @@
           <a:p>
             <a:r>
               <a:rPr lang="en-US" dirty="0" smtClean="0"/>
-              <a:t>If we split the award amount among all the applicants, the amount given for each scholarship can be distorted.</a:t>
+              <a:t>In this graph, an applicant is removed from qualification after winning this award.</a:t>
+            </a:r>
+          </a:p>
+          <a:p>
+            <a:r>
+              <a:rPr lang="en-US" dirty="0" smtClean="0"/>
+              <a:t>Note that the higher ranked A2 only is awarded 500 while A3 is awarded 750. This means the first rational assumptions doesn’t hold but the second assumption, all higher ranked applicants will have scholarship, does hold. </a:t>
             </a:r>
             <a:endParaRPr lang="en-US" dirty="0"/>
           </a:p>
@@ -7846,8 +7837,8 @@
         </p:nvSpPr>
         <p:spPr>
           <a:xfrm>
-            <a:off x="1011383" y="586579"/>
-            <a:ext cx="1717964" cy="369332"/>
+            <a:off x="2382982" y="124691"/>
+            <a:ext cx="1496291" cy="646331"/>
           </a:xfrm>
           <a:prstGeom prst="rect">
             <a:avLst/>
@@ -7862,22 +7853,22 @@
           <a:p>
             <a:r>
               <a:rPr lang="en-US" dirty="0" smtClean="0"/>
-              <a:t>333.33 Each</a:t>
-            </a:r>
-            <a:endParaRPr lang="en-US" dirty="0"/>
-          </a:p>
-        </p:txBody>
-      </p:sp>
-      <p:sp>
-        <p:nvSpPr>
-          <p:cNvPr id="27" name="TextBox 26"/>
+              <a:t>Only Allow 1 Award</a:t>
+            </a:r>
+            <a:endParaRPr lang="en-US" dirty="0"/>
+          </a:p>
+        </p:txBody>
+      </p:sp>
+      <p:sp>
+        <p:nvSpPr>
+          <p:cNvPr id="19" name="TextBox 18"/>
           <p:cNvSpPr txBox="1"/>
           <p:nvPr/>
         </p:nvSpPr>
         <p:spPr>
           <a:xfrm>
-            <a:off x="1066800" y="2001474"/>
-            <a:ext cx="1717964" cy="369332"/>
+            <a:off x="5375563" y="872838"/>
+            <a:ext cx="1011382" cy="369332"/>
           </a:xfrm>
           <a:prstGeom prst="rect">
             <a:avLst/>
@@ -7892,22 +7883,22 @@
           <a:p>
             <a:r>
               <a:rPr lang="en-US" dirty="0" smtClean="0"/>
-              <a:t>375 Each</a:t>
-            </a:r>
-            <a:endParaRPr lang="en-US" dirty="0"/>
-          </a:p>
-        </p:txBody>
-      </p:sp>
-      <p:sp>
-        <p:nvSpPr>
-          <p:cNvPr id="28" name="TextBox 27"/>
+              <a:t>1500</a:t>
+            </a:r>
+            <a:endParaRPr lang="en-US" dirty="0"/>
+          </a:p>
+        </p:txBody>
+      </p:sp>
+      <p:sp>
+        <p:nvSpPr>
+          <p:cNvPr id="22" name="TextBox 21"/>
           <p:cNvSpPr txBox="1"/>
           <p:nvPr/>
         </p:nvSpPr>
         <p:spPr>
           <a:xfrm>
-            <a:off x="1173028" y="3541167"/>
-            <a:ext cx="1717964" cy="369332"/>
+            <a:off x="5479473" y="3539943"/>
+            <a:ext cx="623454" cy="369332"/>
           </a:xfrm>
           <a:prstGeom prst="rect">
             <a:avLst/>
@@ -7922,22 +7913,22 @@
           <a:p>
             <a:r>
               <a:rPr lang="en-US" dirty="0" smtClean="0"/>
-              <a:t>125 Each</a:t>
-            </a:r>
-            <a:endParaRPr lang="en-US" dirty="0"/>
-          </a:p>
-        </p:txBody>
-      </p:sp>
-      <p:sp>
-        <p:nvSpPr>
-          <p:cNvPr id="19" name="TextBox 18"/>
+              <a:t>750</a:t>
+            </a:r>
+            <a:endParaRPr lang="en-US" dirty="0"/>
+          </a:p>
+        </p:txBody>
+      </p:sp>
+      <p:sp>
+        <p:nvSpPr>
+          <p:cNvPr id="23" name="TextBox 22"/>
           <p:cNvSpPr txBox="1"/>
           <p:nvPr/>
         </p:nvSpPr>
         <p:spPr>
           <a:xfrm>
-            <a:off x="5375562" y="872838"/>
-            <a:ext cx="960599" cy="369332"/>
+            <a:off x="5479473" y="2130149"/>
+            <a:ext cx="623454" cy="369332"/>
           </a:xfrm>
           <a:prstGeom prst="rect">
             <a:avLst/>
@@ -7952,22 +7943,22 @@
           <a:p>
             <a:r>
               <a:rPr lang="en-US" dirty="0" smtClean="0"/>
-              <a:t>833.33</a:t>
-            </a:r>
-            <a:endParaRPr lang="en-US" dirty="0"/>
-          </a:p>
-        </p:txBody>
-      </p:sp>
-      <p:sp>
-        <p:nvSpPr>
-          <p:cNvPr id="22" name="TextBox 21"/>
+              <a:t>500</a:t>
+            </a:r>
+            <a:endParaRPr lang="en-US" dirty="0"/>
+          </a:p>
+        </p:txBody>
+      </p:sp>
+      <p:sp>
+        <p:nvSpPr>
+          <p:cNvPr id="24" name="TextBox 23"/>
           <p:cNvSpPr txBox="1"/>
           <p:nvPr/>
         </p:nvSpPr>
         <p:spPr>
           <a:xfrm>
-            <a:off x="5426346" y="2001474"/>
-            <a:ext cx="891325" cy="369332"/>
+            <a:off x="2286000" y="5721928"/>
+            <a:ext cx="1399309" cy="646331"/>
           </a:xfrm>
           <a:prstGeom prst="rect">
             <a:avLst/>
@@ -7982,96 +7973,6 @@
           <a:p>
             <a:r>
               <a:rPr lang="en-US" dirty="0" smtClean="0"/>
-              <a:t>458.33</a:t>
-            </a:r>
-            <a:endParaRPr lang="en-US" dirty="0"/>
-          </a:p>
-        </p:txBody>
-      </p:sp>
-      <p:sp>
-        <p:nvSpPr>
-          <p:cNvPr id="23" name="TextBox 22"/>
-          <p:cNvSpPr txBox="1"/>
-          <p:nvPr/>
-        </p:nvSpPr>
-        <p:spPr>
-          <a:xfrm>
-            <a:off x="5426346" y="3462466"/>
-            <a:ext cx="891325" cy="370609"/>
-          </a:xfrm>
-          <a:prstGeom prst="rect">
-            <a:avLst/>
-          </a:prstGeom>
-          <a:noFill/>
-        </p:spPr>
-        <p:txBody>
-          <a:bodyPr wrap="square" rtlCol="0">
-            <a:spAutoFit/>
-          </a:bodyPr>
-          <a:lstStyle/>
-          <a:p>
-            <a:r>
-              <a:rPr lang="en-US" dirty="0" smtClean="0"/>
-              <a:t>500</a:t>
-            </a:r>
-            <a:endParaRPr lang="en-US" dirty="0"/>
-          </a:p>
-        </p:txBody>
-      </p:sp>
-      <p:sp>
-        <p:nvSpPr>
-          <p:cNvPr id="31" name="TextBox 30"/>
-          <p:cNvSpPr txBox="1"/>
-          <p:nvPr/>
-        </p:nvSpPr>
-        <p:spPr>
-          <a:xfrm>
-            <a:off x="5444836" y="4941439"/>
-            <a:ext cx="891325" cy="369332"/>
-          </a:xfrm>
-          <a:prstGeom prst="rect">
-            <a:avLst/>
-          </a:prstGeom>
-          <a:noFill/>
-        </p:spPr>
-        <p:txBody>
-          <a:bodyPr wrap="square" rtlCol="0">
-            <a:spAutoFit/>
-          </a:bodyPr>
-          <a:lstStyle/>
-          <a:p>
-            <a:r>
-              <a:rPr lang="en-US" dirty="0" smtClean="0"/>
-              <a:t>458.33</a:t>
-            </a:r>
-            <a:endParaRPr lang="en-US" dirty="0"/>
-          </a:p>
-        </p:txBody>
-      </p:sp>
-      <p:sp>
-        <p:nvSpPr>
-          <p:cNvPr id="33" name="TextBox 32"/>
-          <p:cNvSpPr txBox="1"/>
-          <p:nvPr/>
-        </p:nvSpPr>
-        <p:spPr>
-          <a:xfrm>
-            <a:off x="2286000" y="5721928"/>
-            <a:ext cx="1399309" cy="646331"/>
-          </a:xfrm>
-          <a:prstGeom prst="rect">
-            <a:avLst/>
-          </a:prstGeom>
-          <a:noFill/>
-        </p:spPr>
-        <p:txBody>
-          <a:bodyPr wrap="square" rtlCol="0">
-            <a:spAutoFit/>
-          </a:bodyPr>
-          <a:lstStyle/>
-          <a:p>
-            <a:r>
-              <a:rPr lang="en-US" dirty="0" smtClean="0"/>
               <a:t>RA1- False</a:t>
             </a:r>
           </a:p>
@@ -8087,7 +7988,7 @@
     </p:spTree>
     <p:extLst>
       <p:ext uri="{BB962C8B-B14F-4D97-AF65-F5344CB8AC3E}">
-        <p14:creationId xmlns:p14="http://schemas.microsoft.com/office/powerpoint/2010/main" val="390298605"/>
+        <p14:creationId xmlns:p14="http://schemas.microsoft.com/office/powerpoint/2010/main" val="488998005"/>
       </p:ext>
     </p:extLst>
   </p:cSld>
@@ -8489,7 +8390,7 @@
         <p:spPr>
           <a:xfrm>
             <a:off x="6525491" y="1066800"/>
-            <a:ext cx="2535382" cy="646331"/>
+            <a:ext cx="2535382" cy="923330"/>
           </a:xfrm>
           <a:prstGeom prst="rect">
             <a:avLst/>
@@ -8504,7 +8405,17 @@
           <a:p>
             <a:r>
               <a:rPr lang="en-US" dirty="0" smtClean="0"/>
-              <a:t>Split with minimum qualified applicants</a:t>
+              <a:t>Algorithm 5:</a:t>
+            </a:r>
+          </a:p>
+          <a:p>
+            <a:r>
+              <a:rPr lang="en-US" dirty="0" smtClean="0"/>
+              <a:t>Split </a:t>
+            </a:r>
+            <a:r>
+              <a:rPr lang="en-US" dirty="0" smtClean="0"/>
+              <a:t>with all qualified applicants</a:t>
             </a:r>
             <a:endParaRPr lang="en-US" dirty="0"/>
           </a:p>
@@ -8527,25 +8438,16 @@
           <a:prstGeom prst="line">
             <a:avLst/>
           </a:prstGeom>
-          <a:ln w="9525" cap="flat" cmpd="sng" algn="ctr">
-            <a:solidFill>
-              <a:schemeClr val="dk1"/>
-            </a:solidFill>
-            <a:prstDash val="solid"/>
-            <a:round/>
-            <a:headEnd type="arrow" w="med" len="med"/>
-            <a:tailEnd type="arrow" w="med" len="med"/>
-          </a:ln>
         </p:spPr>
         <p:style>
-          <a:lnRef idx="0">
-            <a:scrgbClr r="0" g="0" b="0"/>
+          <a:lnRef idx="1">
+            <a:schemeClr val="accent1"/>
           </a:lnRef>
           <a:fillRef idx="0">
-            <a:scrgbClr r="0" g="0" b="0"/>
+            <a:schemeClr val="accent1"/>
           </a:fillRef>
           <a:effectRef idx="0">
-            <a:scrgbClr r="0" g="0" b="0"/>
+            <a:schemeClr val="accent1"/>
           </a:effectRef>
           <a:fontRef idx="minor">
             <a:schemeClr val="tx1"/>
@@ -8569,25 +8471,16 @@
           <a:prstGeom prst="line">
             <a:avLst/>
           </a:prstGeom>
-          <a:ln w="9525" cap="flat" cmpd="sng" algn="ctr">
-            <a:solidFill>
-              <a:schemeClr val="dk1"/>
-            </a:solidFill>
-            <a:prstDash val="solid"/>
-            <a:round/>
-            <a:headEnd type="arrow" w="med" len="med"/>
-            <a:tailEnd type="arrow" w="med" len="med"/>
-          </a:ln>
         </p:spPr>
         <p:style>
-          <a:lnRef idx="0">
-            <a:scrgbClr r="0" g="0" b="0"/>
+          <a:lnRef idx="1">
+            <a:schemeClr val="accent1"/>
           </a:lnRef>
           <a:fillRef idx="0">
-            <a:scrgbClr r="0" g="0" b="0"/>
+            <a:schemeClr val="accent1"/>
           </a:fillRef>
           <a:effectRef idx="0">
-            <a:scrgbClr r="0" g="0" b="0"/>
+            <a:schemeClr val="accent1"/>
           </a:effectRef>
           <a:fontRef idx="minor">
             <a:schemeClr val="tx1"/>
@@ -8642,25 +8535,16 @@
           <a:prstGeom prst="line">
             <a:avLst/>
           </a:prstGeom>
-          <a:ln w="9525" cap="flat" cmpd="sng" algn="ctr">
-            <a:solidFill>
-              <a:schemeClr val="dk1"/>
-            </a:solidFill>
-            <a:prstDash val="solid"/>
-            <a:round/>
-            <a:headEnd type="arrow" w="med" len="med"/>
-            <a:tailEnd type="arrow" w="med" len="med"/>
-          </a:ln>
         </p:spPr>
         <p:style>
-          <a:lnRef idx="0">
-            <a:scrgbClr r="0" g="0" b="0"/>
+          <a:lnRef idx="1">
+            <a:schemeClr val="accent1"/>
           </a:lnRef>
           <a:fillRef idx="0">
-            <a:scrgbClr r="0" g="0" b="0"/>
+            <a:schemeClr val="accent1"/>
           </a:fillRef>
           <a:effectRef idx="0">
-            <a:scrgbClr r="0" g="0" b="0"/>
+            <a:schemeClr val="accent1"/>
           </a:effectRef>
           <a:fontRef idx="minor">
             <a:schemeClr val="tx1"/>
@@ -8684,25 +8568,16 @@
           <a:prstGeom prst="line">
             <a:avLst/>
           </a:prstGeom>
-          <a:ln w="9525" cap="flat" cmpd="sng" algn="ctr">
-            <a:solidFill>
-              <a:schemeClr val="dk1"/>
-            </a:solidFill>
-            <a:prstDash val="solid"/>
-            <a:round/>
-            <a:headEnd type="arrow" w="med" len="med"/>
-            <a:tailEnd type="arrow" w="med" len="med"/>
-          </a:ln>
         </p:spPr>
         <p:style>
-          <a:lnRef idx="0">
-            <a:scrgbClr r="0" g="0" b="0"/>
+          <a:lnRef idx="1">
+            <a:schemeClr val="accent1"/>
           </a:lnRef>
           <a:fillRef idx="0">
-            <a:scrgbClr r="0" g="0" b="0"/>
+            <a:schemeClr val="accent1"/>
           </a:fillRef>
           <a:effectRef idx="0">
-            <a:scrgbClr r="0" g="0" b="0"/>
+            <a:schemeClr val="accent1"/>
           </a:effectRef>
           <a:fontRef idx="minor">
             <a:schemeClr val="tx1"/>
@@ -8759,25 +8634,16 @@
           <a:prstGeom prst="line">
             <a:avLst/>
           </a:prstGeom>
-          <a:ln w="9525" cap="flat" cmpd="sng" algn="ctr">
-            <a:solidFill>
-              <a:schemeClr val="dk1"/>
-            </a:solidFill>
-            <a:prstDash val="solid"/>
-            <a:round/>
-            <a:headEnd type="arrow" w="med" len="med"/>
-            <a:tailEnd type="arrow" w="med" len="med"/>
-          </a:ln>
         </p:spPr>
         <p:style>
-          <a:lnRef idx="0">
-            <a:scrgbClr r="0" g="0" b="0"/>
+          <a:lnRef idx="1">
+            <a:schemeClr val="accent1"/>
           </a:lnRef>
           <a:fillRef idx="0">
-            <a:scrgbClr r="0" g="0" b="0"/>
+            <a:schemeClr val="accent1"/>
           </a:fillRef>
           <a:effectRef idx="0">
-            <a:scrgbClr r="0" g="0" b="0"/>
+            <a:schemeClr val="accent1"/>
           </a:effectRef>
           <a:fontRef idx="minor">
             <a:schemeClr val="tx1"/>
@@ -8834,25 +8700,16 @@
           <a:prstGeom prst="line">
             <a:avLst/>
           </a:prstGeom>
-          <a:ln w="9525" cap="flat" cmpd="sng" algn="ctr">
-            <a:solidFill>
-              <a:schemeClr val="dk1"/>
-            </a:solidFill>
-            <a:prstDash val="solid"/>
-            <a:round/>
-            <a:headEnd type="arrow" w="med" len="med"/>
-            <a:tailEnd type="arrow" w="med" len="med"/>
-          </a:ln>
         </p:spPr>
         <p:style>
-          <a:lnRef idx="0">
-            <a:scrgbClr r="0" g="0" b="0"/>
+          <a:lnRef idx="1">
+            <a:schemeClr val="accent1"/>
           </a:lnRef>
           <a:fillRef idx="0">
-            <a:scrgbClr r="0" g="0" b="0"/>
+            <a:schemeClr val="accent1"/>
           </a:fillRef>
           <a:effectRef idx="0">
-            <a:scrgbClr r="0" g="0" b="0"/>
+            <a:schemeClr val="accent1"/>
           </a:effectRef>
           <a:fontRef idx="minor">
             <a:schemeClr val="tx1"/>
@@ -8973,15 +8830,7 @@
           <a:p>
             <a:r>
               <a:rPr lang="en-US" dirty="0" smtClean="0"/>
-              <a:t>If we split the award amount among all the two applicants, the amount given for </a:t>
-            </a:r>
-            <a:r>
-              <a:rPr lang="en-US" smtClean="0"/>
-              <a:t>each applicant </a:t>
-            </a:r>
-            <a:r>
-              <a:rPr lang="en-US" dirty="0" smtClean="0"/>
-              <a:t>can still be distorted.</a:t>
+              <a:t>If we split the award amount among all the applicants, the amount given for each scholarship can be distorted.</a:t>
             </a:r>
             <a:endParaRPr lang="en-US" dirty="0"/>
           </a:p>
@@ -9001,30 +8850,8 @@
           <a:prstGeom prst="rect">
             <a:avLst/>
           </a:prstGeom>
-          <a:ln w="9525" cap="flat" cmpd="sng" algn="ctr">
-            <a:solidFill>
-              <a:schemeClr val="dk1"/>
-            </a:solidFill>
-            <a:prstDash val="solid"/>
-            <a:round/>
-            <a:headEnd type="arrow" w="med" len="med"/>
-            <a:tailEnd type="arrow" w="med" len="med"/>
-          </a:ln>
-        </p:spPr>
-        <p:style>
-          <a:lnRef idx="0">
-            <a:scrgbClr r="0" g="0" b="0"/>
-          </a:lnRef>
-          <a:fillRef idx="0">
-            <a:scrgbClr r="0" g="0" b="0"/>
-          </a:fillRef>
-          <a:effectRef idx="0">
-            <a:scrgbClr r="0" g="0" b="0"/>
-          </a:effectRef>
-          <a:fontRef idx="minor">
-            <a:schemeClr val="tx1"/>
-          </a:fontRef>
-        </p:style>
+          <a:noFill/>
+        </p:spPr>
         <p:txBody>
           <a:bodyPr wrap="square" rtlCol="0">
             <a:spAutoFit/>
@@ -9033,7 +8860,7 @@
           <a:p>
             <a:r>
               <a:rPr lang="en-US" dirty="0" smtClean="0"/>
-              <a:t>500 Each</a:t>
+              <a:t>333.33 Each</a:t>
             </a:r>
             <a:endParaRPr lang="en-US" dirty="0"/>
           </a:p>
@@ -9053,30 +8880,8 @@
           <a:prstGeom prst="rect">
             <a:avLst/>
           </a:prstGeom>
-          <a:ln w="9525" cap="flat" cmpd="sng" algn="ctr">
-            <a:solidFill>
-              <a:schemeClr val="dk1"/>
-            </a:solidFill>
-            <a:prstDash val="solid"/>
-            <a:round/>
-            <a:headEnd type="arrow" w="med" len="med"/>
-            <a:tailEnd type="arrow" w="med" len="med"/>
-          </a:ln>
-        </p:spPr>
-        <p:style>
-          <a:lnRef idx="0">
-            <a:scrgbClr r="0" g="0" b="0"/>
-          </a:lnRef>
-          <a:fillRef idx="0">
-            <a:scrgbClr r="0" g="0" b="0"/>
-          </a:fillRef>
-          <a:effectRef idx="0">
-            <a:scrgbClr r="0" g="0" b="0"/>
-          </a:effectRef>
-          <a:fontRef idx="minor">
-            <a:schemeClr val="tx1"/>
-          </a:fontRef>
-        </p:style>
+          <a:noFill/>
+        </p:spPr>
         <p:txBody>
           <a:bodyPr wrap="square" rtlCol="0">
             <a:spAutoFit/>
@@ -9105,30 +8910,8 @@
           <a:prstGeom prst="rect">
             <a:avLst/>
           </a:prstGeom>
-          <a:ln w="9525" cap="flat" cmpd="sng" algn="ctr">
-            <a:solidFill>
-              <a:schemeClr val="dk1"/>
-            </a:solidFill>
-            <a:prstDash val="solid"/>
-            <a:round/>
-            <a:headEnd type="arrow" w="med" len="med"/>
-            <a:tailEnd type="arrow" w="med" len="med"/>
-          </a:ln>
-        </p:spPr>
-        <p:style>
-          <a:lnRef idx="0">
-            <a:scrgbClr r="0" g="0" b="0"/>
-          </a:lnRef>
-          <a:fillRef idx="0">
-            <a:scrgbClr r="0" g="0" b="0"/>
-          </a:fillRef>
-          <a:effectRef idx="0">
-            <a:scrgbClr r="0" g="0" b="0"/>
-          </a:effectRef>
-          <a:fontRef idx="minor">
-            <a:schemeClr val="tx1"/>
-          </a:fontRef>
-        </p:style>
+          <a:noFill/>
+        </p:spPr>
         <p:txBody>
           <a:bodyPr wrap="square" rtlCol="0">
             <a:spAutoFit/>
@@ -9137,7 +8920,7 @@
           <a:p>
             <a:r>
               <a:rPr lang="en-US" dirty="0" smtClean="0"/>
-              <a:t>250 Each</a:t>
+              <a:t>125 Each</a:t>
             </a:r>
             <a:endParaRPr lang="en-US" dirty="0"/>
           </a:p>
@@ -9167,7 +8950,7 @@
           <a:p>
             <a:r>
               <a:rPr lang="en-US" dirty="0" smtClean="0"/>
-              <a:t>1125</a:t>
+              <a:t>833.33</a:t>
             </a:r>
             <a:endParaRPr lang="en-US" dirty="0"/>
           </a:p>
@@ -9197,7 +8980,7 @@
           <a:p>
             <a:r>
               <a:rPr lang="en-US" dirty="0" smtClean="0"/>
-              <a:t>750</a:t>
+              <a:t>458.33</a:t>
             </a:r>
             <a:endParaRPr lang="en-US" dirty="0"/>
           </a:p>
@@ -9227,22 +9010,22 @@
           <a:p>
             <a:r>
               <a:rPr lang="en-US" dirty="0" smtClean="0"/>
-              <a:t>375</a:t>
-            </a:r>
-            <a:endParaRPr lang="en-US" dirty="0"/>
-          </a:p>
-        </p:txBody>
-      </p:sp>
-      <p:sp>
-        <p:nvSpPr>
-          <p:cNvPr id="33" name="TextBox 32"/>
+              <a:t>500</a:t>
+            </a:r>
+            <a:endParaRPr lang="en-US" dirty="0"/>
+          </a:p>
+        </p:txBody>
+      </p:sp>
+      <p:sp>
+        <p:nvSpPr>
+          <p:cNvPr id="31" name="TextBox 30"/>
           <p:cNvSpPr txBox="1"/>
           <p:nvPr/>
         </p:nvSpPr>
         <p:spPr>
           <a:xfrm>
-            <a:off x="2286000" y="5721928"/>
-            <a:ext cx="1399309" cy="646331"/>
+            <a:off x="5444836" y="4941439"/>
+            <a:ext cx="891325" cy="369332"/>
           </a:xfrm>
           <a:prstGeom prst="rect">
             <a:avLst/>
@@ -9257,28 +9040,22 @@
           <a:p>
             <a:r>
               <a:rPr lang="en-US" dirty="0" smtClean="0"/>
-              <a:t>RA1- True</a:t>
-            </a:r>
-          </a:p>
-          <a:p>
-            <a:r>
-              <a:rPr lang="en-US" dirty="0" smtClean="0"/>
-              <a:t>RA2- True</a:t>
-            </a:r>
-            <a:endParaRPr lang="en-US" dirty="0"/>
-          </a:p>
-        </p:txBody>
-      </p:sp>
-      <p:sp>
-        <p:nvSpPr>
-          <p:cNvPr id="24" name="TextBox 23"/>
+              <a:t>458.33</a:t>
+            </a:r>
+            <a:endParaRPr lang="en-US" dirty="0"/>
+          </a:p>
+        </p:txBody>
+      </p:sp>
+      <p:sp>
+        <p:nvSpPr>
+          <p:cNvPr id="33" name="TextBox 32"/>
           <p:cNvSpPr txBox="1"/>
           <p:nvPr/>
         </p:nvSpPr>
         <p:spPr>
           <a:xfrm>
-            <a:off x="1847266" y="-22970"/>
-            <a:ext cx="3856198" cy="369332"/>
+            <a:off x="2286000" y="5721928"/>
+            <a:ext cx="1399309" cy="646331"/>
           </a:xfrm>
           <a:prstGeom prst="rect">
             <a:avLst/>
@@ -9293,7 +9070,13 @@
           <a:p>
             <a:r>
               <a:rPr lang="en-US" dirty="0" smtClean="0"/>
-              <a:t>Split with top 2 Applicants</a:t>
+              <a:t>RA1- False</a:t>
+            </a:r>
+          </a:p>
+          <a:p>
+            <a:r>
+              <a:rPr lang="en-US" dirty="0" smtClean="0"/>
+              <a:t>RA2- True</a:t>
             </a:r>
             <a:endParaRPr lang="en-US" dirty="0"/>
           </a:p>
@@ -9302,7 +9085,7 @@
     </p:spTree>
     <p:extLst>
       <p:ext uri="{BB962C8B-B14F-4D97-AF65-F5344CB8AC3E}">
-        <p14:creationId xmlns:p14="http://schemas.microsoft.com/office/powerpoint/2010/main" val="3423954500"/>
+        <p14:creationId xmlns:p14="http://schemas.microsoft.com/office/powerpoint/2010/main" val="390298605"/>
       </p:ext>
     </p:extLst>
   </p:cSld>
@@ -9704,7 +9487,7 @@
         <p:spPr>
           <a:xfrm>
             <a:off x="6525491" y="1066800"/>
-            <a:ext cx="2909454" cy="923330"/>
+            <a:ext cx="2535382" cy="923330"/>
           </a:xfrm>
           <a:prstGeom prst="rect">
             <a:avLst/>
@@ -9719,7 +9502,17 @@
           <a:p>
             <a:r>
               <a:rPr lang="en-US" dirty="0" smtClean="0"/>
-              <a:t>Split with all qualified applicants with minimum amount given</a:t>
+              <a:t>Algorithm 6:</a:t>
+            </a:r>
+          </a:p>
+          <a:p>
+            <a:r>
+              <a:rPr lang="en-US" dirty="0" smtClean="0"/>
+              <a:t>Split </a:t>
+            </a:r>
+            <a:r>
+              <a:rPr lang="en-US" dirty="0" smtClean="0"/>
+              <a:t>with minimum qualified applicants</a:t>
             </a:r>
             <a:endParaRPr lang="en-US" dirty="0"/>
           </a:p>
@@ -9825,25 +9618,16 @@
           <a:prstGeom prst="line">
             <a:avLst/>
           </a:prstGeom>
-          <a:ln w="9525" cap="flat" cmpd="sng" algn="ctr">
-            <a:solidFill>
-              <a:schemeClr val="dk1"/>
-            </a:solidFill>
-            <a:prstDash val="solid"/>
-            <a:round/>
-            <a:headEnd type="arrow" w="med" len="med"/>
-            <a:tailEnd type="arrow" w="med" len="med"/>
-          </a:ln>
         </p:spPr>
         <p:style>
-          <a:lnRef idx="0">
-            <a:scrgbClr r="0" g="0" b="0"/>
+          <a:lnRef idx="1">
+            <a:schemeClr val="accent1"/>
           </a:lnRef>
           <a:fillRef idx="0">
-            <a:scrgbClr r="0" g="0" b="0"/>
+            <a:schemeClr val="accent1"/>
           </a:fillRef>
           <a:effectRef idx="0">
-            <a:scrgbClr r="0" g="0" b="0"/>
+            <a:schemeClr val="accent1"/>
           </a:effectRef>
           <a:fontRef idx="minor">
             <a:schemeClr val="tx1"/>
@@ -10182,7 +9966,7 @@
         <p:spPr>
           <a:xfrm>
             <a:off x="6525491" y="2306782"/>
-            <a:ext cx="2909454" cy="3970318"/>
+            <a:ext cx="2909454" cy="1477328"/>
           </a:xfrm>
           <a:prstGeom prst="rect">
             <a:avLst/>
@@ -10197,7 +9981,15 @@
           <a:p>
             <a:r>
               <a:rPr lang="en-US" dirty="0" smtClean="0"/>
-              <a:t>If we split the award amount among all the two applicants but limit the amount to 250, we actually end up with both rational assumptions being met in this particular case. Note some awards are greater than 250, it just cannot be split below 250. If the minimum was 500, S3 would only award 1 scholarship for 500.</a:t>
+              <a:t>If we split the award amount among all the two applicants, the amount given for </a:t>
+            </a:r>
+            <a:r>
+              <a:rPr lang="en-US" smtClean="0"/>
+              <a:t>each applicant </a:t>
+            </a:r>
+            <a:r>
+              <a:rPr lang="en-US" dirty="0" smtClean="0"/>
+              <a:t>can still be distorted.</a:t>
             </a:r>
             <a:endParaRPr lang="en-US" dirty="0"/>
           </a:p>
@@ -10249,7 +10041,7 @@
           <a:p>
             <a:r>
               <a:rPr lang="en-US" dirty="0" smtClean="0"/>
-              <a:t>333.33 Each</a:t>
+              <a:t>500 Each</a:t>
             </a:r>
             <a:endParaRPr lang="en-US" dirty="0"/>
           </a:p>
@@ -10368,7 +10160,7 @@
         <p:spPr>
           <a:xfrm>
             <a:off x="5375562" y="872838"/>
-            <a:ext cx="1016018" cy="369332"/>
+            <a:ext cx="960599" cy="369332"/>
           </a:xfrm>
           <a:prstGeom prst="rect">
             <a:avLst/>
@@ -10383,7 +10175,7 @@
           <a:p>
             <a:r>
               <a:rPr lang="en-US" dirty="0" smtClean="0"/>
-              <a:t>1125.33</a:t>
+              <a:t>1125</a:t>
             </a:r>
             <a:endParaRPr lang="en-US" dirty="0"/>
           </a:p>
@@ -10413,7 +10205,7 @@
           <a:p>
             <a:r>
               <a:rPr lang="en-US" dirty="0" smtClean="0"/>
-              <a:t>538.33</a:t>
+              <a:t>750</a:t>
             </a:r>
             <a:endParaRPr lang="en-US" dirty="0"/>
           </a:p>
@@ -10493,8 +10285,8 @@
         </p:nvSpPr>
         <p:spPr>
           <a:xfrm>
-            <a:off x="1366979" y="-52540"/>
-            <a:ext cx="4678225" cy="369332"/>
+            <a:off x="1847266" y="-22970"/>
+            <a:ext cx="3856198" cy="369332"/>
           </a:xfrm>
           <a:prstGeom prst="rect">
             <a:avLst/>
@@ -10509,37 +10301,7 @@
           <a:p>
             <a:r>
               <a:rPr lang="en-US" dirty="0" smtClean="0"/>
-              <a:t>Split with all -250 Minimum</a:t>
-            </a:r>
-            <a:endParaRPr lang="en-US" dirty="0"/>
-          </a:p>
-        </p:txBody>
-      </p:sp>
-      <p:sp>
-        <p:nvSpPr>
-          <p:cNvPr id="35" name="TextBox 34"/>
-          <p:cNvSpPr txBox="1"/>
-          <p:nvPr/>
-        </p:nvSpPr>
-        <p:spPr>
-          <a:xfrm>
-            <a:off x="5527936" y="4941439"/>
-            <a:ext cx="891325" cy="370609"/>
-          </a:xfrm>
-          <a:prstGeom prst="rect">
-            <a:avLst/>
-          </a:prstGeom>
-          <a:noFill/>
-        </p:spPr>
-        <p:txBody>
-          <a:bodyPr wrap="square" rtlCol="0">
-            <a:spAutoFit/>
-          </a:bodyPr>
-          <a:lstStyle/>
-          <a:p>
-            <a:r>
-              <a:rPr lang="en-US" dirty="0" smtClean="0"/>
-              <a:t>333.33</a:t>
+              <a:t>Split with top 2 Applicants</a:t>
             </a:r>
             <a:endParaRPr lang="en-US" dirty="0"/>
           </a:p>
@@ -10548,7 +10310,7 @@
     </p:spTree>
     <p:extLst>
       <p:ext uri="{BB962C8B-B14F-4D97-AF65-F5344CB8AC3E}">
-        <p14:creationId xmlns:p14="http://schemas.microsoft.com/office/powerpoint/2010/main" val="1199791160"/>
+        <p14:creationId xmlns:p14="http://schemas.microsoft.com/office/powerpoint/2010/main" val="3423954500"/>
       </p:ext>
     </p:extLst>
   </p:cSld>
@@ -10584,82 +10346,1218 @@
       </p:grpSpPr>
       <p:sp>
         <p:nvSpPr>
-          <p:cNvPr id="2" name="Title 1"/>
-          <p:cNvSpPr>
-            <a:spLocks noGrp="1"/>
-          </p:cNvSpPr>
-          <p:nvPr>
-            <p:ph type="title"/>
-          </p:nvPr>
-        </p:nvSpPr>
-        <p:spPr/>
-        <p:txBody>
-          <a:bodyPr/>
-          <a:lstStyle/>
-          <a:p>
-            <a:r>
-              <a:rPr lang="en-US" dirty="0" smtClean="0"/>
-              <a:t>Which method should we use?</a:t>
-            </a:r>
-            <a:endParaRPr lang="en-US" dirty="0"/>
-          </a:p>
-        </p:txBody>
-      </p:sp>
-      <p:sp>
-        <p:nvSpPr>
-          <p:cNvPr id="3" name="Content Placeholder 2"/>
-          <p:cNvSpPr>
-            <a:spLocks noGrp="1"/>
-          </p:cNvSpPr>
-          <p:nvPr>
-            <p:ph idx="1"/>
-          </p:nvPr>
-        </p:nvSpPr>
-        <p:spPr/>
-        <p:txBody>
-          <a:bodyPr/>
-          <a:lstStyle/>
-          <a:p>
-            <a:r>
-              <a:rPr lang="en-US" dirty="0" smtClean="0"/>
-              <a:t>Each of the previous seven algorithms has legitimate claim to be </a:t>
-            </a:r>
-            <a:r>
-              <a:rPr lang="en-US" dirty="0" smtClean="0"/>
-              <a:t>fair </a:t>
-            </a:r>
-            <a:r>
-              <a:rPr lang="en-US" dirty="0" smtClean="0"/>
-              <a:t>way to award the scholarships</a:t>
-            </a:r>
-          </a:p>
-          <a:p>
-            <a:r>
-              <a:rPr lang="en-US" dirty="0" smtClean="0"/>
-              <a:t>However, methods which support RA1 or RA2 have a greater claim to logical fairness than methods that don’t with RA1 support the most </a:t>
-            </a:r>
-            <a:r>
-              <a:rPr lang="en-US" dirty="0" smtClean="0"/>
-              <a:t>fair</a:t>
-            </a:r>
-          </a:p>
-          <a:p>
-            <a:r>
-              <a:rPr lang="en-US" dirty="0" smtClean="0"/>
-              <a:t>It could also be that the committee would favor an algorithm that gave to more applicants for various reasons</a:t>
-            </a:r>
-            <a:endParaRPr lang="en-US" dirty="0" smtClean="0"/>
-          </a:p>
-          <a:p>
-            <a:r>
-              <a:rPr lang="en-US" dirty="0" smtClean="0"/>
-              <a:t>It is not obvious until after calculation which of these algorithms will yield these results</a:t>
-            </a:r>
-          </a:p>
-          <a:p>
-            <a:r>
-              <a:rPr lang="en-US" dirty="0" smtClean="0"/>
-              <a:t>What I propose to create is a system which will calculate each algorithm and yield results to the user with their compliance with RA1 and RA2</a:t>
+          <p:cNvPr id="4" name="Oval 3"/>
+          <p:cNvSpPr/>
+          <p:nvPr/>
+        </p:nvSpPr>
+        <p:spPr>
+          <a:xfrm>
+            <a:off x="831273" y="609600"/>
+            <a:ext cx="914400" cy="914400"/>
+          </a:xfrm>
+          <a:prstGeom prst="ellipse">
+            <a:avLst/>
+          </a:prstGeom>
+        </p:spPr>
+        <p:style>
+          <a:lnRef idx="2">
+            <a:schemeClr val="accent1">
+              <a:shade val="50000"/>
+            </a:schemeClr>
+          </a:lnRef>
+          <a:fillRef idx="1">
+            <a:schemeClr val="accent1"/>
+          </a:fillRef>
+          <a:effectRef idx="0">
+            <a:schemeClr val="accent1"/>
+          </a:effectRef>
+          <a:fontRef idx="minor">
+            <a:schemeClr val="lt1"/>
+          </a:fontRef>
+        </p:style>
+        <p:txBody>
+          <a:bodyPr rtlCol="0" anchor="ctr"/>
+          <a:lstStyle/>
+          <a:p>
+            <a:pPr algn="ctr"/>
+            <a:r>
+              <a:rPr lang="en-US" dirty="0" smtClean="0"/>
+              <a:t>S1</a:t>
+            </a:r>
+            <a:endParaRPr lang="en-US" dirty="0"/>
+          </a:p>
+        </p:txBody>
+      </p:sp>
+      <p:sp>
+        <p:nvSpPr>
+          <p:cNvPr id="5" name="Oval 4"/>
+          <p:cNvSpPr/>
+          <p:nvPr/>
+        </p:nvSpPr>
+        <p:spPr>
+          <a:xfrm>
+            <a:off x="831273" y="2154382"/>
+            <a:ext cx="914400" cy="914400"/>
+          </a:xfrm>
+          <a:prstGeom prst="ellipse">
+            <a:avLst/>
+          </a:prstGeom>
+        </p:spPr>
+        <p:style>
+          <a:lnRef idx="2">
+            <a:schemeClr val="accent1">
+              <a:shade val="50000"/>
+            </a:schemeClr>
+          </a:lnRef>
+          <a:fillRef idx="1">
+            <a:schemeClr val="accent1"/>
+          </a:fillRef>
+          <a:effectRef idx="0">
+            <a:schemeClr val="accent1"/>
+          </a:effectRef>
+          <a:fontRef idx="minor">
+            <a:schemeClr val="lt1"/>
+          </a:fontRef>
+        </p:style>
+        <p:txBody>
+          <a:bodyPr rtlCol="0" anchor="ctr"/>
+          <a:lstStyle/>
+          <a:p>
+            <a:pPr algn="ctr"/>
+            <a:r>
+              <a:rPr lang="en-US" dirty="0" smtClean="0"/>
+              <a:t>S2</a:t>
+            </a:r>
+            <a:endParaRPr lang="en-US" dirty="0"/>
+          </a:p>
+        </p:txBody>
+      </p:sp>
+      <p:sp>
+        <p:nvSpPr>
+          <p:cNvPr id="6" name="Oval 5"/>
+          <p:cNvSpPr/>
+          <p:nvPr/>
+        </p:nvSpPr>
+        <p:spPr>
+          <a:xfrm>
+            <a:off x="831273" y="3699164"/>
+            <a:ext cx="914400" cy="914400"/>
+          </a:xfrm>
+          <a:prstGeom prst="ellipse">
+            <a:avLst/>
+          </a:prstGeom>
+        </p:spPr>
+        <p:style>
+          <a:lnRef idx="2">
+            <a:schemeClr val="accent1">
+              <a:shade val="50000"/>
+            </a:schemeClr>
+          </a:lnRef>
+          <a:fillRef idx="1">
+            <a:schemeClr val="accent1"/>
+          </a:fillRef>
+          <a:effectRef idx="0">
+            <a:schemeClr val="accent1"/>
+          </a:effectRef>
+          <a:fontRef idx="minor">
+            <a:schemeClr val="lt1"/>
+          </a:fontRef>
+        </p:style>
+        <p:txBody>
+          <a:bodyPr rtlCol="0" anchor="ctr"/>
+          <a:lstStyle/>
+          <a:p>
+            <a:pPr algn="ctr"/>
+            <a:r>
+              <a:rPr lang="en-US" dirty="0" smtClean="0"/>
+              <a:t>S3</a:t>
+            </a:r>
+            <a:endParaRPr lang="en-US" dirty="0"/>
+          </a:p>
+        </p:txBody>
+      </p:sp>
+      <p:sp>
+        <p:nvSpPr>
+          <p:cNvPr id="8" name="Oval 7"/>
+          <p:cNvSpPr/>
+          <p:nvPr/>
+        </p:nvSpPr>
+        <p:spPr>
+          <a:xfrm>
+            <a:off x="4405745" y="609600"/>
+            <a:ext cx="914400" cy="914400"/>
+          </a:xfrm>
+          <a:prstGeom prst="ellipse">
+            <a:avLst/>
+          </a:prstGeom>
+        </p:spPr>
+        <p:style>
+          <a:lnRef idx="2">
+            <a:schemeClr val="accent6"/>
+          </a:lnRef>
+          <a:fillRef idx="1">
+            <a:schemeClr val="lt1"/>
+          </a:fillRef>
+          <a:effectRef idx="0">
+            <a:schemeClr val="accent6"/>
+          </a:effectRef>
+          <a:fontRef idx="minor">
+            <a:schemeClr val="dk1"/>
+          </a:fontRef>
+        </p:style>
+        <p:txBody>
+          <a:bodyPr rtlCol="0" anchor="ctr"/>
+          <a:lstStyle/>
+          <a:p>
+            <a:pPr algn="ctr"/>
+            <a:r>
+              <a:rPr lang="en-US" dirty="0" smtClean="0"/>
+              <a:t>A1</a:t>
+            </a:r>
+            <a:endParaRPr lang="en-US" dirty="0"/>
+          </a:p>
+        </p:txBody>
+      </p:sp>
+      <p:sp>
+        <p:nvSpPr>
+          <p:cNvPr id="9" name="Oval 8"/>
+          <p:cNvSpPr/>
+          <p:nvPr/>
+        </p:nvSpPr>
+        <p:spPr>
+          <a:xfrm>
+            <a:off x="4461163" y="1849582"/>
+            <a:ext cx="914400" cy="914400"/>
+          </a:xfrm>
+          <a:prstGeom prst="ellipse">
+            <a:avLst/>
+          </a:prstGeom>
+        </p:spPr>
+        <p:style>
+          <a:lnRef idx="2">
+            <a:schemeClr val="accent6"/>
+          </a:lnRef>
+          <a:fillRef idx="1">
+            <a:schemeClr val="lt1"/>
+          </a:fillRef>
+          <a:effectRef idx="0">
+            <a:schemeClr val="accent6"/>
+          </a:effectRef>
+          <a:fontRef idx="minor">
+            <a:schemeClr val="dk1"/>
+          </a:fontRef>
+        </p:style>
+        <p:txBody>
+          <a:bodyPr rtlCol="0" anchor="ctr"/>
+          <a:lstStyle/>
+          <a:p>
+            <a:pPr algn="ctr"/>
+            <a:r>
+              <a:rPr lang="en-US" dirty="0" smtClean="0"/>
+              <a:t>A2</a:t>
+            </a:r>
+            <a:endParaRPr lang="en-US" dirty="0"/>
+          </a:p>
+        </p:txBody>
+      </p:sp>
+      <p:sp>
+        <p:nvSpPr>
+          <p:cNvPr id="10" name="Oval 9"/>
+          <p:cNvSpPr/>
+          <p:nvPr/>
+        </p:nvSpPr>
+        <p:spPr>
+          <a:xfrm>
+            <a:off x="4461163" y="3328555"/>
+            <a:ext cx="914400" cy="914400"/>
+          </a:xfrm>
+          <a:prstGeom prst="ellipse">
+            <a:avLst/>
+          </a:prstGeom>
+        </p:spPr>
+        <p:style>
+          <a:lnRef idx="2">
+            <a:schemeClr val="accent6"/>
+          </a:lnRef>
+          <a:fillRef idx="1">
+            <a:schemeClr val="lt1"/>
+          </a:fillRef>
+          <a:effectRef idx="0">
+            <a:schemeClr val="accent6"/>
+          </a:effectRef>
+          <a:fontRef idx="minor">
+            <a:schemeClr val="dk1"/>
+          </a:fontRef>
+        </p:style>
+        <p:txBody>
+          <a:bodyPr rtlCol="0" anchor="ctr"/>
+          <a:lstStyle/>
+          <a:p>
+            <a:pPr algn="ctr"/>
+            <a:r>
+              <a:rPr lang="en-US" dirty="0" smtClean="0"/>
+              <a:t>A3</a:t>
+            </a:r>
+            <a:endParaRPr lang="en-US" dirty="0"/>
+          </a:p>
+        </p:txBody>
+      </p:sp>
+      <p:sp>
+        <p:nvSpPr>
+          <p:cNvPr id="11" name="Oval 10"/>
+          <p:cNvSpPr/>
+          <p:nvPr/>
+        </p:nvSpPr>
+        <p:spPr>
+          <a:xfrm>
+            <a:off x="4461163" y="4807528"/>
+            <a:ext cx="914400" cy="914400"/>
+          </a:xfrm>
+          <a:prstGeom prst="ellipse">
+            <a:avLst/>
+          </a:prstGeom>
+        </p:spPr>
+        <p:style>
+          <a:lnRef idx="2">
+            <a:schemeClr val="accent6"/>
+          </a:lnRef>
+          <a:fillRef idx="1">
+            <a:schemeClr val="lt1"/>
+          </a:fillRef>
+          <a:effectRef idx="0">
+            <a:schemeClr val="accent6"/>
+          </a:effectRef>
+          <a:fontRef idx="minor">
+            <a:schemeClr val="dk1"/>
+          </a:fontRef>
+        </p:style>
+        <p:txBody>
+          <a:bodyPr rtlCol="0" anchor="ctr"/>
+          <a:lstStyle/>
+          <a:p>
+            <a:pPr algn="ctr"/>
+            <a:r>
+              <a:rPr lang="en-US" dirty="0" smtClean="0"/>
+              <a:t>A4</a:t>
+            </a:r>
+            <a:endParaRPr lang="en-US" dirty="0"/>
+          </a:p>
+        </p:txBody>
+      </p:sp>
+      <p:sp>
+        <p:nvSpPr>
+          <p:cNvPr id="12" name="TextBox 11"/>
+          <p:cNvSpPr txBox="1"/>
+          <p:nvPr/>
+        </p:nvSpPr>
+        <p:spPr>
+          <a:xfrm>
+            <a:off x="678873" y="240268"/>
+            <a:ext cx="2493818" cy="369332"/>
+          </a:xfrm>
+          <a:prstGeom prst="rect">
+            <a:avLst/>
+          </a:prstGeom>
+          <a:noFill/>
+        </p:spPr>
+        <p:txBody>
+          <a:bodyPr wrap="square" rtlCol="0">
+            <a:spAutoFit/>
+          </a:bodyPr>
+          <a:lstStyle/>
+          <a:p>
+            <a:r>
+              <a:rPr lang="en-US" dirty="0" smtClean="0"/>
+              <a:t>Scholarships</a:t>
+            </a:r>
+            <a:endParaRPr lang="en-US" dirty="0"/>
+          </a:p>
+        </p:txBody>
+      </p:sp>
+      <p:sp>
+        <p:nvSpPr>
+          <p:cNvPr id="13" name="TextBox 12"/>
+          <p:cNvSpPr txBox="1"/>
+          <p:nvPr/>
+        </p:nvSpPr>
+        <p:spPr>
+          <a:xfrm>
+            <a:off x="4239491" y="240268"/>
+            <a:ext cx="1551709" cy="369332"/>
+          </a:xfrm>
+          <a:prstGeom prst="rect">
+            <a:avLst/>
+          </a:prstGeom>
+          <a:noFill/>
+        </p:spPr>
+        <p:txBody>
+          <a:bodyPr wrap="square" rtlCol="0">
+            <a:spAutoFit/>
+          </a:bodyPr>
+          <a:lstStyle/>
+          <a:p>
+            <a:r>
+              <a:rPr lang="en-US" dirty="0" smtClean="0"/>
+              <a:t>Applicants</a:t>
+            </a:r>
+          </a:p>
+        </p:txBody>
+      </p:sp>
+      <p:sp>
+        <p:nvSpPr>
+          <p:cNvPr id="14" name="TextBox 13"/>
+          <p:cNvSpPr txBox="1"/>
+          <p:nvPr/>
+        </p:nvSpPr>
+        <p:spPr>
+          <a:xfrm>
+            <a:off x="6525491" y="1066800"/>
+            <a:ext cx="2909454" cy="1200329"/>
+          </a:xfrm>
+          <a:prstGeom prst="rect">
+            <a:avLst/>
+          </a:prstGeom>
+          <a:noFill/>
+        </p:spPr>
+        <p:txBody>
+          <a:bodyPr wrap="square" rtlCol="0">
+            <a:spAutoFit/>
+          </a:bodyPr>
+          <a:lstStyle/>
+          <a:p>
+            <a:r>
+              <a:rPr lang="en-US" dirty="0" smtClean="0"/>
+              <a:t>Algorithm 7:</a:t>
+            </a:r>
+          </a:p>
+          <a:p>
+            <a:r>
+              <a:rPr lang="en-US" dirty="0" smtClean="0"/>
+              <a:t>Split </a:t>
+            </a:r>
+            <a:r>
+              <a:rPr lang="en-US" dirty="0" smtClean="0"/>
+              <a:t>with all qualified applicants with minimum amount given</a:t>
+            </a:r>
+            <a:endParaRPr lang="en-US" dirty="0"/>
+          </a:p>
+        </p:txBody>
+      </p:sp>
+      <p:cxnSp>
+        <p:nvCxnSpPr>
+          <p:cNvPr id="3" name="Straight Connector 2"/>
+          <p:cNvCxnSpPr>
+            <a:stCxn id="4" idx="6"/>
+            <a:endCxn id="8" idx="2"/>
+          </p:cNvCxnSpPr>
+          <p:nvPr/>
+        </p:nvCxnSpPr>
+        <p:spPr>
+          <a:xfrm>
+            <a:off x="1745673" y="1066800"/>
+            <a:ext cx="2660072" cy="0"/>
+          </a:xfrm>
+          <a:prstGeom prst="line">
+            <a:avLst/>
+          </a:prstGeom>
+          <a:ln w="9525" cap="flat" cmpd="sng" algn="ctr">
+            <a:solidFill>
+              <a:schemeClr val="dk1"/>
+            </a:solidFill>
+            <a:prstDash val="solid"/>
+            <a:round/>
+            <a:headEnd type="arrow" w="med" len="med"/>
+            <a:tailEnd type="arrow" w="med" len="med"/>
+          </a:ln>
+        </p:spPr>
+        <p:style>
+          <a:lnRef idx="0">
+            <a:scrgbClr r="0" g="0" b="0"/>
+          </a:lnRef>
+          <a:fillRef idx="0">
+            <a:scrgbClr r="0" g="0" b="0"/>
+          </a:fillRef>
+          <a:effectRef idx="0">
+            <a:scrgbClr r="0" g="0" b="0"/>
+          </a:effectRef>
+          <a:fontRef idx="minor">
+            <a:schemeClr val="tx1"/>
+          </a:fontRef>
+        </p:style>
+      </p:cxnSp>
+      <p:cxnSp>
+        <p:nvCxnSpPr>
+          <p:cNvPr id="17" name="Straight Connector 16"/>
+          <p:cNvCxnSpPr>
+            <a:stCxn id="4" idx="5"/>
+            <a:endCxn id="9" idx="2"/>
+          </p:cNvCxnSpPr>
+          <p:nvPr/>
+        </p:nvCxnSpPr>
+        <p:spPr>
+          <a:xfrm>
+            <a:off x="1611762" y="1390089"/>
+            <a:ext cx="2849401" cy="916693"/>
+          </a:xfrm>
+          <a:prstGeom prst="line">
+            <a:avLst/>
+          </a:prstGeom>
+          <a:ln w="9525" cap="flat" cmpd="sng" algn="ctr">
+            <a:solidFill>
+              <a:schemeClr val="dk1"/>
+            </a:solidFill>
+            <a:prstDash val="solid"/>
+            <a:round/>
+            <a:headEnd type="arrow" w="med" len="med"/>
+            <a:tailEnd type="arrow" w="med" len="med"/>
+          </a:ln>
+        </p:spPr>
+        <p:style>
+          <a:lnRef idx="0">
+            <a:scrgbClr r="0" g="0" b="0"/>
+          </a:lnRef>
+          <a:fillRef idx="0">
+            <a:scrgbClr r="0" g="0" b="0"/>
+          </a:fillRef>
+          <a:effectRef idx="0">
+            <a:scrgbClr r="0" g="0" b="0"/>
+          </a:effectRef>
+          <a:fontRef idx="minor">
+            <a:schemeClr val="tx1"/>
+          </a:fontRef>
+        </p:style>
+      </p:cxnSp>
+      <p:cxnSp>
+        <p:nvCxnSpPr>
+          <p:cNvPr id="20" name="Straight Connector 19"/>
+          <p:cNvCxnSpPr>
+            <a:endCxn id="11" idx="1"/>
+          </p:cNvCxnSpPr>
+          <p:nvPr/>
+        </p:nvCxnSpPr>
+        <p:spPr>
+          <a:xfrm>
+            <a:off x="1353137" y="1446654"/>
+            <a:ext cx="3241937" cy="3494785"/>
+          </a:xfrm>
+          <a:prstGeom prst="line">
+            <a:avLst/>
+          </a:prstGeom>
+          <a:ln w="9525" cap="flat" cmpd="sng" algn="ctr">
+            <a:solidFill>
+              <a:schemeClr val="dk1"/>
+            </a:solidFill>
+            <a:prstDash val="solid"/>
+            <a:round/>
+            <a:headEnd type="arrow" w="med" len="med"/>
+            <a:tailEnd type="arrow" w="med" len="med"/>
+          </a:ln>
+        </p:spPr>
+        <p:style>
+          <a:lnRef idx="0">
+            <a:scrgbClr r="0" g="0" b="0"/>
+          </a:lnRef>
+          <a:fillRef idx="0">
+            <a:scrgbClr r="0" g="0" b="0"/>
+          </a:fillRef>
+          <a:effectRef idx="0">
+            <a:scrgbClr r="0" g="0" b="0"/>
+          </a:effectRef>
+          <a:fontRef idx="minor">
+            <a:schemeClr val="tx1"/>
+          </a:fontRef>
+        </p:style>
+      </p:cxnSp>
+      <p:cxnSp>
+        <p:nvCxnSpPr>
+          <p:cNvPr id="21" name="Straight Connector 20"/>
+          <p:cNvCxnSpPr>
+            <a:endCxn id="10" idx="1"/>
+          </p:cNvCxnSpPr>
+          <p:nvPr/>
+        </p:nvCxnSpPr>
+        <p:spPr>
+          <a:xfrm>
+            <a:off x="1678718" y="2478817"/>
+            <a:ext cx="2916356" cy="983649"/>
+          </a:xfrm>
+          <a:prstGeom prst="line">
+            <a:avLst/>
+          </a:prstGeom>
+          <a:ln w="9525" cap="flat" cmpd="sng" algn="ctr">
+            <a:solidFill>
+              <a:schemeClr val="dk1"/>
+            </a:solidFill>
+            <a:prstDash val="solid"/>
+            <a:round/>
+            <a:headEnd type="arrow" w="med" len="med"/>
+            <a:tailEnd type="arrow" w="med" len="med"/>
+          </a:ln>
+        </p:spPr>
+        <p:style>
+          <a:lnRef idx="0">
+            <a:scrgbClr r="0" g="0" b="0"/>
+          </a:lnRef>
+          <a:fillRef idx="0">
+            <a:scrgbClr r="0" g="0" b="0"/>
+          </a:fillRef>
+          <a:effectRef idx="0">
+            <a:scrgbClr r="0" g="0" b="0"/>
+          </a:effectRef>
+          <a:fontRef idx="minor">
+            <a:schemeClr val="tx1"/>
+          </a:fontRef>
+        </p:style>
+      </p:cxnSp>
+      <p:cxnSp>
+        <p:nvCxnSpPr>
+          <p:cNvPr id="26" name="Straight Connector 25"/>
+          <p:cNvCxnSpPr>
+            <a:stCxn id="6" idx="6"/>
+            <a:endCxn id="9" idx="2"/>
+          </p:cNvCxnSpPr>
+          <p:nvPr/>
+        </p:nvCxnSpPr>
+        <p:spPr>
+          <a:xfrm flipV="1">
+            <a:off x="1745673" y="2306782"/>
+            <a:ext cx="2715490" cy="1849582"/>
+          </a:xfrm>
+          <a:prstGeom prst="line">
+            <a:avLst/>
+          </a:prstGeom>
+          <a:ln w="9525" cap="flat" cmpd="sng" algn="ctr">
+            <a:solidFill>
+              <a:schemeClr val="dk1"/>
+            </a:solidFill>
+            <a:prstDash val="solid"/>
+            <a:round/>
+            <a:headEnd type="arrow" w="med" len="med"/>
+            <a:tailEnd type="arrow" w="med" len="med"/>
+          </a:ln>
+        </p:spPr>
+        <p:style>
+          <a:lnRef idx="0">
+            <a:scrgbClr r="0" g="0" b="0"/>
+          </a:lnRef>
+          <a:fillRef idx="0">
+            <a:scrgbClr r="0" g="0" b="0"/>
+          </a:fillRef>
+          <a:effectRef idx="0">
+            <a:scrgbClr r="0" g="0" b="0"/>
+          </a:effectRef>
+          <a:fontRef idx="minor">
+            <a:schemeClr val="tx1"/>
+          </a:fontRef>
+        </p:style>
+      </p:cxnSp>
+      <p:cxnSp>
+        <p:nvCxnSpPr>
+          <p:cNvPr id="30" name="Straight Connector 29"/>
+          <p:cNvCxnSpPr>
+            <a:stCxn id="10" idx="2"/>
+            <a:endCxn id="6" idx="6"/>
+          </p:cNvCxnSpPr>
+          <p:nvPr/>
+        </p:nvCxnSpPr>
+        <p:spPr>
+          <a:xfrm flipH="1">
+            <a:off x="1745673" y="3785755"/>
+            <a:ext cx="2715490" cy="370609"/>
+          </a:xfrm>
+          <a:prstGeom prst="line">
+            <a:avLst/>
+          </a:prstGeom>
+        </p:spPr>
+        <p:style>
+          <a:lnRef idx="1">
+            <a:schemeClr val="accent1"/>
+          </a:lnRef>
+          <a:fillRef idx="0">
+            <a:schemeClr val="accent1"/>
+          </a:fillRef>
+          <a:effectRef idx="0">
+            <a:schemeClr val="accent1"/>
+          </a:effectRef>
+          <a:fontRef idx="minor">
+            <a:schemeClr val="tx1"/>
+          </a:fontRef>
+        </p:style>
+      </p:cxnSp>
+      <p:cxnSp>
+        <p:nvCxnSpPr>
+          <p:cNvPr id="32" name="Straight Connector 31"/>
+          <p:cNvCxnSpPr>
+            <a:stCxn id="8" idx="3"/>
+            <a:endCxn id="6" idx="7"/>
+          </p:cNvCxnSpPr>
+          <p:nvPr/>
+        </p:nvCxnSpPr>
+        <p:spPr>
+          <a:xfrm flipH="1">
+            <a:off x="1611762" y="1390089"/>
+            <a:ext cx="2927894" cy="2442986"/>
+          </a:xfrm>
+          <a:prstGeom prst="line">
+            <a:avLst/>
+          </a:prstGeom>
+          <a:ln w="9525" cap="flat" cmpd="sng" algn="ctr">
+            <a:solidFill>
+              <a:schemeClr val="dk1"/>
+            </a:solidFill>
+            <a:prstDash val="solid"/>
+            <a:round/>
+            <a:headEnd type="arrow" w="med" len="med"/>
+            <a:tailEnd type="arrow" w="med" len="med"/>
+          </a:ln>
+        </p:spPr>
+        <p:style>
+          <a:lnRef idx="0">
+            <a:scrgbClr r="0" g="0" b="0"/>
+          </a:lnRef>
+          <a:fillRef idx="0">
+            <a:scrgbClr r="0" g="0" b="0"/>
+          </a:fillRef>
+          <a:effectRef idx="0">
+            <a:scrgbClr r="0" g="0" b="0"/>
+          </a:effectRef>
+          <a:fontRef idx="minor">
+            <a:schemeClr val="tx1"/>
+          </a:fontRef>
+        </p:style>
+      </p:cxnSp>
+      <p:cxnSp>
+        <p:nvCxnSpPr>
+          <p:cNvPr id="34" name="Straight Connector 33"/>
+          <p:cNvCxnSpPr>
+            <a:stCxn id="11" idx="2"/>
+            <a:endCxn id="6" idx="5"/>
+          </p:cNvCxnSpPr>
+          <p:nvPr/>
+        </p:nvCxnSpPr>
+        <p:spPr>
+          <a:xfrm flipH="1" flipV="1">
+            <a:off x="1611762" y="4479653"/>
+            <a:ext cx="2849401" cy="785075"/>
+          </a:xfrm>
+          <a:prstGeom prst="line">
+            <a:avLst/>
+          </a:prstGeom>
+        </p:spPr>
+        <p:style>
+          <a:lnRef idx="1">
+            <a:schemeClr val="accent1"/>
+          </a:lnRef>
+          <a:fillRef idx="0">
+            <a:schemeClr val="accent1"/>
+          </a:fillRef>
+          <a:effectRef idx="0">
+            <a:schemeClr val="accent1"/>
+          </a:effectRef>
+          <a:fontRef idx="minor">
+            <a:schemeClr val="tx1"/>
+          </a:fontRef>
+        </p:style>
+      </p:cxnSp>
+      <p:cxnSp>
+        <p:nvCxnSpPr>
+          <p:cNvPr id="37" name="Straight Connector 36"/>
+          <p:cNvCxnSpPr>
+            <a:stCxn id="5" idx="6"/>
+            <a:endCxn id="8" idx="2"/>
+          </p:cNvCxnSpPr>
+          <p:nvPr/>
+        </p:nvCxnSpPr>
+        <p:spPr>
+          <a:xfrm flipV="1">
+            <a:off x="1745673" y="1066800"/>
+            <a:ext cx="2660072" cy="1544782"/>
+          </a:xfrm>
+          <a:prstGeom prst="line">
+            <a:avLst/>
+          </a:prstGeom>
+          <a:ln w="9525" cap="flat" cmpd="sng" algn="ctr">
+            <a:solidFill>
+              <a:schemeClr val="dk1"/>
+            </a:solidFill>
+            <a:prstDash val="solid"/>
+            <a:round/>
+            <a:headEnd type="arrow" w="med" len="med"/>
+            <a:tailEnd type="arrow" w="med" len="med"/>
+          </a:ln>
+        </p:spPr>
+        <p:style>
+          <a:lnRef idx="0">
+            <a:scrgbClr r="0" g="0" b="0"/>
+          </a:lnRef>
+          <a:fillRef idx="0">
+            <a:scrgbClr r="0" g="0" b="0"/>
+          </a:fillRef>
+          <a:effectRef idx="0">
+            <a:scrgbClr r="0" g="0" b="0"/>
+          </a:effectRef>
+          <a:fontRef idx="minor">
+            <a:schemeClr val="tx1"/>
+          </a:fontRef>
+        </p:style>
+      </p:cxnSp>
+      <p:sp>
+        <p:nvSpPr>
+          <p:cNvPr id="2" name="TextBox 1"/>
+          <p:cNvSpPr txBox="1"/>
+          <p:nvPr/>
+        </p:nvSpPr>
+        <p:spPr>
+          <a:xfrm>
+            <a:off x="27710" y="872838"/>
+            <a:ext cx="831273" cy="369332"/>
+          </a:xfrm>
+          <a:prstGeom prst="rect">
+            <a:avLst/>
+          </a:prstGeom>
+          <a:noFill/>
+        </p:spPr>
+        <p:txBody>
+          <a:bodyPr wrap="square" rtlCol="0">
+            <a:spAutoFit/>
+          </a:bodyPr>
+          <a:lstStyle/>
+          <a:p>
+            <a:r>
+              <a:rPr lang="en-US" dirty="0" smtClean="0"/>
+              <a:t>1000</a:t>
+            </a:r>
+            <a:endParaRPr lang="en-US" dirty="0"/>
+          </a:p>
+        </p:txBody>
+      </p:sp>
+      <p:sp>
+        <p:nvSpPr>
+          <p:cNvPr id="7" name="TextBox 6"/>
+          <p:cNvSpPr txBox="1"/>
+          <p:nvPr/>
+        </p:nvSpPr>
+        <p:spPr>
+          <a:xfrm>
+            <a:off x="166254" y="2478817"/>
+            <a:ext cx="637309" cy="369332"/>
+          </a:xfrm>
+          <a:prstGeom prst="rect">
+            <a:avLst/>
+          </a:prstGeom>
+          <a:noFill/>
+        </p:spPr>
+        <p:txBody>
+          <a:bodyPr wrap="square" rtlCol="0">
+            <a:spAutoFit/>
+          </a:bodyPr>
+          <a:lstStyle/>
+          <a:p>
+            <a:r>
+              <a:rPr lang="en-US" dirty="0" smtClean="0"/>
+              <a:t>750</a:t>
+            </a:r>
+            <a:endParaRPr lang="en-US" dirty="0"/>
+          </a:p>
+        </p:txBody>
+      </p:sp>
+      <p:sp>
+        <p:nvSpPr>
+          <p:cNvPr id="15" name="TextBox 14"/>
+          <p:cNvSpPr txBox="1"/>
+          <p:nvPr/>
+        </p:nvSpPr>
+        <p:spPr>
+          <a:xfrm>
+            <a:off x="207818" y="4059382"/>
+            <a:ext cx="568037" cy="369332"/>
+          </a:xfrm>
+          <a:prstGeom prst="rect">
+            <a:avLst/>
+          </a:prstGeom>
+          <a:noFill/>
+        </p:spPr>
+        <p:txBody>
+          <a:bodyPr wrap="square" rtlCol="0">
+            <a:spAutoFit/>
+          </a:bodyPr>
+          <a:lstStyle/>
+          <a:p>
+            <a:r>
+              <a:rPr lang="en-US" dirty="0" smtClean="0"/>
+              <a:t>500</a:t>
+            </a:r>
+            <a:endParaRPr lang="en-US" dirty="0"/>
+          </a:p>
+        </p:txBody>
+      </p:sp>
+      <p:sp>
+        <p:nvSpPr>
+          <p:cNvPr id="16" name="TextBox 15"/>
+          <p:cNvSpPr txBox="1"/>
+          <p:nvPr/>
+        </p:nvSpPr>
+        <p:spPr>
+          <a:xfrm>
+            <a:off x="6525491" y="2306782"/>
+            <a:ext cx="2909454" cy="3970318"/>
+          </a:xfrm>
+          <a:prstGeom prst="rect">
+            <a:avLst/>
+          </a:prstGeom>
+          <a:noFill/>
+        </p:spPr>
+        <p:txBody>
+          <a:bodyPr wrap="square" rtlCol="0">
+            <a:spAutoFit/>
+          </a:bodyPr>
+          <a:lstStyle/>
+          <a:p>
+            <a:r>
+              <a:rPr lang="en-US" dirty="0" smtClean="0"/>
+              <a:t>If we split the award amount among all the two applicants but limit the amount to 250, we actually end up with both rational assumptions being met in this particular case. Note some awards are greater than 250, it just cannot be split below 250. If the minimum was 500, S3 would only award 1 scholarship for 500.</a:t>
+            </a:r>
+            <a:endParaRPr lang="en-US" dirty="0"/>
+          </a:p>
+        </p:txBody>
+      </p:sp>
+      <p:sp>
+        <p:nvSpPr>
+          <p:cNvPr id="18" name="TextBox 17"/>
+          <p:cNvSpPr txBox="1"/>
+          <p:nvPr/>
+        </p:nvSpPr>
+        <p:spPr>
+          <a:xfrm>
+            <a:off x="1011383" y="586579"/>
+            <a:ext cx="1717964" cy="369332"/>
+          </a:xfrm>
+          <a:prstGeom prst="rect">
+            <a:avLst/>
+          </a:prstGeom>
+          <a:ln w="9525" cap="flat" cmpd="sng" algn="ctr">
+            <a:solidFill>
+              <a:schemeClr val="dk1"/>
+            </a:solidFill>
+            <a:prstDash val="solid"/>
+            <a:round/>
+            <a:headEnd type="arrow" w="med" len="med"/>
+            <a:tailEnd type="arrow" w="med" len="med"/>
+          </a:ln>
+        </p:spPr>
+        <p:style>
+          <a:lnRef idx="0">
+            <a:scrgbClr r="0" g="0" b="0"/>
+          </a:lnRef>
+          <a:fillRef idx="0">
+            <a:scrgbClr r="0" g="0" b="0"/>
+          </a:fillRef>
+          <a:effectRef idx="0">
+            <a:scrgbClr r="0" g="0" b="0"/>
+          </a:effectRef>
+          <a:fontRef idx="minor">
+            <a:schemeClr val="tx1"/>
+          </a:fontRef>
+        </p:style>
+        <p:txBody>
+          <a:bodyPr wrap="square" rtlCol="0">
+            <a:spAutoFit/>
+          </a:bodyPr>
+          <a:lstStyle/>
+          <a:p>
+            <a:r>
+              <a:rPr lang="en-US" dirty="0" smtClean="0"/>
+              <a:t>333.33 Each</a:t>
+            </a:r>
+            <a:endParaRPr lang="en-US" dirty="0"/>
+          </a:p>
+        </p:txBody>
+      </p:sp>
+      <p:sp>
+        <p:nvSpPr>
+          <p:cNvPr id="27" name="TextBox 26"/>
+          <p:cNvSpPr txBox="1"/>
+          <p:nvPr/>
+        </p:nvSpPr>
+        <p:spPr>
+          <a:xfrm>
+            <a:off x="1066800" y="2001474"/>
+            <a:ext cx="1717964" cy="369332"/>
+          </a:xfrm>
+          <a:prstGeom prst="rect">
+            <a:avLst/>
+          </a:prstGeom>
+          <a:ln w="9525" cap="flat" cmpd="sng" algn="ctr">
+            <a:solidFill>
+              <a:schemeClr val="dk1"/>
+            </a:solidFill>
+            <a:prstDash val="solid"/>
+            <a:round/>
+            <a:headEnd type="arrow" w="med" len="med"/>
+            <a:tailEnd type="arrow" w="med" len="med"/>
+          </a:ln>
+        </p:spPr>
+        <p:style>
+          <a:lnRef idx="0">
+            <a:scrgbClr r="0" g="0" b="0"/>
+          </a:lnRef>
+          <a:fillRef idx="0">
+            <a:scrgbClr r="0" g="0" b="0"/>
+          </a:fillRef>
+          <a:effectRef idx="0">
+            <a:scrgbClr r="0" g="0" b="0"/>
+          </a:effectRef>
+          <a:fontRef idx="minor">
+            <a:schemeClr val="tx1"/>
+          </a:fontRef>
+        </p:style>
+        <p:txBody>
+          <a:bodyPr wrap="square" rtlCol="0">
+            <a:spAutoFit/>
+          </a:bodyPr>
+          <a:lstStyle/>
+          <a:p>
+            <a:r>
+              <a:rPr lang="en-US" dirty="0" smtClean="0"/>
+              <a:t>375 Each</a:t>
+            </a:r>
+            <a:endParaRPr lang="en-US" dirty="0"/>
+          </a:p>
+        </p:txBody>
+      </p:sp>
+      <p:sp>
+        <p:nvSpPr>
+          <p:cNvPr id="28" name="TextBox 27"/>
+          <p:cNvSpPr txBox="1"/>
+          <p:nvPr/>
+        </p:nvSpPr>
+        <p:spPr>
+          <a:xfrm>
+            <a:off x="1173028" y="3541167"/>
+            <a:ext cx="1717964" cy="369332"/>
+          </a:xfrm>
+          <a:prstGeom prst="rect">
+            <a:avLst/>
+          </a:prstGeom>
+          <a:ln w="9525" cap="flat" cmpd="sng" algn="ctr">
+            <a:solidFill>
+              <a:schemeClr val="dk1"/>
+            </a:solidFill>
+            <a:prstDash val="solid"/>
+            <a:round/>
+            <a:headEnd type="arrow" w="med" len="med"/>
+            <a:tailEnd type="arrow" w="med" len="med"/>
+          </a:ln>
+        </p:spPr>
+        <p:style>
+          <a:lnRef idx="0">
+            <a:scrgbClr r="0" g="0" b="0"/>
+          </a:lnRef>
+          <a:fillRef idx="0">
+            <a:scrgbClr r="0" g="0" b="0"/>
+          </a:fillRef>
+          <a:effectRef idx="0">
+            <a:scrgbClr r="0" g="0" b="0"/>
+          </a:effectRef>
+          <a:fontRef idx="minor">
+            <a:schemeClr val="tx1"/>
+          </a:fontRef>
+        </p:style>
+        <p:txBody>
+          <a:bodyPr wrap="square" rtlCol="0">
+            <a:spAutoFit/>
+          </a:bodyPr>
+          <a:lstStyle/>
+          <a:p>
+            <a:r>
+              <a:rPr lang="en-US" dirty="0" smtClean="0"/>
+              <a:t>250 Each</a:t>
+            </a:r>
+            <a:endParaRPr lang="en-US" dirty="0"/>
+          </a:p>
+        </p:txBody>
+      </p:sp>
+      <p:sp>
+        <p:nvSpPr>
+          <p:cNvPr id="19" name="TextBox 18"/>
+          <p:cNvSpPr txBox="1"/>
+          <p:nvPr/>
+        </p:nvSpPr>
+        <p:spPr>
+          <a:xfrm>
+            <a:off x="5375562" y="872838"/>
+            <a:ext cx="1016018" cy="369332"/>
+          </a:xfrm>
+          <a:prstGeom prst="rect">
+            <a:avLst/>
+          </a:prstGeom>
+          <a:noFill/>
+        </p:spPr>
+        <p:txBody>
+          <a:bodyPr wrap="square" rtlCol="0">
+            <a:spAutoFit/>
+          </a:bodyPr>
+          <a:lstStyle/>
+          <a:p>
+            <a:r>
+              <a:rPr lang="en-US" dirty="0" smtClean="0"/>
+              <a:t>1125.33</a:t>
+            </a:r>
+            <a:endParaRPr lang="en-US" dirty="0"/>
+          </a:p>
+        </p:txBody>
+      </p:sp>
+      <p:sp>
+        <p:nvSpPr>
+          <p:cNvPr id="22" name="TextBox 21"/>
+          <p:cNvSpPr txBox="1"/>
+          <p:nvPr/>
+        </p:nvSpPr>
+        <p:spPr>
+          <a:xfrm>
+            <a:off x="5426346" y="2001474"/>
+            <a:ext cx="891325" cy="369332"/>
+          </a:xfrm>
+          <a:prstGeom prst="rect">
+            <a:avLst/>
+          </a:prstGeom>
+          <a:noFill/>
+        </p:spPr>
+        <p:txBody>
+          <a:bodyPr wrap="square" rtlCol="0">
+            <a:spAutoFit/>
+          </a:bodyPr>
+          <a:lstStyle/>
+          <a:p>
+            <a:r>
+              <a:rPr lang="en-US" dirty="0" smtClean="0"/>
+              <a:t>538.33</a:t>
+            </a:r>
+            <a:endParaRPr lang="en-US" dirty="0"/>
+          </a:p>
+        </p:txBody>
+      </p:sp>
+      <p:sp>
+        <p:nvSpPr>
+          <p:cNvPr id="23" name="TextBox 22"/>
+          <p:cNvSpPr txBox="1"/>
+          <p:nvPr/>
+        </p:nvSpPr>
+        <p:spPr>
+          <a:xfrm>
+            <a:off x="5426346" y="3462466"/>
+            <a:ext cx="891325" cy="370609"/>
+          </a:xfrm>
+          <a:prstGeom prst="rect">
+            <a:avLst/>
+          </a:prstGeom>
+          <a:noFill/>
+        </p:spPr>
+        <p:txBody>
+          <a:bodyPr wrap="square" rtlCol="0">
+            <a:spAutoFit/>
+          </a:bodyPr>
+          <a:lstStyle/>
+          <a:p>
+            <a:r>
+              <a:rPr lang="en-US" dirty="0" smtClean="0"/>
+              <a:t>375</a:t>
+            </a:r>
+            <a:endParaRPr lang="en-US" dirty="0"/>
+          </a:p>
+        </p:txBody>
+      </p:sp>
+      <p:sp>
+        <p:nvSpPr>
+          <p:cNvPr id="33" name="TextBox 32"/>
+          <p:cNvSpPr txBox="1"/>
+          <p:nvPr/>
+        </p:nvSpPr>
+        <p:spPr>
+          <a:xfrm>
+            <a:off x="2286000" y="5721928"/>
+            <a:ext cx="1399309" cy="646331"/>
+          </a:xfrm>
+          <a:prstGeom prst="rect">
+            <a:avLst/>
+          </a:prstGeom>
+          <a:noFill/>
+        </p:spPr>
+        <p:txBody>
+          <a:bodyPr wrap="square" rtlCol="0">
+            <a:spAutoFit/>
+          </a:bodyPr>
+          <a:lstStyle/>
+          <a:p>
+            <a:r>
+              <a:rPr lang="en-US" dirty="0" smtClean="0"/>
+              <a:t>RA1- True</a:t>
+            </a:r>
+          </a:p>
+          <a:p>
+            <a:r>
+              <a:rPr lang="en-US" dirty="0" smtClean="0"/>
+              <a:t>RA2- True</a:t>
+            </a:r>
+            <a:endParaRPr lang="en-US" dirty="0"/>
+          </a:p>
+        </p:txBody>
+      </p:sp>
+      <p:sp>
+        <p:nvSpPr>
+          <p:cNvPr id="24" name="TextBox 23"/>
+          <p:cNvSpPr txBox="1"/>
+          <p:nvPr/>
+        </p:nvSpPr>
+        <p:spPr>
+          <a:xfrm>
+            <a:off x="1366979" y="-52540"/>
+            <a:ext cx="4678225" cy="369332"/>
+          </a:xfrm>
+          <a:prstGeom prst="rect">
+            <a:avLst/>
+          </a:prstGeom>
+          <a:noFill/>
+        </p:spPr>
+        <p:txBody>
+          <a:bodyPr wrap="square" rtlCol="0">
+            <a:spAutoFit/>
+          </a:bodyPr>
+          <a:lstStyle/>
+          <a:p>
+            <a:r>
+              <a:rPr lang="en-US" dirty="0" smtClean="0"/>
+              <a:t>Split with all -250 Minimum</a:t>
+            </a:r>
+            <a:endParaRPr lang="en-US" dirty="0"/>
+          </a:p>
+        </p:txBody>
+      </p:sp>
+      <p:sp>
+        <p:nvSpPr>
+          <p:cNvPr id="35" name="TextBox 34"/>
+          <p:cNvSpPr txBox="1"/>
+          <p:nvPr/>
+        </p:nvSpPr>
+        <p:spPr>
+          <a:xfrm>
+            <a:off x="5527936" y="4941439"/>
+            <a:ext cx="891325" cy="370609"/>
+          </a:xfrm>
+          <a:prstGeom prst="rect">
+            <a:avLst/>
+          </a:prstGeom>
+          <a:noFill/>
+        </p:spPr>
+        <p:txBody>
+          <a:bodyPr wrap="square" rtlCol="0">
+            <a:spAutoFit/>
+          </a:bodyPr>
+          <a:lstStyle/>
+          <a:p>
+            <a:r>
+              <a:rPr lang="en-US" dirty="0" smtClean="0"/>
+              <a:t>333.33</a:t>
             </a:r>
             <a:endParaRPr lang="en-US" dirty="0"/>
           </a:p>
@@ -10668,7 +11566,7 @@
     </p:spTree>
     <p:extLst>
       <p:ext uri="{BB962C8B-B14F-4D97-AF65-F5344CB8AC3E}">
-        <p14:creationId xmlns:p14="http://schemas.microsoft.com/office/powerpoint/2010/main" val="1429858341"/>
+        <p14:creationId xmlns:p14="http://schemas.microsoft.com/office/powerpoint/2010/main" val="1199791160"/>
       </p:ext>
     </p:extLst>
   </p:cSld>
@@ -10719,7 +11617,7 @@
           <a:p>
             <a:r>
               <a:rPr lang="en-US" dirty="0" smtClean="0"/>
-              <a:t>Minimum Data Model</a:t>
+              <a:t>Which method should we use?</a:t>
             </a:r>
             <a:endParaRPr lang="en-US" dirty="0"/>
           </a:p>
@@ -10737,109 +11635,58 @@
         </p:nvSpPr>
         <p:spPr/>
         <p:txBody>
-          <a:bodyPr>
-            <a:normAutofit fontScale="85000" lnSpcReduction="20000"/>
-          </a:bodyPr>
-          <a:lstStyle/>
-          <a:p>
-            <a:r>
-              <a:rPr lang="en-US" dirty="0" smtClean="0"/>
-              <a:t>Minimum Scholarship Applicant Model</a:t>
-            </a:r>
-          </a:p>
-          <a:p>
-            <a:pPr lvl="1"/>
-            <a:r>
-              <a:rPr lang="en-US" dirty="0" smtClean="0"/>
-              <a:t>Scholarship Id</a:t>
-            </a:r>
-          </a:p>
-          <a:p>
-            <a:pPr lvl="2"/>
-            <a:r>
-              <a:rPr lang="en-US" dirty="0" smtClean="0"/>
-              <a:t>Cant be a string to allow a real name</a:t>
-            </a:r>
-          </a:p>
-          <a:p>
-            <a:pPr lvl="1"/>
-            <a:r>
-              <a:rPr lang="en-US" dirty="0" smtClean="0"/>
-              <a:t>Scholarship Amount</a:t>
-            </a:r>
-          </a:p>
-          <a:p>
-            <a:pPr lvl="2"/>
-            <a:r>
-              <a:rPr lang="en-US" dirty="0" smtClean="0"/>
-              <a:t>Decimal </a:t>
-            </a:r>
-          </a:p>
-          <a:p>
-            <a:pPr lvl="1"/>
-            <a:r>
-              <a:rPr lang="en-US" dirty="0" smtClean="0"/>
-              <a:t>Applicant Id</a:t>
-            </a:r>
-          </a:p>
-          <a:p>
-            <a:pPr lvl="2"/>
-            <a:r>
-              <a:rPr lang="en-US" dirty="0" smtClean="0"/>
-              <a:t>Can be a string to allow full name</a:t>
-            </a:r>
-          </a:p>
-          <a:p>
-            <a:pPr lvl="1"/>
-            <a:r>
-              <a:rPr lang="en-US" dirty="0" smtClean="0"/>
-              <a:t>Applicant Ranking</a:t>
-            </a:r>
-          </a:p>
-          <a:p>
-            <a:pPr lvl="2"/>
-            <a:r>
-              <a:rPr lang="en-US" dirty="0" smtClean="0"/>
-              <a:t>Integer</a:t>
-            </a:r>
-          </a:p>
-          <a:p>
-            <a:r>
-              <a:rPr lang="en-US" dirty="0" smtClean="0"/>
-              <a:t>Application ranking must not have skips</a:t>
-            </a:r>
-          </a:p>
-          <a:p>
-            <a:pPr lvl="1"/>
-            <a:r>
-              <a:rPr lang="en-US" dirty="0" smtClean="0"/>
-              <a:t>1,2,3 is allowable for a given scholarship but not </a:t>
-            </a:r>
-            <a:r>
-              <a:rPr lang="en-US" dirty="0" smtClean="0"/>
-              <a:t>1,3,4</a:t>
-            </a:r>
-          </a:p>
-          <a:p>
-            <a:r>
-              <a:rPr lang="en-US" dirty="0" smtClean="0"/>
-              <a:t>Application ranking must not have duplicates</a:t>
-            </a:r>
-          </a:p>
-          <a:p>
-            <a:pPr lvl="1"/>
-            <a:r>
-              <a:rPr lang="en-US" dirty="0" smtClean="0"/>
-              <a:t>Cannot have multiple with same rank</a:t>
+          <a:bodyPr/>
+          <a:lstStyle/>
+          <a:p>
+            <a:r>
+              <a:rPr lang="en-US" dirty="0" smtClean="0"/>
+              <a:t>Each of the previous seven algorithms has legitimate claim to be </a:t>
+            </a:r>
+            <a:r>
+              <a:rPr lang="en-US" dirty="0" smtClean="0"/>
+              <a:t>fair </a:t>
+            </a:r>
+            <a:r>
+              <a:rPr lang="en-US" dirty="0" smtClean="0"/>
+              <a:t>way to award the scholarships</a:t>
+            </a:r>
+          </a:p>
+          <a:p>
+            <a:r>
+              <a:rPr lang="en-US" dirty="0" smtClean="0"/>
+              <a:t>However, methods which support RA1 or RA2 have a greater claim to logical fairness than methods that don’t with RA1 support the most </a:t>
+            </a:r>
+            <a:r>
+              <a:rPr lang="en-US" dirty="0" smtClean="0"/>
+              <a:t>fair</a:t>
+            </a:r>
+          </a:p>
+          <a:p>
+            <a:r>
+              <a:rPr lang="en-US" dirty="0" smtClean="0"/>
+              <a:t>It could also be that the committee would favor an algorithm that gave to more applicants for various reasons</a:t>
             </a:r>
             <a:endParaRPr lang="en-US" dirty="0" smtClean="0"/>
+          </a:p>
+          <a:p>
+            <a:r>
+              <a:rPr lang="en-US" dirty="0" smtClean="0"/>
+              <a:t>It is not obvious until after calculation which of these algorithms will yield these results</a:t>
+            </a:r>
+          </a:p>
+          <a:p>
+            <a:r>
+              <a:rPr lang="en-US" dirty="0" smtClean="0"/>
+              <a:t>What I propose to create is a system which will calculate each algorithm and yield results to the user with their compliance with RA1 and RA2</a:t>
+            </a:r>
+            <a:endParaRPr lang="en-US" dirty="0"/>
           </a:p>
         </p:txBody>
       </p:sp>
     </p:spTree>
     <p:extLst>
       <p:ext uri="{BB962C8B-B14F-4D97-AF65-F5344CB8AC3E}">
-        <p14:creationId xmlns:p14="http://schemas.microsoft.com/office/powerpoint/2010/main" val="3236645812"/>
+        <p14:creationId xmlns:p14="http://schemas.microsoft.com/office/powerpoint/2010/main" val="1429858341"/>
       </p:ext>
     </p:extLst>
   </p:cSld>
@@ -10890,7 +11737,11 @@
           <a:p>
             <a:r>
               <a:rPr lang="en-US" dirty="0" smtClean="0"/>
-              <a:t>Other required parameters</a:t>
+              <a:t>Minimum Data </a:t>
+            </a:r>
+            <a:r>
+              <a:rPr lang="en-US" dirty="0" smtClean="0"/>
+              <a:t>Model to allow csv importing of data</a:t>
             </a:r>
             <a:endParaRPr lang="en-US" dirty="0"/>
           </a:p>
@@ -10908,58 +11759,128 @@
         </p:nvSpPr>
         <p:spPr/>
         <p:txBody>
-          <a:bodyPr/>
-          <a:lstStyle/>
-          <a:p>
-            <a:r>
-              <a:rPr lang="en-US" dirty="0" smtClean="0"/>
-              <a:t>Maximum Award Amount</a:t>
+          <a:bodyPr>
+            <a:normAutofit fontScale="62500" lnSpcReduction="20000"/>
+          </a:bodyPr>
+          <a:lstStyle/>
+          <a:p>
+            <a:r>
+              <a:rPr lang="en-US" dirty="0" smtClean="0"/>
+              <a:t>Minimum Scholarship Applicant </a:t>
+            </a:r>
+            <a:r>
+              <a:rPr lang="en-US" dirty="0" smtClean="0"/>
+              <a:t>Model</a:t>
             </a:r>
           </a:p>
           <a:p>
             <a:pPr lvl="1"/>
             <a:r>
               <a:rPr lang="en-US" dirty="0" smtClean="0"/>
-              <a:t>For Merit with Maximum Award Amount Algorithm</a:t>
-            </a:r>
-          </a:p>
-          <a:p>
-            <a:r>
-              <a:rPr lang="en-US" dirty="0" smtClean="0"/>
-              <a:t>Minimum Award Amount</a:t>
-            </a:r>
+              <a:t>Awarding Group Id</a:t>
+            </a:r>
+          </a:p>
+          <a:p>
+            <a:pPr lvl="2"/>
+            <a:r>
+              <a:rPr lang="en-US" dirty="0" smtClean="0"/>
+              <a:t>Integer to note unique group</a:t>
+            </a:r>
+            <a:endParaRPr lang="en-US" dirty="0" smtClean="0"/>
           </a:p>
           <a:p>
             <a:pPr lvl="1"/>
             <a:r>
               <a:rPr lang="en-US" dirty="0" smtClean="0"/>
-              <a:t>For Split with Minimum Award Amount</a:t>
-            </a:r>
-          </a:p>
-          <a:p>
-            <a:r>
-              <a:rPr lang="en-US" dirty="0" smtClean="0"/>
-              <a:t>Maximum Number of Winners</a:t>
+              <a:t>Scholarship Id</a:t>
+            </a:r>
+          </a:p>
+          <a:p>
+            <a:pPr lvl="2"/>
+            <a:r>
+              <a:rPr lang="en-US" dirty="0" smtClean="0"/>
+              <a:t>Cant be a string to allow a real name</a:t>
             </a:r>
           </a:p>
           <a:p>
             <a:pPr lvl="1"/>
             <a:r>
               <a:rPr lang="en-US" dirty="0" smtClean="0"/>
-              <a:t>For Split with </a:t>
-            </a:r>
-            <a:r>
-              <a:rPr lang="en-US" smtClean="0"/>
-              <a:t>Maximum Amount of Winners</a:t>
-            </a:r>
-            <a:endParaRPr lang="en-US"/>
+              <a:t>Scholarship Amount</a:t>
+            </a:r>
+          </a:p>
+          <a:p>
+            <a:pPr lvl="2"/>
+            <a:r>
+              <a:rPr lang="en-US" dirty="0" smtClean="0"/>
+              <a:t>Decimal </a:t>
+            </a:r>
+          </a:p>
+          <a:p>
+            <a:pPr lvl="1"/>
+            <a:r>
+              <a:rPr lang="en-US" dirty="0" smtClean="0"/>
+              <a:t>Applicant Id</a:t>
+            </a:r>
+          </a:p>
+          <a:p>
+            <a:pPr lvl="2"/>
+            <a:r>
+              <a:rPr lang="en-US" dirty="0" smtClean="0"/>
+              <a:t>Can be a string to allow full name</a:t>
+            </a:r>
+          </a:p>
+          <a:p>
+            <a:pPr lvl="1"/>
+            <a:r>
+              <a:rPr lang="en-US" dirty="0" smtClean="0"/>
+              <a:t>Applicant Ranking</a:t>
+            </a:r>
+          </a:p>
+          <a:p>
+            <a:pPr lvl="2"/>
+            <a:r>
+              <a:rPr lang="en-US" dirty="0" smtClean="0"/>
+              <a:t>Integer</a:t>
+            </a:r>
+          </a:p>
+          <a:p>
+            <a:r>
+              <a:rPr lang="en-US" dirty="0" smtClean="0"/>
+              <a:t>Application ranking must not have skips</a:t>
+            </a:r>
+          </a:p>
+          <a:p>
+            <a:pPr lvl="1"/>
+            <a:r>
+              <a:rPr lang="en-US" dirty="0" smtClean="0"/>
+              <a:t>1,2,3 is allowable for a given scholarship but not </a:t>
+            </a:r>
+            <a:r>
+              <a:rPr lang="en-US" dirty="0" smtClean="0"/>
+              <a:t>1,3,4</a:t>
+            </a:r>
+          </a:p>
+          <a:p>
+            <a:r>
+              <a:rPr lang="en-US" dirty="0" smtClean="0"/>
+              <a:t>Application ranking must not have duplicates</a:t>
+            </a:r>
+          </a:p>
+          <a:p>
+            <a:pPr lvl="1"/>
+            <a:r>
+              <a:rPr lang="en-US" dirty="0" smtClean="0"/>
+              <a:t>Cannot have multiple with same rank</a:t>
+            </a:r>
+            <a:endParaRPr lang="en-US" dirty="0" smtClean="0"/>
           </a:p>
         </p:txBody>
       </p:sp>
     </p:spTree>
     <p:extLst>
       <p:ext uri="{BB962C8B-B14F-4D97-AF65-F5344CB8AC3E}">
-        <p14:creationId xmlns:p14="http://schemas.microsoft.com/office/powerpoint/2010/main" val="1424572580"/>
+        <p14:creationId xmlns:p14="http://schemas.microsoft.com/office/powerpoint/2010/main" val="3236645812"/>
       </p:ext>
     </p:extLst>
   </p:cSld>
@@ -11010,7 +11931,7 @@
           <a:p>
             <a:r>
               <a:rPr lang="en-US" dirty="0" smtClean="0"/>
-              <a:t>Required Outputs</a:t>
+              <a:t>Other required parameters</a:t>
             </a:r>
             <a:endParaRPr lang="en-US" dirty="0"/>
           </a:p>
@@ -11028,29 +11949,58 @@
         </p:nvSpPr>
         <p:spPr/>
         <p:txBody>
-          <a:bodyPr>
-            <a:normAutofit/>
-          </a:bodyPr>
-          <a:lstStyle/>
-          <a:p>
-            <a:r>
-              <a:rPr lang="en-US" dirty="0" smtClean="0"/>
-              <a:t>List of awards for each algorithm</a:t>
-            </a:r>
-          </a:p>
-          <a:p>
-            <a:r>
-              <a:rPr lang="en-US" dirty="0" smtClean="0"/>
-              <a:t>List of how algorithm did on RA1 and RA2</a:t>
-            </a:r>
-            <a:endParaRPr lang="en-US" dirty="0"/>
+          <a:bodyPr/>
+          <a:lstStyle/>
+          <a:p>
+            <a:r>
+              <a:rPr lang="en-US" dirty="0" smtClean="0"/>
+              <a:t>Maximum Award Amount</a:t>
+            </a:r>
+          </a:p>
+          <a:p>
+            <a:pPr lvl="1"/>
+            <a:r>
+              <a:rPr lang="en-US" dirty="0" smtClean="0"/>
+              <a:t>For Merit with Maximum Award Amount Algorithm</a:t>
+            </a:r>
+          </a:p>
+          <a:p>
+            <a:r>
+              <a:rPr lang="en-US" dirty="0" smtClean="0"/>
+              <a:t>Minimum Award Amount</a:t>
+            </a:r>
+          </a:p>
+          <a:p>
+            <a:pPr lvl="1"/>
+            <a:r>
+              <a:rPr lang="en-US" dirty="0" smtClean="0"/>
+              <a:t>For Split with Minimum Award Amount</a:t>
+            </a:r>
+          </a:p>
+          <a:p>
+            <a:r>
+              <a:rPr lang="en-US" dirty="0" smtClean="0"/>
+              <a:t>Maximum Number of Winners</a:t>
+            </a:r>
+          </a:p>
+          <a:p>
+            <a:pPr lvl="1"/>
+            <a:r>
+              <a:rPr lang="en-US" dirty="0" smtClean="0"/>
+              <a:t>For Split with </a:t>
+            </a:r>
+            <a:r>
+              <a:rPr lang="en-US" smtClean="0"/>
+              <a:t>Maximum Amount of Winners</a:t>
+            </a:r>
+            <a:endParaRPr lang="en-US"/>
           </a:p>
         </p:txBody>
       </p:sp>
     </p:spTree>
     <p:extLst>
       <p:ext uri="{BB962C8B-B14F-4D97-AF65-F5344CB8AC3E}">
-        <p14:creationId xmlns:p14="http://schemas.microsoft.com/office/powerpoint/2010/main" val="3299129518"/>
+        <p14:creationId xmlns:p14="http://schemas.microsoft.com/office/powerpoint/2010/main" val="1424572580"/>
       </p:ext>
     </p:extLst>
   </p:cSld>
@@ -11101,7 +12051,7 @@
           <a:p>
             <a:r>
               <a:rPr lang="en-US" dirty="0" smtClean="0"/>
-              <a:t>Languages to implement </a:t>
+              <a:t>Required Outputs</a:t>
             </a:r>
             <a:endParaRPr lang="en-US" dirty="0"/>
           </a:p>
@@ -11119,50 +12069,20 @@
         </p:nvSpPr>
         <p:spPr/>
         <p:txBody>
-          <a:bodyPr/>
-          <a:lstStyle/>
-          <a:p>
-            <a:r>
-              <a:rPr lang="en-US" dirty="0" smtClean="0"/>
-              <a:t>SQL (MS-SQL Server)</a:t>
-            </a:r>
-          </a:p>
-          <a:p>
-            <a:pPr lvl="1"/>
-            <a:r>
-              <a:rPr lang="en-US" dirty="0" smtClean="0"/>
-              <a:t>Which would allow any language with ODBC compliance to access it</a:t>
-            </a:r>
-          </a:p>
-          <a:p>
-            <a:pPr lvl="1"/>
-            <a:r>
-              <a:rPr lang="en-US" dirty="0" smtClean="0"/>
-              <a:t>Will be full model</a:t>
-            </a:r>
-          </a:p>
-          <a:p>
-            <a:r>
-              <a:rPr lang="en-US" dirty="0" smtClean="0"/>
-              <a:t>C#</a:t>
-            </a:r>
-          </a:p>
-          <a:p>
-            <a:r>
-              <a:rPr lang="en-US" dirty="0" smtClean="0"/>
-              <a:t>R</a:t>
-            </a:r>
-          </a:p>
-          <a:p>
-            <a:r>
-              <a:rPr lang="en-US" dirty="0" smtClean="0"/>
-              <a:t>Python</a:t>
-            </a:r>
-          </a:p>
-          <a:p>
-            <a:r>
-              <a:rPr lang="en-US" dirty="0" smtClean="0"/>
-              <a:t>JavaScript</a:t>
+          <a:bodyPr>
+            <a:normAutofit/>
+          </a:bodyPr>
+          <a:lstStyle/>
+          <a:p>
+            <a:r>
+              <a:rPr lang="en-US" dirty="0" smtClean="0"/>
+              <a:t>List of awards for each algorithm</a:t>
+            </a:r>
+          </a:p>
+          <a:p>
+            <a:r>
+              <a:rPr lang="en-US" dirty="0" smtClean="0"/>
+              <a:t>List of how algorithm did on RA1 and RA2</a:t>
             </a:r>
             <a:endParaRPr lang="en-US" dirty="0"/>
           </a:p>
@@ -11171,7 +12091,7 @@
     </p:spTree>
     <p:extLst>
       <p:ext uri="{BB962C8B-B14F-4D97-AF65-F5344CB8AC3E}">
-        <p14:creationId xmlns:p14="http://schemas.microsoft.com/office/powerpoint/2010/main" val="2047708670"/>
+        <p14:creationId xmlns:p14="http://schemas.microsoft.com/office/powerpoint/2010/main" val="3299129518"/>
       </p:ext>
     </p:extLst>
   </p:cSld>
@@ -11365,44 +12285,77 @@
           <a:p>
             <a:r>
               <a:rPr lang="en-US" dirty="0" smtClean="0"/>
-              <a:t>Full Normalized </a:t>
-            </a:r>
-            <a:r>
-              <a:rPr lang="en-US" dirty="0" smtClean="0"/>
-              <a:t>SQL Model</a:t>
-            </a:r>
-            <a:endParaRPr lang="en-US" dirty="0"/>
-          </a:p>
-        </p:txBody>
-      </p:sp>
-      <p:pic>
-        <p:nvPicPr>
-          <p:cNvPr id="4" name="Picture 3"/>
-          <p:cNvPicPr>
-            <a:picLocks noChangeAspect="1"/>
-          </p:cNvPicPr>
-          <p:nvPr/>
-        </p:nvPicPr>
-        <p:blipFill>
-          <a:blip r:embed="rId2"/>
-          <a:stretch>
-            <a:fillRect/>
-          </a:stretch>
-        </p:blipFill>
-        <p:spPr>
-          <a:xfrm>
-            <a:off x="782636" y="1605737"/>
-            <a:ext cx="7961905" cy="4990476"/>
-          </a:xfrm>
-          <a:prstGeom prst="rect">
-            <a:avLst/>
-          </a:prstGeom>
-        </p:spPr>
-      </p:pic>
+              <a:t>Languages to implement </a:t>
+            </a:r>
+            <a:endParaRPr lang="en-US" dirty="0"/>
+          </a:p>
+        </p:txBody>
+      </p:sp>
+      <p:sp>
+        <p:nvSpPr>
+          <p:cNvPr id="3" name="Content Placeholder 2"/>
+          <p:cNvSpPr>
+            <a:spLocks noGrp="1"/>
+          </p:cNvSpPr>
+          <p:nvPr>
+            <p:ph idx="1"/>
+          </p:nvPr>
+        </p:nvSpPr>
+        <p:spPr/>
+        <p:txBody>
+          <a:bodyPr/>
+          <a:lstStyle/>
+          <a:p>
+            <a:r>
+              <a:rPr lang="en-US" dirty="0" smtClean="0"/>
+              <a:t>SQL (MS-SQL Server)</a:t>
+            </a:r>
+          </a:p>
+          <a:p>
+            <a:pPr lvl="1"/>
+            <a:r>
+              <a:rPr lang="en-US" dirty="0" smtClean="0"/>
+              <a:t>Which would allow any language with ODBC compliance to access it</a:t>
+            </a:r>
+          </a:p>
+          <a:p>
+            <a:pPr lvl="1"/>
+            <a:r>
+              <a:rPr lang="en-US" dirty="0" smtClean="0"/>
+              <a:t>Will be full model</a:t>
+            </a:r>
+          </a:p>
+          <a:p>
+            <a:r>
+              <a:rPr lang="en-US" dirty="0" smtClean="0"/>
+              <a:t>C#</a:t>
+            </a:r>
+          </a:p>
+          <a:p>
+            <a:r>
+              <a:rPr lang="en-US" dirty="0" smtClean="0"/>
+              <a:t>R</a:t>
+            </a:r>
+          </a:p>
+          <a:p>
+            <a:r>
+              <a:rPr lang="en-US" dirty="0" smtClean="0"/>
+              <a:t>Python</a:t>
+            </a:r>
+          </a:p>
+          <a:p>
+            <a:r>
+              <a:rPr lang="en-US" dirty="0" smtClean="0"/>
+              <a:t>JavaScript</a:t>
+            </a:r>
+            <a:endParaRPr lang="en-US" dirty="0"/>
+          </a:p>
+        </p:txBody>
+      </p:sp>
     </p:spTree>
     <p:extLst>
       <p:ext uri="{BB962C8B-B14F-4D97-AF65-F5344CB8AC3E}">
-        <p14:creationId xmlns:p14="http://schemas.microsoft.com/office/powerpoint/2010/main" val="656708700"/>
+        <p14:creationId xmlns:p14="http://schemas.microsoft.com/office/powerpoint/2010/main" val="2047708670"/>
       </p:ext>
     </p:extLst>
   </p:cSld>
@@ -11453,6 +12406,94 @@
           <a:p>
             <a:r>
               <a:rPr lang="en-US" dirty="0" smtClean="0"/>
+              <a:t>Full Normalized </a:t>
+            </a:r>
+            <a:r>
+              <a:rPr lang="en-US" dirty="0" smtClean="0"/>
+              <a:t>SQL Model</a:t>
+            </a:r>
+            <a:endParaRPr lang="en-US" dirty="0"/>
+          </a:p>
+        </p:txBody>
+      </p:sp>
+      <p:pic>
+        <p:nvPicPr>
+          <p:cNvPr id="4" name="Picture 3"/>
+          <p:cNvPicPr>
+            <a:picLocks noChangeAspect="1"/>
+          </p:cNvPicPr>
+          <p:nvPr/>
+        </p:nvPicPr>
+        <p:blipFill>
+          <a:blip r:embed="rId2"/>
+          <a:stretch>
+            <a:fillRect/>
+          </a:stretch>
+        </p:blipFill>
+        <p:spPr>
+          <a:xfrm>
+            <a:off x="782636" y="1605737"/>
+            <a:ext cx="7961905" cy="4990476"/>
+          </a:xfrm>
+          <a:prstGeom prst="rect">
+            <a:avLst/>
+          </a:prstGeom>
+        </p:spPr>
+      </p:pic>
+    </p:spTree>
+    <p:extLst>
+      <p:ext uri="{BB962C8B-B14F-4D97-AF65-F5344CB8AC3E}">
+        <p14:creationId xmlns:p14="http://schemas.microsoft.com/office/powerpoint/2010/main" val="656708700"/>
+      </p:ext>
+    </p:extLst>
+  </p:cSld>
+  <p:clrMapOvr>
+    <a:masterClrMapping/>
+  </p:clrMapOvr>
+  <p:timing>
+    <p:tnLst>
+      <p:par>
+        <p:cTn id="1" dur="indefinite" restart="never" nodeType="tmRoot"/>
+      </p:par>
+    </p:tnLst>
+  </p:timing>
+</p:sld>
+</file>
+
+<file path=ppt/slides/slide22.xml><?xml version="1.0" encoding="utf-8"?>
+<p:sld xmlns:a="http://schemas.openxmlformats.org/drawingml/2006/main" xmlns:r="http://schemas.openxmlformats.org/officeDocument/2006/relationships" xmlns:p="http://schemas.openxmlformats.org/presentationml/2006/main">
+  <p:cSld>
+    <p:spTree>
+      <p:nvGrpSpPr>
+        <p:cNvPr id="1" name=""/>
+        <p:cNvGrpSpPr/>
+        <p:nvPr/>
+      </p:nvGrpSpPr>
+      <p:grpSpPr>
+        <a:xfrm>
+          <a:off x="0" y="0"/>
+          <a:ext cx="0" cy="0"/>
+          <a:chOff x="0" y="0"/>
+          <a:chExt cx="0" cy="0"/>
+        </a:xfrm>
+      </p:grpSpPr>
+      <p:sp>
+        <p:nvSpPr>
+          <p:cNvPr id="2" name="Title 1"/>
+          <p:cNvSpPr>
+            <a:spLocks noGrp="1"/>
+          </p:cNvSpPr>
+          <p:nvPr>
+            <p:ph type="title"/>
+          </p:nvPr>
+        </p:nvSpPr>
+        <p:spPr/>
+        <p:txBody>
+          <a:bodyPr/>
+          <a:lstStyle/>
+          <a:p>
+            <a:r>
+              <a:rPr lang="en-US" dirty="0" smtClean="0"/>
               <a:t>Normalized Results Tables</a:t>
             </a:r>
             <a:endParaRPr lang="en-US" dirty="0"/>
@@ -11503,7 +12544,7 @@
 </p:sld>
 </file>
 
-<file path=ppt/slides/slide22.xml><?xml version="1.0" encoding="utf-8"?>
+<file path=ppt/slides/slide23.xml><?xml version="1.0" encoding="utf-8"?>
 <p:sld xmlns:a="http://schemas.openxmlformats.org/drawingml/2006/main" xmlns:r="http://schemas.openxmlformats.org/officeDocument/2006/relationships" xmlns:p="http://schemas.openxmlformats.org/presentationml/2006/main">
   <p:cSld>
     <p:spTree>
@@ -11667,6 +12708,19 @@
             <a:r>
               <a:rPr lang="en-US" dirty="0" smtClean="0"/>
               <a:t>Not all scholarship and applicant nodes will connect</a:t>
+            </a:r>
+          </a:p>
+          <a:p>
+            <a:r>
+              <a:rPr lang="en-US" dirty="0" smtClean="0"/>
+              <a:t>Higher ranked applicants might not have more scholarships than lower ranked applicants</a:t>
+            </a:r>
+          </a:p>
+          <a:p>
+            <a:pPr lvl="1"/>
+            <a:r>
+              <a:rPr lang="en-US" dirty="0" smtClean="0"/>
+              <a:t>Scholarships applicants have specific requirements such as major which could bring more scholarships to lower applicants</a:t>
             </a:r>
             <a:endParaRPr lang="en-US" dirty="0"/>
           </a:p>
@@ -13771,865 +14825,57 @@
       </p:grpSpPr>
       <p:sp>
         <p:nvSpPr>
-          <p:cNvPr id="4" name="Oval 3"/>
-          <p:cNvSpPr/>
-          <p:nvPr/>
-        </p:nvSpPr>
-        <p:spPr>
-          <a:xfrm>
-            <a:off x="831273" y="609600"/>
-            <a:ext cx="914400" cy="914400"/>
-          </a:xfrm>
-          <a:prstGeom prst="ellipse">
-            <a:avLst/>
-          </a:prstGeom>
-        </p:spPr>
-        <p:style>
-          <a:lnRef idx="2">
-            <a:schemeClr val="accent1">
-              <a:shade val="50000"/>
-            </a:schemeClr>
-          </a:lnRef>
-          <a:fillRef idx="1">
-            <a:schemeClr val="accent1"/>
-          </a:fillRef>
-          <a:effectRef idx="0">
-            <a:schemeClr val="accent1"/>
-          </a:effectRef>
-          <a:fontRef idx="minor">
-            <a:schemeClr val="lt1"/>
-          </a:fontRef>
-        </p:style>
-        <p:txBody>
-          <a:bodyPr rtlCol="0" anchor="ctr"/>
-          <a:lstStyle/>
-          <a:p>
-            <a:pPr algn="ctr"/>
-            <a:r>
-              <a:rPr lang="en-US" dirty="0" smtClean="0"/>
-              <a:t>S1</a:t>
-            </a:r>
-            <a:endParaRPr lang="en-US" dirty="0"/>
-          </a:p>
-        </p:txBody>
-      </p:sp>
-      <p:sp>
-        <p:nvSpPr>
-          <p:cNvPr id="5" name="Oval 4"/>
-          <p:cNvSpPr/>
-          <p:nvPr/>
-        </p:nvSpPr>
-        <p:spPr>
-          <a:xfrm>
-            <a:off x="831273" y="2154382"/>
-            <a:ext cx="914400" cy="914400"/>
-          </a:xfrm>
-          <a:prstGeom prst="ellipse">
-            <a:avLst/>
-          </a:prstGeom>
-        </p:spPr>
-        <p:style>
-          <a:lnRef idx="2">
-            <a:schemeClr val="accent1">
-              <a:shade val="50000"/>
-            </a:schemeClr>
-          </a:lnRef>
-          <a:fillRef idx="1">
-            <a:schemeClr val="accent1"/>
-          </a:fillRef>
-          <a:effectRef idx="0">
-            <a:schemeClr val="accent1"/>
-          </a:effectRef>
-          <a:fontRef idx="minor">
-            <a:schemeClr val="lt1"/>
-          </a:fontRef>
-        </p:style>
-        <p:txBody>
-          <a:bodyPr rtlCol="0" anchor="ctr"/>
-          <a:lstStyle/>
-          <a:p>
-            <a:pPr algn="ctr"/>
-            <a:r>
-              <a:rPr lang="en-US" dirty="0" smtClean="0"/>
-              <a:t>S2</a:t>
-            </a:r>
-            <a:endParaRPr lang="en-US" dirty="0"/>
-          </a:p>
-        </p:txBody>
-      </p:sp>
-      <p:sp>
-        <p:nvSpPr>
-          <p:cNvPr id="6" name="Oval 5"/>
-          <p:cNvSpPr/>
-          <p:nvPr/>
-        </p:nvSpPr>
-        <p:spPr>
-          <a:xfrm>
-            <a:off x="831273" y="3699164"/>
-            <a:ext cx="914400" cy="914400"/>
-          </a:xfrm>
-          <a:prstGeom prst="ellipse">
-            <a:avLst/>
-          </a:prstGeom>
-        </p:spPr>
-        <p:style>
-          <a:lnRef idx="2">
-            <a:schemeClr val="accent1">
-              <a:shade val="50000"/>
-            </a:schemeClr>
-          </a:lnRef>
-          <a:fillRef idx="1">
-            <a:schemeClr val="accent1"/>
-          </a:fillRef>
-          <a:effectRef idx="0">
-            <a:schemeClr val="accent1"/>
-          </a:effectRef>
-          <a:fontRef idx="minor">
-            <a:schemeClr val="lt1"/>
-          </a:fontRef>
-        </p:style>
-        <p:txBody>
-          <a:bodyPr rtlCol="0" anchor="ctr"/>
-          <a:lstStyle/>
-          <a:p>
-            <a:pPr algn="ctr"/>
-            <a:r>
-              <a:rPr lang="en-US" dirty="0" smtClean="0"/>
-              <a:t>S3</a:t>
-            </a:r>
-            <a:endParaRPr lang="en-US" dirty="0"/>
-          </a:p>
-        </p:txBody>
-      </p:sp>
-      <p:sp>
-        <p:nvSpPr>
-          <p:cNvPr id="8" name="Oval 7"/>
-          <p:cNvSpPr/>
-          <p:nvPr/>
-        </p:nvSpPr>
-        <p:spPr>
-          <a:xfrm>
-            <a:off x="4405745" y="609600"/>
-            <a:ext cx="914400" cy="914400"/>
-          </a:xfrm>
-          <a:prstGeom prst="ellipse">
-            <a:avLst/>
-          </a:prstGeom>
-        </p:spPr>
-        <p:style>
-          <a:lnRef idx="2">
-            <a:schemeClr val="accent6"/>
-          </a:lnRef>
-          <a:fillRef idx="1">
-            <a:schemeClr val="lt1"/>
-          </a:fillRef>
-          <a:effectRef idx="0">
-            <a:schemeClr val="accent6"/>
-          </a:effectRef>
-          <a:fontRef idx="minor">
-            <a:schemeClr val="dk1"/>
-          </a:fontRef>
-        </p:style>
-        <p:txBody>
-          <a:bodyPr rtlCol="0" anchor="ctr"/>
-          <a:lstStyle/>
-          <a:p>
-            <a:pPr algn="ctr"/>
-            <a:r>
-              <a:rPr lang="en-US" dirty="0" smtClean="0"/>
-              <a:t>A1</a:t>
-            </a:r>
-            <a:endParaRPr lang="en-US" dirty="0"/>
-          </a:p>
-        </p:txBody>
-      </p:sp>
-      <p:sp>
-        <p:nvSpPr>
-          <p:cNvPr id="9" name="Oval 8"/>
-          <p:cNvSpPr/>
-          <p:nvPr/>
-        </p:nvSpPr>
-        <p:spPr>
-          <a:xfrm>
-            <a:off x="4461163" y="1849582"/>
-            <a:ext cx="914400" cy="914400"/>
-          </a:xfrm>
-          <a:prstGeom prst="ellipse">
-            <a:avLst/>
-          </a:prstGeom>
-        </p:spPr>
-        <p:style>
-          <a:lnRef idx="2">
-            <a:schemeClr val="accent6"/>
-          </a:lnRef>
-          <a:fillRef idx="1">
-            <a:schemeClr val="lt1"/>
-          </a:fillRef>
-          <a:effectRef idx="0">
-            <a:schemeClr val="accent6"/>
-          </a:effectRef>
-          <a:fontRef idx="minor">
-            <a:schemeClr val="dk1"/>
-          </a:fontRef>
-        </p:style>
-        <p:txBody>
-          <a:bodyPr rtlCol="0" anchor="ctr"/>
-          <a:lstStyle/>
-          <a:p>
-            <a:pPr algn="ctr"/>
-            <a:r>
-              <a:rPr lang="en-US" dirty="0" smtClean="0"/>
-              <a:t>A2</a:t>
-            </a:r>
-            <a:endParaRPr lang="en-US" dirty="0"/>
-          </a:p>
-        </p:txBody>
-      </p:sp>
-      <p:sp>
-        <p:nvSpPr>
-          <p:cNvPr id="10" name="Oval 9"/>
-          <p:cNvSpPr/>
-          <p:nvPr/>
-        </p:nvSpPr>
-        <p:spPr>
-          <a:xfrm>
-            <a:off x="4461163" y="3328555"/>
-            <a:ext cx="914400" cy="914400"/>
-          </a:xfrm>
-          <a:prstGeom prst="ellipse">
-            <a:avLst/>
-          </a:prstGeom>
-        </p:spPr>
-        <p:style>
-          <a:lnRef idx="2">
-            <a:schemeClr val="accent6"/>
-          </a:lnRef>
-          <a:fillRef idx="1">
-            <a:schemeClr val="lt1"/>
-          </a:fillRef>
-          <a:effectRef idx="0">
-            <a:schemeClr val="accent6"/>
-          </a:effectRef>
-          <a:fontRef idx="minor">
-            <a:schemeClr val="dk1"/>
-          </a:fontRef>
-        </p:style>
-        <p:txBody>
-          <a:bodyPr rtlCol="0" anchor="ctr"/>
-          <a:lstStyle/>
-          <a:p>
-            <a:pPr algn="ctr"/>
-            <a:r>
-              <a:rPr lang="en-US" dirty="0" smtClean="0"/>
-              <a:t>A3</a:t>
-            </a:r>
-            <a:endParaRPr lang="en-US" dirty="0"/>
-          </a:p>
-        </p:txBody>
-      </p:sp>
-      <p:sp>
-        <p:nvSpPr>
-          <p:cNvPr id="11" name="Oval 10"/>
-          <p:cNvSpPr/>
-          <p:nvPr/>
-        </p:nvSpPr>
-        <p:spPr>
-          <a:xfrm>
-            <a:off x="4461163" y="4807528"/>
-            <a:ext cx="914400" cy="914400"/>
-          </a:xfrm>
-          <a:prstGeom prst="ellipse">
-            <a:avLst/>
-          </a:prstGeom>
-        </p:spPr>
-        <p:style>
-          <a:lnRef idx="2">
-            <a:schemeClr val="accent6"/>
-          </a:lnRef>
-          <a:fillRef idx="1">
-            <a:schemeClr val="lt1"/>
-          </a:fillRef>
-          <a:effectRef idx="0">
-            <a:schemeClr val="accent6"/>
-          </a:effectRef>
-          <a:fontRef idx="minor">
-            <a:schemeClr val="dk1"/>
-          </a:fontRef>
-        </p:style>
-        <p:txBody>
-          <a:bodyPr rtlCol="0" anchor="ctr"/>
-          <a:lstStyle/>
-          <a:p>
-            <a:pPr algn="ctr"/>
-            <a:r>
-              <a:rPr lang="en-US" dirty="0" smtClean="0"/>
-              <a:t>A4</a:t>
-            </a:r>
-            <a:endParaRPr lang="en-US" dirty="0"/>
-          </a:p>
-        </p:txBody>
-      </p:sp>
-      <p:sp>
-        <p:nvSpPr>
-          <p:cNvPr id="12" name="TextBox 11"/>
-          <p:cNvSpPr txBox="1"/>
-          <p:nvPr/>
-        </p:nvSpPr>
-        <p:spPr>
-          <a:xfrm>
-            <a:off x="678873" y="240268"/>
-            <a:ext cx="2493818" cy="369332"/>
-          </a:xfrm>
-          <a:prstGeom prst="rect">
-            <a:avLst/>
-          </a:prstGeom>
-          <a:noFill/>
-        </p:spPr>
-        <p:txBody>
-          <a:bodyPr wrap="square" rtlCol="0">
-            <a:spAutoFit/>
-          </a:bodyPr>
-          <a:lstStyle/>
-          <a:p>
-            <a:r>
-              <a:rPr lang="en-US" dirty="0" smtClean="0"/>
-              <a:t>Scholarships</a:t>
-            </a:r>
-            <a:endParaRPr lang="en-US" dirty="0"/>
-          </a:p>
-        </p:txBody>
-      </p:sp>
-      <p:sp>
-        <p:nvSpPr>
-          <p:cNvPr id="13" name="TextBox 12"/>
-          <p:cNvSpPr txBox="1"/>
-          <p:nvPr/>
-        </p:nvSpPr>
-        <p:spPr>
-          <a:xfrm>
-            <a:off x="4239491" y="240268"/>
-            <a:ext cx="1551709" cy="369332"/>
-          </a:xfrm>
-          <a:prstGeom prst="rect">
-            <a:avLst/>
-          </a:prstGeom>
-          <a:noFill/>
-        </p:spPr>
-        <p:txBody>
-          <a:bodyPr wrap="square" rtlCol="0">
-            <a:spAutoFit/>
-          </a:bodyPr>
-          <a:lstStyle/>
-          <a:p>
-            <a:r>
-              <a:rPr lang="en-US" dirty="0" smtClean="0"/>
-              <a:t>Applicants</a:t>
-            </a:r>
-          </a:p>
-        </p:txBody>
-      </p:sp>
-      <p:sp>
-        <p:nvSpPr>
-          <p:cNvPr id="14" name="TextBox 13"/>
-          <p:cNvSpPr txBox="1"/>
-          <p:nvPr/>
-        </p:nvSpPr>
-        <p:spPr>
-          <a:xfrm>
-            <a:off x="6525491" y="1066800"/>
-            <a:ext cx="2535382" cy="369332"/>
-          </a:xfrm>
-          <a:prstGeom prst="rect">
-            <a:avLst/>
-          </a:prstGeom>
-          <a:noFill/>
-        </p:spPr>
-        <p:txBody>
-          <a:bodyPr wrap="square" rtlCol="0">
-            <a:spAutoFit/>
-          </a:bodyPr>
-          <a:lstStyle/>
-          <a:p>
-            <a:r>
-              <a:rPr lang="en-US" dirty="0" smtClean="0"/>
-              <a:t>Merit Only Awarding</a:t>
-            </a:r>
-            <a:endParaRPr lang="en-US" dirty="0"/>
-          </a:p>
-        </p:txBody>
-      </p:sp>
-      <p:cxnSp>
-        <p:nvCxnSpPr>
-          <p:cNvPr id="3" name="Straight Connector 2"/>
-          <p:cNvCxnSpPr>
-            <a:stCxn id="4" idx="6"/>
-            <a:endCxn id="8" idx="2"/>
-          </p:cNvCxnSpPr>
-          <p:nvPr/>
-        </p:nvCxnSpPr>
-        <p:spPr>
-          <a:xfrm>
-            <a:off x="1745673" y="1066800"/>
-            <a:ext cx="2660072" cy="0"/>
-          </a:xfrm>
-          <a:prstGeom prst="line">
-            <a:avLst/>
-          </a:prstGeom>
-          <a:ln w="9525" cap="flat" cmpd="sng" algn="ctr">
-            <a:solidFill>
-              <a:schemeClr val="dk1"/>
-            </a:solidFill>
-            <a:prstDash val="solid"/>
-            <a:round/>
-            <a:headEnd type="arrow" w="med" len="med"/>
-            <a:tailEnd type="arrow" w="med" len="med"/>
-          </a:ln>
-        </p:spPr>
-        <p:style>
-          <a:lnRef idx="0">
-            <a:scrgbClr r="0" g="0" b="0"/>
-          </a:lnRef>
-          <a:fillRef idx="0">
-            <a:scrgbClr r="0" g="0" b="0"/>
-          </a:fillRef>
-          <a:effectRef idx="0">
-            <a:scrgbClr r="0" g="0" b="0"/>
-          </a:effectRef>
-          <a:fontRef idx="minor">
-            <a:schemeClr val="tx1"/>
-          </a:fontRef>
-        </p:style>
-      </p:cxnSp>
-      <p:cxnSp>
-        <p:nvCxnSpPr>
-          <p:cNvPr id="17" name="Straight Connector 16"/>
-          <p:cNvCxnSpPr>
-            <a:stCxn id="4" idx="5"/>
-            <a:endCxn id="9" idx="2"/>
-          </p:cNvCxnSpPr>
-          <p:nvPr/>
-        </p:nvCxnSpPr>
-        <p:spPr>
-          <a:xfrm>
-            <a:off x="1611762" y="1390089"/>
-            <a:ext cx="2849401" cy="916693"/>
-          </a:xfrm>
-          <a:prstGeom prst="line">
-            <a:avLst/>
-          </a:prstGeom>
-        </p:spPr>
-        <p:style>
-          <a:lnRef idx="1">
-            <a:schemeClr val="accent1"/>
-          </a:lnRef>
-          <a:fillRef idx="0">
-            <a:schemeClr val="accent1"/>
-          </a:fillRef>
-          <a:effectRef idx="0">
-            <a:schemeClr val="accent1"/>
-          </a:effectRef>
-          <a:fontRef idx="minor">
-            <a:schemeClr val="tx1"/>
-          </a:fontRef>
-        </p:style>
-      </p:cxnSp>
-      <p:cxnSp>
-        <p:nvCxnSpPr>
-          <p:cNvPr id="20" name="Straight Connector 19"/>
-          <p:cNvCxnSpPr>
-            <a:endCxn id="11" idx="1"/>
-          </p:cNvCxnSpPr>
-          <p:nvPr/>
-        </p:nvCxnSpPr>
-        <p:spPr>
-          <a:xfrm>
-            <a:off x="1353137" y="1446654"/>
-            <a:ext cx="3241937" cy="3494785"/>
-          </a:xfrm>
-          <a:prstGeom prst="line">
-            <a:avLst/>
-          </a:prstGeom>
-        </p:spPr>
-        <p:style>
-          <a:lnRef idx="1">
-            <a:schemeClr val="accent1"/>
-          </a:lnRef>
-          <a:fillRef idx="0">
-            <a:schemeClr val="accent1"/>
-          </a:fillRef>
-          <a:effectRef idx="0">
-            <a:schemeClr val="accent1"/>
-          </a:effectRef>
-          <a:fontRef idx="minor">
-            <a:schemeClr val="tx1"/>
-          </a:fontRef>
-        </p:style>
-      </p:cxnSp>
-      <p:cxnSp>
-        <p:nvCxnSpPr>
-          <p:cNvPr id="21" name="Straight Connector 20"/>
-          <p:cNvCxnSpPr>
-            <a:endCxn id="10" idx="1"/>
-          </p:cNvCxnSpPr>
-          <p:nvPr/>
-        </p:nvCxnSpPr>
-        <p:spPr>
-          <a:xfrm>
-            <a:off x="1678718" y="2478817"/>
-            <a:ext cx="2916356" cy="983649"/>
-          </a:xfrm>
-          <a:prstGeom prst="line">
-            <a:avLst/>
-          </a:prstGeom>
-        </p:spPr>
-        <p:style>
-          <a:lnRef idx="1">
-            <a:schemeClr val="accent1"/>
-          </a:lnRef>
-          <a:fillRef idx="0">
-            <a:schemeClr val="accent1"/>
-          </a:fillRef>
-          <a:effectRef idx="0">
-            <a:schemeClr val="accent1"/>
-          </a:effectRef>
-          <a:fontRef idx="minor">
-            <a:schemeClr val="tx1"/>
-          </a:fontRef>
-        </p:style>
-      </p:cxnSp>
-      <p:cxnSp>
-        <p:nvCxnSpPr>
-          <p:cNvPr id="26" name="Straight Connector 25"/>
-          <p:cNvCxnSpPr>
-            <a:stCxn id="6" idx="6"/>
-            <a:endCxn id="9" idx="2"/>
-          </p:cNvCxnSpPr>
-          <p:nvPr/>
-        </p:nvCxnSpPr>
-        <p:spPr>
-          <a:xfrm flipV="1">
-            <a:off x="1745673" y="2306782"/>
-            <a:ext cx="2715490" cy="1849582"/>
-          </a:xfrm>
-          <a:prstGeom prst="line">
-            <a:avLst/>
-          </a:prstGeom>
-        </p:spPr>
-        <p:style>
-          <a:lnRef idx="1">
-            <a:schemeClr val="accent1"/>
-          </a:lnRef>
-          <a:fillRef idx="0">
-            <a:schemeClr val="accent1"/>
-          </a:fillRef>
-          <a:effectRef idx="0">
-            <a:schemeClr val="accent1"/>
-          </a:effectRef>
-          <a:fontRef idx="minor">
-            <a:schemeClr val="tx1"/>
-          </a:fontRef>
-        </p:style>
-      </p:cxnSp>
-      <p:cxnSp>
-        <p:nvCxnSpPr>
-          <p:cNvPr id="30" name="Straight Connector 29"/>
-          <p:cNvCxnSpPr>
-            <a:stCxn id="10" idx="2"/>
-            <a:endCxn id="6" idx="6"/>
-          </p:cNvCxnSpPr>
-          <p:nvPr/>
-        </p:nvCxnSpPr>
-        <p:spPr>
-          <a:xfrm flipH="1">
-            <a:off x="1745673" y="3785755"/>
-            <a:ext cx="2715490" cy="370609"/>
-          </a:xfrm>
-          <a:prstGeom prst="line">
-            <a:avLst/>
-          </a:prstGeom>
-        </p:spPr>
-        <p:style>
-          <a:lnRef idx="1">
-            <a:schemeClr val="accent1"/>
-          </a:lnRef>
-          <a:fillRef idx="0">
-            <a:schemeClr val="accent1"/>
-          </a:fillRef>
-          <a:effectRef idx="0">
-            <a:schemeClr val="accent1"/>
-          </a:effectRef>
-          <a:fontRef idx="minor">
-            <a:schemeClr val="tx1"/>
-          </a:fontRef>
-        </p:style>
-      </p:cxnSp>
-      <p:cxnSp>
-        <p:nvCxnSpPr>
-          <p:cNvPr id="32" name="Straight Connector 31"/>
-          <p:cNvCxnSpPr>
-            <a:stCxn id="8" idx="3"/>
-            <a:endCxn id="6" idx="7"/>
-          </p:cNvCxnSpPr>
-          <p:nvPr/>
-        </p:nvCxnSpPr>
-        <p:spPr>
-          <a:xfrm flipH="1">
-            <a:off x="1611762" y="1390089"/>
-            <a:ext cx="2927894" cy="2442986"/>
-          </a:xfrm>
-          <a:prstGeom prst="line">
-            <a:avLst/>
-          </a:prstGeom>
-          <a:ln w="9525" cap="flat" cmpd="sng" algn="ctr">
-            <a:solidFill>
-              <a:schemeClr val="dk1"/>
-            </a:solidFill>
-            <a:prstDash val="solid"/>
-            <a:round/>
-            <a:headEnd type="arrow" w="med" len="med"/>
-            <a:tailEnd type="arrow" w="med" len="med"/>
-          </a:ln>
-        </p:spPr>
-        <p:style>
-          <a:lnRef idx="0">
-            <a:scrgbClr r="0" g="0" b="0"/>
-          </a:lnRef>
-          <a:fillRef idx="0">
-            <a:scrgbClr r="0" g="0" b="0"/>
-          </a:fillRef>
-          <a:effectRef idx="0">
-            <a:scrgbClr r="0" g="0" b="0"/>
-          </a:effectRef>
-          <a:fontRef idx="minor">
-            <a:schemeClr val="tx1"/>
-          </a:fontRef>
-        </p:style>
-      </p:cxnSp>
-      <p:cxnSp>
-        <p:nvCxnSpPr>
-          <p:cNvPr id="34" name="Straight Connector 33"/>
-          <p:cNvCxnSpPr>
-            <a:stCxn id="11" idx="2"/>
-            <a:endCxn id="6" idx="5"/>
-          </p:cNvCxnSpPr>
-          <p:nvPr/>
-        </p:nvCxnSpPr>
-        <p:spPr>
-          <a:xfrm flipH="1" flipV="1">
-            <a:off x="1611762" y="4479653"/>
-            <a:ext cx="2849401" cy="785075"/>
-          </a:xfrm>
-          <a:prstGeom prst="line">
-            <a:avLst/>
-          </a:prstGeom>
-        </p:spPr>
-        <p:style>
-          <a:lnRef idx="1">
-            <a:schemeClr val="accent1"/>
-          </a:lnRef>
-          <a:fillRef idx="0">
-            <a:schemeClr val="accent1"/>
-          </a:fillRef>
-          <a:effectRef idx="0">
-            <a:schemeClr val="accent1"/>
-          </a:effectRef>
-          <a:fontRef idx="minor">
-            <a:schemeClr val="tx1"/>
-          </a:fontRef>
-        </p:style>
-      </p:cxnSp>
-      <p:cxnSp>
-        <p:nvCxnSpPr>
-          <p:cNvPr id="37" name="Straight Connector 36"/>
-          <p:cNvCxnSpPr/>
-          <p:nvPr/>
-        </p:nvCxnSpPr>
-        <p:spPr>
-          <a:xfrm flipV="1">
-            <a:off x="1767613" y="1163782"/>
-            <a:ext cx="2660072" cy="1544782"/>
-          </a:xfrm>
-          <a:prstGeom prst="line">
-            <a:avLst/>
-          </a:prstGeom>
-          <a:ln w="9525" cap="flat" cmpd="sng" algn="ctr">
-            <a:solidFill>
-              <a:schemeClr val="dk1"/>
-            </a:solidFill>
-            <a:prstDash val="solid"/>
-            <a:round/>
-            <a:headEnd type="arrow" w="med" len="med"/>
-            <a:tailEnd type="arrow" w="med" len="med"/>
-          </a:ln>
-        </p:spPr>
-        <p:style>
-          <a:lnRef idx="0">
-            <a:scrgbClr r="0" g="0" b="0"/>
-          </a:lnRef>
-          <a:fillRef idx="0">
-            <a:scrgbClr r="0" g="0" b="0"/>
-          </a:fillRef>
-          <a:effectRef idx="0">
-            <a:scrgbClr r="0" g="0" b="0"/>
-          </a:effectRef>
-          <a:fontRef idx="minor">
-            <a:schemeClr val="tx1"/>
-          </a:fontRef>
-        </p:style>
-      </p:cxnSp>
-      <p:sp>
-        <p:nvSpPr>
-          <p:cNvPr id="2" name="TextBox 1"/>
-          <p:cNvSpPr txBox="1"/>
-          <p:nvPr/>
-        </p:nvSpPr>
-        <p:spPr>
-          <a:xfrm>
-            <a:off x="27710" y="872838"/>
-            <a:ext cx="831273" cy="369332"/>
-          </a:xfrm>
-          <a:prstGeom prst="rect">
-            <a:avLst/>
-          </a:prstGeom>
-          <a:noFill/>
-        </p:spPr>
-        <p:txBody>
-          <a:bodyPr wrap="square" rtlCol="0">
-            <a:spAutoFit/>
-          </a:bodyPr>
-          <a:lstStyle/>
-          <a:p>
-            <a:r>
-              <a:rPr lang="en-US" dirty="0" smtClean="0"/>
-              <a:t>1000</a:t>
-            </a:r>
-            <a:endParaRPr lang="en-US" dirty="0"/>
-          </a:p>
-        </p:txBody>
-      </p:sp>
-      <p:sp>
-        <p:nvSpPr>
-          <p:cNvPr id="7" name="TextBox 6"/>
-          <p:cNvSpPr txBox="1"/>
-          <p:nvPr/>
-        </p:nvSpPr>
-        <p:spPr>
-          <a:xfrm>
-            <a:off x="166254" y="2478817"/>
-            <a:ext cx="637309" cy="369332"/>
-          </a:xfrm>
-          <a:prstGeom prst="rect">
-            <a:avLst/>
-          </a:prstGeom>
-          <a:noFill/>
-        </p:spPr>
-        <p:txBody>
-          <a:bodyPr wrap="square" rtlCol="0">
-            <a:spAutoFit/>
-          </a:bodyPr>
-          <a:lstStyle/>
-          <a:p>
-            <a:r>
-              <a:rPr lang="en-US" dirty="0" smtClean="0"/>
-              <a:t>750</a:t>
-            </a:r>
-            <a:endParaRPr lang="en-US" dirty="0"/>
-          </a:p>
-        </p:txBody>
-      </p:sp>
-      <p:sp>
-        <p:nvSpPr>
-          <p:cNvPr id="15" name="TextBox 14"/>
-          <p:cNvSpPr txBox="1"/>
-          <p:nvPr/>
-        </p:nvSpPr>
-        <p:spPr>
-          <a:xfrm>
-            <a:off x="207818" y="4059382"/>
-            <a:ext cx="568037" cy="369332"/>
-          </a:xfrm>
-          <a:prstGeom prst="rect">
-            <a:avLst/>
-          </a:prstGeom>
-          <a:noFill/>
-        </p:spPr>
-        <p:txBody>
-          <a:bodyPr wrap="square" rtlCol="0">
-            <a:spAutoFit/>
-          </a:bodyPr>
-          <a:lstStyle/>
-          <a:p>
-            <a:r>
-              <a:rPr lang="en-US" dirty="0" smtClean="0"/>
-              <a:t>500</a:t>
-            </a:r>
-            <a:endParaRPr lang="en-US" dirty="0"/>
-          </a:p>
-        </p:txBody>
-      </p:sp>
-      <p:sp>
-        <p:nvSpPr>
-          <p:cNvPr id="16" name="TextBox 15"/>
-          <p:cNvSpPr txBox="1"/>
-          <p:nvPr/>
-        </p:nvSpPr>
-        <p:spPr>
-          <a:xfrm>
-            <a:off x="6525491" y="2306782"/>
-            <a:ext cx="2022764" cy="2308324"/>
-          </a:xfrm>
-          <a:prstGeom prst="rect">
-            <a:avLst/>
-          </a:prstGeom>
-          <a:noFill/>
-        </p:spPr>
-        <p:txBody>
-          <a:bodyPr wrap="square" rtlCol="0">
-            <a:spAutoFit/>
-          </a:bodyPr>
-          <a:lstStyle/>
-          <a:p>
-            <a:r>
-              <a:rPr lang="en-US" dirty="0" smtClean="0"/>
-              <a:t>In this </a:t>
-            </a:r>
-            <a:r>
-              <a:rPr lang="en-US" dirty="0" smtClean="0"/>
-              <a:t>algorithm, </a:t>
-            </a:r>
-            <a:r>
-              <a:rPr lang="en-US" dirty="0" smtClean="0"/>
-              <a:t>A1 would win every scholarship and would be awarded 2250 while A2-A4 would be awarding 0.</a:t>
-            </a:r>
-            <a:endParaRPr lang="en-US" dirty="0"/>
-          </a:p>
-        </p:txBody>
-      </p:sp>
-      <p:sp>
-        <p:nvSpPr>
-          <p:cNvPr id="18" name="TextBox 17"/>
-          <p:cNvSpPr txBox="1"/>
-          <p:nvPr/>
-        </p:nvSpPr>
-        <p:spPr>
-          <a:xfrm>
-            <a:off x="5375563" y="872838"/>
-            <a:ext cx="1149928" cy="369332"/>
-          </a:xfrm>
-          <a:prstGeom prst="rect">
-            <a:avLst/>
-          </a:prstGeom>
-          <a:noFill/>
-        </p:spPr>
-        <p:txBody>
-          <a:bodyPr wrap="square" rtlCol="0">
-            <a:spAutoFit/>
-          </a:bodyPr>
-          <a:lstStyle/>
-          <a:p>
-            <a:r>
-              <a:rPr lang="en-US" dirty="0" smtClean="0"/>
-              <a:t>2250</a:t>
+          <p:cNvPr id="2" name="Title 1"/>
+          <p:cNvSpPr>
+            <a:spLocks noGrp="1"/>
+          </p:cNvSpPr>
+          <p:nvPr>
+            <p:ph type="title"/>
+          </p:nvPr>
+        </p:nvSpPr>
+        <p:spPr/>
+        <p:txBody>
+          <a:bodyPr/>
+          <a:lstStyle/>
+          <a:p>
+            <a:r>
+              <a:rPr lang="en-US" dirty="0" smtClean="0"/>
+              <a:t>There are seven common algorithms</a:t>
+            </a:r>
+            <a:endParaRPr lang="en-US" dirty="0"/>
+          </a:p>
+        </p:txBody>
+      </p:sp>
+      <p:sp>
+        <p:nvSpPr>
+          <p:cNvPr id="3" name="Content Placeholder 2"/>
+          <p:cNvSpPr>
+            <a:spLocks noGrp="1"/>
+          </p:cNvSpPr>
+          <p:nvPr>
+            <p:ph idx="1"/>
+          </p:nvPr>
+        </p:nvSpPr>
+        <p:spPr/>
+        <p:txBody>
+          <a:bodyPr/>
+          <a:lstStyle/>
+          <a:p>
+            <a:r>
+              <a:rPr lang="en-US" dirty="0" smtClean="0"/>
+              <a:t>Almost all of these use ranking or merit as a basis in their calculation</a:t>
+            </a:r>
+          </a:p>
+          <a:p>
+            <a:r>
+              <a:rPr lang="en-US" dirty="0" smtClean="0"/>
+              <a:t>Split to all applicants is the only one to not use merit</a:t>
+            </a:r>
+          </a:p>
+          <a:p>
+            <a:r>
+              <a:rPr lang="en-US" dirty="0" smtClean="0"/>
+              <a:t>Some modify the algorithm to get more award winners</a:t>
             </a:r>
             <a:endParaRPr lang="en-US" dirty="0"/>
           </a:p>
@@ -14638,7 +14884,7 @@
     </p:spTree>
     <p:extLst>
       <p:ext uri="{BB962C8B-B14F-4D97-AF65-F5344CB8AC3E}">
-        <p14:creationId xmlns:p14="http://schemas.microsoft.com/office/powerpoint/2010/main" val="1554374307"/>
+        <p14:creationId xmlns:p14="http://schemas.microsoft.com/office/powerpoint/2010/main" val="633660873"/>
       </p:ext>
     </p:extLst>
   </p:cSld>
@@ -15040,7 +15286,7 @@
         <p:spPr>
           <a:xfrm>
             <a:off x="6525491" y="1066800"/>
-            <a:ext cx="2535382" cy="923330"/>
+            <a:ext cx="2535382" cy="646331"/>
           </a:xfrm>
           <a:prstGeom prst="rect">
             <a:avLst/>
@@ -15055,7 +15301,17 @@
           <a:p>
             <a:r>
               <a:rPr lang="en-US" dirty="0" smtClean="0"/>
-              <a:t>Merit Only Awarding Disqualify After Exceeding Maximum</a:t>
+              <a:t>Algorithm 1:</a:t>
+            </a:r>
+          </a:p>
+          <a:p>
+            <a:r>
+              <a:rPr lang="en-US" dirty="0" smtClean="0"/>
+              <a:t>Merit </a:t>
+            </a:r>
+            <a:r>
+              <a:rPr lang="en-US" dirty="0" smtClean="0"/>
+              <a:t>Only Awarding</a:t>
             </a:r>
             <a:endParaRPr lang="en-US" dirty="0"/>
           </a:p>
@@ -15217,6 +15473,72 @@
           <a:prstGeom prst="line">
             <a:avLst/>
           </a:prstGeom>
+        </p:spPr>
+        <p:style>
+          <a:lnRef idx="1">
+            <a:schemeClr val="accent1"/>
+          </a:lnRef>
+          <a:fillRef idx="0">
+            <a:schemeClr val="accent1"/>
+          </a:fillRef>
+          <a:effectRef idx="0">
+            <a:schemeClr val="accent1"/>
+          </a:effectRef>
+          <a:fontRef idx="minor">
+            <a:schemeClr val="tx1"/>
+          </a:fontRef>
+        </p:style>
+      </p:cxnSp>
+      <p:cxnSp>
+        <p:nvCxnSpPr>
+          <p:cNvPr id="30" name="Straight Connector 29"/>
+          <p:cNvCxnSpPr>
+            <a:stCxn id="10" idx="2"/>
+            <a:endCxn id="6" idx="6"/>
+          </p:cNvCxnSpPr>
+          <p:nvPr/>
+        </p:nvCxnSpPr>
+        <p:spPr>
+          <a:xfrm flipH="1">
+            <a:off x="1745673" y="3785755"/>
+            <a:ext cx="2715490" cy="370609"/>
+          </a:xfrm>
+          <a:prstGeom prst="line">
+            <a:avLst/>
+          </a:prstGeom>
+        </p:spPr>
+        <p:style>
+          <a:lnRef idx="1">
+            <a:schemeClr val="accent1"/>
+          </a:lnRef>
+          <a:fillRef idx="0">
+            <a:schemeClr val="accent1"/>
+          </a:fillRef>
+          <a:effectRef idx="0">
+            <a:schemeClr val="accent1"/>
+          </a:effectRef>
+          <a:fontRef idx="minor">
+            <a:schemeClr val="tx1"/>
+          </a:fontRef>
+        </p:style>
+      </p:cxnSp>
+      <p:cxnSp>
+        <p:nvCxnSpPr>
+          <p:cNvPr id="32" name="Straight Connector 31"/>
+          <p:cNvCxnSpPr>
+            <a:stCxn id="8" idx="3"/>
+            <a:endCxn id="6" idx="7"/>
+          </p:cNvCxnSpPr>
+          <p:nvPr/>
+        </p:nvCxnSpPr>
+        <p:spPr>
+          <a:xfrm flipH="1">
+            <a:off x="1611762" y="1390089"/>
+            <a:ext cx="2927894" cy="2442986"/>
+          </a:xfrm>
+          <a:prstGeom prst="line">
+            <a:avLst/>
+          </a:prstGeom>
           <a:ln w="9525" cap="flat" cmpd="sng" algn="ctr">
             <a:solidFill>
               <a:schemeClr val="dk1"/>
@@ -15244,72 +15566,6 @@
       </p:cxnSp>
       <p:cxnSp>
         <p:nvCxnSpPr>
-          <p:cNvPr id="30" name="Straight Connector 29"/>
-          <p:cNvCxnSpPr>
-            <a:stCxn id="10" idx="2"/>
-            <a:endCxn id="6" idx="6"/>
-          </p:cNvCxnSpPr>
-          <p:nvPr/>
-        </p:nvCxnSpPr>
-        <p:spPr>
-          <a:xfrm flipH="1">
-            <a:off x="1745673" y="3785755"/>
-            <a:ext cx="2715490" cy="370609"/>
-          </a:xfrm>
-          <a:prstGeom prst="line">
-            <a:avLst/>
-          </a:prstGeom>
-        </p:spPr>
-        <p:style>
-          <a:lnRef idx="1">
-            <a:schemeClr val="accent1"/>
-          </a:lnRef>
-          <a:fillRef idx="0">
-            <a:schemeClr val="accent1"/>
-          </a:fillRef>
-          <a:effectRef idx="0">
-            <a:schemeClr val="accent1"/>
-          </a:effectRef>
-          <a:fontRef idx="minor">
-            <a:schemeClr val="tx1"/>
-          </a:fontRef>
-        </p:style>
-      </p:cxnSp>
-      <p:cxnSp>
-        <p:nvCxnSpPr>
-          <p:cNvPr id="32" name="Straight Connector 31"/>
-          <p:cNvCxnSpPr>
-            <a:stCxn id="8" idx="3"/>
-            <a:endCxn id="6" idx="7"/>
-          </p:cNvCxnSpPr>
-          <p:nvPr/>
-        </p:nvCxnSpPr>
-        <p:spPr>
-          <a:xfrm flipH="1">
-            <a:off x="1611762" y="1390089"/>
-            <a:ext cx="2927894" cy="2442986"/>
-          </a:xfrm>
-          <a:prstGeom prst="line">
-            <a:avLst/>
-          </a:prstGeom>
-        </p:spPr>
-        <p:style>
-          <a:lnRef idx="1">
-            <a:schemeClr val="accent1"/>
-          </a:lnRef>
-          <a:fillRef idx="0">
-            <a:schemeClr val="accent1"/>
-          </a:fillRef>
-          <a:effectRef idx="0">
-            <a:schemeClr val="accent1"/>
-          </a:effectRef>
-          <a:fontRef idx="minor">
-            <a:schemeClr val="tx1"/>
-          </a:fontRef>
-        </p:style>
-      </p:cxnSp>
-      <p:cxnSp>
-        <p:nvCxnSpPr>
           <p:cNvPr id="34" name="Straight Connector 33"/>
           <p:cNvCxnSpPr>
             <a:stCxn id="11" idx="2"/>
@@ -15479,7 +15735,7 @@
         <p:spPr>
           <a:xfrm>
             <a:off x="6525491" y="2306782"/>
-            <a:ext cx="2022764" cy="2585323"/>
+            <a:ext cx="2022764" cy="2308324"/>
           </a:xfrm>
           <a:prstGeom prst="rect">
             <a:avLst/>
@@ -15494,7 +15750,15 @@
           <a:p>
             <a:r>
               <a:rPr lang="en-US" dirty="0" smtClean="0"/>
-              <a:t>In this graph, A1 would be disqualified after winning S2 because their total would exceed 1500. This allows A2 to win S3.</a:t>
+              <a:t>In this </a:t>
+            </a:r>
+            <a:r>
+              <a:rPr lang="en-US" dirty="0" smtClean="0"/>
+              <a:t>algorithm, </a:t>
+            </a:r>
+            <a:r>
+              <a:rPr lang="en-US" dirty="0" smtClean="0"/>
+              <a:t>A1 would win every scholarship and would be awarded 2250 while A2-A4 would be awarding 0.</a:t>
             </a:r>
             <a:endParaRPr lang="en-US" dirty="0"/>
           </a:p>
@@ -15508,8 +15772,8 @@
         </p:nvSpPr>
         <p:spPr>
           <a:xfrm>
-            <a:off x="2382982" y="124691"/>
-            <a:ext cx="1496291" cy="646331"/>
+            <a:off x="5375563" y="872838"/>
+            <a:ext cx="1149928" cy="369332"/>
           </a:xfrm>
           <a:prstGeom prst="rect">
             <a:avLst/>
@@ -15524,73 +15788,7 @@
           <a:p>
             <a:r>
               <a:rPr lang="en-US" dirty="0" smtClean="0"/>
-              <a:t>Maximum </a:t>
-            </a:r>
-          </a:p>
-          <a:p>
-            <a:r>
-              <a:rPr lang="en-US" dirty="0" smtClean="0"/>
-              <a:t>Award =1500</a:t>
-            </a:r>
-            <a:endParaRPr lang="en-US" dirty="0"/>
-          </a:p>
-        </p:txBody>
-      </p:sp>
-      <p:sp>
-        <p:nvSpPr>
-          <p:cNvPr id="19" name="TextBox 18"/>
-          <p:cNvSpPr txBox="1"/>
-          <p:nvPr/>
-        </p:nvSpPr>
-        <p:spPr>
-          <a:xfrm>
-            <a:off x="5375563" y="872838"/>
-            <a:ext cx="1011382" cy="369332"/>
-          </a:xfrm>
-          <a:prstGeom prst="rect">
-            <a:avLst/>
-          </a:prstGeom>
-          <a:noFill/>
-        </p:spPr>
-        <p:txBody>
-          <a:bodyPr wrap="square" rtlCol="0">
-            <a:spAutoFit/>
-          </a:bodyPr>
-          <a:lstStyle/>
-          <a:p>
-            <a:r>
-              <a:rPr lang="en-US" dirty="0" smtClean="0"/>
-              <a:t>1750</a:t>
-            </a:r>
-            <a:endParaRPr lang="en-US" dirty="0"/>
-          </a:p>
-        </p:txBody>
-      </p:sp>
-      <p:sp>
-        <p:nvSpPr>
-          <p:cNvPr id="22" name="TextBox 21"/>
-          <p:cNvSpPr txBox="1"/>
-          <p:nvPr/>
-        </p:nvSpPr>
-        <p:spPr>
-          <a:xfrm>
-            <a:off x="5479473" y="2100696"/>
-            <a:ext cx="623454" cy="369332"/>
-          </a:xfrm>
-          <a:prstGeom prst="rect">
-            <a:avLst/>
-          </a:prstGeom>
-          <a:noFill/>
-        </p:spPr>
-        <p:txBody>
-          <a:bodyPr wrap="square" rtlCol="0">
-            <a:spAutoFit/>
-          </a:bodyPr>
-          <a:lstStyle/>
-          <a:p>
-            <a:r>
-              <a:rPr lang="en-US" dirty="0" smtClean="0"/>
-              <a:t>500</a:t>
+              <a:t>2250</a:t>
             </a:r>
             <a:endParaRPr lang="en-US" dirty="0"/>
           </a:p>
@@ -15599,7 +15797,7 @@
     </p:spTree>
     <p:extLst>
       <p:ext uri="{BB962C8B-B14F-4D97-AF65-F5344CB8AC3E}">
-        <p14:creationId xmlns:p14="http://schemas.microsoft.com/office/powerpoint/2010/main" val="2045693652"/>
+        <p14:creationId xmlns:p14="http://schemas.microsoft.com/office/powerpoint/2010/main" val="1554374307"/>
       </p:ext>
     </p:extLst>
   </p:cSld>
@@ -16001,7 +16199,7 @@
         <p:spPr>
           <a:xfrm>
             <a:off x="6525491" y="1066800"/>
-            <a:ext cx="2535382" cy="923330"/>
+            <a:ext cx="2535382" cy="1200329"/>
           </a:xfrm>
           <a:prstGeom prst="rect">
             <a:avLst/>
@@ -16016,7 +16214,17 @@
           <a:p>
             <a:r>
               <a:rPr lang="en-US" dirty="0" smtClean="0"/>
-              <a:t>Merit Only Awarding Can’t Exceed Maximum</a:t>
+              <a:t>Algorithm 2:</a:t>
+            </a:r>
+          </a:p>
+          <a:p>
+            <a:r>
+              <a:rPr lang="en-US" dirty="0" smtClean="0"/>
+              <a:t>Merit </a:t>
+            </a:r>
+            <a:r>
+              <a:rPr lang="en-US" dirty="0" smtClean="0"/>
+              <a:t>Only Awarding Disqualify After Exceeding Maximum</a:t>
             </a:r>
             <a:endParaRPr lang="en-US" dirty="0"/>
           </a:p>
@@ -16145,6 +16353,39 @@
           <a:prstGeom prst="line">
             <a:avLst/>
           </a:prstGeom>
+        </p:spPr>
+        <p:style>
+          <a:lnRef idx="1">
+            <a:schemeClr val="accent1"/>
+          </a:lnRef>
+          <a:fillRef idx="0">
+            <a:schemeClr val="accent1"/>
+          </a:fillRef>
+          <a:effectRef idx="0">
+            <a:schemeClr val="accent1"/>
+          </a:effectRef>
+          <a:fontRef idx="minor">
+            <a:schemeClr val="tx1"/>
+          </a:fontRef>
+        </p:style>
+      </p:cxnSp>
+      <p:cxnSp>
+        <p:nvCxnSpPr>
+          <p:cNvPr id="26" name="Straight Connector 25"/>
+          <p:cNvCxnSpPr>
+            <a:stCxn id="6" idx="6"/>
+            <a:endCxn id="9" idx="2"/>
+          </p:cNvCxnSpPr>
+          <p:nvPr/>
+        </p:nvCxnSpPr>
+        <p:spPr>
+          <a:xfrm flipV="1">
+            <a:off x="1745673" y="2306782"/>
+            <a:ext cx="2715490" cy="1849582"/>
+          </a:xfrm>
+          <a:prstGeom prst="line">
+            <a:avLst/>
+          </a:prstGeom>
           <a:ln w="9525" cap="flat" cmpd="sng" algn="ctr">
             <a:solidFill>
               <a:schemeClr val="dk1"/>
@@ -16172,39 +16413,6 @@
       </p:cxnSp>
       <p:cxnSp>
         <p:nvCxnSpPr>
-          <p:cNvPr id="26" name="Straight Connector 25"/>
-          <p:cNvCxnSpPr>
-            <a:stCxn id="6" idx="6"/>
-            <a:endCxn id="9" idx="2"/>
-          </p:cNvCxnSpPr>
-          <p:nvPr/>
-        </p:nvCxnSpPr>
-        <p:spPr>
-          <a:xfrm flipV="1">
-            <a:off x="1745673" y="2306782"/>
-            <a:ext cx="2715490" cy="1849582"/>
-          </a:xfrm>
-          <a:prstGeom prst="line">
-            <a:avLst/>
-          </a:prstGeom>
-        </p:spPr>
-        <p:style>
-          <a:lnRef idx="1">
-            <a:schemeClr val="accent1"/>
-          </a:lnRef>
-          <a:fillRef idx="0">
-            <a:schemeClr val="accent1"/>
-          </a:fillRef>
-          <a:effectRef idx="0">
-            <a:schemeClr val="accent1"/>
-          </a:effectRef>
-          <a:fontRef idx="minor">
-            <a:schemeClr val="tx1"/>
-          </a:fontRef>
-        </p:style>
-      </p:cxnSp>
-      <p:cxnSp>
-        <p:nvCxnSpPr>
           <p:cNvPr id="30" name="Straight Connector 29"/>
           <p:cNvCxnSpPr>
             <a:stCxn id="10" idx="2"/>
@@ -16249,6 +16457,69 @@
           <a:xfrm flipH="1">
             <a:off x="1611762" y="1390089"/>
             <a:ext cx="2927894" cy="2442986"/>
+          </a:xfrm>
+          <a:prstGeom prst="line">
+            <a:avLst/>
+          </a:prstGeom>
+        </p:spPr>
+        <p:style>
+          <a:lnRef idx="1">
+            <a:schemeClr val="accent1"/>
+          </a:lnRef>
+          <a:fillRef idx="0">
+            <a:schemeClr val="accent1"/>
+          </a:fillRef>
+          <a:effectRef idx="0">
+            <a:schemeClr val="accent1"/>
+          </a:effectRef>
+          <a:fontRef idx="minor">
+            <a:schemeClr val="tx1"/>
+          </a:fontRef>
+        </p:style>
+      </p:cxnSp>
+      <p:cxnSp>
+        <p:nvCxnSpPr>
+          <p:cNvPr id="34" name="Straight Connector 33"/>
+          <p:cNvCxnSpPr>
+            <a:stCxn id="11" idx="2"/>
+            <a:endCxn id="6" idx="5"/>
+          </p:cNvCxnSpPr>
+          <p:nvPr/>
+        </p:nvCxnSpPr>
+        <p:spPr>
+          <a:xfrm flipH="1" flipV="1">
+            <a:off x="1611762" y="4479653"/>
+            <a:ext cx="2849401" cy="785075"/>
+          </a:xfrm>
+          <a:prstGeom prst="line">
+            <a:avLst/>
+          </a:prstGeom>
+        </p:spPr>
+        <p:style>
+          <a:lnRef idx="1">
+            <a:schemeClr val="accent1"/>
+          </a:lnRef>
+          <a:fillRef idx="0">
+            <a:schemeClr val="accent1"/>
+          </a:fillRef>
+          <a:effectRef idx="0">
+            <a:schemeClr val="accent1"/>
+          </a:effectRef>
+          <a:fontRef idx="minor">
+            <a:schemeClr val="tx1"/>
+          </a:fontRef>
+        </p:style>
+      </p:cxnSp>
+      <p:cxnSp>
+        <p:nvCxnSpPr>
+          <p:cNvPr id="37" name="Straight Connector 36"/>
+          <p:cNvCxnSpPr/>
+          <p:nvPr/>
+        </p:nvCxnSpPr>
+        <p:spPr>
+          <a:xfrm flipV="1">
+            <a:off x="1767613" y="1163782"/>
+            <a:ext cx="2660072" cy="1544782"/>
           </a:xfrm>
           <a:prstGeom prst="line">
             <a:avLst/>
@@ -16278,69 +16549,6 @@
           </a:fontRef>
         </p:style>
       </p:cxnSp>
-      <p:cxnSp>
-        <p:nvCxnSpPr>
-          <p:cNvPr id="34" name="Straight Connector 33"/>
-          <p:cNvCxnSpPr>
-            <a:stCxn id="11" idx="2"/>
-            <a:endCxn id="6" idx="5"/>
-          </p:cNvCxnSpPr>
-          <p:nvPr/>
-        </p:nvCxnSpPr>
-        <p:spPr>
-          <a:xfrm flipH="1" flipV="1">
-            <a:off x="1611762" y="4479653"/>
-            <a:ext cx="2849401" cy="785075"/>
-          </a:xfrm>
-          <a:prstGeom prst="line">
-            <a:avLst/>
-          </a:prstGeom>
-        </p:spPr>
-        <p:style>
-          <a:lnRef idx="1">
-            <a:schemeClr val="accent1"/>
-          </a:lnRef>
-          <a:fillRef idx="0">
-            <a:schemeClr val="accent1"/>
-          </a:fillRef>
-          <a:effectRef idx="0">
-            <a:schemeClr val="accent1"/>
-          </a:effectRef>
-          <a:fontRef idx="minor">
-            <a:schemeClr val="tx1"/>
-          </a:fontRef>
-        </p:style>
-      </p:cxnSp>
-      <p:cxnSp>
-        <p:nvCxnSpPr>
-          <p:cNvPr id="37" name="Straight Connector 36"/>
-          <p:cNvCxnSpPr/>
-          <p:nvPr/>
-        </p:nvCxnSpPr>
-        <p:spPr>
-          <a:xfrm flipV="1">
-            <a:off x="1767613" y="1163782"/>
-            <a:ext cx="2660072" cy="1544782"/>
-          </a:xfrm>
-          <a:prstGeom prst="line">
-            <a:avLst/>
-          </a:prstGeom>
-        </p:spPr>
-        <p:style>
-          <a:lnRef idx="1">
-            <a:schemeClr val="accent1"/>
-          </a:lnRef>
-          <a:fillRef idx="0">
-            <a:schemeClr val="accent1"/>
-          </a:fillRef>
-          <a:effectRef idx="0">
-            <a:schemeClr val="accent1"/>
-          </a:effectRef>
-          <a:fontRef idx="minor">
-            <a:schemeClr val="tx1"/>
-          </a:fontRef>
-        </p:style>
-      </p:cxnSp>
       <p:sp>
         <p:nvSpPr>
           <p:cNvPr id="2" name="TextBox 1"/>
@@ -16439,8 +16647,8 @@
         </p:nvSpPr>
         <p:spPr>
           <a:xfrm>
-            <a:off x="6525490" y="2306782"/>
-            <a:ext cx="2867891" cy="2585323"/>
+            <a:off x="6525491" y="2306782"/>
+            <a:ext cx="2022764" cy="2585323"/>
           </a:xfrm>
           <a:prstGeom prst="rect">
             <a:avLst/>
@@ -16455,13 +16663,7 @@
           <a:p>
             <a:r>
               <a:rPr lang="en-US" dirty="0" smtClean="0"/>
-              <a:t>In this graph, A1 would can’t win S2 because it would bring them over the maximum award. However, they are not disqualified and then able to win S3.</a:t>
-            </a:r>
-          </a:p>
-          <a:p>
-            <a:r>
-              <a:rPr lang="en-US" dirty="0" smtClean="0"/>
-              <a:t>Note than A2 wins nothing while A3 wins 750.</a:t>
+              <a:t>In this graph, A1 would be disqualified after winning S2 because their total would exceed 1500. This allows A2 to win S3.</a:t>
             </a:r>
             <a:endParaRPr lang="en-US" dirty="0"/>
           </a:p>
@@ -16527,7 +16729,7 @@
           <a:p>
             <a:r>
               <a:rPr lang="en-US" dirty="0" smtClean="0"/>
-              <a:t>1500</a:t>
+              <a:t>1750</a:t>
             </a:r>
             <a:endParaRPr lang="en-US" dirty="0"/>
           </a:p>
@@ -16541,7 +16743,7 @@
         </p:nvSpPr>
         <p:spPr>
           <a:xfrm>
-            <a:off x="5479473" y="3539943"/>
+            <a:off x="5479473" y="2100696"/>
             <a:ext cx="623454" cy="369332"/>
           </a:xfrm>
           <a:prstGeom prst="rect">
@@ -16557,7 +16759,7 @@
           <a:p>
             <a:r>
               <a:rPr lang="en-US" dirty="0" smtClean="0"/>
-              <a:t>750</a:t>
+              <a:t>500</a:t>
             </a:r>
             <a:endParaRPr lang="en-US" dirty="0"/>
           </a:p>
@@ -16566,7 +16768,7 @@
     </p:spTree>
     <p:extLst>
       <p:ext uri="{BB962C8B-B14F-4D97-AF65-F5344CB8AC3E}">
-        <p14:creationId xmlns:p14="http://schemas.microsoft.com/office/powerpoint/2010/main" val="4291133437"/>
+        <p14:creationId xmlns:p14="http://schemas.microsoft.com/office/powerpoint/2010/main" val="2045693652"/>
       </p:ext>
     </p:extLst>
   </p:cSld>

--- a/Documents/Basic Scholarship Awarding Graphs.pptx
+++ b/Documents/Basic Scholarship Awarding Graphs.pptx
@@ -6897,18 +6897,35 @@
         </p:nvSpPr>
         <p:spPr/>
         <p:txBody>
-          <a:bodyPr/>
-          <a:lstStyle/>
-          <a:p>
-            <a:r>
-              <a:rPr lang="en-US" dirty="0" smtClean="0"/>
-              <a:t>RA1-The higher ranked applicant will be awarded more than the next highest ranked applicant</a:t>
-            </a:r>
-          </a:p>
-          <a:p>
-            <a:r>
-              <a:rPr lang="en-US" dirty="0" smtClean="0"/>
-              <a:t>RA2-That if a lower ranked applicant would have a award that every higher ranked applicant would have an award</a:t>
+          <a:bodyPr>
+            <a:normAutofit fontScale="92500" lnSpcReduction="20000"/>
+          </a:bodyPr>
+          <a:lstStyle/>
+          <a:p>
+            <a:r>
+              <a:rPr lang="en-US" dirty="0" smtClean="0"/>
+              <a:t>RA1-The higher ranked applicant will be awarded more than the next highest ranked </a:t>
+            </a:r>
+            <a:r>
+              <a:rPr lang="en-US" dirty="0" smtClean="0"/>
+              <a:t>applicant</a:t>
+            </a:r>
+          </a:p>
+          <a:p>
+            <a:r>
+              <a:rPr lang="en-US" dirty="0" smtClean="0"/>
+              <a:t>RA2-That a lower ranked applicant would not have more than the next highest ranked applicant. In other words, sequential ranked applicants can have the same amount, e.g. -1 has 1000 and 2 has 1000.</a:t>
+            </a:r>
+            <a:endParaRPr lang="en-US" dirty="0" smtClean="0"/>
+          </a:p>
+          <a:p>
+            <a:r>
+              <a:rPr lang="en-US" dirty="0" smtClean="0"/>
+              <a:t>RA3-That </a:t>
+            </a:r>
+            <a:r>
+              <a:rPr lang="en-US" dirty="0" smtClean="0"/>
+              <a:t>if a lower ranked applicant would have a award that every higher ranked applicant would have an award</a:t>
             </a:r>
           </a:p>
           <a:p>
@@ -6920,7 +6937,19 @@
           <a:p>
             <a:r>
               <a:rPr lang="en-US" dirty="0" smtClean="0"/>
-              <a:t>However, if RA1 holds true, then RA2 must be </a:t>
+              <a:t>However, if RA1 holds true, then </a:t>
+            </a:r>
+            <a:r>
+              <a:rPr lang="en-US" dirty="0" smtClean="0"/>
+              <a:t>RA2 </a:t>
+            </a:r>
+            <a:r>
+              <a:rPr lang="en-US" smtClean="0"/>
+              <a:t>and RA3 must </a:t>
+            </a:r>
+            <a:r>
+              <a:rPr lang="en-US" dirty="0" smtClean="0"/>
+              <a:t>be </a:t>
             </a:r>
             <a:r>
               <a:rPr lang="en-US" dirty="0" smtClean="0"/>

--- a/Documents/Basic Scholarship Awarding Graphs.pptx
+++ b/Documents/Basic Scholarship Awarding Graphs.pptx
@@ -6941,11 +6941,7 @@
             </a:r>
             <a:r>
               <a:rPr lang="en-US" dirty="0" smtClean="0"/>
-              <a:t>RA2 </a:t>
-            </a:r>
-            <a:r>
-              <a:rPr lang="en-US" smtClean="0"/>
-              <a:t>and RA3 must </a:t>
+              <a:t>RA2 and RA3 must </a:t>
             </a:r>
             <a:r>
               <a:rPr lang="en-US" dirty="0" smtClean="0"/>
@@ -7987,7 +7983,7 @@
         <p:spPr>
           <a:xfrm>
             <a:off x="2286000" y="5721928"/>
-            <a:ext cx="1399309" cy="646331"/>
+            <a:ext cx="1399309" cy="923330"/>
           </a:xfrm>
           <a:prstGeom prst="rect">
             <a:avLst/>
@@ -8008,7 +8004,17 @@
           <a:p>
             <a:r>
               <a:rPr lang="en-US" dirty="0" smtClean="0"/>
-              <a:t>RA2- True</a:t>
+              <a:t>RA2- </a:t>
+            </a:r>
+            <a:r>
+              <a:rPr lang="en-US" dirty="0" smtClean="0"/>
+              <a:t>False</a:t>
+            </a:r>
+          </a:p>
+          <a:p>
+            <a:r>
+              <a:rPr lang="en-US" dirty="0" smtClean="0"/>
+              <a:t>RA3-True</a:t>
             </a:r>
             <a:endParaRPr lang="en-US" dirty="0"/>
           </a:p>
@@ -9084,7 +9090,7 @@
         <p:spPr>
           <a:xfrm>
             <a:off x="2286000" y="5721928"/>
-            <a:ext cx="1399309" cy="646331"/>
+            <a:ext cx="1399309" cy="923330"/>
           </a:xfrm>
           <a:prstGeom prst="rect">
             <a:avLst/>
@@ -9105,7 +9111,17 @@
           <a:p>
             <a:r>
               <a:rPr lang="en-US" dirty="0" smtClean="0"/>
-              <a:t>RA2- True</a:t>
+              <a:t>RA2- </a:t>
+            </a:r>
+            <a:r>
+              <a:rPr lang="en-US" dirty="0" smtClean="0"/>
+              <a:t>False</a:t>
+            </a:r>
+          </a:p>
+          <a:p>
+            <a:r>
+              <a:rPr lang="en-US" dirty="0" smtClean="0"/>
+              <a:t>RA3-True</a:t>
             </a:r>
             <a:endParaRPr lang="en-US" dirty="0"/>
           </a:p>
@@ -10279,7 +10295,7 @@
         <p:spPr>
           <a:xfrm>
             <a:off x="2286000" y="5721928"/>
-            <a:ext cx="1399309" cy="646331"/>
+            <a:ext cx="1399309" cy="923330"/>
           </a:xfrm>
           <a:prstGeom prst="rect">
             <a:avLst/>
@@ -10300,7 +10316,17 @@
           <a:p>
             <a:r>
               <a:rPr lang="en-US" dirty="0" smtClean="0"/>
-              <a:t>RA2- True</a:t>
+              <a:t>RA2- </a:t>
+            </a:r>
+            <a:r>
+              <a:rPr lang="en-US" dirty="0" smtClean="0"/>
+              <a:t>True</a:t>
+            </a:r>
+          </a:p>
+          <a:p>
+            <a:r>
+              <a:rPr lang="en-US" dirty="0" smtClean="0"/>
+              <a:t>RA3-True</a:t>
             </a:r>
             <a:endParaRPr lang="en-US" dirty="0"/>
           </a:p>
@@ -11505,7 +11531,7 @@
         <p:spPr>
           <a:xfrm>
             <a:off x="2286000" y="5721928"/>
-            <a:ext cx="1399309" cy="646331"/>
+            <a:ext cx="1399309" cy="923330"/>
           </a:xfrm>
           <a:prstGeom prst="rect">
             <a:avLst/>
@@ -11526,7 +11552,17 @@
           <a:p>
             <a:r>
               <a:rPr lang="en-US" dirty="0" smtClean="0"/>
-              <a:t>RA2- True</a:t>
+              <a:t>RA2- </a:t>
+            </a:r>
+            <a:r>
+              <a:rPr lang="en-US" dirty="0" smtClean="0"/>
+              <a:t>True</a:t>
+            </a:r>
+          </a:p>
+          <a:p>
+            <a:r>
+              <a:rPr lang="en-US" dirty="0" smtClean="0"/>
+              <a:t>RA3-True</a:t>
             </a:r>
             <a:endParaRPr lang="en-US" dirty="0"/>
           </a:p>
